--- a/Documentation/Documentation Backend/Презентация-Чупинин-Антон-Павлович.pptx
+++ b/Documentation/Documentation Backend/Презентация-Чупинин-Антон-Павлович.pptx
@@ -214,7 +214,7 @@
           <a:p>
             <a:fld id="{ADF28BAD-F9DA-4D7E-AF79-E21FA8ADBBF1}" type="datetimeFigureOut">
               <a:rPr lang="ru-RU" smtClean="0"/>
-              <a:t>24.04.2024</a:t>
+              <a:t>25.04.2024</a:t>
             </a:fld>
             <a:endParaRPr lang="ru-RU"/>
           </a:p>
@@ -628,7 +628,7 @@
           <a:p>
             <a:fld id="{D7AB4555-AE77-4BC7-B6BC-9ED5B9EBCB12}" type="datetime1">
               <a:rPr lang="ru-RU" smtClean="0"/>
-              <a:t>24.04.2024</a:t>
+              <a:t>25.04.2024</a:t>
             </a:fld>
             <a:endParaRPr lang="ru-RU"/>
           </a:p>
@@ -826,7 +826,7 @@
           <a:p>
             <a:fld id="{FA19214F-97FA-4C39-A414-EFA5A00A88FE}" type="datetime1">
               <a:rPr lang="ru-RU" smtClean="0"/>
-              <a:t>24.04.2024</a:t>
+              <a:t>25.04.2024</a:t>
             </a:fld>
             <a:endParaRPr lang="ru-RU"/>
           </a:p>
@@ -1034,7 +1034,7 @@
           <a:p>
             <a:fld id="{4BEE74BB-11C8-4F2D-9C19-380E7A1290C1}" type="datetime1">
               <a:rPr lang="ru-RU" smtClean="0"/>
-              <a:t>24.04.2024</a:t>
+              <a:t>25.04.2024</a:t>
             </a:fld>
             <a:endParaRPr lang="ru-RU"/>
           </a:p>
@@ -1272,7 +1272,7 @@
           <a:p>
             <a:fld id="{2BAC947A-180F-4D82-AC63-C49D80A4E5B0}" type="datetime1">
               <a:rPr lang="ru-RU" smtClean="0"/>
-              <a:t>24.04.2024</a:t>
+              <a:t>25.04.2024</a:t>
             </a:fld>
             <a:endParaRPr lang="ru-RU"/>
           </a:p>
@@ -1555,7 +1555,7 @@
           <a:p>
             <a:fld id="{8E324735-8C40-42F7-9769-1E279094EB74}" type="datetime1">
               <a:rPr lang="ru-RU" smtClean="0"/>
-              <a:t>24.04.2024</a:t>
+              <a:t>25.04.2024</a:t>
             </a:fld>
             <a:endParaRPr lang="ru-RU"/>
           </a:p>
@@ -1820,7 +1820,7 @@
           <a:p>
             <a:fld id="{018C1EA3-C171-436B-8D2B-9688A76B4971}" type="datetime1">
               <a:rPr lang="ru-RU" smtClean="0"/>
-              <a:t>24.04.2024</a:t>
+              <a:t>25.04.2024</a:t>
             </a:fld>
             <a:endParaRPr lang="ru-RU"/>
           </a:p>
@@ -2232,7 +2232,7 @@
           <a:p>
             <a:fld id="{D17EEB80-CE53-489C-8238-322DF4AD3B46}" type="datetime1">
               <a:rPr lang="ru-RU" smtClean="0"/>
-              <a:t>24.04.2024</a:t>
+              <a:t>25.04.2024</a:t>
             </a:fld>
             <a:endParaRPr lang="ru-RU"/>
           </a:p>
@@ -2373,7 +2373,7 @@
           <a:p>
             <a:fld id="{EEE35B50-1F0F-4310-BBC8-4944CDD50B5A}" type="datetime1">
               <a:rPr lang="ru-RU" smtClean="0"/>
-              <a:t>24.04.2024</a:t>
+              <a:t>25.04.2024</a:t>
             </a:fld>
             <a:endParaRPr lang="ru-RU"/>
           </a:p>
@@ -2486,7 +2486,7 @@
           <a:p>
             <a:fld id="{DA361EAA-2D4B-4286-B509-836340345F84}" type="datetime1">
               <a:rPr lang="ru-RU" smtClean="0"/>
-              <a:t>24.04.2024</a:t>
+              <a:t>25.04.2024</a:t>
             </a:fld>
             <a:endParaRPr lang="ru-RU"/>
           </a:p>
@@ -2797,7 +2797,7 @@
           <a:p>
             <a:fld id="{D8A6F7BA-2109-47E1-AD62-382559DA226B}" type="datetime1">
               <a:rPr lang="ru-RU" smtClean="0"/>
-              <a:t>24.04.2024</a:t>
+              <a:t>25.04.2024</a:t>
             </a:fld>
             <a:endParaRPr lang="ru-RU"/>
           </a:p>
@@ -3085,7 +3085,7 @@
           <a:p>
             <a:fld id="{5EFE2794-CDA8-4EA9-BD08-92616DB8DFB6}" type="datetime1">
               <a:rPr lang="ru-RU" smtClean="0"/>
-              <a:t>24.04.2024</a:t>
+              <a:t>25.04.2024</a:t>
             </a:fld>
             <a:endParaRPr lang="ru-RU"/>
           </a:p>
@@ -3326,7 +3326,7 @@
           <a:p>
             <a:fld id="{2375868C-673B-4CA4-A444-ED0A6723E605}" type="datetime1">
               <a:rPr lang="ru-RU" smtClean="0"/>
-              <a:t>24.04.2024</a:t>
+              <a:t>25.04.2024</a:t>
             </a:fld>
             <a:endParaRPr lang="ru-RU"/>
           </a:p>
@@ -5384,15 +5384,21 @@
             <p:ph type="title"/>
           </p:nvPr>
         </p:nvSpPr>
-        <p:spPr/>
+        <p:spPr>
+          <a:xfrm>
+            <a:off x="838200" y="1"/>
+            <a:ext cx="10515600" cy="860360"/>
+          </a:xfrm>
+        </p:spPr>
         <p:txBody>
           <a:bodyPr>
             <a:normAutofit/>
           </a:bodyPr>
           <a:lstStyle/>
           <a:p>
-            <a:r>
-              <a:rPr lang="ru-RU" sz="3600" dirty="0">
+            <a:pPr algn="ctr"/>
+            <a:r>
+              <a:rPr lang="ru-RU" sz="2800" dirty="0">
                 <a:latin typeface="Times New Roman" panose="02020603050405020304" pitchFamily="18" charset="0"/>
                 <a:cs typeface="Times New Roman" panose="02020603050405020304" pitchFamily="18" charset="0"/>
               </a:rPr>
@@ -5454,8 +5460,8 @@
         </p:blipFill>
         <p:spPr>
           <a:xfrm>
-            <a:off x="1138136" y="1521160"/>
-            <a:ext cx="9404731" cy="5336840"/>
+            <a:off x="135336" y="961534"/>
+            <a:ext cx="10407532" cy="5905893"/>
           </a:xfrm>
         </p:spPr>
       </p:pic>
@@ -6019,7 +6025,7 @@
                 <a:latin typeface="Times New Roman" panose="02020603050405020304" pitchFamily="18" charset="0"/>
                 <a:cs typeface="Times New Roman" panose="02020603050405020304" pitchFamily="18" charset="0"/>
               </a:rPr>
-              <a:t>совершенствование процесса приема биологически активных добавок (БАДов) спортсменами и разработке эффективного </a:t>
+              <a:t>совершенствование процесса приема биологически активных добавок (БАДов) спортсменами и разработке </a:t>
             </a:r>
             <a:r>
               <a:rPr lang="ru-RU" sz="2400" dirty="0" err="1">
@@ -6295,7 +6301,7 @@
                 <a:latin typeface="Times New Roman" panose="02020603050405020304" pitchFamily="18" charset="0"/>
                 <a:ea typeface="Times New Roman" panose="02020603050405020304" pitchFamily="18" charset="0"/>
               </a:rPr>
-              <a:t>является процесс управления тренировочной активностью и приёмом биологически активных добавок спортсменами.</a:t>
+              <a:t>является процесс управления приёмом биологически активных добавок спортсменами.</a:t>
             </a:r>
           </a:p>
           <a:p>

--- a/Documentation/Documentation Backend/Презентация-Чупинин-Антон-Павлович.pptx
+++ b/Documentation/Documentation Backend/Презентация-Чупинин-Антон-Павлович.pptx
@@ -5,7 +5,7 @@
     <p:sldMasterId id="2147483648" r:id="rId1"/>
   </p:sldMasterIdLst>
   <p:notesMasterIdLst>
-    <p:notesMasterId r:id="rId20"/>
+    <p:notesMasterId r:id="rId19"/>
   </p:notesMasterIdLst>
   <p:sldIdLst>
     <p:sldId id="256" r:id="rId2"/>
@@ -16,16 +16,15 @@
     <p:sldId id="262" r:id="rId7"/>
     <p:sldId id="263" r:id="rId8"/>
     <p:sldId id="272" r:id="rId9"/>
-    <p:sldId id="274" r:id="rId10"/>
-    <p:sldId id="264" r:id="rId11"/>
-    <p:sldId id="259" r:id="rId12"/>
-    <p:sldId id="271" r:id="rId13"/>
-    <p:sldId id="265" r:id="rId14"/>
-    <p:sldId id="266" r:id="rId15"/>
-    <p:sldId id="267" r:id="rId16"/>
-    <p:sldId id="268" r:id="rId17"/>
-    <p:sldId id="269" r:id="rId18"/>
-    <p:sldId id="270" r:id="rId19"/>
+    <p:sldId id="264" r:id="rId10"/>
+    <p:sldId id="259" r:id="rId11"/>
+    <p:sldId id="265" r:id="rId12"/>
+    <p:sldId id="266" r:id="rId13"/>
+    <p:sldId id="267" r:id="rId14"/>
+    <p:sldId id="268" r:id="rId15"/>
+    <p:sldId id="273" r:id="rId16"/>
+    <p:sldId id="269" r:id="rId17"/>
+    <p:sldId id="270" r:id="rId18"/>
   </p:sldIdLst>
   <p:sldSz cx="12192000" cy="6858000"/>
   <p:notesSz cx="6858000" cy="9144000"/>
@@ -4132,7 +4131,7 @@
           <p:cNvPr id="2" name="Заголовок 1">
             <a:extLst>
               <a:ext uri="{FF2B5EF4-FFF2-40B4-BE49-F238E27FC236}">
-                <a16:creationId xmlns:a16="http://schemas.microsoft.com/office/drawing/2014/main" id="{AA5BC30E-4F68-C6B7-6C4C-2BCF60BAB32B}"/>
+                <a16:creationId xmlns:a16="http://schemas.microsoft.com/office/drawing/2014/main" id="{E3D4920F-6D92-FC3C-8259-04A53E338CE7}"/>
               </a:ext>
             </a:extLst>
           </p:cNvPr>
@@ -4143,7 +4142,12 @@
             <p:ph type="title"/>
           </p:nvPr>
         </p:nvSpPr>
-        <p:spPr/>
+        <p:spPr>
+          <a:xfrm>
+            <a:off x="838200" y="136525"/>
+            <a:ext cx="10515600" cy="1325563"/>
+          </a:xfrm>
+        </p:spPr>
         <p:txBody>
           <a:bodyPr>
             <a:normAutofit/>
@@ -4155,40 +4159,7 @@
                 <a:latin typeface="Times New Roman" panose="02020603050405020304" pitchFamily="18" charset="0"/>
                 <a:cs typeface="Times New Roman" panose="02020603050405020304" pitchFamily="18" charset="0"/>
               </a:rPr>
-              <a:t>Как ранее решалась проблема в заданной предметной области</a:t>
-            </a:r>
-          </a:p>
-        </p:txBody>
-      </p:sp>
-      <p:sp>
-        <p:nvSpPr>
-          <p:cNvPr id="3" name="Объект 2">
-            <a:extLst>
-              <a:ext uri="{FF2B5EF4-FFF2-40B4-BE49-F238E27FC236}">
-                <a16:creationId xmlns:a16="http://schemas.microsoft.com/office/drawing/2014/main" id="{608442DF-A32F-7F47-85D8-9186B8D3863D}"/>
-              </a:ext>
-            </a:extLst>
-          </p:cNvPr>
-          <p:cNvSpPr>
-            <a:spLocks noGrp="1"/>
-          </p:cNvSpPr>
-          <p:nvPr>
-            <p:ph idx="1"/>
-          </p:nvPr>
-        </p:nvSpPr>
-        <p:spPr/>
-        <p:txBody>
-          <a:bodyPr>
-            <a:normAutofit/>
-          </a:bodyPr>
-          <a:lstStyle/>
-          <a:p>
-            <a:r>
-              <a:rPr lang="ru-RU" sz="2400" dirty="0">
-                <a:latin typeface="Times New Roman" panose="02020603050405020304" pitchFamily="18" charset="0"/>
-                <a:cs typeface="Times New Roman" panose="02020603050405020304" pitchFamily="18" charset="0"/>
-              </a:rPr>
-              <a:t>Предыдущий подход к решению этой проблемы в сфере мобильных приложений для здоровья и фитнеса заключался в разработке приложений, специализирующихся на определенных аспектах, таких как отслеживание физической активности или контроль диеты. Такие приложения рассматривались в качестве инструментов для управления отдельными аспектами здорового образа жизни. Однако это означало, что пользователи должны были использовать несколько различных приложений одновременно, чтобы удовлетворить все свои потребности в мониторинге и управлении здоровьем и фитнесом.</a:t>
+              <a:t>Предлагаемое решение.</a:t>
             </a:r>
           </a:p>
         </p:txBody>
@@ -4198,7 +4169,7 @@
           <p:cNvPr id="4" name="Номер слайда 3">
             <a:extLst>
               <a:ext uri="{FF2B5EF4-FFF2-40B4-BE49-F238E27FC236}">
-                <a16:creationId xmlns:a16="http://schemas.microsoft.com/office/drawing/2014/main" id="{C9A4B6C9-3647-FA32-A574-19B8860A4B41}"/>
+                <a16:creationId xmlns:a16="http://schemas.microsoft.com/office/drawing/2014/main" id="{20FF88C8-4B12-2865-6FF2-5DC43BFE0731}"/>
               </a:ext>
             </a:extLst>
           </p:cNvPr>
@@ -4222,10 +4193,39 @@
           </a:p>
         </p:txBody>
       </p:sp>
+      <p:pic>
+        <p:nvPicPr>
+          <p:cNvPr id="9" name="Объект 8">
+            <a:extLst>
+              <a:ext uri="{FF2B5EF4-FFF2-40B4-BE49-F238E27FC236}">
+                <a16:creationId xmlns:a16="http://schemas.microsoft.com/office/drawing/2014/main" id="{3F93B073-5070-AFD4-C616-878AA8EC7F20}"/>
+              </a:ext>
+            </a:extLst>
+          </p:cNvPr>
+          <p:cNvPicPr>
+            <a:picLocks noGrp="1" noChangeAspect="1"/>
+          </p:cNvPicPr>
+          <p:nvPr>
+            <p:ph idx="1"/>
+          </p:nvPr>
+        </p:nvPicPr>
+        <p:blipFill>
+          <a:blip r:embed="rId2"/>
+          <a:stretch>
+            <a:fillRect/>
+          </a:stretch>
+        </p:blipFill>
+        <p:spPr>
+          <a:xfrm>
+            <a:off x="1968691" y="1825625"/>
+            <a:ext cx="8254618" cy="4351338"/>
+          </a:xfrm>
+        </p:spPr>
+      </p:pic>
     </p:spTree>
     <p:extLst>
       <p:ext uri="{BB962C8B-B14F-4D97-AF65-F5344CB8AC3E}">
-        <p14:creationId xmlns:p14="http://schemas.microsoft.com/office/powerpoint/2010/main" val="46434046"/>
+        <p14:creationId xmlns:p14="http://schemas.microsoft.com/office/powerpoint/2010/main" val="1623476207"/>
       </p:ext>
     </p:extLst>
   </p:cSld>
@@ -4257,7 +4257,7 @@
           <p:cNvPr id="2" name="Заголовок 1">
             <a:extLst>
               <a:ext uri="{FF2B5EF4-FFF2-40B4-BE49-F238E27FC236}">
-                <a16:creationId xmlns:a16="http://schemas.microsoft.com/office/drawing/2014/main" id="{E3D4920F-6D92-FC3C-8259-04A53E338CE7}"/>
+                <a16:creationId xmlns:a16="http://schemas.microsoft.com/office/drawing/2014/main" id="{FB318D28-AC72-2995-4870-FF82DBF91E44}"/>
               </a:ext>
             </a:extLst>
           </p:cNvPr>
@@ -4268,12 +4268,7 @@
             <p:ph type="title"/>
           </p:nvPr>
         </p:nvSpPr>
-        <p:spPr>
-          <a:xfrm>
-            <a:off x="838200" y="136525"/>
-            <a:ext cx="10515600" cy="1325563"/>
-          </a:xfrm>
-        </p:spPr>
+        <p:spPr/>
         <p:txBody>
           <a:bodyPr>
             <a:normAutofit/>
@@ -4282,10 +4277,66 @@
           <a:p>
             <a:r>
               <a:rPr lang="ru-RU" sz="3600" dirty="0">
+                <a:solidFill>
+                  <a:srgbClr val="000000"/>
+                </a:solidFill>
+                <a:effectLst/>
+                <a:latin typeface="Times New Roman" panose="02020603050405020304" pitchFamily="18" charset="0"/>
+                <a:ea typeface="Times New Roman" panose="02020603050405020304" pitchFamily="18" charset="0"/>
+              </a:rPr>
+              <a:t>Функциональные требования.</a:t>
+            </a:r>
+            <a:endParaRPr lang="ru-RU" sz="3600" dirty="0"/>
+          </a:p>
+        </p:txBody>
+      </p:sp>
+      <p:sp>
+        <p:nvSpPr>
+          <p:cNvPr id="3" name="Объект 2">
+            <a:extLst>
+              <a:ext uri="{FF2B5EF4-FFF2-40B4-BE49-F238E27FC236}">
+                <a16:creationId xmlns:a16="http://schemas.microsoft.com/office/drawing/2014/main" id="{79160C68-F452-E420-2C7B-C2A2E8FF5288}"/>
+              </a:ext>
+            </a:extLst>
+          </p:cNvPr>
+          <p:cNvSpPr>
+            <a:spLocks noGrp="1"/>
+          </p:cNvSpPr>
+          <p:nvPr>
+            <p:ph idx="1"/>
+          </p:nvPr>
+        </p:nvSpPr>
+        <p:spPr/>
+        <p:txBody>
+          <a:bodyPr>
+            <a:normAutofit/>
+          </a:bodyPr>
+          <a:lstStyle/>
+          <a:p>
+            <a:r>
+              <a:rPr lang="ru-RU" sz="2400" dirty="0">
                 <a:latin typeface="Times New Roman" panose="02020603050405020304" pitchFamily="18" charset="0"/>
                 <a:cs typeface="Times New Roman" panose="02020603050405020304" pitchFamily="18" charset="0"/>
               </a:rPr>
-              <a:t>Предлагаемое решение.</a:t>
+              <a:t>получать напоминания о приеме БАДов</a:t>
+            </a:r>
+          </a:p>
+          <a:p>
+            <a:r>
+              <a:rPr lang="ru-RU" sz="2400" dirty="0">
+                <a:latin typeface="Times New Roman" panose="02020603050405020304" pitchFamily="18" charset="0"/>
+                <a:cs typeface="Times New Roman" panose="02020603050405020304" pitchFamily="18" charset="0"/>
+              </a:rPr>
+              <a:t>отслеживание реакции организма</a:t>
+            </a:r>
+          </a:p>
+          <a:p>
+            <a:r>
+              <a:rPr lang="ru-RU" sz="2400" dirty="0">
+                <a:latin typeface="Times New Roman" panose="02020603050405020304" pitchFamily="18" charset="0"/>
+                <a:cs typeface="Times New Roman" panose="02020603050405020304" pitchFamily="18" charset="0"/>
+              </a:rPr>
+              <a:t>Анализ эффективности добавок.</a:t>
             </a:r>
           </a:p>
         </p:txBody>
@@ -4295,7 +4346,7 @@
           <p:cNvPr id="4" name="Номер слайда 3">
             <a:extLst>
               <a:ext uri="{FF2B5EF4-FFF2-40B4-BE49-F238E27FC236}">
-                <a16:creationId xmlns:a16="http://schemas.microsoft.com/office/drawing/2014/main" id="{20FF88C8-4B12-2865-6FF2-5DC43BFE0731}"/>
+                <a16:creationId xmlns:a16="http://schemas.microsoft.com/office/drawing/2014/main" id="{6018F891-FDAA-FAE9-328C-034288C49CBA}"/>
               </a:ext>
             </a:extLst>
           </p:cNvPr>
@@ -4319,39 +4370,10 @@
           </a:p>
         </p:txBody>
       </p:sp>
-      <p:pic>
-        <p:nvPicPr>
-          <p:cNvPr id="11" name="Объект 10">
-            <a:extLst>
-              <a:ext uri="{FF2B5EF4-FFF2-40B4-BE49-F238E27FC236}">
-                <a16:creationId xmlns:a16="http://schemas.microsoft.com/office/drawing/2014/main" id="{B1D038FA-1105-3DA3-592D-F111D4B8780B}"/>
-              </a:ext>
-            </a:extLst>
-          </p:cNvPr>
-          <p:cNvPicPr>
-            <a:picLocks noGrp="1" noChangeAspect="1"/>
-          </p:cNvPicPr>
-          <p:nvPr>
-            <p:ph idx="1"/>
-          </p:nvPr>
-        </p:nvPicPr>
-        <p:blipFill>
-          <a:blip r:embed="rId2"/>
-          <a:stretch>
-            <a:fillRect/>
-          </a:stretch>
-        </p:blipFill>
-        <p:spPr>
-          <a:xfrm>
-            <a:off x="1342663" y="1101400"/>
-            <a:ext cx="8968451" cy="5437512"/>
-          </a:xfrm>
-        </p:spPr>
-      </p:pic>
     </p:spTree>
     <p:extLst>
       <p:ext uri="{BB962C8B-B14F-4D97-AF65-F5344CB8AC3E}">
-        <p14:creationId xmlns:p14="http://schemas.microsoft.com/office/powerpoint/2010/main" val="1623476207"/>
+        <p14:creationId xmlns:p14="http://schemas.microsoft.com/office/powerpoint/2010/main" val="211052293"/>
       </p:ext>
     </p:extLst>
   </p:cSld>
@@ -4383,7 +4405,7 @@
           <p:cNvPr id="2" name="Заголовок 1">
             <a:extLst>
               <a:ext uri="{FF2B5EF4-FFF2-40B4-BE49-F238E27FC236}">
-                <a16:creationId xmlns:a16="http://schemas.microsoft.com/office/drawing/2014/main" id="{D7B3644C-3510-CDA9-EF6F-63872C57B022}"/>
+                <a16:creationId xmlns:a16="http://schemas.microsoft.com/office/drawing/2014/main" id="{317DEF86-157F-0546-AA65-70CCFD4F124C}"/>
               </a:ext>
             </a:extLst>
           </p:cNvPr>
@@ -4394,57 +4416,39 @@
             <p:ph type="title"/>
           </p:nvPr>
         </p:nvSpPr>
-        <p:spPr/>
-        <p:txBody>
-          <a:bodyPr/>
-          <a:lstStyle/>
-          <a:p>
-            <a:r>
-              <a:rPr lang="ru-RU" sz="3600" dirty="0">
-                <a:latin typeface="Times New Roman" panose="02020603050405020304" pitchFamily="18" charset="0"/>
-                <a:cs typeface="Times New Roman" panose="02020603050405020304" pitchFamily="18" charset="0"/>
-              </a:rPr>
-              <a:t>Предлагаемое решение.</a:t>
-            </a:r>
-            <a:endParaRPr lang="ru-RU" dirty="0"/>
-          </a:p>
-        </p:txBody>
-      </p:sp>
-      <p:pic>
-        <p:nvPicPr>
-          <p:cNvPr id="6" name="Объект 5">
-            <a:extLst>
-              <a:ext uri="{FF2B5EF4-FFF2-40B4-BE49-F238E27FC236}">
-                <a16:creationId xmlns:a16="http://schemas.microsoft.com/office/drawing/2014/main" id="{21198ABE-D0D4-11D6-7928-1AFCD930553A}"/>
-              </a:ext>
-            </a:extLst>
-          </p:cNvPr>
-          <p:cNvPicPr>
-            <a:picLocks noGrp="1" noChangeAspect="1"/>
-          </p:cNvPicPr>
-          <p:nvPr>
-            <p:ph idx="1"/>
-          </p:nvPr>
-        </p:nvPicPr>
-        <p:blipFill>
-          <a:blip r:embed="rId2"/>
-          <a:stretch>
-            <a:fillRect/>
-          </a:stretch>
-        </p:blipFill>
         <p:spPr>
           <a:xfrm>
-            <a:off x="1307940" y="1382959"/>
-            <a:ext cx="8198906" cy="5338516"/>
+            <a:off x="838200" y="0"/>
+            <a:ext cx="10515600" cy="1325563"/>
           </a:xfrm>
         </p:spPr>
-      </p:pic>
+        <p:txBody>
+          <a:bodyPr>
+            <a:normAutofit/>
+          </a:bodyPr>
+          <a:lstStyle/>
+          <a:p>
+            <a:r>
+              <a:rPr lang="ru-RU" sz="3600" dirty="0">
+                <a:solidFill>
+                  <a:srgbClr val="000000"/>
+                </a:solidFill>
+                <a:effectLst/>
+                <a:latin typeface="Times New Roman" panose="02020603050405020304" pitchFamily="18" charset="0"/>
+                <a:ea typeface="Times New Roman" panose="02020603050405020304" pitchFamily="18" charset="0"/>
+              </a:rPr>
+              <a:t>Входные и выходные данные программы</a:t>
+            </a:r>
+            <a:endParaRPr lang="ru-RU" sz="3600" dirty="0"/>
+          </a:p>
+        </p:txBody>
+      </p:sp>
       <p:sp>
         <p:nvSpPr>
           <p:cNvPr id="4" name="Номер слайда 3">
             <a:extLst>
               <a:ext uri="{FF2B5EF4-FFF2-40B4-BE49-F238E27FC236}">
-                <a16:creationId xmlns:a16="http://schemas.microsoft.com/office/drawing/2014/main" id="{18F18AD4-B7D8-CA55-AE41-62D39B46502A}"/>
+                <a16:creationId xmlns:a16="http://schemas.microsoft.com/office/drawing/2014/main" id="{ACC698C5-8C89-B4B5-A328-BCFD9649DB25}"/>
               </a:ext>
             </a:extLst>
           </p:cNvPr>
@@ -4462,17 +4466,171 @@
           <a:p>
             <a:fld id="{313C65D0-8BFA-4A71-89DD-A442071D6E29}" type="slidenum">
               <a:rPr lang="ru-RU" smtClean="0"/>
-              <a:pPr/>
               <a:t>12</a:t>
             </a:fld>
-            <a:endParaRPr lang="ru-RU" dirty="0"/>
+            <a:endParaRPr lang="ru-RU"/>
+          </a:p>
+        </p:txBody>
+      </p:sp>
+      <p:sp>
+        <p:nvSpPr>
+          <p:cNvPr id="8" name="Объект 7">
+            <a:extLst>
+              <a:ext uri="{FF2B5EF4-FFF2-40B4-BE49-F238E27FC236}">
+                <a16:creationId xmlns:a16="http://schemas.microsoft.com/office/drawing/2014/main" id="{3DB0E8ED-238E-E329-6CD9-19CE01A75E97}"/>
+              </a:ext>
+            </a:extLst>
+          </p:cNvPr>
+          <p:cNvSpPr>
+            <a:spLocks noGrp="1"/>
+          </p:cNvSpPr>
+          <p:nvPr>
+            <p:ph idx="1"/>
+          </p:nvPr>
+        </p:nvSpPr>
+        <p:spPr/>
+        <p:txBody>
+          <a:bodyPr>
+            <a:normAutofit/>
+          </a:bodyPr>
+          <a:lstStyle/>
+          <a:p>
+            <a:pPr marL="0" indent="0">
+              <a:buNone/>
+            </a:pPr>
+            <a:r>
+              <a:rPr lang="ru-RU" sz="2400" b="1" dirty="0"/>
+              <a:t>Входные данные</a:t>
+            </a:r>
+            <a:r>
+              <a:rPr lang="en-US" sz="2400" b="1" dirty="0"/>
+              <a:t>:</a:t>
+            </a:r>
+          </a:p>
+          <a:p>
+            <a:r>
+              <a:rPr lang="ru-RU" sz="2400" dirty="0"/>
+              <a:t>Информация о БАДах</a:t>
+            </a:r>
+            <a:r>
+              <a:rPr lang="en-US" sz="2400" dirty="0"/>
+              <a:t>:</a:t>
+            </a:r>
+            <a:r>
+              <a:rPr lang="ru-RU" sz="2400" dirty="0"/>
+              <a:t> название</a:t>
+            </a:r>
+            <a:r>
+              <a:rPr lang="en-US" sz="2400" dirty="0"/>
+              <a:t>,</a:t>
+            </a:r>
+            <a:r>
+              <a:rPr lang="ru-RU" sz="2400" dirty="0"/>
+              <a:t> дозировка</a:t>
+            </a:r>
+            <a:endParaRPr lang="en-US" sz="2400" dirty="0"/>
+          </a:p>
+          <a:p>
+            <a:r>
+              <a:rPr lang="ru-RU" altLang="en-US" sz="2400" dirty="0">
+                <a:latin typeface="Times New Roman" panose="02020603050405020304" charset="0"/>
+                <a:cs typeface="Times New Roman" panose="02020603050405020304" charset="0"/>
+              </a:rPr>
+              <a:t>Персональные данные пользователя (имя, </a:t>
+            </a:r>
+            <a:r>
+              <a:rPr lang="en-US" altLang="en-US" sz="2400" dirty="0">
+                <a:latin typeface="Times New Roman" panose="02020603050405020304" charset="0"/>
+                <a:cs typeface="Times New Roman" panose="02020603050405020304" charset="0"/>
+              </a:rPr>
+              <a:t>email, </a:t>
+            </a:r>
+            <a:r>
+              <a:rPr lang="ru-RU" altLang="en-US" sz="2400" dirty="0">
+                <a:latin typeface="Times New Roman" panose="02020603050405020304" charset="0"/>
+                <a:cs typeface="Times New Roman" panose="02020603050405020304" charset="0"/>
+              </a:rPr>
+              <a:t>пароль)</a:t>
+            </a:r>
+            <a:endParaRPr lang="en-US" altLang="en-US" sz="2400" dirty="0">
+              <a:latin typeface="Times New Roman" panose="02020603050405020304" charset="0"/>
+              <a:cs typeface="Times New Roman" panose="02020603050405020304" charset="0"/>
+            </a:endParaRPr>
+          </a:p>
+          <a:p>
+            <a:r>
+              <a:rPr lang="ru-RU" altLang="en-US" sz="2400" dirty="0">
+                <a:latin typeface="Times New Roman" panose="02020603050405020304" charset="0"/>
+                <a:cs typeface="Times New Roman" panose="02020603050405020304" charset="0"/>
+              </a:rPr>
+              <a:t>Персональные заметки пользователя о воздействии БАДов на организм</a:t>
+            </a:r>
+          </a:p>
+          <a:p>
+            <a:pPr marL="0" indent="0">
+              <a:buNone/>
+            </a:pPr>
+            <a:endParaRPr lang="en-US" sz="2400" dirty="0"/>
+          </a:p>
+          <a:p>
+            <a:pPr marL="0" indent="0">
+              <a:buNone/>
+            </a:pPr>
+            <a:r>
+              <a:rPr lang="ru-RU" sz="2400" b="1" dirty="0"/>
+              <a:t>Выходные данные</a:t>
+            </a:r>
+            <a:r>
+              <a:rPr lang="en-US" sz="2400" b="1" dirty="0"/>
+              <a:t>:</a:t>
+            </a:r>
+          </a:p>
+          <a:p>
+            <a:r>
+              <a:rPr lang="ru-RU" sz="2400" dirty="0"/>
+              <a:t>График приёма БАДов и регулярные напоминая о приеме в нужное время необходимой дозировки</a:t>
+            </a:r>
+          </a:p>
+          <a:p>
+            <a:r>
+              <a:rPr lang="ru-RU" sz="2400" dirty="0"/>
+              <a:t>Персональный анализ действия БАДов на организм</a:t>
+            </a:r>
+            <a:endParaRPr lang="en-US" altLang="en-US" sz="2400" dirty="0">
+              <a:latin typeface="Times New Roman" panose="02020603050405020304" charset="0"/>
+              <a:cs typeface="Times New Roman" panose="02020603050405020304" charset="0"/>
+            </a:endParaRPr>
+          </a:p>
+          <a:p>
+            <a:pPr marL="0" indent="0">
+              <a:buNone/>
+            </a:pPr>
+            <a:endParaRPr lang="ru-RU" altLang="en-US" sz="2400" dirty="0">
+              <a:latin typeface="Times New Roman" panose="02020603050405020304" charset="0"/>
+              <a:cs typeface="Times New Roman" panose="02020603050405020304" charset="0"/>
+            </a:endParaRPr>
+          </a:p>
+          <a:p>
+            <a:endParaRPr lang="en-US" altLang="en-US" sz="2400" dirty="0">
+              <a:latin typeface="Times New Roman" panose="02020603050405020304" charset="0"/>
+              <a:cs typeface="Times New Roman" panose="02020603050405020304" charset="0"/>
+            </a:endParaRPr>
+          </a:p>
+          <a:p>
+            <a:endParaRPr lang="ru-RU" sz="2400" dirty="0"/>
+          </a:p>
+          <a:p>
+            <a:endParaRPr lang="ru-RU" sz="2400" dirty="0"/>
+          </a:p>
+          <a:p>
+            <a:endParaRPr lang="ru-RU" sz="2400" dirty="0"/>
           </a:p>
         </p:txBody>
       </p:sp>
     </p:spTree>
     <p:extLst>
       <p:ext uri="{BB962C8B-B14F-4D97-AF65-F5344CB8AC3E}">
-        <p14:creationId xmlns:p14="http://schemas.microsoft.com/office/powerpoint/2010/main" val="3408924544"/>
+        <p14:creationId xmlns:p14="http://schemas.microsoft.com/office/powerpoint/2010/main" val="276524218"/>
       </p:ext>
     </p:extLst>
   </p:cSld>
@@ -4504,7 +4662,7 @@
           <p:cNvPr id="2" name="Заголовок 1">
             <a:extLst>
               <a:ext uri="{FF2B5EF4-FFF2-40B4-BE49-F238E27FC236}">
-                <a16:creationId xmlns:a16="http://schemas.microsoft.com/office/drawing/2014/main" id="{FB318D28-AC72-2995-4870-FF82DBF91E44}"/>
+                <a16:creationId xmlns:a16="http://schemas.microsoft.com/office/drawing/2014/main" id="{6B5176A3-91AB-CD13-8621-38B3BD335223}"/>
               </a:ext>
             </a:extLst>
           </p:cNvPr>
@@ -4524,16 +4682,11 @@
           <a:p>
             <a:r>
               <a:rPr lang="ru-RU" sz="3600" dirty="0">
-                <a:solidFill>
-                  <a:srgbClr val="000000"/>
-                </a:solidFill>
-                <a:effectLst/>
-                <a:latin typeface="Times New Roman" panose="02020603050405020304" pitchFamily="18" charset="0"/>
-                <a:ea typeface="Times New Roman" panose="02020603050405020304" pitchFamily="18" charset="0"/>
-              </a:rPr>
-              <a:t>Функциональные требования.</a:t>
-            </a:r>
-            <a:endParaRPr lang="ru-RU" sz="3600" dirty="0"/>
+                <a:latin typeface="Times New Roman" panose="02020603050405020304" pitchFamily="18" charset="0"/>
+                <a:cs typeface="Times New Roman" panose="02020603050405020304" pitchFamily="18" charset="0"/>
+              </a:rPr>
+              <a:t>Инструментальные средства, язык, библиотеки</a:t>
+            </a:r>
           </a:p>
         </p:txBody>
       </p:sp>
@@ -4542,7 +4695,7 @@
           <p:cNvPr id="3" name="Объект 2">
             <a:extLst>
               <a:ext uri="{FF2B5EF4-FFF2-40B4-BE49-F238E27FC236}">
-                <a16:creationId xmlns:a16="http://schemas.microsoft.com/office/drawing/2014/main" id="{79160C68-F452-E420-2C7B-C2A2E8FF5288}"/>
+                <a16:creationId xmlns:a16="http://schemas.microsoft.com/office/drawing/2014/main" id="{97A1FD52-BB64-A375-3D16-C93599A80E35}"/>
               </a:ext>
             </a:extLst>
           </p:cNvPr>
@@ -4561,30 +4714,117 @@
           <a:lstStyle/>
           <a:p>
             <a:r>
+              <a:rPr lang="en-US" sz="2400" dirty="0">
+                <a:latin typeface="Times New Roman" panose="02020603050405020304" pitchFamily="18" charset="0"/>
+                <a:cs typeface="Times New Roman" panose="02020603050405020304" pitchFamily="18" charset="0"/>
+              </a:rPr>
+              <a:t>Typescript</a:t>
+            </a:r>
+          </a:p>
+          <a:p>
+            <a:r>
+              <a:rPr lang="en-US" sz="2400" dirty="0" err="1">
+                <a:latin typeface="Times New Roman" panose="02020603050405020304" pitchFamily="18" charset="0"/>
+                <a:cs typeface="Times New Roman" panose="02020603050405020304" pitchFamily="18" charset="0"/>
+              </a:rPr>
+              <a:t>NestJS</a:t>
+            </a:r>
+            <a:r>
+              <a:rPr lang="en-US" sz="2400" dirty="0">
+                <a:latin typeface="Times New Roman" panose="02020603050405020304" pitchFamily="18" charset="0"/>
+                <a:cs typeface="Times New Roman" panose="02020603050405020304" pitchFamily="18" charset="0"/>
+              </a:rPr>
+              <a:t> - </a:t>
+            </a:r>
+            <a:r>
               <a:rPr lang="ru-RU" sz="2400" dirty="0">
                 <a:latin typeface="Times New Roman" panose="02020603050405020304" pitchFamily="18" charset="0"/>
                 <a:cs typeface="Times New Roman" panose="02020603050405020304" pitchFamily="18" charset="0"/>
               </a:rPr>
-              <a:t>получать напоминания о приеме БАДов</a:t>
-            </a:r>
-          </a:p>
-          <a:p>
+              <a:t>фреймворк для разработок</a:t>
+            </a:r>
+            <a:r>
+              <a:rPr lang="en-US" sz="2400" dirty="0">
+                <a:latin typeface="Times New Roman" panose="02020603050405020304" pitchFamily="18" charset="0"/>
+                <a:cs typeface="Times New Roman" panose="02020603050405020304" pitchFamily="18" charset="0"/>
+              </a:rPr>
+              <a:t> </a:t>
+            </a:r>
             <a:r>
               <a:rPr lang="ru-RU" sz="2400" dirty="0">
                 <a:latin typeface="Times New Roman" panose="02020603050405020304" pitchFamily="18" charset="0"/>
                 <a:cs typeface="Times New Roman" panose="02020603050405020304" pitchFamily="18" charset="0"/>
               </a:rPr>
-              <a:t>отслеживание реакции организма</a:t>
-            </a:r>
-          </a:p>
-          <a:p>
+              <a:t>и серверных приложений на Node.js</a:t>
+            </a:r>
+            <a:endParaRPr lang="en-US" sz="2400" dirty="0">
+              <a:latin typeface="Times New Roman" panose="02020603050405020304" pitchFamily="18" charset="0"/>
+              <a:cs typeface="Times New Roman" panose="02020603050405020304" pitchFamily="18" charset="0"/>
+            </a:endParaRPr>
+          </a:p>
+          <a:p>
+            <a:r>
+              <a:rPr lang="en-US" sz="2400" dirty="0">
+                <a:latin typeface="Times New Roman" panose="02020603050405020304" pitchFamily="18" charset="0"/>
+                <a:cs typeface="Times New Roman" panose="02020603050405020304" pitchFamily="18" charset="0"/>
+              </a:rPr>
+              <a:t>Prisma - ORM </a:t>
+            </a:r>
             <a:r>
               <a:rPr lang="ru-RU" sz="2400" dirty="0">
                 <a:latin typeface="Times New Roman" panose="02020603050405020304" pitchFamily="18" charset="0"/>
                 <a:cs typeface="Times New Roman" panose="02020603050405020304" pitchFamily="18" charset="0"/>
               </a:rPr>
-              <a:t>Анализ эффективности добавок.</a:t>
-            </a:r>
+              <a:t>для </a:t>
+            </a:r>
+            <a:r>
+              <a:rPr lang="en-US" sz="2400" dirty="0">
+                <a:latin typeface="Times New Roman" panose="02020603050405020304" pitchFamily="18" charset="0"/>
+                <a:cs typeface="Times New Roman" panose="02020603050405020304" pitchFamily="18" charset="0"/>
+              </a:rPr>
+              <a:t>Node.js</a:t>
+            </a:r>
+            <a:endParaRPr lang="ru-RU" sz="2400" dirty="0">
+              <a:latin typeface="Times New Roman" panose="02020603050405020304" pitchFamily="18" charset="0"/>
+              <a:cs typeface="Times New Roman" panose="02020603050405020304" pitchFamily="18" charset="0"/>
+            </a:endParaRPr>
+          </a:p>
+          <a:p>
+            <a:r>
+              <a:rPr lang="en-US" sz="2400" dirty="0">
+                <a:latin typeface="Times New Roman" panose="02020603050405020304" pitchFamily="18" charset="0"/>
+                <a:cs typeface="Times New Roman" panose="02020603050405020304" pitchFamily="18" charset="0"/>
+              </a:rPr>
+              <a:t>Docker</a:t>
+            </a:r>
+          </a:p>
+          <a:p>
+            <a:r>
+              <a:rPr lang="en-US" sz="2400" dirty="0">
+                <a:latin typeface="Times New Roman" panose="02020603050405020304" pitchFamily="18" charset="0"/>
+                <a:cs typeface="Times New Roman" panose="02020603050405020304" pitchFamily="18" charset="0"/>
+              </a:rPr>
+              <a:t>PostgreSQL</a:t>
+            </a:r>
+          </a:p>
+          <a:p>
+            <a:r>
+              <a:rPr lang="en-US" sz="2400" dirty="0">
+                <a:latin typeface="Times New Roman" panose="02020603050405020304" pitchFamily="18" charset="0"/>
+                <a:cs typeface="Times New Roman" panose="02020603050405020304" pitchFamily="18" charset="0"/>
+              </a:rPr>
+              <a:t>Firebase Cloud Messaging</a:t>
+            </a:r>
+            <a:endParaRPr lang="ru-RU" sz="2400" dirty="0">
+              <a:latin typeface="Times New Roman" panose="02020603050405020304" pitchFamily="18" charset="0"/>
+              <a:cs typeface="Times New Roman" panose="02020603050405020304" pitchFamily="18" charset="0"/>
+            </a:endParaRPr>
+          </a:p>
+          <a:p>
+            <a:endParaRPr lang="ru-RU" sz="2400" dirty="0">
+              <a:latin typeface="Times New Roman" panose="02020603050405020304" pitchFamily="18" charset="0"/>
+              <a:cs typeface="Times New Roman" panose="02020603050405020304" pitchFamily="18" charset="0"/>
+            </a:endParaRPr>
           </a:p>
         </p:txBody>
       </p:sp>
@@ -4593,7 +4833,7 @@
           <p:cNvPr id="4" name="Номер слайда 3">
             <a:extLst>
               <a:ext uri="{FF2B5EF4-FFF2-40B4-BE49-F238E27FC236}">
-                <a16:creationId xmlns:a16="http://schemas.microsoft.com/office/drawing/2014/main" id="{6018F891-FDAA-FAE9-328C-034288C49CBA}"/>
+                <a16:creationId xmlns:a16="http://schemas.microsoft.com/office/drawing/2014/main" id="{0CAE724F-C6C6-2D35-69B3-85471C76E297}"/>
               </a:ext>
             </a:extLst>
           </p:cNvPr>
@@ -4620,7 +4860,7 @@
     </p:spTree>
     <p:extLst>
       <p:ext uri="{BB962C8B-B14F-4D97-AF65-F5344CB8AC3E}">
-        <p14:creationId xmlns:p14="http://schemas.microsoft.com/office/powerpoint/2010/main" val="211052293"/>
+        <p14:creationId xmlns:p14="http://schemas.microsoft.com/office/powerpoint/2010/main" val="1068467355"/>
       </p:ext>
     </p:extLst>
   </p:cSld>
@@ -4652,7 +4892,7 @@
           <p:cNvPr id="2" name="Заголовок 1">
             <a:extLst>
               <a:ext uri="{FF2B5EF4-FFF2-40B4-BE49-F238E27FC236}">
-                <a16:creationId xmlns:a16="http://schemas.microsoft.com/office/drawing/2014/main" id="{317DEF86-157F-0546-AA65-70CCFD4F124C}"/>
+                <a16:creationId xmlns:a16="http://schemas.microsoft.com/office/drawing/2014/main" id="{20117AA3-BE34-D9C6-88E4-A3D799635972}"/>
               </a:ext>
             </a:extLst>
           </p:cNvPr>
@@ -4665,8 +4905,8 @@
         </p:nvSpPr>
         <p:spPr>
           <a:xfrm>
-            <a:off x="838200" y="0"/>
-            <a:ext cx="10515600" cy="1325563"/>
+            <a:off x="838200" y="1"/>
+            <a:ext cx="10515600" cy="860360"/>
           </a:xfrm>
         </p:spPr>
         <p:txBody>
@@ -4675,18 +4915,14 @@
           </a:bodyPr>
           <a:lstStyle/>
           <a:p>
-            <a:r>
-              <a:rPr lang="ru-RU" sz="3600" dirty="0">
-                <a:solidFill>
-                  <a:srgbClr val="000000"/>
-                </a:solidFill>
-                <a:effectLst/>
-                <a:latin typeface="Times New Roman" panose="02020603050405020304" pitchFamily="18" charset="0"/>
-                <a:ea typeface="Times New Roman" panose="02020603050405020304" pitchFamily="18" charset="0"/>
-              </a:rPr>
-              <a:t>Входные и выходные данные программы</a:t>
-            </a:r>
-            <a:endParaRPr lang="ru-RU" sz="3600" dirty="0"/>
+            <a:pPr algn="ctr"/>
+            <a:r>
+              <a:rPr lang="ru-RU" sz="2800" dirty="0">
+                <a:latin typeface="Times New Roman" panose="02020603050405020304" pitchFamily="18" charset="0"/>
+                <a:cs typeface="Times New Roman" panose="02020603050405020304" pitchFamily="18" charset="0"/>
+              </a:rPr>
+              <a:t>Абстрактная структура программы на уровне классов</a:t>
+            </a:r>
           </a:p>
         </p:txBody>
       </p:sp>
@@ -4695,7 +4931,7 @@
           <p:cNvPr id="4" name="Номер слайда 3">
             <a:extLst>
               <a:ext uri="{FF2B5EF4-FFF2-40B4-BE49-F238E27FC236}">
-                <a16:creationId xmlns:a16="http://schemas.microsoft.com/office/drawing/2014/main" id="{ACC698C5-8C89-B4B5-A328-BCFD9649DB25}"/>
+                <a16:creationId xmlns:a16="http://schemas.microsoft.com/office/drawing/2014/main" id="{0FA3CE78-928D-8DC7-2196-E0B7FF81A8B2}"/>
               </a:ext>
             </a:extLst>
           </p:cNvPr>
@@ -4719,399 +4955,39 @@
           </a:p>
         </p:txBody>
       </p:sp>
-      <p:sp>
-        <p:nvSpPr>
-          <p:cNvPr id="8" name="Объект 7">
-            <a:extLst>
-              <a:ext uri="{FF2B5EF4-FFF2-40B4-BE49-F238E27FC236}">
-                <a16:creationId xmlns:a16="http://schemas.microsoft.com/office/drawing/2014/main" id="{3DB0E8ED-238E-E329-6CD9-19CE01A75E97}"/>
-              </a:ext>
-            </a:extLst>
-          </p:cNvPr>
-          <p:cNvSpPr>
-            <a:spLocks noGrp="1"/>
-          </p:cNvSpPr>
+      <p:pic>
+        <p:nvPicPr>
+          <p:cNvPr id="7" name="Объект 6">
+            <a:extLst>
+              <a:ext uri="{FF2B5EF4-FFF2-40B4-BE49-F238E27FC236}">
+                <a16:creationId xmlns:a16="http://schemas.microsoft.com/office/drawing/2014/main" id="{9BC1437F-8730-C0D1-F25B-595F3C4FBE7D}"/>
+              </a:ext>
+            </a:extLst>
+          </p:cNvPr>
+          <p:cNvPicPr>
+            <a:picLocks noGrp="1" noChangeAspect="1"/>
+          </p:cNvPicPr>
           <p:nvPr>
             <p:ph idx="1"/>
           </p:nvPr>
-        </p:nvSpPr>
-        <p:spPr/>
-        <p:txBody>
-          <a:bodyPr>
-            <a:normAutofit fontScale="92500" lnSpcReduction="10000"/>
-          </a:bodyPr>
-          <a:lstStyle/>
-          <a:p>
-            <a:pPr marL="0" indent="0">
-              <a:buNone/>
-            </a:pPr>
-            <a:r>
-              <a:rPr lang="ru-RU" sz="2400" b="1" dirty="0"/>
-              <a:t>Входные данные</a:t>
-            </a:r>
-            <a:r>
-              <a:rPr lang="en-US" sz="2400" b="1" dirty="0"/>
-              <a:t>:</a:t>
-            </a:r>
-          </a:p>
-          <a:p>
-            <a:r>
-              <a:rPr lang="ru-RU" sz="2400" dirty="0"/>
-              <a:t>Информация о БАДах</a:t>
-            </a:r>
-            <a:r>
-              <a:rPr lang="en-US" sz="2400" dirty="0"/>
-              <a:t>:</a:t>
-            </a:r>
-            <a:r>
-              <a:rPr lang="ru-RU" sz="2400" dirty="0"/>
-              <a:t> название</a:t>
-            </a:r>
-            <a:r>
-              <a:rPr lang="en-US" sz="2400" dirty="0"/>
-              <a:t>,</a:t>
-            </a:r>
-            <a:r>
-              <a:rPr lang="ru-RU" sz="2400" dirty="0"/>
-              <a:t> дозировка</a:t>
-            </a:r>
-            <a:endParaRPr lang="en-US" sz="2400" dirty="0"/>
-          </a:p>
-          <a:p>
-            <a:r>
-              <a:rPr lang="en-US" altLang="en-US" sz="2400" dirty="0" err="1">
-                <a:latin typeface="Times New Roman" panose="02020603050405020304" charset="0"/>
-                <a:cs typeface="Times New Roman" panose="02020603050405020304" charset="0"/>
-              </a:rPr>
-              <a:t>Информация</a:t>
-            </a:r>
-            <a:r>
-              <a:rPr lang="en-US" altLang="en-US" sz="2400" dirty="0">
-                <a:latin typeface="Times New Roman" panose="02020603050405020304" charset="0"/>
-                <a:cs typeface="Times New Roman" panose="02020603050405020304" charset="0"/>
-              </a:rPr>
-              <a:t> о </a:t>
-            </a:r>
-            <a:r>
-              <a:rPr lang="en-US" altLang="en-US" sz="2400" dirty="0" err="1">
-                <a:latin typeface="Times New Roman" panose="02020603050405020304" charset="0"/>
-                <a:cs typeface="Times New Roman" panose="02020603050405020304" charset="0"/>
-              </a:rPr>
-              <a:t>тренировках</a:t>
-            </a:r>
-            <a:r>
-              <a:rPr lang="en-US" altLang="en-US" sz="2400" dirty="0">
-                <a:latin typeface="Times New Roman" panose="02020603050405020304" charset="0"/>
-                <a:cs typeface="Times New Roman" panose="02020603050405020304" charset="0"/>
-              </a:rPr>
-              <a:t>: </a:t>
-            </a:r>
-            <a:r>
-              <a:rPr lang="en-US" altLang="en-US" sz="2400" dirty="0" err="1">
-                <a:latin typeface="Times New Roman" panose="02020603050405020304" charset="0"/>
-                <a:cs typeface="Times New Roman" panose="02020603050405020304" charset="0"/>
-              </a:rPr>
-              <a:t>тип</a:t>
-            </a:r>
-            <a:r>
-              <a:rPr lang="en-US" altLang="en-US" sz="2400" dirty="0">
-                <a:latin typeface="Times New Roman" panose="02020603050405020304" charset="0"/>
-                <a:cs typeface="Times New Roman" panose="02020603050405020304" charset="0"/>
-              </a:rPr>
-              <a:t> </a:t>
-            </a:r>
-            <a:r>
-              <a:rPr lang="en-US" altLang="en-US" sz="2400" dirty="0" err="1">
-                <a:latin typeface="Times New Roman" panose="02020603050405020304" charset="0"/>
-                <a:cs typeface="Times New Roman" panose="02020603050405020304" charset="0"/>
-              </a:rPr>
-              <a:t>упражнений</a:t>
-            </a:r>
-            <a:r>
-              <a:rPr lang="en-US" altLang="en-US" sz="2400" dirty="0">
-                <a:latin typeface="Times New Roman" panose="02020603050405020304" charset="0"/>
-                <a:cs typeface="Times New Roman" panose="02020603050405020304" charset="0"/>
-              </a:rPr>
-              <a:t>, </a:t>
-            </a:r>
-            <a:r>
-              <a:rPr lang="en-US" altLang="en-US" sz="2400" dirty="0" err="1">
-                <a:latin typeface="Times New Roman" panose="02020603050405020304" charset="0"/>
-                <a:cs typeface="Times New Roman" panose="02020603050405020304" charset="0"/>
-              </a:rPr>
-              <a:t>длительность</a:t>
-            </a:r>
-            <a:r>
-              <a:rPr lang="en-US" altLang="en-US" sz="2400" dirty="0">
-                <a:latin typeface="Times New Roman" panose="02020603050405020304" charset="0"/>
-                <a:cs typeface="Times New Roman" panose="02020603050405020304" charset="0"/>
-              </a:rPr>
-              <a:t> </a:t>
-            </a:r>
-            <a:r>
-              <a:rPr lang="en-US" altLang="en-US" sz="2400" dirty="0" err="1">
-                <a:latin typeface="Times New Roman" panose="02020603050405020304" charset="0"/>
-                <a:cs typeface="Times New Roman" panose="02020603050405020304" charset="0"/>
-              </a:rPr>
-              <a:t>тренировки</a:t>
-            </a:r>
-            <a:r>
-              <a:rPr lang="en-US" altLang="en-US" sz="2400" dirty="0">
-                <a:latin typeface="Times New Roman" panose="02020603050405020304" charset="0"/>
-                <a:cs typeface="Times New Roman" panose="02020603050405020304" charset="0"/>
-              </a:rPr>
-              <a:t>, </a:t>
-            </a:r>
-            <a:r>
-              <a:rPr lang="en-US" altLang="en-US" sz="2400" dirty="0" err="1">
-                <a:latin typeface="Times New Roman" panose="02020603050405020304" charset="0"/>
-                <a:cs typeface="Times New Roman" panose="02020603050405020304" charset="0"/>
-              </a:rPr>
-              <a:t>интенсивность</a:t>
-            </a:r>
-            <a:r>
-              <a:rPr lang="en-US" altLang="en-US" sz="2400" dirty="0">
-                <a:latin typeface="Times New Roman" panose="02020603050405020304" charset="0"/>
-                <a:cs typeface="Times New Roman" panose="02020603050405020304" charset="0"/>
-              </a:rPr>
-              <a:t> </a:t>
-            </a:r>
-            <a:r>
-              <a:rPr lang="en-US" altLang="en-US" sz="2400" dirty="0" err="1">
-                <a:latin typeface="Times New Roman" panose="02020603050405020304" charset="0"/>
-                <a:cs typeface="Times New Roman" panose="02020603050405020304" charset="0"/>
-              </a:rPr>
-              <a:t>упражнений</a:t>
-            </a:r>
-            <a:r>
-              <a:rPr lang="en-US" altLang="en-US" sz="2400" dirty="0">
-                <a:latin typeface="Times New Roman" panose="02020603050405020304" charset="0"/>
-                <a:cs typeface="Times New Roman" panose="02020603050405020304" charset="0"/>
-              </a:rPr>
-              <a:t>.</a:t>
-            </a:r>
-            <a:endParaRPr lang="en-US" sz="2400" dirty="0"/>
-          </a:p>
-          <a:p>
-            <a:r>
-              <a:rPr lang="ru-RU" altLang="en-US" sz="2400" dirty="0">
-                <a:latin typeface="Times New Roman" panose="02020603050405020304" charset="0"/>
-                <a:cs typeface="Times New Roman" panose="02020603050405020304" charset="0"/>
-              </a:rPr>
-              <a:t>Персональные данные пользователя (имя, </a:t>
-            </a:r>
-            <a:r>
-              <a:rPr lang="en-US" altLang="en-US" sz="2400" dirty="0">
-                <a:latin typeface="Times New Roman" panose="02020603050405020304" charset="0"/>
-                <a:cs typeface="Times New Roman" panose="02020603050405020304" charset="0"/>
-              </a:rPr>
-              <a:t>email, </a:t>
-            </a:r>
-            <a:r>
-              <a:rPr lang="ru-RU" altLang="en-US" sz="2400" dirty="0">
-                <a:latin typeface="Times New Roman" panose="02020603050405020304" charset="0"/>
-                <a:cs typeface="Times New Roman" panose="02020603050405020304" charset="0"/>
-              </a:rPr>
-              <a:t>пароль)</a:t>
-            </a:r>
-          </a:p>
-          <a:p>
-            <a:pPr marL="0" indent="0">
-              <a:buNone/>
-            </a:pPr>
-            <a:endParaRPr lang="en-US" sz="2400" dirty="0"/>
-          </a:p>
-          <a:p>
-            <a:pPr marL="0" indent="0">
-              <a:buNone/>
-            </a:pPr>
-            <a:r>
-              <a:rPr lang="ru-RU" sz="2400" b="1" dirty="0"/>
-              <a:t>Выходные данные</a:t>
-            </a:r>
-            <a:r>
-              <a:rPr lang="en-US" sz="2400" b="1" dirty="0"/>
-              <a:t>:</a:t>
-            </a:r>
-          </a:p>
-          <a:p>
-            <a:r>
-              <a:rPr lang="ru-RU" sz="2400" dirty="0"/>
-              <a:t>График приёма БАДов и регулярные напоминая о приеме в нужное время необходимой дозировки</a:t>
-            </a:r>
-          </a:p>
-          <a:p>
-            <a:r>
-              <a:rPr lang="ru-RU" sz="2400" dirty="0"/>
-              <a:t>Персональный анализ действия БАДов на организм</a:t>
-            </a:r>
-            <a:endParaRPr lang="en-US" sz="2400" dirty="0"/>
-          </a:p>
-          <a:p>
-            <a:r>
-              <a:rPr lang="en-US" altLang="en-US" sz="2400" dirty="0" err="1">
-                <a:latin typeface="Times New Roman" panose="02020603050405020304" charset="0"/>
-                <a:cs typeface="Times New Roman" panose="02020603050405020304" charset="0"/>
-              </a:rPr>
-              <a:t>Персонализированный</a:t>
-            </a:r>
-            <a:r>
-              <a:rPr lang="en-US" altLang="en-US" sz="2400" dirty="0">
-                <a:latin typeface="Times New Roman" panose="02020603050405020304" charset="0"/>
-                <a:cs typeface="Times New Roman" panose="02020603050405020304" charset="0"/>
-              </a:rPr>
-              <a:t> </a:t>
-            </a:r>
-            <a:r>
-              <a:rPr lang="en-US" altLang="en-US" sz="2400" dirty="0" err="1">
-                <a:latin typeface="Times New Roman" panose="02020603050405020304" charset="0"/>
-                <a:cs typeface="Times New Roman" panose="02020603050405020304" charset="0"/>
-              </a:rPr>
-              <a:t>тренировочный</a:t>
-            </a:r>
-            <a:r>
-              <a:rPr lang="en-US" altLang="en-US" sz="2400" dirty="0">
-                <a:latin typeface="Times New Roman" panose="02020603050405020304" charset="0"/>
-                <a:cs typeface="Times New Roman" panose="02020603050405020304" charset="0"/>
-              </a:rPr>
-              <a:t> </a:t>
-            </a:r>
-            <a:r>
-              <a:rPr lang="en-US" altLang="en-US" sz="2400" dirty="0" err="1">
-                <a:latin typeface="Times New Roman" panose="02020603050405020304" charset="0"/>
-                <a:cs typeface="Times New Roman" panose="02020603050405020304" charset="0"/>
-              </a:rPr>
-              <a:t>план</a:t>
-            </a:r>
-            <a:r>
-              <a:rPr lang="en-US" altLang="en-US" sz="2400" dirty="0">
-                <a:latin typeface="Times New Roman" panose="02020603050405020304" charset="0"/>
-                <a:cs typeface="Times New Roman" panose="02020603050405020304" charset="0"/>
-              </a:rPr>
-              <a:t>: </a:t>
-            </a:r>
-            <a:r>
-              <a:rPr lang="en-US" altLang="en-US" sz="2400" dirty="0" err="1">
-                <a:latin typeface="Times New Roman" panose="02020603050405020304" charset="0"/>
-                <a:cs typeface="Times New Roman" panose="02020603050405020304" charset="0"/>
-              </a:rPr>
-              <a:t>упражнения</a:t>
-            </a:r>
-            <a:r>
-              <a:rPr lang="en-US" altLang="en-US" sz="2400" dirty="0">
-                <a:latin typeface="Times New Roman" panose="02020603050405020304" charset="0"/>
-                <a:cs typeface="Times New Roman" panose="02020603050405020304" charset="0"/>
-              </a:rPr>
-              <a:t>, </a:t>
-            </a:r>
-            <a:r>
-              <a:rPr lang="en-US" altLang="en-US" sz="2400" dirty="0" err="1">
-                <a:latin typeface="Times New Roman" panose="02020603050405020304" charset="0"/>
-                <a:cs typeface="Times New Roman" panose="02020603050405020304" charset="0"/>
-              </a:rPr>
-              <a:t>количество</a:t>
-            </a:r>
-            <a:r>
-              <a:rPr lang="en-US" altLang="en-US" sz="2400" dirty="0">
-                <a:latin typeface="Times New Roman" panose="02020603050405020304" charset="0"/>
-                <a:cs typeface="Times New Roman" panose="02020603050405020304" charset="0"/>
-              </a:rPr>
-              <a:t> </a:t>
-            </a:r>
-            <a:r>
-              <a:rPr lang="en-US" altLang="en-US" sz="2400" dirty="0" err="1">
-                <a:latin typeface="Times New Roman" panose="02020603050405020304" charset="0"/>
-                <a:cs typeface="Times New Roman" panose="02020603050405020304" charset="0"/>
-              </a:rPr>
-              <a:t>повторений</a:t>
-            </a:r>
-            <a:r>
-              <a:rPr lang="en-US" altLang="en-US" sz="2400" dirty="0">
-                <a:latin typeface="Times New Roman" panose="02020603050405020304" charset="0"/>
-                <a:cs typeface="Times New Roman" panose="02020603050405020304" charset="0"/>
-              </a:rPr>
-              <a:t> и </a:t>
-            </a:r>
-            <a:r>
-              <a:rPr lang="en-US" altLang="en-US" sz="2400" dirty="0" err="1">
-                <a:latin typeface="Times New Roman" panose="02020603050405020304" charset="0"/>
-                <a:cs typeface="Times New Roman" panose="02020603050405020304" charset="0"/>
-              </a:rPr>
-              <a:t>подходов</a:t>
-            </a:r>
-            <a:r>
-              <a:rPr lang="en-US" altLang="en-US" sz="2400" dirty="0">
-                <a:latin typeface="Times New Roman" panose="02020603050405020304" charset="0"/>
-                <a:cs typeface="Times New Roman" panose="02020603050405020304" charset="0"/>
-              </a:rPr>
-              <a:t>, </a:t>
-            </a:r>
-            <a:r>
-              <a:rPr lang="en-US" altLang="en-US" sz="2400" dirty="0" err="1">
-                <a:latin typeface="Times New Roman" panose="02020603050405020304" charset="0"/>
-                <a:cs typeface="Times New Roman" panose="02020603050405020304" charset="0"/>
-              </a:rPr>
-              <a:t>длительность</a:t>
-            </a:r>
-            <a:r>
-              <a:rPr lang="en-US" altLang="en-US" sz="2400" dirty="0">
-                <a:latin typeface="Times New Roman" panose="02020603050405020304" charset="0"/>
-                <a:cs typeface="Times New Roman" panose="02020603050405020304" charset="0"/>
-              </a:rPr>
-              <a:t> </a:t>
-            </a:r>
-            <a:r>
-              <a:rPr lang="en-US" altLang="en-US" sz="2400" dirty="0" err="1">
-                <a:latin typeface="Times New Roman" panose="02020603050405020304" charset="0"/>
-                <a:cs typeface="Times New Roman" panose="02020603050405020304" charset="0"/>
-              </a:rPr>
-              <a:t>тренировок</a:t>
-            </a:r>
-            <a:r>
-              <a:rPr lang="en-US" altLang="en-US" sz="2400" dirty="0">
-                <a:latin typeface="Times New Roman" panose="02020603050405020304" charset="0"/>
-                <a:cs typeface="Times New Roman" panose="02020603050405020304" charset="0"/>
-              </a:rPr>
-              <a:t>.</a:t>
-            </a:r>
-            <a:endParaRPr lang="ru-RU" altLang="en-US" sz="2400" dirty="0">
-              <a:latin typeface="Times New Roman" panose="02020603050405020304" charset="0"/>
-              <a:cs typeface="Times New Roman" panose="02020603050405020304" charset="0"/>
-            </a:endParaRPr>
-          </a:p>
-          <a:p>
-            <a:endParaRPr lang="en-US" altLang="en-US" sz="2400" dirty="0">
-              <a:latin typeface="Times New Roman" panose="02020603050405020304" charset="0"/>
-              <a:cs typeface="Times New Roman" panose="02020603050405020304" charset="0"/>
-            </a:endParaRPr>
-          </a:p>
-          <a:p>
-            <a:endParaRPr lang="ru-RU" altLang="en-US" sz="2400" dirty="0">
-              <a:latin typeface="Times New Roman" panose="02020603050405020304" charset="0"/>
-              <a:cs typeface="Times New Roman" panose="02020603050405020304" charset="0"/>
-            </a:endParaRPr>
-          </a:p>
-          <a:p>
-            <a:endParaRPr lang="en-US" altLang="en-US" sz="2400" dirty="0">
-              <a:latin typeface="Times New Roman" panose="02020603050405020304" charset="0"/>
-              <a:cs typeface="Times New Roman" panose="02020603050405020304" charset="0"/>
-            </a:endParaRPr>
-          </a:p>
-          <a:p>
-            <a:endParaRPr lang="ru-RU" sz="2400" dirty="0"/>
-          </a:p>
-          <a:p>
-            <a:endParaRPr lang="ru-RU" sz="2400" dirty="0"/>
-          </a:p>
-          <a:p>
-            <a:endParaRPr lang="ru-RU" sz="2400" dirty="0"/>
-          </a:p>
-        </p:txBody>
-      </p:sp>
+        </p:nvPicPr>
+        <p:blipFill>
+          <a:blip r:embed="rId2"/>
+          <a:stretch>
+            <a:fillRect/>
+          </a:stretch>
+        </p:blipFill>
+        <p:spPr>
+          <a:xfrm>
+            <a:off x="1885843" y="966093"/>
+            <a:ext cx="8420314" cy="5572819"/>
+          </a:xfrm>
+        </p:spPr>
+      </p:pic>
     </p:spTree>
     <p:extLst>
       <p:ext uri="{BB962C8B-B14F-4D97-AF65-F5344CB8AC3E}">
-        <p14:creationId xmlns:p14="http://schemas.microsoft.com/office/powerpoint/2010/main" val="276524218"/>
+        <p14:creationId xmlns:p14="http://schemas.microsoft.com/office/powerpoint/2010/main" val="4169343149"/>
       </p:ext>
     </p:extLst>
   </p:cSld>
@@ -5143,7 +5019,7 @@
           <p:cNvPr id="2" name="Заголовок 1">
             <a:extLst>
               <a:ext uri="{FF2B5EF4-FFF2-40B4-BE49-F238E27FC236}">
-                <a16:creationId xmlns:a16="http://schemas.microsoft.com/office/drawing/2014/main" id="{6B5176A3-91AB-CD13-8621-38B3BD335223}"/>
+                <a16:creationId xmlns:a16="http://schemas.microsoft.com/office/drawing/2014/main" id="{76145946-C103-4ADF-9624-AC8B71FE6E01}"/>
               </a:ext>
             </a:extLst>
           </p:cNvPr>
@@ -5156,17 +5032,12 @@
         </p:nvSpPr>
         <p:spPr/>
         <p:txBody>
-          <a:bodyPr>
-            <a:normAutofit/>
-          </a:bodyPr>
-          <a:lstStyle/>
-          <a:p>
-            <a:r>
-              <a:rPr lang="ru-RU" sz="3600" dirty="0">
-                <a:latin typeface="Times New Roman" panose="02020603050405020304" pitchFamily="18" charset="0"/>
-                <a:cs typeface="Times New Roman" panose="02020603050405020304" pitchFamily="18" charset="0"/>
-              </a:rPr>
-              <a:t>Инструментальные средства, язык, библиотеки</a:t>
+          <a:bodyPr/>
+          <a:lstStyle/>
+          <a:p>
+            <a:r>
+              <a:rPr lang="ru-RU" dirty="0"/>
+              <a:t>Требования к Бэкенд части приложения</a:t>
             </a:r>
           </a:p>
         </p:txBody>
@@ -5176,7 +5047,7 @@
           <p:cNvPr id="3" name="Объект 2">
             <a:extLst>
               <a:ext uri="{FF2B5EF4-FFF2-40B4-BE49-F238E27FC236}">
-                <a16:creationId xmlns:a16="http://schemas.microsoft.com/office/drawing/2014/main" id="{97A1FD52-BB64-A375-3D16-C93599A80E35}"/>
+                <a16:creationId xmlns:a16="http://schemas.microsoft.com/office/drawing/2014/main" id="{3190E86E-D813-2F84-6CB8-2AA31E8054ED}"/>
               </a:ext>
             </a:extLst>
           </p:cNvPr>
@@ -5189,123 +5060,38 @@
         </p:nvSpPr>
         <p:spPr/>
         <p:txBody>
-          <a:bodyPr>
-            <a:normAutofit/>
-          </a:bodyPr>
-          <a:lstStyle/>
-          <a:p>
-            <a:r>
-              <a:rPr lang="en-US" sz="2400" dirty="0">
-                <a:latin typeface="Times New Roman" panose="02020603050405020304" pitchFamily="18" charset="0"/>
-                <a:cs typeface="Times New Roman" panose="02020603050405020304" pitchFamily="18" charset="0"/>
-              </a:rPr>
-              <a:t>Typescript</a:t>
-            </a:r>
-          </a:p>
-          <a:p>
-            <a:r>
-              <a:rPr lang="en-US" sz="2400" dirty="0" err="1">
-                <a:latin typeface="Times New Roman" panose="02020603050405020304" pitchFamily="18" charset="0"/>
-                <a:cs typeface="Times New Roman" panose="02020603050405020304" pitchFamily="18" charset="0"/>
-              </a:rPr>
-              <a:t>NestJS</a:t>
-            </a:r>
-            <a:r>
-              <a:rPr lang="en-US" sz="2400" dirty="0">
-                <a:latin typeface="Times New Roman" panose="02020603050405020304" pitchFamily="18" charset="0"/>
-                <a:cs typeface="Times New Roman" panose="02020603050405020304" pitchFamily="18" charset="0"/>
-              </a:rPr>
-              <a:t> - </a:t>
-            </a:r>
-            <a:r>
-              <a:rPr lang="ru-RU" sz="2400" dirty="0">
-                <a:latin typeface="Times New Roman" panose="02020603050405020304" pitchFamily="18" charset="0"/>
-                <a:cs typeface="Times New Roman" panose="02020603050405020304" pitchFamily="18" charset="0"/>
-              </a:rPr>
-              <a:t>фреймворк для разработок</a:t>
-            </a:r>
-            <a:r>
-              <a:rPr lang="en-US" sz="2400" dirty="0">
-                <a:latin typeface="Times New Roman" panose="02020603050405020304" pitchFamily="18" charset="0"/>
-                <a:cs typeface="Times New Roman" panose="02020603050405020304" pitchFamily="18" charset="0"/>
-              </a:rPr>
-              <a:t> </a:t>
-            </a:r>
-            <a:r>
-              <a:rPr lang="ru-RU" sz="2400" dirty="0">
-                <a:latin typeface="Times New Roman" panose="02020603050405020304" pitchFamily="18" charset="0"/>
-                <a:cs typeface="Times New Roman" panose="02020603050405020304" pitchFamily="18" charset="0"/>
-              </a:rPr>
-              <a:t>и серверных приложений на Node.js</a:t>
-            </a:r>
-            <a:endParaRPr lang="en-US" sz="2400" dirty="0">
-              <a:latin typeface="Times New Roman" panose="02020603050405020304" pitchFamily="18" charset="0"/>
-              <a:cs typeface="Times New Roman" panose="02020603050405020304" pitchFamily="18" charset="0"/>
-            </a:endParaRPr>
-          </a:p>
-          <a:p>
-            <a:r>
-              <a:rPr lang="en-US" sz="2400" dirty="0">
-                <a:latin typeface="Times New Roman" panose="02020603050405020304" pitchFamily="18" charset="0"/>
-                <a:cs typeface="Times New Roman" panose="02020603050405020304" pitchFamily="18" charset="0"/>
-              </a:rPr>
-              <a:t>Prisma - ORM </a:t>
-            </a:r>
-            <a:r>
-              <a:rPr lang="ru-RU" sz="2400" dirty="0">
-                <a:latin typeface="Times New Roman" panose="02020603050405020304" pitchFamily="18" charset="0"/>
-                <a:cs typeface="Times New Roman" panose="02020603050405020304" pitchFamily="18" charset="0"/>
-              </a:rPr>
-              <a:t>для </a:t>
-            </a:r>
-            <a:r>
-              <a:rPr lang="en-US" sz="2400" dirty="0">
-                <a:latin typeface="Times New Roman" panose="02020603050405020304" pitchFamily="18" charset="0"/>
-                <a:cs typeface="Times New Roman" panose="02020603050405020304" pitchFamily="18" charset="0"/>
-              </a:rPr>
-              <a:t>Node.js</a:t>
-            </a:r>
-            <a:endParaRPr lang="ru-RU" sz="2400" dirty="0">
-              <a:latin typeface="Times New Roman" panose="02020603050405020304" pitchFamily="18" charset="0"/>
-              <a:cs typeface="Times New Roman" panose="02020603050405020304" pitchFamily="18" charset="0"/>
-            </a:endParaRPr>
-          </a:p>
-          <a:p>
-            <a:r>
-              <a:rPr lang="en-US" sz="2400" dirty="0">
-                <a:latin typeface="Times New Roman" panose="02020603050405020304" pitchFamily="18" charset="0"/>
-                <a:cs typeface="Times New Roman" panose="02020603050405020304" pitchFamily="18" charset="0"/>
-              </a:rPr>
-              <a:t>Docker</a:t>
-            </a:r>
-          </a:p>
-          <a:p>
-            <a:r>
-              <a:rPr lang="en-US" sz="2400" dirty="0">
-                <a:latin typeface="Times New Roman" panose="02020603050405020304" pitchFamily="18" charset="0"/>
-                <a:cs typeface="Times New Roman" panose="02020603050405020304" pitchFamily="18" charset="0"/>
-              </a:rPr>
-              <a:t>PostgreSQL</a:t>
-            </a:r>
-          </a:p>
-          <a:p>
-            <a:r>
-              <a:rPr lang="en-US" sz="2400" dirty="0">
-                <a:latin typeface="Times New Roman" panose="02020603050405020304" pitchFamily="18" charset="0"/>
-                <a:cs typeface="Times New Roman" panose="02020603050405020304" pitchFamily="18" charset="0"/>
-              </a:rPr>
-              <a:t>Firebase Cloud Messaging</a:t>
-            </a:r>
-            <a:endParaRPr lang="ru-RU" sz="2400" dirty="0">
-              <a:latin typeface="Times New Roman" panose="02020603050405020304" pitchFamily="18" charset="0"/>
-              <a:cs typeface="Times New Roman" panose="02020603050405020304" pitchFamily="18" charset="0"/>
-            </a:endParaRPr>
-          </a:p>
-          <a:p>
-            <a:endParaRPr lang="ru-RU" sz="2400" dirty="0">
-              <a:latin typeface="Times New Roman" panose="02020603050405020304" pitchFamily="18" charset="0"/>
-              <a:cs typeface="Times New Roman" panose="02020603050405020304" pitchFamily="18" charset="0"/>
-            </a:endParaRPr>
+          <a:bodyPr/>
+          <a:lstStyle/>
+          <a:p>
+            <a:r>
+              <a:rPr lang="ru-RU" dirty="0"/>
+              <a:t>Реализованные меры безопасности (шифрование, защита от SQL-инъекций и т.д.).</a:t>
+            </a:r>
+          </a:p>
+          <a:p>
+            <a:r>
+              <a:rPr lang="ru-RU" dirty="0"/>
+              <a:t> поддержка отправки уведомлений и напоминаний пользователям о приеме БАДов.</a:t>
+            </a:r>
+          </a:p>
+          <a:p>
+            <a:r>
+              <a:rPr lang="ru-RU" dirty="0"/>
+              <a:t>Должна быть реализована регистрация и аутентификация пользователя </a:t>
+            </a:r>
+            <a:endParaRPr lang="en-US" dirty="0"/>
+          </a:p>
+          <a:p>
+            <a:r>
+              <a:rPr lang="ru-RU" dirty="0"/>
+              <a:t>Легкость в поддержке и расширении</a:t>
+            </a:r>
+          </a:p>
+          <a:p>
+            <a:pPr marL="0" indent="0">
+              <a:buNone/>
+            </a:pPr>
+            <a:endParaRPr lang="ru-RU" dirty="0"/>
           </a:p>
         </p:txBody>
       </p:sp>
@@ -5314,7 +5100,7 @@
           <p:cNvPr id="4" name="Номер слайда 3">
             <a:extLst>
               <a:ext uri="{FF2B5EF4-FFF2-40B4-BE49-F238E27FC236}">
-                <a16:creationId xmlns:a16="http://schemas.microsoft.com/office/drawing/2014/main" id="{0CAE724F-C6C6-2D35-69B3-85471C76E297}"/>
+                <a16:creationId xmlns:a16="http://schemas.microsoft.com/office/drawing/2014/main" id="{A98AD7D0-A190-A422-AC3E-3FFF1F6A82B5}"/>
               </a:ext>
             </a:extLst>
           </p:cNvPr>
@@ -5332,16 +5118,17 @@
           <a:p>
             <a:fld id="{313C65D0-8BFA-4A71-89DD-A442071D6E29}" type="slidenum">
               <a:rPr lang="ru-RU" smtClean="0"/>
+              <a:pPr/>
               <a:t>15</a:t>
             </a:fld>
-            <a:endParaRPr lang="ru-RU"/>
+            <a:endParaRPr lang="ru-RU" dirty="0"/>
           </a:p>
         </p:txBody>
       </p:sp>
     </p:spTree>
     <p:extLst>
       <p:ext uri="{BB962C8B-B14F-4D97-AF65-F5344CB8AC3E}">
-        <p14:creationId xmlns:p14="http://schemas.microsoft.com/office/powerpoint/2010/main" val="1068467355"/>
+        <p14:creationId xmlns:p14="http://schemas.microsoft.com/office/powerpoint/2010/main" val="3762646437"/>
       </p:ext>
     </p:extLst>
   </p:cSld>
@@ -5373,7 +5160,7 @@
           <p:cNvPr id="2" name="Заголовок 1">
             <a:extLst>
               <a:ext uri="{FF2B5EF4-FFF2-40B4-BE49-F238E27FC236}">
-                <a16:creationId xmlns:a16="http://schemas.microsoft.com/office/drawing/2014/main" id="{20117AA3-BE34-D9C6-88E4-A3D799635972}"/>
+                <a16:creationId xmlns:a16="http://schemas.microsoft.com/office/drawing/2014/main" id="{04668D96-67DE-E4E4-1F29-541342AE5DB5}"/>
               </a:ext>
             </a:extLst>
           </p:cNvPr>
@@ -5384,25 +5171,19 @@
             <p:ph type="title"/>
           </p:nvPr>
         </p:nvSpPr>
-        <p:spPr>
-          <a:xfrm>
-            <a:off x="838200" y="1"/>
-            <a:ext cx="10515600" cy="860360"/>
-          </a:xfrm>
-        </p:spPr>
+        <p:spPr/>
         <p:txBody>
           <a:bodyPr>
             <a:normAutofit/>
           </a:bodyPr>
           <a:lstStyle/>
           <a:p>
-            <a:pPr algn="ctr"/>
-            <a:r>
-              <a:rPr lang="ru-RU" sz="2800" dirty="0">
+            <a:r>
+              <a:rPr lang="ru-RU" sz="3600" dirty="0">
                 <a:latin typeface="Times New Roman" panose="02020603050405020304" pitchFamily="18" charset="0"/>
                 <a:cs typeface="Times New Roman" panose="02020603050405020304" pitchFamily="18" charset="0"/>
               </a:rPr>
-              <a:t>Абстрактная структура программы на уровне классов</a:t>
+              <a:t>Абстрактная структура и формат данных </a:t>
             </a:r>
           </a:p>
         </p:txBody>
@@ -5412,7 +5193,7 @@
           <p:cNvPr id="4" name="Номер слайда 3">
             <a:extLst>
               <a:ext uri="{FF2B5EF4-FFF2-40B4-BE49-F238E27FC236}">
-                <a16:creationId xmlns:a16="http://schemas.microsoft.com/office/drawing/2014/main" id="{0FA3CE78-928D-8DC7-2196-E0B7FF81A8B2}"/>
+                <a16:creationId xmlns:a16="http://schemas.microsoft.com/office/drawing/2014/main" id="{6C79C452-7D63-7B4F-243F-ECD2B1C2EACC}"/>
               </a:ext>
             </a:extLst>
           </p:cNvPr>
@@ -5438,10 +5219,10 @@
       </p:sp>
       <p:pic>
         <p:nvPicPr>
-          <p:cNvPr id="16" name="Объект 15">
-            <a:extLst>
-              <a:ext uri="{FF2B5EF4-FFF2-40B4-BE49-F238E27FC236}">
-                <a16:creationId xmlns:a16="http://schemas.microsoft.com/office/drawing/2014/main" id="{1D83A114-DD93-8A73-CFAF-DE131999F6D7}"/>
+          <p:cNvPr id="8" name="Объект 7">
+            <a:extLst>
+              <a:ext uri="{FF2B5EF4-FFF2-40B4-BE49-F238E27FC236}">
+                <a16:creationId xmlns:a16="http://schemas.microsoft.com/office/drawing/2014/main" id="{6B39D524-20ED-E112-8009-DA8E3415DFA7}"/>
               </a:ext>
             </a:extLst>
           </p:cNvPr>
@@ -5460,15 +5241,15 @@
         </p:blipFill>
         <p:spPr>
           <a:xfrm>
-            <a:off x="135336" y="961534"/>
-            <a:ext cx="10407532" cy="5905893"/>
+            <a:off x="1753716" y="1259589"/>
+            <a:ext cx="7721024" cy="5527861"/>
           </a:xfrm>
         </p:spPr>
       </p:pic>
     </p:spTree>
     <p:extLst>
       <p:ext uri="{BB962C8B-B14F-4D97-AF65-F5344CB8AC3E}">
-        <p14:creationId xmlns:p14="http://schemas.microsoft.com/office/powerpoint/2010/main" val="4169343149"/>
+        <p14:creationId xmlns:p14="http://schemas.microsoft.com/office/powerpoint/2010/main" val="489017665"/>
       </p:ext>
     </p:extLst>
   </p:cSld>
@@ -5500,127 +5281,6 @@
           <p:cNvPr id="2" name="Заголовок 1">
             <a:extLst>
               <a:ext uri="{FF2B5EF4-FFF2-40B4-BE49-F238E27FC236}">
-                <a16:creationId xmlns:a16="http://schemas.microsoft.com/office/drawing/2014/main" id="{04668D96-67DE-E4E4-1F29-541342AE5DB5}"/>
-              </a:ext>
-            </a:extLst>
-          </p:cNvPr>
-          <p:cNvSpPr>
-            <a:spLocks noGrp="1"/>
-          </p:cNvSpPr>
-          <p:nvPr>
-            <p:ph type="title"/>
-          </p:nvPr>
-        </p:nvSpPr>
-        <p:spPr/>
-        <p:txBody>
-          <a:bodyPr>
-            <a:normAutofit/>
-          </a:bodyPr>
-          <a:lstStyle/>
-          <a:p>
-            <a:r>
-              <a:rPr lang="ru-RU" sz="3600" dirty="0">
-                <a:latin typeface="Times New Roman" panose="02020603050405020304" pitchFamily="18" charset="0"/>
-                <a:cs typeface="Times New Roman" panose="02020603050405020304" pitchFamily="18" charset="0"/>
-              </a:rPr>
-              <a:t>Абстрактная структура и формат данных </a:t>
-            </a:r>
-          </a:p>
-        </p:txBody>
-      </p:sp>
-      <p:pic>
-        <p:nvPicPr>
-          <p:cNvPr id="6" name="Объект 5">
-            <a:extLst>
-              <a:ext uri="{FF2B5EF4-FFF2-40B4-BE49-F238E27FC236}">
-                <a16:creationId xmlns:a16="http://schemas.microsoft.com/office/drawing/2014/main" id="{AA231DC8-EA51-360E-4316-2E6CE3A25D41}"/>
-              </a:ext>
-            </a:extLst>
-          </p:cNvPr>
-          <p:cNvPicPr>
-            <a:picLocks noGrp="1" noChangeAspect="1"/>
-          </p:cNvPicPr>
-          <p:nvPr>
-            <p:ph idx="1"/>
-          </p:nvPr>
-        </p:nvPicPr>
-        <p:blipFill>
-          <a:blip r:embed="rId2"/>
-          <a:stretch>
-            <a:fillRect/>
-          </a:stretch>
-        </p:blipFill>
-        <p:spPr>
-          <a:xfrm>
-            <a:off x="1553592" y="1373278"/>
-            <a:ext cx="7402933" cy="5165634"/>
-          </a:xfrm>
-        </p:spPr>
-      </p:pic>
-      <p:sp>
-        <p:nvSpPr>
-          <p:cNvPr id="4" name="Номер слайда 3">
-            <a:extLst>
-              <a:ext uri="{FF2B5EF4-FFF2-40B4-BE49-F238E27FC236}">
-                <a16:creationId xmlns:a16="http://schemas.microsoft.com/office/drawing/2014/main" id="{6C79C452-7D63-7B4F-243F-ECD2B1C2EACC}"/>
-              </a:ext>
-            </a:extLst>
-          </p:cNvPr>
-          <p:cNvSpPr>
-            <a:spLocks noGrp="1"/>
-          </p:cNvSpPr>
-          <p:nvPr>
-            <p:ph type="sldNum" sz="quarter" idx="12"/>
-          </p:nvPr>
-        </p:nvSpPr>
-        <p:spPr/>
-        <p:txBody>
-          <a:bodyPr/>
-          <a:lstStyle/>
-          <a:p>
-            <a:fld id="{313C65D0-8BFA-4A71-89DD-A442071D6E29}" type="slidenum">
-              <a:rPr lang="ru-RU" smtClean="0"/>
-              <a:t>17</a:t>
-            </a:fld>
-            <a:endParaRPr lang="ru-RU"/>
-          </a:p>
-        </p:txBody>
-      </p:sp>
-    </p:spTree>
-    <p:extLst>
-      <p:ext uri="{BB962C8B-B14F-4D97-AF65-F5344CB8AC3E}">
-        <p14:creationId xmlns:p14="http://schemas.microsoft.com/office/powerpoint/2010/main" val="489017665"/>
-      </p:ext>
-    </p:extLst>
-  </p:cSld>
-  <p:clrMapOvr>
-    <a:masterClrMapping/>
-  </p:clrMapOvr>
-</p:sld>
-</file>
-
-<file path=ppt/slides/slide18.xml><?xml version="1.0" encoding="utf-8"?>
-<p:sld xmlns:a="http://schemas.openxmlformats.org/drawingml/2006/main" xmlns:r="http://schemas.openxmlformats.org/officeDocument/2006/relationships" xmlns:p="http://schemas.openxmlformats.org/presentationml/2006/main">
-  <p:cSld>
-    <p:spTree>
-      <p:nvGrpSpPr>
-        <p:cNvPr id="1" name=""/>
-        <p:cNvGrpSpPr/>
-        <p:nvPr/>
-      </p:nvGrpSpPr>
-      <p:grpSpPr>
-        <a:xfrm>
-          <a:off x="0" y="0"/>
-          <a:ext cx="0" cy="0"/>
-          <a:chOff x="0" y="0"/>
-          <a:chExt cx="0" cy="0"/>
-        </a:xfrm>
-      </p:grpSpPr>
-      <p:sp>
-        <p:nvSpPr>
-          <p:cNvPr id="2" name="Заголовок 1">
-            <a:extLst>
-              <a:ext uri="{FF2B5EF4-FFF2-40B4-BE49-F238E27FC236}">
                 <a16:creationId xmlns:a16="http://schemas.microsoft.com/office/drawing/2014/main" id="{802976D0-9CCE-116F-8C65-22C83FD95BC4}"/>
               </a:ext>
             </a:extLst>
@@ -5769,7 +5429,7 @@
           <a:p>
             <a:fld id="{313C65D0-8BFA-4A71-89DD-A442071D6E29}" type="slidenum">
               <a:rPr lang="ru-RU" smtClean="0"/>
-              <a:t>18</a:t>
+              <a:t>17</a:t>
             </a:fld>
             <a:endParaRPr lang="ru-RU"/>
           </a:p>
@@ -6783,6 +6443,10 @@
               </a:rPr>
               <a:t> Заметки</a:t>
             </a:r>
+            <a:endParaRPr lang="en-US" sz="2400" dirty="0">
+              <a:latin typeface="Times New Roman" panose="02020603050405020304" pitchFamily="18" charset="0"/>
+              <a:cs typeface="Times New Roman" panose="02020603050405020304" pitchFamily="18" charset="0"/>
+            </a:endParaRPr>
           </a:p>
           <a:p>
             <a:pPr marL="457200" indent="-457200">
@@ -6790,25 +6454,15 @@
               <a:buAutoNum type="arabicPeriod"/>
             </a:pPr>
             <a:r>
-              <a:rPr lang="en-US" sz="2400" dirty="0" err="1">
+              <a:rPr lang="ru-RU" sz="2400" dirty="0"/>
+              <a:t>Рукописный д</a:t>
+            </a:r>
+            <a:r>
+              <a:rPr lang="ru-RU" sz="2400" dirty="0">
                 <a:latin typeface="Times New Roman" panose="02020603050405020304" pitchFamily="18" charset="0"/>
                 <a:cs typeface="Times New Roman" panose="02020603050405020304" pitchFamily="18" charset="0"/>
               </a:rPr>
-              <a:t>MyTherapy</a:t>
-            </a:r>
-            <a:r>
-              <a:rPr lang="en-US" sz="2400" dirty="0">
-                <a:latin typeface="Times New Roman" panose="02020603050405020304" pitchFamily="18" charset="0"/>
-                <a:cs typeface="Times New Roman" panose="02020603050405020304" pitchFamily="18" charset="0"/>
-              </a:rPr>
-              <a:t> –</a:t>
-            </a:r>
-            <a:r>
-              <a:rPr lang="ru-RU" sz="2400" dirty="0">
-                <a:latin typeface="Times New Roman" panose="02020603050405020304" pitchFamily="18" charset="0"/>
-                <a:cs typeface="Times New Roman" panose="02020603050405020304" pitchFamily="18" charset="0"/>
-              </a:rPr>
-              <a:t> напоминание о приеме лекарств</a:t>
+              <a:t>невник употребления БАДов </a:t>
             </a:r>
           </a:p>
           <a:p>
@@ -6817,33 +6471,13 @@
               <a:buAutoNum type="arabicPeriod"/>
             </a:pPr>
             <a:r>
-              <a:rPr lang="ru-RU" sz="2400" dirty="0">
+              <a:rPr lang="en-US" sz="2400" dirty="0" err="1">
                 <a:latin typeface="Times New Roman" panose="02020603050405020304" pitchFamily="18" charset="0"/>
                 <a:cs typeface="Times New Roman" panose="02020603050405020304" pitchFamily="18" charset="0"/>
               </a:rPr>
-              <a:t>Приложения от </a:t>
-            </a:r>
-            <a:r>
-              <a:rPr lang="en-US" sz="2400" dirty="0" err="1">
-                <a:latin typeface="Times New Roman" panose="02020603050405020304" pitchFamily="18" charset="0"/>
-                <a:cs typeface="Times New Roman" panose="02020603050405020304" pitchFamily="18" charset="0"/>
-              </a:rPr>
-              <a:t>BeStronger</a:t>
-            </a:r>
-            <a:r>
-              <a:rPr lang="en-US" sz="2400" dirty="0">
-                <a:latin typeface="Times New Roman" panose="02020603050405020304" pitchFamily="18" charset="0"/>
-                <a:cs typeface="Times New Roman" panose="02020603050405020304" pitchFamily="18" charset="0"/>
-              </a:rPr>
-              <a:t> –</a:t>
-            </a:r>
-            <a:r>
-              <a:rPr lang="ru-RU" sz="2400" dirty="0">
-                <a:latin typeface="Times New Roman" panose="02020603050405020304" pitchFamily="18" charset="0"/>
-                <a:cs typeface="Times New Roman" panose="02020603050405020304" pitchFamily="18" charset="0"/>
-              </a:rPr>
-              <a:t> различные комплексы для тренировок</a:t>
-            </a:r>
+              <a:t>MyTherapy</a:t>
+            </a:r>
+            <a:endParaRPr lang="en-US" sz="2400" dirty="0"/>
           </a:p>
           <a:p>
             <a:pPr marL="457200" indent="-457200">
@@ -6851,37 +6485,10 @@
               <a:buAutoNum type="arabicPeriod"/>
             </a:pPr>
             <a:r>
-              <a:rPr lang="ru-RU" sz="2400" dirty="0">
-                <a:latin typeface="Times New Roman" panose="02020603050405020304" pitchFamily="18" charset="0"/>
-                <a:cs typeface="Times New Roman" panose="02020603050405020304" pitchFamily="18" charset="0"/>
-              </a:rPr>
-              <a:t>Приложение </a:t>
-            </a:r>
-            <a:r>
-              <a:rPr lang="en-US" sz="2400" dirty="0">
-                <a:latin typeface="Times New Roman" panose="02020603050405020304" pitchFamily="18" charset="0"/>
-                <a:cs typeface="Times New Roman" panose="02020603050405020304" pitchFamily="18" charset="0"/>
-              </a:rPr>
-              <a:t>“</a:t>
-            </a:r>
-            <a:r>
-              <a:rPr lang="ru-RU" sz="2400" dirty="0">
-                <a:latin typeface="Times New Roman" panose="02020603050405020304" pitchFamily="18" charset="0"/>
-                <a:cs typeface="Times New Roman" panose="02020603050405020304" pitchFamily="18" charset="0"/>
-              </a:rPr>
-              <a:t>Напоминание и Трекер Таблеток</a:t>
-            </a:r>
-            <a:r>
-              <a:rPr lang="en-US" sz="2400" dirty="0">
-                <a:latin typeface="Times New Roman" panose="02020603050405020304" pitchFamily="18" charset="0"/>
-                <a:cs typeface="Times New Roman" panose="02020603050405020304" pitchFamily="18" charset="0"/>
-              </a:rPr>
-              <a:t>”</a:t>
-            </a:r>
-            <a:endParaRPr lang="ru-RU" sz="2400" dirty="0">
-              <a:latin typeface="Times New Roman" panose="02020603050405020304" pitchFamily="18" charset="0"/>
-              <a:cs typeface="Times New Roman" panose="02020603050405020304" pitchFamily="18" charset="0"/>
-            </a:endParaRPr>
+              <a:rPr lang="en-US" sz="2400" dirty="0" err="1"/>
+              <a:t>Medisafe</a:t>
+            </a:r>
+            <a:endParaRPr lang="en-US" sz="2400" dirty="0"/>
           </a:p>
           <a:p>
             <a:pPr marL="457200" indent="-457200">
@@ -6889,33 +6496,16 @@
               <a:buAutoNum type="arabicPeriod"/>
             </a:pPr>
             <a:r>
-              <a:rPr lang="ru-RU" altLang="en-US" sz="2400" dirty="0" err="1">
-                <a:latin typeface="Times New Roman" panose="02020603050405020304" charset="0"/>
-                <a:cs typeface="Times New Roman" panose="02020603050405020304" charset="0"/>
-              </a:rPr>
-              <a:t>GymUp</a:t>
-            </a:r>
-            <a:r>
-              <a:rPr lang="ru-RU" altLang="en-US" sz="2400" dirty="0">
-                <a:latin typeface="Times New Roman" panose="02020603050405020304" charset="0"/>
-                <a:cs typeface="Times New Roman" panose="02020603050405020304" charset="0"/>
-              </a:rPr>
-              <a:t> </a:t>
-            </a:r>
-            <a:endParaRPr lang="ru-RU" sz="2400" dirty="0">
-              <a:latin typeface="Times New Roman" panose="02020603050405020304" pitchFamily="18" charset="0"/>
-              <a:cs typeface="Times New Roman" panose="02020603050405020304" pitchFamily="18" charset="0"/>
-            </a:endParaRPr>
+              <a:rPr lang="ru-RU" sz="2400" dirty="0"/>
+              <a:t>Мои таблетки</a:t>
+            </a:r>
           </a:p>
           <a:p>
             <a:pPr marL="457200" indent="-457200">
               <a:buFont typeface="+mj-lt"/>
               <a:buAutoNum type="arabicPeriod"/>
             </a:pPr>
-            <a:endParaRPr lang="en-US" sz="2400" dirty="0">
-              <a:latin typeface="Times New Roman" panose="02020603050405020304" pitchFamily="18" charset="0"/>
-              <a:cs typeface="Times New Roman" panose="02020603050405020304" pitchFamily="18" charset="0"/>
-            </a:endParaRPr>
+            <a:endParaRPr lang="ru-RU" sz="2400" dirty="0"/>
           </a:p>
           <a:p>
             <a:pPr marL="457200" indent="-457200">
@@ -7063,10 +6653,10 @@
       </p:sp>
       <p:graphicFrame>
         <p:nvGraphicFramePr>
-          <p:cNvPr id="8" name="Объект 7">
-            <a:extLst>
-              <a:ext uri="{FF2B5EF4-FFF2-40B4-BE49-F238E27FC236}">
-                <a16:creationId xmlns:a16="http://schemas.microsoft.com/office/drawing/2014/main" id="{9BA5035C-E8C3-1B22-0810-7315E951D24C}"/>
+          <p:cNvPr id="6" name="Объект 5">
+            <a:extLst>
+              <a:ext uri="{FF2B5EF4-FFF2-40B4-BE49-F238E27FC236}">
+                <a16:creationId xmlns:a16="http://schemas.microsoft.com/office/drawing/2014/main" id="{8A38D7AC-2008-001A-A63C-1EAB9ED9D74C}"/>
               </a:ext>
             </a:extLst>
           </p:cNvPr>
@@ -7077,14 +6667,14 @@
             <p:ph idx="1"/>
             <p:extLst>
               <p:ext uri="{D42A27DB-BD31-4B8C-83A1-F6EECF244321}">
-                <p14:modId xmlns:p14="http://schemas.microsoft.com/office/powerpoint/2010/main" val="1324500721"/>
+                <p14:modId xmlns:p14="http://schemas.microsoft.com/office/powerpoint/2010/main" val="415494084"/>
               </p:ext>
             </p:extLst>
           </p:nvPr>
         </p:nvGraphicFramePr>
         <p:xfrm>
-          <a:off x="838200" y="1027906"/>
-          <a:ext cx="10515600" cy="5334000"/>
+          <a:off x="838200" y="1825625"/>
+          <a:ext cx="10515600" cy="3870960"/>
         </p:xfrm>
         <a:graphic>
           <a:graphicData uri="http://schemas.openxmlformats.org/drawingml/2006/table">
@@ -7093,38 +6683,31 @@
                 <a:tableStyleId>{9D7B26C5-4107-4FEC-AEDC-1716B250A1EF}</a:tableStyleId>
               </a:tblPr>
               <a:tblGrid>
-                <a:gridCol w="2103120">
+                <a:gridCol w="2628900">
                   <a:extLst>
                     <a:ext uri="{9D8B030D-6E8A-4147-A177-3AD203B41FA5}">
-                      <a16:colId xmlns:a16="http://schemas.microsoft.com/office/drawing/2014/main" val="231938837"/>
+                      <a16:colId xmlns:a16="http://schemas.microsoft.com/office/drawing/2014/main" val="2302931261"/>
                     </a:ext>
                   </a:extLst>
                 </a:gridCol>
-                <a:gridCol w="2103120">
+                <a:gridCol w="2628900">
                   <a:extLst>
                     <a:ext uri="{9D8B030D-6E8A-4147-A177-3AD203B41FA5}">
-                      <a16:colId xmlns:a16="http://schemas.microsoft.com/office/drawing/2014/main" val="2375675058"/>
+                      <a16:colId xmlns:a16="http://schemas.microsoft.com/office/drawing/2014/main" val="1804679588"/>
                     </a:ext>
                   </a:extLst>
                 </a:gridCol>
-                <a:gridCol w="2103120">
+                <a:gridCol w="2628900">
                   <a:extLst>
                     <a:ext uri="{9D8B030D-6E8A-4147-A177-3AD203B41FA5}">
-                      <a16:colId xmlns:a16="http://schemas.microsoft.com/office/drawing/2014/main" val="4183149388"/>
+                      <a16:colId xmlns:a16="http://schemas.microsoft.com/office/drawing/2014/main" val="2448710022"/>
                     </a:ext>
                   </a:extLst>
                 </a:gridCol>
-                <a:gridCol w="2103120">
+                <a:gridCol w="2628900">
                   <a:extLst>
                     <a:ext uri="{9D8B030D-6E8A-4147-A177-3AD203B41FA5}">
-                      <a16:colId xmlns:a16="http://schemas.microsoft.com/office/drawing/2014/main" val="1338610312"/>
-                    </a:ext>
-                  </a:extLst>
-                </a:gridCol>
-                <a:gridCol w="2103120">
-                  <a:extLst>
-                    <a:ext uri="{9D8B030D-6E8A-4147-A177-3AD203B41FA5}">
-                      <a16:colId xmlns:a16="http://schemas.microsoft.com/office/drawing/2014/main" val="3557895760"/>
+                      <a16:colId xmlns:a16="http://schemas.microsoft.com/office/drawing/2014/main" val="1591984691"/>
                     </a:ext>
                   </a:extLst>
                 </a:gridCol>
@@ -7135,7 +6718,7 @@
                     <a:bodyPr/>
                     <a:lstStyle/>
                     <a:p>
-                      <a:endParaRPr lang="ru-RU" sz="1600" dirty="0">
+                      <a:endParaRPr lang="ru-RU" sz="2000" b="0" dirty="0">
                         <a:latin typeface="Times New Roman" panose="02020603050405020304" pitchFamily="18" charset="0"/>
                         <a:cs typeface="Times New Roman" panose="02020603050405020304" pitchFamily="18" charset="0"/>
                       </a:endParaRPr>
@@ -7149,10 +6732,13 @@
                     <a:lstStyle/>
                     <a:p>
                       <a:r>
-                        <a:rPr lang="en-US" sz="1600" dirty="0" err="1"/>
+                        <a:rPr lang="en-US" sz="2000" b="0" dirty="0" err="1">
+                          <a:latin typeface="Times New Roman" panose="02020603050405020304" pitchFamily="18" charset="0"/>
+                          <a:cs typeface="Times New Roman" panose="02020603050405020304" pitchFamily="18" charset="0"/>
+                        </a:rPr>
                         <a:t>MyTherapy</a:t>
                       </a:r>
-                      <a:endParaRPr lang="ru-RU" sz="1600" dirty="0">
+                      <a:endParaRPr lang="ru-RU" sz="2000" b="0" dirty="0">
                         <a:latin typeface="Times New Roman" panose="02020603050405020304" pitchFamily="18" charset="0"/>
                         <a:cs typeface="Times New Roman" panose="02020603050405020304" pitchFamily="18" charset="0"/>
                       </a:endParaRPr>
@@ -7166,10 +6752,13 @@
                     <a:lstStyle/>
                     <a:p>
                       <a:r>
-                        <a:rPr lang="en-US" sz="1600" dirty="0" err="1"/>
-                        <a:t>BeStronger</a:t>
+                        <a:rPr lang="en-US" sz="2000" b="0" dirty="0" err="1">
+                          <a:latin typeface="Times New Roman" panose="02020603050405020304" pitchFamily="18" charset="0"/>
+                          <a:cs typeface="Times New Roman" panose="02020603050405020304" pitchFamily="18" charset="0"/>
+                        </a:rPr>
+                        <a:t>Medisafe</a:t>
                       </a:r>
-                      <a:endParaRPr lang="ru-RU" sz="1600" dirty="0">
+                      <a:endParaRPr lang="ru-RU" sz="2000" b="0" dirty="0">
                         <a:latin typeface="Times New Roman" panose="02020603050405020304" pitchFamily="18" charset="0"/>
                         <a:cs typeface="Times New Roman" panose="02020603050405020304" pitchFamily="18" charset="0"/>
                       </a:endParaRPr>
@@ -7183,10 +6772,139 @@
                     <a:lstStyle/>
                     <a:p>
                       <a:r>
-                        <a:rPr lang="ru-RU" sz="1600" dirty="0"/>
-                        <a:t>Напоминание и Трекер Таблеток</a:t>
+                        <a:rPr lang="ru-RU" sz="2000" b="0" dirty="0">
+                          <a:latin typeface="Times New Roman" panose="02020603050405020304" pitchFamily="18" charset="0"/>
+                          <a:cs typeface="Times New Roman" panose="02020603050405020304" pitchFamily="18" charset="0"/>
+                        </a:rPr>
+                        <a:t>Мои таблетки</a:t>
                       </a:r>
-                      <a:endParaRPr lang="ru-RU" sz="1600" dirty="0">
+                    </a:p>
+                  </a:txBody>
+                  <a:tcPr/>
+                </a:tc>
+                <a:extLst>
+                  <a:ext uri="{0D108BD9-81ED-4DB2-BD59-A6C34878D82A}">
+                    <a16:rowId xmlns:a16="http://schemas.microsoft.com/office/drawing/2014/main" val="2635884591"/>
+                  </a:ext>
+                </a:extLst>
+              </a:tr>
+              <a:tr h="370840">
+                <a:tc>
+                  <a:txBody>
+                    <a:bodyPr/>
+                    <a:lstStyle/>
+                    <a:p>
+                      <a:r>
+                        <a:rPr lang="ru-RU" sz="1800" b="0" dirty="0">
+                          <a:latin typeface="Times New Roman" panose="02020603050405020304" pitchFamily="18" charset="0"/>
+                          <a:cs typeface="Times New Roman" panose="02020603050405020304" pitchFamily="18" charset="0"/>
+                        </a:rPr>
+                        <a:t>Специализация на БАДах</a:t>
+                      </a:r>
+                    </a:p>
+                  </a:txBody>
+                  <a:tcPr/>
+                </a:tc>
+                <a:tc>
+                  <a:txBody>
+                    <a:bodyPr/>
+                    <a:lstStyle/>
+                    <a:p>
+                      <a:r>
+                        <a:rPr lang="ru-RU" sz="1800" b="0" dirty="0">
+                          <a:latin typeface="Times New Roman" panose="02020603050405020304" pitchFamily="18" charset="0"/>
+                          <a:cs typeface="Times New Roman" panose="02020603050405020304" pitchFamily="18" charset="0"/>
+                        </a:rPr>
+                        <a:t>-</a:t>
+                      </a:r>
+                    </a:p>
+                  </a:txBody>
+                  <a:tcPr/>
+                </a:tc>
+                <a:tc>
+                  <a:txBody>
+                    <a:bodyPr/>
+                    <a:lstStyle/>
+                    <a:p>
+                      <a:r>
+                        <a:rPr lang="ru-RU" sz="1800" b="0" dirty="0">
+                          <a:latin typeface="Times New Roman" panose="02020603050405020304" pitchFamily="18" charset="0"/>
+                          <a:cs typeface="Times New Roman" panose="02020603050405020304" pitchFamily="18" charset="0"/>
+                        </a:rPr>
+                        <a:t>-</a:t>
+                      </a:r>
+                    </a:p>
+                  </a:txBody>
+                  <a:tcPr/>
+                </a:tc>
+                <a:tc>
+                  <a:txBody>
+                    <a:bodyPr/>
+                    <a:lstStyle/>
+                    <a:p>
+                      <a:r>
+                        <a:rPr lang="ru-RU" sz="1800" b="0" dirty="0">
+                          <a:latin typeface="Times New Roman" panose="02020603050405020304" pitchFamily="18" charset="0"/>
+                          <a:cs typeface="Times New Roman" panose="02020603050405020304" pitchFamily="18" charset="0"/>
+                        </a:rPr>
+                        <a:t>-</a:t>
+                      </a:r>
+                    </a:p>
+                  </a:txBody>
+                  <a:tcPr/>
+                </a:tc>
+                <a:extLst>
+                  <a:ext uri="{0D108BD9-81ED-4DB2-BD59-A6C34878D82A}">
+                    <a16:rowId xmlns:a16="http://schemas.microsoft.com/office/drawing/2014/main" val="703527476"/>
+                  </a:ext>
+                </a:extLst>
+              </a:tr>
+              <a:tr h="370840">
+                <a:tc>
+                  <a:txBody>
+                    <a:bodyPr/>
+                    <a:lstStyle/>
+                    <a:p>
+                      <a:r>
+                        <a:rPr lang="ru-RU" sz="1800" b="0" dirty="0">
+                          <a:latin typeface="Times New Roman" panose="02020603050405020304" pitchFamily="18" charset="0"/>
+                          <a:cs typeface="Times New Roman" panose="02020603050405020304" pitchFamily="18" charset="0"/>
+                        </a:rPr>
+                        <a:t> возможность интеграции и доработки</a:t>
+                      </a:r>
+                    </a:p>
+                  </a:txBody>
+                  <a:tcPr/>
+                </a:tc>
+                <a:tc>
+                  <a:txBody>
+                    <a:bodyPr/>
+                    <a:lstStyle/>
+                    <a:p>
+                      <a:r>
+                        <a:rPr lang="ru-RU" sz="1800" b="0" dirty="0">
+                          <a:latin typeface="Times New Roman" panose="02020603050405020304" pitchFamily="18" charset="0"/>
+                          <a:cs typeface="Times New Roman" panose="02020603050405020304" pitchFamily="18" charset="0"/>
+                        </a:rPr>
+                        <a:t>-</a:t>
+                      </a:r>
+                    </a:p>
+                  </a:txBody>
+                  <a:tcPr/>
+                </a:tc>
+                <a:tc>
+                  <a:txBody>
+                    <a:bodyPr/>
+                    <a:lstStyle/>
+                    <a:p>
+                      <a:r>
+                        <a:rPr lang="en-US" sz="1800" b="0" dirty="0">
+                          <a:latin typeface="Times New Roman" panose="02020603050405020304" pitchFamily="18" charset="0"/>
+                          <a:cs typeface="Times New Roman" panose="02020603050405020304" pitchFamily="18" charset="0"/>
+                        </a:rPr>
+                        <a:t>-</a:t>
+                      </a:r>
+                      <a:endParaRPr lang="ru-RU" sz="1800" b="0" dirty="0">
                         <a:latin typeface="Times New Roman" panose="02020603050405020304" pitchFamily="18" charset="0"/>
                         <a:cs typeface="Times New Roman" panose="02020603050405020304" pitchFamily="18" charset="0"/>
                       </a:endParaRPr>
@@ -7200,10 +6918,13 @@
                     <a:lstStyle/>
                     <a:p>
                       <a:r>
-                        <a:rPr lang="ru-RU" altLang="en-US" sz="1600" dirty="0" err="1"/>
-                        <a:t>GymUp</a:t>
+                        <a:rPr lang="en-US" sz="1800" b="0" dirty="0">
+                          <a:latin typeface="Times New Roman" panose="02020603050405020304" pitchFamily="18" charset="0"/>
+                          <a:cs typeface="Times New Roman" panose="02020603050405020304" pitchFamily="18" charset="0"/>
+                        </a:rPr>
+                        <a:t>-</a:t>
                       </a:r>
-                      <a:endParaRPr lang="ru-RU" sz="1600" dirty="0">
+                      <a:endParaRPr lang="ru-RU" sz="1800" b="0" dirty="0">
                         <a:latin typeface="Times New Roman" panose="02020603050405020304" pitchFamily="18" charset="0"/>
                         <a:cs typeface="Times New Roman" panose="02020603050405020304" pitchFamily="18" charset="0"/>
                       </a:endParaRPr>
@@ -7213,7 +6934,7 @@
                 </a:tc>
                 <a:extLst>
                   <a:ext uri="{0D108BD9-81ED-4DB2-BD59-A6C34878D82A}">
-                    <a16:rowId xmlns:a16="http://schemas.microsoft.com/office/drawing/2014/main" val="701067574"/>
+                    <a16:rowId xmlns:a16="http://schemas.microsoft.com/office/drawing/2014/main" val="1121552988"/>
                   </a:ext>
                 </a:extLst>
               </a:tr>
@@ -7224,13 +6945,12 @@
                     <a:lstStyle/>
                     <a:p>
                       <a:r>
-                        <a:rPr lang="ru-RU" sz="1600" dirty="0"/>
-                        <a:t>Совмещает тренировки и отслеживание БАДов</a:t>
+                        <a:rPr lang="ru-RU" sz="1800" b="0" dirty="0">
+                          <a:latin typeface="Times New Roman" panose="02020603050405020304" pitchFamily="18" charset="0"/>
+                          <a:cs typeface="Times New Roman" panose="02020603050405020304" pitchFamily="18" charset="0"/>
+                        </a:rPr>
+                        <a:t>Доступность к полному функционалу по бесплатной версии</a:t>
                       </a:r>
-                      <a:endParaRPr lang="ru-RU" sz="1600" dirty="0">
-                        <a:latin typeface="Times New Roman" panose="02020603050405020304" pitchFamily="18" charset="0"/>
-                        <a:cs typeface="Times New Roman" panose="02020603050405020304" pitchFamily="18" charset="0"/>
-                      </a:endParaRPr>
                     </a:p>
                   </a:txBody>
                   <a:tcPr/>
@@ -7241,13 +6961,12 @@
                     <a:lstStyle/>
                     <a:p>
                       <a:r>
-                        <a:rPr lang="ru-RU" sz="1600" dirty="0"/>
-                        <a:t>-</a:t>
+                        <a:rPr lang="ru-RU" sz="1800" b="0" dirty="0">
+                          <a:latin typeface="Times New Roman" panose="02020603050405020304" pitchFamily="18" charset="0"/>
+                          <a:cs typeface="Times New Roman" panose="02020603050405020304" pitchFamily="18" charset="0"/>
+                        </a:rPr>
+                        <a:t>+</a:t>
                       </a:r>
-                      <a:endParaRPr lang="ru-RU" sz="1600" dirty="0">
-                        <a:latin typeface="Times New Roman" panose="02020603050405020304" pitchFamily="18" charset="0"/>
-                        <a:cs typeface="Times New Roman" panose="02020603050405020304" pitchFamily="18" charset="0"/>
-                      </a:endParaRPr>
                     </a:p>
                   </a:txBody>
                   <a:tcPr/>
@@ -7258,13 +6977,12 @@
                     <a:lstStyle/>
                     <a:p>
                       <a:r>
-                        <a:rPr lang="ru-RU" sz="1600" dirty="0"/>
-                        <a:t>-</a:t>
+                        <a:rPr lang="ru-RU" sz="1800" b="0" dirty="0">
+                          <a:latin typeface="Times New Roman" panose="02020603050405020304" pitchFamily="18" charset="0"/>
+                          <a:cs typeface="Times New Roman" panose="02020603050405020304" pitchFamily="18" charset="0"/>
+                        </a:rPr>
+                        <a:t>+ </a:t>
                       </a:r>
-                      <a:endParaRPr lang="ru-RU" sz="1600" dirty="0">
-                        <a:latin typeface="Times New Roman" panose="02020603050405020304" pitchFamily="18" charset="0"/>
-                        <a:cs typeface="Times New Roman" panose="02020603050405020304" pitchFamily="18" charset="0"/>
-                      </a:endParaRPr>
                     </a:p>
                   </a:txBody>
                   <a:tcPr/>
@@ -7275,13 +6993,35 @@
                     <a:lstStyle/>
                     <a:p>
                       <a:r>
-                        <a:rPr lang="ru-RU" sz="1600" dirty="0"/>
-                        <a:t>-</a:t>
+                        <a:rPr lang="ru-RU" sz="1800" b="0" dirty="0">
+                          <a:latin typeface="Times New Roman" panose="02020603050405020304" pitchFamily="18" charset="0"/>
+                          <a:cs typeface="Times New Roman" panose="02020603050405020304" pitchFamily="18" charset="0"/>
+                        </a:rPr>
+                        <a:t>+</a:t>
                       </a:r>
-                      <a:endParaRPr lang="ru-RU" sz="1600" dirty="0">
-                        <a:latin typeface="Times New Roman" panose="02020603050405020304" pitchFamily="18" charset="0"/>
-                        <a:cs typeface="Times New Roman" panose="02020603050405020304" pitchFamily="18" charset="0"/>
-                      </a:endParaRPr>
+                    </a:p>
+                  </a:txBody>
+                  <a:tcPr/>
+                </a:tc>
+                <a:extLst>
+                  <a:ext uri="{0D108BD9-81ED-4DB2-BD59-A6C34878D82A}">
+                    <a16:rowId xmlns:a16="http://schemas.microsoft.com/office/drawing/2014/main" val="1441440513"/>
+                  </a:ext>
+                </a:extLst>
+              </a:tr>
+              <a:tr h="0">
+                <a:tc>
+                  <a:txBody>
+                    <a:bodyPr/>
+                    <a:lstStyle/>
+                    <a:p>
+                      <a:r>
+                        <a:rPr lang="ru-RU" sz="1800" b="0" dirty="0">
+                          <a:latin typeface="Times New Roman" panose="02020603050405020304" pitchFamily="18" charset="0"/>
+                          <a:cs typeface="Times New Roman" panose="02020603050405020304" pitchFamily="18" charset="0"/>
+                        </a:rPr>
+                        <a:t>Наличие дневника</a:t>
+                      </a:r>
                     </a:p>
                   </a:txBody>
                   <a:tcPr/>
@@ -7292,56 +7032,12 @@
                     <a:lstStyle/>
                     <a:p>
                       <a:r>
-                        <a:rPr lang="ru-RU" sz="1600" dirty="0"/>
+                        <a:rPr lang="ru-RU" sz="1800" b="0" dirty="0">
+                          <a:latin typeface="Times New Roman" panose="02020603050405020304" pitchFamily="18" charset="0"/>
+                          <a:cs typeface="Times New Roman" panose="02020603050405020304" pitchFamily="18" charset="0"/>
+                        </a:rPr>
                         <a:t>-</a:t>
                       </a:r>
-                      <a:endParaRPr lang="ru-RU" sz="1600" dirty="0">
-                        <a:latin typeface="Times New Roman" panose="02020603050405020304" pitchFamily="18" charset="0"/>
-                        <a:cs typeface="Times New Roman" panose="02020603050405020304" pitchFamily="18" charset="0"/>
-                      </a:endParaRPr>
-                    </a:p>
-                  </a:txBody>
-                  <a:tcPr/>
-                </a:tc>
-                <a:extLst>
-                  <a:ext uri="{0D108BD9-81ED-4DB2-BD59-A6C34878D82A}">
-                    <a16:rowId xmlns:a16="http://schemas.microsoft.com/office/drawing/2014/main" val="695786895"/>
-                  </a:ext>
-                </a:extLst>
-              </a:tr>
-              <a:tr h="370840">
-                <a:tc>
-                  <a:txBody>
-                    <a:bodyPr/>
-                    <a:lstStyle/>
-                    <a:p>
-                      <a:pPr marL="0" marR="0" lvl="0" indent="0" algn="l" defTabSz="914400" rtl="0" eaLnBrk="1" fontAlgn="auto" latinLnBrk="0" hangingPunct="1">
-                        <a:lnSpc>
-                          <a:spcPct val="100000"/>
-                        </a:lnSpc>
-                        <a:spcBef>
-                          <a:spcPts val="0"/>
-                        </a:spcBef>
-                        <a:spcAft>
-                          <a:spcPts val="0"/>
-                        </a:spcAft>
-                        <a:buClrTx/>
-                        <a:buSzTx/>
-                        <a:buFontTx/>
-                        <a:buNone/>
-                        <a:tabLst/>
-                        <a:defRPr/>
-                      </a:pPr>
-                      <a:r>
-                        <a:rPr lang="ru-RU" altLang="en-US" sz="1600" dirty="0"/>
-                        <a:t>Есть готовая база данных упражнений</a:t>
-                      </a:r>
-                    </a:p>
-                    <a:p>
-                      <a:endParaRPr lang="ru-RU" sz="1600" dirty="0">
-                        <a:latin typeface="Times New Roman" panose="02020603050405020304" pitchFamily="18" charset="0"/>
-                        <a:cs typeface="Times New Roman" panose="02020603050405020304" pitchFamily="18" charset="0"/>
-                      </a:endParaRPr>
                     </a:p>
                   </a:txBody>
                   <a:tcPr/>
@@ -7352,13 +7048,12 @@
                     <a:lstStyle/>
                     <a:p>
                       <a:r>
-                        <a:rPr lang="ru-RU" sz="1600" dirty="0"/>
-                        <a:t>-</a:t>
+                        <a:rPr lang="ru-RU" sz="1800" b="0" dirty="0">
+                          <a:latin typeface="Times New Roman" panose="02020603050405020304" pitchFamily="18" charset="0"/>
+                          <a:cs typeface="Times New Roman" panose="02020603050405020304" pitchFamily="18" charset="0"/>
+                        </a:rPr>
+                        <a:t>+</a:t>
                       </a:r>
-                      <a:endParaRPr lang="ru-RU" sz="1600" dirty="0">
-                        <a:latin typeface="Times New Roman" panose="02020603050405020304" pitchFamily="18" charset="0"/>
-                        <a:cs typeface="Times New Roman" panose="02020603050405020304" pitchFamily="18" charset="0"/>
-                      </a:endParaRPr>
                     </a:p>
                   </a:txBody>
                   <a:tcPr/>
@@ -7369,13 +7064,35 @@
                     <a:lstStyle/>
                     <a:p>
                       <a:r>
-                        <a:rPr lang="ru-RU" sz="1600" dirty="0"/>
-                        <a:t>+</a:t>
+                        <a:rPr lang="ru-RU" sz="1800" b="0" dirty="0">
+                          <a:latin typeface="Times New Roman" panose="02020603050405020304" pitchFamily="18" charset="0"/>
+                          <a:cs typeface="Times New Roman" panose="02020603050405020304" pitchFamily="18" charset="0"/>
+                        </a:rPr>
+                        <a:t>+ (только плат)</a:t>
                       </a:r>
-                      <a:endParaRPr lang="ru-RU" sz="1600" dirty="0">
-                        <a:latin typeface="Times New Roman" panose="02020603050405020304" pitchFamily="18" charset="0"/>
-                        <a:cs typeface="Times New Roman" panose="02020603050405020304" pitchFamily="18" charset="0"/>
-                      </a:endParaRPr>
+                    </a:p>
+                  </a:txBody>
+                  <a:tcPr/>
+                </a:tc>
+                <a:extLst>
+                  <a:ext uri="{0D108BD9-81ED-4DB2-BD59-A6C34878D82A}">
+                    <a16:rowId xmlns:a16="http://schemas.microsoft.com/office/drawing/2014/main" val="3903834056"/>
+                  </a:ext>
+                </a:extLst>
+              </a:tr>
+              <a:tr h="370840">
+                <a:tc>
+                  <a:txBody>
+                    <a:bodyPr/>
+                    <a:lstStyle/>
+                    <a:p>
+                      <a:r>
+                        <a:rPr lang="ru-RU" sz="1800" dirty="0">
+                          <a:latin typeface="Times New Roman" panose="02020603050405020304" pitchFamily="18" charset="0"/>
+                          <a:cs typeface="Times New Roman" panose="02020603050405020304" pitchFamily="18" charset="0"/>
+                        </a:rPr>
+                        <a:t>Удобный неперегруженный дизайн</a:t>
+                      </a:r>
                     </a:p>
                   </a:txBody>
                   <a:tcPr/>
@@ -7386,13 +7103,12 @@
                     <a:lstStyle/>
                     <a:p>
                       <a:r>
-                        <a:rPr lang="ru-RU" sz="1600" dirty="0"/>
-                        <a:t>-</a:t>
+                        <a:rPr lang="ru-RU" sz="1800" dirty="0">
+                          <a:latin typeface="Times New Roman" panose="02020603050405020304" pitchFamily="18" charset="0"/>
+                          <a:cs typeface="Times New Roman" panose="02020603050405020304" pitchFamily="18" charset="0"/>
+                        </a:rPr>
+                        <a:t>+-</a:t>
                       </a:r>
-                      <a:endParaRPr lang="ru-RU" sz="1600" dirty="0">
-                        <a:latin typeface="Times New Roman" panose="02020603050405020304" pitchFamily="18" charset="0"/>
-                        <a:cs typeface="Times New Roman" panose="02020603050405020304" pitchFamily="18" charset="0"/>
-                      </a:endParaRPr>
                     </a:p>
                   </a:txBody>
                   <a:tcPr/>
@@ -7403,60 +7119,12 @@
                     <a:lstStyle/>
                     <a:p>
                       <a:r>
-                        <a:rPr lang="ru-RU" sz="1600" dirty="0"/>
-                        <a:t>+</a:t>
+                        <a:rPr lang="ru-RU" sz="1800" dirty="0">
+                          <a:latin typeface="Times New Roman" panose="02020603050405020304" pitchFamily="18" charset="0"/>
+                          <a:cs typeface="Times New Roman" panose="02020603050405020304" pitchFamily="18" charset="0"/>
+                        </a:rPr>
+                        <a:t>-</a:t>
                       </a:r>
-                      <a:endParaRPr lang="ru-RU" sz="1600" dirty="0">
-                        <a:latin typeface="Times New Roman" panose="02020603050405020304" pitchFamily="18" charset="0"/>
-                        <a:cs typeface="Times New Roman" panose="02020603050405020304" pitchFamily="18" charset="0"/>
-                      </a:endParaRPr>
-                    </a:p>
-                  </a:txBody>
-                  <a:tcPr/>
-                </a:tc>
-                <a:extLst>
-                  <a:ext uri="{0D108BD9-81ED-4DB2-BD59-A6C34878D82A}">
-                    <a16:rowId xmlns:a16="http://schemas.microsoft.com/office/drawing/2014/main" val="501039729"/>
-                  </a:ext>
-                </a:extLst>
-              </a:tr>
-              <a:tr h="370840">
-                <a:tc>
-                  <a:txBody>
-                    <a:bodyPr/>
-                    <a:lstStyle/>
-                    <a:p>
-                      <a:pPr marL="0" marR="0" lvl="0" indent="0" algn="l" defTabSz="914400" rtl="0" eaLnBrk="1" fontAlgn="auto" latinLnBrk="0" hangingPunct="1">
-                        <a:lnSpc>
-                          <a:spcPct val="100000"/>
-                        </a:lnSpc>
-                        <a:spcBef>
-                          <a:spcPts val="0"/>
-                        </a:spcBef>
-                        <a:spcAft>
-                          <a:spcPts val="0"/>
-                        </a:spcAft>
-                        <a:buClrTx/>
-                        <a:buSzTx/>
-                        <a:buFontTx/>
-                        <a:buNone/>
-                        <a:tabLst/>
-                        <a:defRPr/>
-                      </a:pPr>
-                      <a:r>
-                        <a:rPr lang="ru-RU" altLang="en-US" sz="1600" dirty="0">
-                          <a:solidFill>
-                            <a:schemeClr val="tx1"/>
-                          </a:solidFill>
-                        </a:rPr>
-                        <a:t>Наличие функции добавления, редактирования, удаления  упражнений</a:t>
-                      </a:r>
-                    </a:p>
-                    <a:p>
-                      <a:endParaRPr lang="ru-RU" sz="1600" dirty="0">
-                        <a:latin typeface="Times New Roman" panose="02020603050405020304" pitchFamily="18" charset="0"/>
-                        <a:cs typeface="Times New Roman" panose="02020603050405020304" pitchFamily="18" charset="0"/>
-                      </a:endParaRPr>
                     </a:p>
                   </a:txBody>
                   <a:tcPr/>
@@ -7467,203 +7135,19 @@
                     <a:lstStyle/>
                     <a:p>
                       <a:r>
-                        <a:rPr lang="ru-RU" sz="1600" dirty="0"/>
-                        <a:t>-</a:t>
-                      </a:r>
-                      <a:endParaRPr lang="ru-RU" sz="1600" dirty="0">
-                        <a:latin typeface="Times New Roman" panose="02020603050405020304" pitchFamily="18" charset="0"/>
-                        <a:cs typeface="Times New Roman" panose="02020603050405020304" pitchFamily="18" charset="0"/>
-                      </a:endParaRPr>
-                    </a:p>
-                  </a:txBody>
-                  <a:tcPr/>
-                </a:tc>
-                <a:tc>
-                  <a:txBody>
-                    <a:bodyPr/>
-                    <a:lstStyle/>
-                    <a:p>
-                      <a:r>
-                        <a:rPr lang="ru-RU" sz="1600" dirty="0"/>
-                        <a:t>-</a:t>
-                      </a:r>
-                      <a:endParaRPr lang="ru-RU" sz="1600" dirty="0">
-                        <a:latin typeface="Times New Roman" panose="02020603050405020304" pitchFamily="18" charset="0"/>
-                        <a:cs typeface="Times New Roman" panose="02020603050405020304" pitchFamily="18" charset="0"/>
-                      </a:endParaRPr>
-                    </a:p>
-                  </a:txBody>
-                  <a:tcPr/>
-                </a:tc>
-                <a:tc>
-                  <a:txBody>
-                    <a:bodyPr/>
-                    <a:lstStyle/>
-                    <a:p>
-                      <a:r>
-                        <a:rPr lang="ru-RU" sz="1600" dirty="0"/>
-                        <a:t>-</a:t>
-                      </a:r>
-                      <a:endParaRPr lang="ru-RU" sz="1600" dirty="0">
-                        <a:latin typeface="Times New Roman" panose="02020603050405020304" pitchFamily="18" charset="0"/>
-                        <a:cs typeface="Times New Roman" panose="02020603050405020304" pitchFamily="18" charset="0"/>
-                      </a:endParaRPr>
-                    </a:p>
-                  </a:txBody>
-                  <a:tcPr/>
-                </a:tc>
-                <a:tc>
-                  <a:txBody>
-                    <a:bodyPr/>
-                    <a:lstStyle/>
-                    <a:p>
-                      <a:r>
-                        <a:rPr lang="ru-RU" sz="1600" dirty="0"/>
+                        <a:rPr lang="ru-RU" sz="1800" dirty="0">
+                          <a:latin typeface="Times New Roman" panose="02020603050405020304" pitchFamily="18" charset="0"/>
+                          <a:cs typeface="Times New Roman" panose="02020603050405020304" pitchFamily="18" charset="0"/>
+                        </a:rPr>
                         <a:t>+</a:t>
                       </a:r>
-                      <a:endParaRPr lang="ru-RU" sz="1600" dirty="0">
-                        <a:latin typeface="Times New Roman" panose="02020603050405020304" pitchFamily="18" charset="0"/>
-                        <a:cs typeface="Times New Roman" panose="02020603050405020304" pitchFamily="18" charset="0"/>
-                      </a:endParaRPr>
                     </a:p>
                   </a:txBody>
                   <a:tcPr/>
                 </a:tc>
                 <a:extLst>
                   <a:ext uri="{0D108BD9-81ED-4DB2-BD59-A6C34878D82A}">
-                    <a16:rowId xmlns:a16="http://schemas.microsoft.com/office/drawing/2014/main" val="3127354894"/>
-                  </a:ext>
-                </a:extLst>
-              </a:tr>
-              <a:tr h="370840">
-                <a:tc>
-                  <a:txBody>
-                    <a:bodyPr/>
-                    <a:lstStyle/>
-                    <a:p>
-                      <a:pPr marL="0" marR="0" lvl="0" indent="0" algn="l" defTabSz="914400" rtl="0" eaLnBrk="1" fontAlgn="auto" latinLnBrk="0" hangingPunct="1">
-                        <a:lnSpc>
-                          <a:spcPct val="100000"/>
-                        </a:lnSpc>
-                        <a:spcBef>
-                          <a:spcPts val="0"/>
-                        </a:spcBef>
-                        <a:spcAft>
-                          <a:spcPts val="0"/>
-                        </a:spcAft>
-                        <a:buClrTx/>
-                        <a:buSzTx/>
-                        <a:buFontTx/>
-                        <a:buNone/>
-                        <a:tabLst/>
-                        <a:defRPr/>
-                      </a:pPr>
-                      <a:r>
-                        <a:rPr lang="ru-RU" altLang="en-US" sz="1600" dirty="0">
-                          <a:solidFill>
-                            <a:schemeClr val="tx1"/>
-                          </a:solidFill>
-                        </a:rPr>
-                        <a:t>Добавление курса употребления лекарственных средства</a:t>
-                      </a:r>
-                    </a:p>
-                    <a:p>
-                      <a:pPr marL="0" marR="0" lvl="0" indent="0" algn="l" defTabSz="914400" rtl="0" eaLnBrk="1" fontAlgn="auto" latinLnBrk="0" hangingPunct="1">
-                        <a:lnSpc>
-                          <a:spcPct val="100000"/>
-                        </a:lnSpc>
-                        <a:spcBef>
-                          <a:spcPts val="0"/>
-                        </a:spcBef>
-                        <a:spcAft>
-                          <a:spcPts val="0"/>
-                        </a:spcAft>
-                        <a:buClrTx/>
-                        <a:buSzTx/>
-                        <a:buFontTx/>
-                        <a:buNone/>
-                        <a:tabLst/>
-                        <a:defRPr/>
-                      </a:pPr>
-                      <a:endParaRPr lang="ru-RU" sz="1600" dirty="0">
-                        <a:latin typeface="Times New Roman" panose="02020603050405020304" pitchFamily="18" charset="0"/>
-                        <a:cs typeface="Times New Roman" panose="02020603050405020304" pitchFamily="18" charset="0"/>
-                      </a:endParaRPr>
-                    </a:p>
-                  </a:txBody>
-                  <a:tcPr/>
-                </a:tc>
-                <a:tc>
-                  <a:txBody>
-                    <a:bodyPr/>
-                    <a:lstStyle/>
-                    <a:p>
-                      <a:r>
-                        <a:rPr lang="ru-RU" sz="1600" dirty="0"/>
-                        <a:t>+</a:t>
-                      </a:r>
-                      <a:endParaRPr lang="ru-RU" sz="1600" dirty="0">
-                        <a:latin typeface="Times New Roman" panose="02020603050405020304" pitchFamily="18" charset="0"/>
-                        <a:cs typeface="Times New Roman" panose="02020603050405020304" pitchFamily="18" charset="0"/>
-                      </a:endParaRPr>
-                    </a:p>
-                  </a:txBody>
-                  <a:tcPr/>
-                </a:tc>
-                <a:tc>
-                  <a:txBody>
-                    <a:bodyPr/>
-                    <a:lstStyle/>
-                    <a:p>
-                      <a:r>
-                        <a:rPr lang="ru-RU" sz="1600" dirty="0"/>
-                        <a:t>-</a:t>
-                      </a:r>
-                      <a:endParaRPr lang="ru-RU" sz="1600" dirty="0">
-                        <a:latin typeface="Times New Roman" panose="02020603050405020304" pitchFamily="18" charset="0"/>
-                        <a:cs typeface="Times New Roman" panose="02020603050405020304" pitchFamily="18" charset="0"/>
-                      </a:endParaRPr>
-                    </a:p>
-                  </a:txBody>
-                  <a:tcPr/>
-                </a:tc>
-                <a:tc>
-                  <a:txBody>
-                    <a:bodyPr/>
-                    <a:lstStyle/>
-                    <a:p>
-                      <a:r>
-                        <a:rPr lang="ru-RU" sz="1600" dirty="0"/>
-                        <a:t>+</a:t>
-                      </a:r>
-                      <a:endParaRPr lang="ru-RU" sz="1600" dirty="0">
-                        <a:latin typeface="Times New Roman" panose="02020603050405020304" pitchFamily="18" charset="0"/>
-                        <a:cs typeface="Times New Roman" panose="02020603050405020304" pitchFamily="18" charset="0"/>
-                      </a:endParaRPr>
-                    </a:p>
-                  </a:txBody>
-                  <a:tcPr/>
-                </a:tc>
-                <a:tc>
-                  <a:txBody>
-                    <a:bodyPr/>
-                    <a:lstStyle/>
-                    <a:p>
-                      <a:r>
-                        <a:rPr lang="ru-RU" sz="1600" dirty="0"/>
-                        <a:t>-</a:t>
-                      </a:r>
-                      <a:endParaRPr lang="ru-RU" sz="1600" dirty="0">
-                        <a:latin typeface="Times New Roman" panose="02020603050405020304" pitchFamily="18" charset="0"/>
-                        <a:cs typeface="Times New Roman" panose="02020603050405020304" pitchFamily="18" charset="0"/>
-                      </a:endParaRPr>
-                    </a:p>
-                  </a:txBody>
-                  <a:tcPr/>
-                </a:tc>
-                <a:extLst>
-                  <a:ext uri="{0D108BD9-81ED-4DB2-BD59-A6C34878D82A}">
-                    <a16:rowId xmlns:a16="http://schemas.microsoft.com/office/drawing/2014/main" val="4003450102"/>
+                    <a16:rowId xmlns:a16="http://schemas.microsoft.com/office/drawing/2014/main" val="4011643598"/>
                   </a:ext>
                 </a:extLst>
               </a:tr>
@@ -7706,7 +7190,7 @@
           <p:cNvPr id="2" name="Заголовок 1">
             <a:extLst>
               <a:ext uri="{FF2B5EF4-FFF2-40B4-BE49-F238E27FC236}">
-                <a16:creationId xmlns:a16="http://schemas.microsoft.com/office/drawing/2014/main" id="{8D585BB3-5C51-F287-9241-5DDB7C2322DE}"/>
+                <a16:creationId xmlns:a16="http://schemas.microsoft.com/office/drawing/2014/main" id="{AA5BC30E-4F68-C6B7-6C4C-2BCF60BAB32B}"/>
               </a:ext>
             </a:extLst>
           </p:cNvPr>
@@ -7719,37 +7203,56 @@
         </p:nvSpPr>
         <p:spPr/>
         <p:txBody>
-          <a:bodyPr/>
+          <a:bodyPr>
+            <a:normAutofit/>
+          </a:bodyPr>
           <a:lstStyle/>
           <a:p>
             <a:r>
               <a:rPr lang="ru-RU" sz="3600" dirty="0">
-                <a:solidFill>
-                  <a:srgbClr val="000000"/>
-                </a:solidFill>
-                <a:effectLst/>
-                <a:latin typeface="Times New Roman" panose="02020603050405020304" pitchFamily="18" charset="0"/>
-                <a:ea typeface="Times New Roman" panose="02020603050405020304" pitchFamily="18" charset="0"/>
-              </a:rPr>
-              <a:t>Обзор аналогов</a:t>
-            </a:r>
-            <a:br>
-              <a:rPr lang="ru-RU" sz="3600" dirty="0">
-                <a:effectLst/>
-                <a:latin typeface="Times New Roman" panose="02020603050405020304" pitchFamily="18" charset="0"/>
-                <a:ea typeface="Times New Roman" panose="02020603050405020304" pitchFamily="18" charset="0"/>
-              </a:rPr>
-            </a:br>
-            <a:endParaRPr lang="ru-RU" dirty="0"/>
-          </a:p>
-        </p:txBody>
-      </p:sp>
+                <a:latin typeface="Times New Roman" panose="02020603050405020304" pitchFamily="18" charset="0"/>
+                <a:cs typeface="Times New Roman" panose="02020603050405020304" pitchFamily="18" charset="0"/>
+              </a:rPr>
+              <a:t>Как ранее решалась проблема в заданной предметной области</a:t>
+            </a:r>
+          </a:p>
+        </p:txBody>
+      </p:sp>
+      <p:pic>
+        <p:nvPicPr>
+          <p:cNvPr id="6" name="Объект 5">
+            <a:extLst>
+              <a:ext uri="{FF2B5EF4-FFF2-40B4-BE49-F238E27FC236}">
+                <a16:creationId xmlns:a16="http://schemas.microsoft.com/office/drawing/2014/main" id="{5E080AAA-9742-5626-A43D-34A4CA9941E5}"/>
+              </a:ext>
+            </a:extLst>
+          </p:cNvPr>
+          <p:cNvPicPr>
+            <a:picLocks noGrp="1" noChangeAspect="1"/>
+          </p:cNvPicPr>
+          <p:nvPr>
+            <p:ph idx="1"/>
+          </p:nvPr>
+        </p:nvPicPr>
+        <p:blipFill>
+          <a:blip r:embed="rId2"/>
+          <a:stretch>
+            <a:fillRect/>
+          </a:stretch>
+        </p:blipFill>
+        <p:spPr>
+          <a:xfrm>
+            <a:off x="2291618" y="1825625"/>
+            <a:ext cx="7608763" cy="4351338"/>
+          </a:xfrm>
+        </p:spPr>
+      </p:pic>
       <p:sp>
         <p:nvSpPr>
           <p:cNvPr id="4" name="Номер слайда 3">
             <a:extLst>
               <a:ext uri="{FF2B5EF4-FFF2-40B4-BE49-F238E27FC236}">
-                <a16:creationId xmlns:a16="http://schemas.microsoft.com/office/drawing/2014/main" id="{08AC8256-CEC9-2981-61F0-55D39CFC62E7}"/>
+                <a16:creationId xmlns:a16="http://schemas.microsoft.com/office/drawing/2014/main" id="{C9A4B6C9-3647-FA32-A574-19B8860A4B41}"/>
               </a:ext>
             </a:extLst>
           </p:cNvPr>
@@ -7767,542 +7270,16 @@
           <a:p>
             <a:fld id="{313C65D0-8BFA-4A71-89DD-A442071D6E29}" type="slidenum">
               <a:rPr lang="ru-RU" smtClean="0"/>
-              <a:pPr/>
               <a:t>9</a:t>
             </a:fld>
-            <a:endParaRPr lang="ru-RU" dirty="0"/>
-          </a:p>
-        </p:txBody>
-      </p:sp>
-      <p:graphicFrame>
-        <p:nvGraphicFramePr>
-          <p:cNvPr id="8" name="Объект 7">
-            <a:extLst>
-              <a:ext uri="{FF2B5EF4-FFF2-40B4-BE49-F238E27FC236}">
-                <a16:creationId xmlns:a16="http://schemas.microsoft.com/office/drawing/2014/main" id="{9BA5035C-E8C3-1B22-0810-7315E951D24C}"/>
-              </a:ext>
-            </a:extLst>
-          </p:cNvPr>
-          <p:cNvGraphicFramePr>
-            <a:graphicFrameLocks noGrp="1"/>
-          </p:cNvGraphicFramePr>
-          <p:nvPr>
-            <p:ph idx="1"/>
-            <p:extLst>
-              <p:ext uri="{D42A27DB-BD31-4B8C-83A1-F6EECF244321}">
-                <p14:modId xmlns:p14="http://schemas.microsoft.com/office/powerpoint/2010/main" val="1679595940"/>
-              </p:ext>
-            </p:extLst>
-          </p:nvPr>
-        </p:nvGraphicFramePr>
-        <p:xfrm>
-          <a:off x="838200" y="1027906"/>
-          <a:ext cx="10515600" cy="3175000"/>
-        </p:xfrm>
-        <a:graphic>
-          <a:graphicData uri="http://schemas.openxmlformats.org/drawingml/2006/table">
-            <a:tbl>
-              <a:tblPr firstRow="1" bandRow="1">
-                <a:tableStyleId>{9D7B26C5-4107-4FEC-AEDC-1716B250A1EF}</a:tableStyleId>
-              </a:tblPr>
-              <a:tblGrid>
-                <a:gridCol w="2103120">
-                  <a:extLst>
-                    <a:ext uri="{9D8B030D-6E8A-4147-A177-3AD203B41FA5}">
-                      <a16:colId xmlns:a16="http://schemas.microsoft.com/office/drawing/2014/main" val="231938837"/>
-                    </a:ext>
-                  </a:extLst>
-                </a:gridCol>
-                <a:gridCol w="2103120">
-                  <a:extLst>
-                    <a:ext uri="{9D8B030D-6E8A-4147-A177-3AD203B41FA5}">
-                      <a16:colId xmlns:a16="http://schemas.microsoft.com/office/drawing/2014/main" val="2375675058"/>
-                    </a:ext>
-                  </a:extLst>
-                </a:gridCol>
-                <a:gridCol w="2103120">
-                  <a:extLst>
-                    <a:ext uri="{9D8B030D-6E8A-4147-A177-3AD203B41FA5}">
-                      <a16:colId xmlns:a16="http://schemas.microsoft.com/office/drawing/2014/main" val="4183149388"/>
-                    </a:ext>
-                  </a:extLst>
-                </a:gridCol>
-                <a:gridCol w="2103120">
-                  <a:extLst>
-                    <a:ext uri="{9D8B030D-6E8A-4147-A177-3AD203B41FA5}">
-                      <a16:colId xmlns:a16="http://schemas.microsoft.com/office/drawing/2014/main" val="1338610312"/>
-                    </a:ext>
-                  </a:extLst>
-                </a:gridCol>
-                <a:gridCol w="2103120">
-                  <a:extLst>
-                    <a:ext uri="{9D8B030D-6E8A-4147-A177-3AD203B41FA5}">
-                      <a16:colId xmlns:a16="http://schemas.microsoft.com/office/drawing/2014/main" val="3557895760"/>
-                    </a:ext>
-                  </a:extLst>
-                </a:gridCol>
-              </a:tblGrid>
-              <a:tr h="370840">
-                <a:tc>
-                  <a:txBody>
-                    <a:bodyPr/>
-                    <a:lstStyle/>
-                    <a:p>
-                      <a:endParaRPr lang="ru-RU" sz="1600" dirty="0">
-                        <a:latin typeface="Times New Roman" panose="02020603050405020304" pitchFamily="18" charset="0"/>
-                        <a:cs typeface="Times New Roman" panose="02020603050405020304" pitchFamily="18" charset="0"/>
-                      </a:endParaRPr>
-                    </a:p>
-                  </a:txBody>
-                  <a:tcPr/>
-                </a:tc>
-                <a:tc>
-                  <a:txBody>
-                    <a:bodyPr/>
-                    <a:lstStyle/>
-                    <a:p>
-                      <a:r>
-                        <a:rPr lang="en-US" sz="1600" dirty="0" err="1"/>
-                        <a:t>MyTherapy</a:t>
-                      </a:r>
-                      <a:endParaRPr lang="ru-RU" sz="1600" dirty="0">
-                        <a:latin typeface="Times New Roman" panose="02020603050405020304" pitchFamily="18" charset="0"/>
-                        <a:cs typeface="Times New Roman" panose="02020603050405020304" pitchFamily="18" charset="0"/>
-                      </a:endParaRPr>
-                    </a:p>
-                  </a:txBody>
-                  <a:tcPr/>
-                </a:tc>
-                <a:tc>
-                  <a:txBody>
-                    <a:bodyPr/>
-                    <a:lstStyle/>
-                    <a:p>
-                      <a:r>
-                        <a:rPr lang="en-US" sz="1600" dirty="0" err="1"/>
-                        <a:t>BeStronger</a:t>
-                      </a:r>
-                      <a:endParaRPr lang="ru-RU" sz="1600" dirty="0">
-                        <a:latin typeface="Times New Roman" panose="02020603050405020304" pitchFamily="18" charset="0"/>
-                        <a:cs typeface="Times New Roman" panose="02020603050405020304" pitchFamily="18" charset="0"/>
-                      </a:endParaRPr>
-                    </a:p>
-                  </a:txBody>
-                  <a:tcPr/>
-                </a:tc>
-                <a:tc>
-                  <a:txBody>
-                    <a:bodyPr/>
-                    <a:lstStyle/>
-                    <a:p>
-                      <a:r>
-                        <a:rPr lang="ru-RU" sz="1600" dirty="0"/>
-                        <a:t>Напоминание и Трекер Таблеток</a:t>
-                      </a:r>
-                      <a:endParaRPr lang="ru-RU" sz="1600" dirty="0">
-                        <a:latin typeface="Times New Roman" panose="02020603050405020304" pitchFamily="18" charset="0"/>
-                        <a:cs typeface="Times New Roman" panose="02020603050405020304" pitchFamily="18" charset="0"/>
-                      </a:endParaRPr>
-                    </a:p>
-                  </a:txBody>
-                  <a:tcPr/>
-                </a:tc>
-                <a:tc>
-                  <a:txBody>
-                    <a:bodyPr/>
-                    <a:lstStyle/>
-                    <a:p>
-                      <a:r>
-                        <a:rPr lang="ru-RU" altLang="en-US" sz="1600" dirty="0" err="1"/>
-                        <a:t>GymUp</a:t>
-                      </a:r>
-                      <a:endParaRPr lang="ru-RU" sz="1600" dirty="0">
-                        <a:latin typeface="Times New Roman" panose="02020603050405020304" pitchFamily="18" charset="0"/>
-                        <a:cs typeface="Times New Roman" panose="02020603050405020304" pitchFamily="18" charset="0"/>
-                      </a:endParaRPr>
-                    </a:p>
-                  </a:txBody>
-                  <a:tcPr/>
-                </a:tc>
-                <a:extLst>
-                  <a:ext uri="{0D108BD9-81ED-4DB2-BD59-A6C34878D82A}">
-                    <a16:rowId xmlns:a16="http://schemas.microsoft.com/office/drawing/2014/main" val="701067574"/>
-                  </a:ext>
-                </a:extLst>
-              </a:tr>
-              <a:tr h="370840">
-                <a:tc>
-                  <a:txBody>
-                    <a:bodyPr/>
-                    <a:lstStyle/>
-                    <a:p>
-                      <a:r>
-                        <a:rPr lang="ru-RU" sz="1600" dirty="0"/>
-                        <a:t>Наличие готовой базы БАДов</a:t>
-                      </a:r>
-                      <a:endParaRPr lang="ru-RU" sz="1600" dirty="0">
-                        <a:latin typeface="Times New Roman" panose="02020603050405020304" pitchFamily="18" charset="0"/>
-                        <a:cs typeface="Times New Roman" panose="02020603050405020304" pitchFamily="18" charset="0"/>
-                      </a:endParaRPr>
-                    </a:p>
-                  </a:txBody>
-                  <a:tcPr/>
-                </a:tc>
-                <a:tc>
-                  <a:txBody>
-                    <a:bodyPr/>
-                    <a:lstStyle/>
-                    <a:p>
-                      <a:r>
-                        <a:rPr lang="ru-RU" sz="1600" dirty="0"/>
-                        <a:t>-</a:t>
-                      </a:r>
-                      <a:endParaRPr lang="ru-RU" sz="1600" dirty="0">
-                        <a:latin typeface="Times New Roman" panose="02020603050405020304" pitchFamily="18" charset="0"/>
-                        <a:cs typeface="Times New Roman" panose="02020603050405020304" pitchFamily="18" charset="0"/>
-                      </a:endParaRPr>
-                    </a:p>
-                  </a:txBody>
-                  <a:tcPr/>
-                </a:tc>
-                <a:tc>
-                  <a:txBody>
-                    <a:bodyPr/>
-                    <a:lstStyle/>
-                    <a:p>
-                      <a:r>
-                        <a:rPr lang="ru-RU" sz="1600" dirty="0"/>
-                        <a:t>-</a:t>
-                      </a:r>
-                      <a:endParaRPr lang="ru-RU" sz="1600" dirty="0">
-                        <a:latin typeface="Times New Roman" panose="02020603050405020304" pitchFamily="18" charset="0"/>
-                        <a:cs typeface="Times New Roman" panose="02020603050405020304" pitchFamily="18" charset="0"/>
-                      </a:endParaRPr>
-                    </a:p>
-                  </a:txBody>
-                  <a:tcPr/>
-                </a:tc>
-                <a:tc>
-                  <a:txBody>
-                    <a:bodyPr/>
-                    <a:lstStyle/>
-                    <a:p>
-                      <a:r>
-                        <a:rPr lang="ru-RU" sz="1600" dirty="0"/>
-                        <a:t>-</a:t>
-                      </a:r>
-                      <a:endParaRPr lang="ru-RU" sz="1600" dirty="0">
-                        <a:latin typeface="Times New Roman" panose="02020603050405020304" pitchFamily="18" charset="0"/>
-                        <a:cs typeface="Times New Roman" panose="02020603050405020304" pitchFamily="18" charset="0"/>
-                      </a:endParaRPr>
-                    </a:p>
-                  </a:txBody>
-                  <a:tcPr/>
-                </a:tc>
-                <a:tc>
-                  <a:txBody>
-                    <a:bodyPr/>
-                    <a:lstStyle/>
-                    <a:p>
-                      <a:r>
-                        <a:rPr lang="ru-RU" sz="1600" dirty="0"/>
-                        <a:t>-</a:t>
-                      </a:r>
-                      <a:endParaRPr lang="ru-RU" sz="1600" dirty="0">
-                        <a:latin typeface="Times New Roman" panose="02020603050405020304" pitchFamily="18" charset="0"/>
-                        <a:cs typeface="Times New Roman" panose="02020603050405020304" pitchFamily="18" charset="0"/>
-                      </a:endParaRPr>
-                    </a:p>
-                  </a:txBody>
-                  <a:tcPr/>
-                </a:tc>
-                <a:extLst>
-                  <a:ext uri="{0D108BD9-81ED-4DB2-BD59-A6C34878D82A}">
-                    <a16:rowId xmlns:a16="http://schemas.microsoft.com/office/drawing/2014/main" val="695786895"/>
-                  </a:ext>
-                </a:extLst>
-              </a:tr>
-              <a:tr h="370840">
-                <a:tc>
-                  <a:txBody>
-                    <a:bodyPr/>
-                    <a:lstStyle/>
-                    <a:p>
-                      <a:r>
-                        <a:rPr lang="ru-RU" sz="1600" dirty="0"/>
-                        <a:t>Возможность трекинга приема БАДов</a:t>
-                      </a:r>
-                      <a:endParaRPr lang="ru-RU" sz="1600" dirty="0">
-                        <a:latin typeface="Times New Roman" panose="02020603050405020304" pitchFamily="18" charset="0"/>
-                        <a:cs typeface="Times New Roman" panose="02020603050405020304" pitchFamily="18" charset="0"/>
-                      </a:endParaRPr>
-                    </a:p>
-                  </a:txBody>
-                  <a:tcPr/>
-                </a:tc>
-                <a:tc>
-                  <a:txBody>
-                    <a:bodyPr/>
-                    <a:lstStyle/>
-                    <a:p>
-                      <a:r>
-                        <a:rPr lang="ru-RU" sz="1600" dirty="0"/>
-                        <a:t>+</a:t>
-                      </a:r>
-                      <a:endParaRPr lang="ru-RU" sz="1600" dirty="0">
-                        <a:latin typeface="Times New Roman" panose="02020603050405020304" pitchFamily="18" charset="0"/>
-                        <a:cs typeface="Times New Roman" panose="02020603050405020304" pitchFamily="18" charset="0"/>
-                      </a:endParaRPr>
-                    </a:p>
-                  </a:txBody>
-                  <a:tcPr/>
-                </a:tc>
-                <a:tc>
-                  <a:txBody>
-                    <a:bodyPr/>
-                    <a:lstStyle/>
-                    <a:p>
-                      <a:r>
-                        <a:rPr lang="ru-RU" sz="1600" dirty="0"/>
-                        <a:t>-</a:t>
-                      </a:r>
-                      <a:endParaRPr lang="ru-RU" sz="1600" dirty="0">
-                        <a:latin typeface="Times New Roman" panose="02020603050405020304" pitchFamily="18" charset="0"/>
-                        <a:cs typeface="Times New Roman" panose="02020603050405020304" pitchFamily="18" charset="0"/>
-                      </a:endParaRPr>
-                    </a:p>
-                  </a:txBody>
-                  <a:tcPr/>
-                </a:tc>
-                <a:tc>
-                  <a:txBody>
-                    <a:bodyPr/>
-                    <a:lstStyle/>
-                    <a:p>
-                      <a:r>
-                        <a:rPr lang="ru-RU" sz="1600" dirty="0"/>
-                        <a:t>+</a:t>
-                      </a:r>
-                      <a:endParaRPr lang="ru-RU" sz="1600" dirty="0">
-                        <a:latin typeface="Times New Roman" panose="02020603050405020304" pitchFamily="18" charset="0"/>
-                        <a:cs typeface="Times New Roman" panose="02020603050405020304" pitchFamily="18" charset="0"/>
-                      </a:endParaRPr>
-                    </a:p>
-                  </a:txBody>
-                  <a:tcPr/>
-                </a:tc>
-                <a:tc>
-                  <a:txBody>
-                    <a:bodyPr/>
-                    <a:lstStyle/>
-                    <a:p>
-                      <a:r>
-                        <a:rPr lang="ru-RU" sz="1600" dirty="0"/>
-                        <a:t>-</a:t>
-                      </a:r>
-                      <a:endParaRPr lang="ru-RU" sz="1600" dirty="0">
-                        <a:latin typeface="Times New Roman" panose="02020603050405020304" pitchFamily="18" charset="0"/>
-                        <a:cs typeface="Times New Roman" panose="02020603050405020304" pitchFamily="18" charset="0"/>
-                      </a:endParaRPr>
-                    </a:p>
-                  </a:txBody>
-                  <a:tcPr/>
-                </a:tc>
-                <a:extLst>
-                  <a:ext uri="{0D108BD9-81ED-4DB2-BD59-A6C34878D82A}">
-                    <a16:rowId xmlns:a16="http://schemas.microsoft.com/office/drawing/2014/main" val="501039729"/>
-                  </a:ext>
-                </a:extLst>
-              </a:tr>
-              <a:tr h="370840">
-                <a:tc>
-                  <a:txBody>
-                    <a:bodyPr/>
-                    <a:lstStyle/>
-                    <a:p>
-                      <a:r>
-                        <a:rPr lang="ru-RU" sz="1600" dirty="0"/>
-                        <a:t>Создание напоминаний о приеме БАД0в</a:t>
-                      </a:r>
-                      <a:endParaRPr lang="ru-RU" sz="1600" dirty="0">
-                        <a:latin typeface="Times New Roman" panose="02020603050405020304" pitchFamily="18" charset="0"/>
-                        <a:cs typeface="Times New Roman" panose="02020603050405020304" pitchFamily="18" charset="0"/>
-                      </a:endParaRPr>
-                    </a:p>
-                  </a:txBody>
-                  <a:tcPr/>
-                </a:tc>
-                <a:tc>
-                  <a:txBody>
-                    <a:bodyPr/>
-                    <a:lstStyle/>
-                    <a:p>
-                      <a:r>
-                        <a:rPr lang="ru-RU" sz="1600" dirty="0"/>
-                        <a:t>+</a:t>
-                      </a:r>
-                      <a:endParaRPr lang="ru-RU" sz="1600" dirty="0">
-                        <a:latin typeface="Times New Roman" panose="02020603050405020304" pitchFamily="18" charset="0"/>
-                        <a:cs typeface="Times New Roman" panose="02020603050405020304" pitchFamily="18" charset="0"/>
-                      </a:endParaRPr>
-                    </a:p>
-                  </a:txBody>
-                  <a:tcPr/>
-                </a:tc>
-                <a:tc>
-                  <a:txBody>
-                    <a:bodyPr/>
-                    <a:lstStyle/>
-                    <a:p>
-                      <a:r>
-                        <a:rPr lang="ru-RU" sz="1600" dirty="0"/>
-                        <a:t>-</a:t>
-                      </a:r>
-                      <a:endParaRPr lang="ru-RU" sz="1600" dirty="0">
-                        <a:latin typeface="Times New Roman" panose="02020603050405020304" pitchFamily="18" charset="0"/>
-                        <a:cs typeface="Times New Roman" panose="02020603050405020304" pitchFamily="18" charset="0"/>
-                      </a:endParaRPr>
-                    </a:p>
-                  </a:txBody>
-                  <a:tcPr/>
-                </a:tc>
-                <a:tc>
-                  <a:txBody>
-                    <a:bodyPr/>
-                    <a:lstStyle/>
-                    <a:p>
-                      <a:r>
-                        <a:rPr lang="ru-RU" sz="1600" dirty="0"/>
-                        <a:t>+</a:t>
-                      </a:r>
-                      <a:endParaRPr lang="ru-RU" sz="1600" dirty="0">
-                        <a:latin typeface="Times New Roman" panose="02020603050405020304" pitchFamily="18" charset="0"/>
-                        <a:cs typeface="Times New Roman" panose="02020603050405020304" pitchFamily="18" charset="0"/>
-                      </a:endParaRPr>
-                    </a:p>
-                  </a:txBody>
-                  <a:tcPr/>
-                </a:tc>
-                <a:tc>
-                  <a:txBody>
-                    <a:bodyPr/>
-                    <a:lstStyle/>
-                    <a:p>
-                      <a:r>
-                        <a:rPr lang="ru-RU" sz="1600" dirty="0"/>
-                        <a:t>-</a:t>
-                      </a:r>
-                      <a:endParaRPr lang="ru-RU" sz="1600" dirty="0">
-                        <a:latin typeface="Times New Roman" panose="02020603050405020304" pitchFamily="18" charset="0"/>
-                        <a:cs typeface="Times New Roman" panose="02020603050405020304" pitchFamily="18" charset="0"/>
-                      </a:endParaRPr>
-                    </a:p>
-                  </a:txBody>
-                  <a:tcPr/>
-                </a:tc>
-                <a:extLst>
-                  <a:ext uri="{0D108BD9-81ED-4DB2-BD59-A6C34878D82A}">
-                    <a16:rowId xmlns:a16="http://schemas.microsoft.com/office/drawing/2014/main" val="3127354894"/>
-                  </a:ext>
-                </a:extLst>
-              </a:tr>
-              <a:tr h="370840">
-                <a:tc>
-                  <a:txBody>
-                    <a:bodyPr/>
-                    <a:lstStyle/>
-                    <a:p>
-                      <a:pPr marL="0" marR="0" lvl="0" indent="0" algn="l" defTabSz="914400" rtl="0" eaLnBrk="1" fontAlgn="auto" latinLnBrk="0" hangingPunct="1">
-                        <a:lnSpc>
-                          <a:spcPct val="100000"/>
-                        </a:lnSpc>
-                        <a:spcBef>
-                          <a:spcPts val="0"/>
-                        </a:spcBef>
-                        <a:spcAft>
-                          <a:spcPts val="0"/>
-                        </a:spcAft>
-                        <a:buClrTx/>
-                        <a:buSzTx/>
-                        <a:buFontTx/>
-                        <a:buNone/>
-                        <a:tabLst/>
-                        <a:defRPr/>
-                      </a:pPr>
-                      <a:endParaRPr lang="ru-RU" sz="1600" dirty="0">
-                        <a:latin typeface="Times New Roman" panose="02020603050405020304" pitchFamily="18" charset="0"/>
-                        <a:cs typeface="Times New Roman" panose="02020603050405020304" pitchFamily="18" charset="0"/>
-                      </a:endParaRPr>
-                    </a:p>
-                  </a:txBody>
-                  <a:tcPr/>
-                </a:tc>
-                <a:tc>
-                  <a:txBody>
-                    <a:bodyPr/>
-                    <a:lstStyle/>
-                    <a:p>
-                      <a:endParaRPr lang="ru-RU" sz="1600" dirty="0">
-                        <a:latin typeface="Times New Roman" panose="02020603050405020304" pitchFamily="18" charset="0"/>
-                        <a:cs typeface="Times New Roman" panose="02020603050405020304" pitchFamily="18" charset="0"/>
-                      </a:endParaRPr>
-                    </a:p>
-                  </a:txBody>
-                  <a:tcPr/>
-                </a:tc>
-                <a:tc>
-                  <a:txBody>
-                    <a:bodyPr/>
-                    <a:lstStyle/>
-                    <a:p>
-                      <a:endParaRPr lang="ru-RU" sz="1600" dirty="0">
-                        <a:latin typeface="Times New Roman" panose="02020603050405020304" pitchFamily="18" charset="0"/>
-                        <a:cs typeface="Times New Roman" panose="02020603050405020304" pitchFamily="18" charset="0"/>
-                      </a:endParaRPr>
-                    </a:p>
-                  </a:txBody>
-                  <a:tcPr/>
-                </a:tc>
-                <a:tc>
-                  <a:txBody>
-                    <a:bodyPr/>
-                    <a:lstStyle/>
-                    <a:p>
-                      <a:endParaRPr lang="ru-RU" sz="1600" dirty="0">
-                        <a:latin typeface="Times New Roman" panose="02020603050405020304" pitchFamily="18" charset="0"/>
-                        <a:cs typeface="Times New Roman" panose="02020603050405020304" pitchFamily="18" charset="0"/>
-                      </a:endParaRPr>
-                    </a:p>
-                  </a:txBody>
-                  <a:tcPr/>
-                </a:tc>
-                <a:tc>
-                  <a:txBody>
-                    <a:bodyPr/>
-                    <a:lstStyle/>
-                    <a:p>
-                      <a:endParaRPr lang="ru-RU" sz="1600" dirty="0">
-                        <a:latin typeface="Times New Roman" panose="02020603050405020304" pitchFamily="18" charset="0"/>
-                        <a:cs typeface="Times New Roman" panose="02020603050405020304" pitchFamily="18" charset="0"/>
-                      </a:endParaRPr>
-                    </a:p>
-                  </a:txBody>
-                  <a:tcPr/>
-                </a:tc>
-                <a:extLst>
-                  <a:ext uri="{0D108BD9-81ED-4DB2-BD59-A6C34878D82A}">
-                    <a16:rowId xmlns:a16="http://schemas.microsoft.com/office/drawing/2014/main" val="4003450102"/>
-                  </a:ext>
-                </a:extLst>
-              </a:tr>
-            </a:tbl>
-          </a:graphicData>
-        </a:graphic>
-      </p:graphicFrame>
+            <a:endParaRPr lang="ru-RU"/>
+          </a:p>
+        </p:txBody>
+      </p:sp>
     </p:spTree>
     <p:extLst>
       <p:ext uri="{BB962C8B-B14F-4D97-AF65-F5344CB8AC3E}">
-        <p14:creationId xmlns:p14="http://schemas.microsoft.com/office/powerpoint/2010/main" val="2055433763"/>
+        <p14:creationId xmlns:p14="http://schemas.microsoft.com/office/powerpoint/2010/main" val="46434046"/>
       </p:ext>
     </p:extLst>
   </p:cSld>

--- a/Documentation/Documentation Backend/Презентация-Чупинин-Антон-Павлович.pptx
+++ b/Documentation/Documentation Backend/Презентация-Чупинин-Антон-Павлович.pptx
@@ -5,26 +5,25 @@
     <p:sldMasterId id="2147483648" r:id="rId1"/>
   </p:sldMasterIdLst>
   <p:notesMasterIdLst>
-    <p:notesMasterId r:id="rId19"/>
+    <p:notesMasterId r:id="rId18"/>
   </p:notesMasterIdLst>
   <p:sldIdLst>
     <p:sldId id="256" r:id="rId2"/>
     <p:sldId id="257" r:id="rId3"/>
-    <p:sldId id="258" r:id="rId4"/>
-    <p:sldId id="260" r:id="rId5"/>
-    <p:sldId id="261" r:id="rId6"/>
-    <p:sldId id="262" r:id="rId7"/>
-    <p:sldId id="263" r:id="rId8"/>
-    <p:sldId id="272" r:id="rId9"/>
-    <p:sldId id="264" r:id="rId10"/>
-    <p:sldId id="259" r:id="rId11"/>
-    <p:sldId id="265" r:id="rId12"/>
-    <p:sldId id="266" r:id="rId13"/>
-    <p:sldId id="267" r:id="rId14"/>
-    <p:sldId id="268" r:id="rId15"/>
-    <p:sldId id="273" r:id="rId16"/>
-    <p:sldId id="269" r:id="rId17"/>
-    <p:sldId id="270" r:id="rId18"/>
+    <p:sldId id="262" r:id="rId4"/>
+    <p:sldId id="258" r:id="rId5"/>
+    <p:sldId id="260" r:id="rId6"/>
+    <p:sldId id="261" r:id="rId7"/>
+    <p:sldId id="272" r:id="rId8"/>
+    <p:sldId id="264" r:id="rId9"/>
+    <p:sldId id="259" r:id="rId10"/>
+    <p:sldId id="265" r:id="rId11"/>
+    <p:sldId id="266" r:id="rId12"/>
+    <p:sldId id="267" r:id="rId13"/>
+    <p:sldId id="268" r:id="rId14"/>
+    <p:sldId id="273" r:id="rId15"/>
+    <p:sldId id="269" r:id="rId16"/>
+    <p:sldId id="270" r:id="rId17"/>
   </p:sldIdLst>
   <p:sldSz cx="12192000" cy="6858000"/>
   <p:notesSz cx="6858000" cy="9144000"/>
@@ -213,7 +212,7 @@
           <a:p>
             <a:fld id="{ADF28BAD-F9DA-4D7E-AF79-E21FA8ADBBF1}" type="datetimeFigureOut">
               <a:rPr lang="ru-RU" smtClean="0"/>
-              <a:t>25.04.2024</a:t>
+              <a:t>26.04.2024</a:t>
             </a:fld>
             <a:endParaRPr lang="ru-RU"/>
           </a:p>
@@ -627,7 +626,7 @@
           <a:p>
             <a:fld id="{D7AB4555-AE77-4BC7-B6BC-9ED5B9EBCB12}" type="datetime1">
               <a:rPr lang="ru-RU" smtClean="0"/>
-              <a:t>25.04.2024</a:t>
+              <a:t>26.04.2024</a:t>
             </a:fld>
             <a:endParaRPr lang="ru-RU"/>
           </a:p>
@@ -825,7 +824,7 @@
           <a:p>
             <a:fld id="{FA19214F-97FA-4C39-A414-EFA5A00A88FE}" type="datetime1">
               <a:rPr lang="ru-RU" smtClean="0"/>
-              <a:t>25.04.2024</a:t>
+              <a:t>26.04.2024</a:t>
             </a:fld>
             <a:endParaRPr lang="ru-RU"/>
           </a:p>
@@ -1033,7 +1032,7 @@
           <a:p>
             <a:fld id="{4BEE74BB-11C8-4F2D-9C19-380E7A1290C1}" type="datetime1">
               <a:rPr lang="ru-RU" smtClean="0"/>
-              <a:t>25.04.2024</a:t>
+              <a:t>26.04.2024</a:t>
             </a:fld>
             <a:endParaRPr lang="ru-RU"/>
           </a:p>
@@ -1271,7 +1270,7 @@
           <a:p>
             <a:fld id="{2BAC947A-180F-4D82-AC63-C49D80A4E5B0}" type="datetime1">
               <a:rPr lang="ru-RU" smtClean="0"/>
-              <a:t>25.04.2024</a:t>
+              <a:t>26.04.2024</a:t>
             </a:fld>
             <a:endParaRPr lang="ru-RU"/>
           </a:p>
@@ -1554,7 +1553,7 @@
           <a:p>
             <a:fld id="{8E324735-8C40-42F7-9769-1E279094EB74}" type="datetime1">
               <a:rPr lang="ru-RU" smtClean="0"/>
-              <a:t>25.04.2024</a:t>
+              <a:t>26.04.2024</a:t>
             </a:fld>
             <a:endParaRPr lang="ru-RU"/>
           </a:p>
@@ -1819,7 +1818,7 @@
           <a:p>
             <a:fld id="{018C1EA3-C171-436B-8D2B-9688A76B4971}" type="datetime1">
               <a:rPr lang="ru-RU" smtClean="0"/>
-              <a:t>25.04.2024</a:t>
+              <a:t>26.04.2024</a:t>
             </a:fld>
             <a:endParaRPr lang="ru-RU"/>
           </a:p>
@@ -2231,7 +2230,7 @@
           <a:p>
             <a:fld id="{D17EEB80-CE53-489C-8238-322DF4AD3B46}" type="datetime1">
               <a:rPr lang="ru-RU" smtClean="0"/>
-              <a:t>25.04.2024</a:t>
+              <a:t>26.04.2024</a:t>
             </a:fld>
             <a:endParaRPr lang="ru-RU"/>
           </a:p>
@@ -2372,7 +2371,7 @@
           <a:p>
             <a:fld id="{EEE35B50-1F0F-4310-BBC8-4944CDD50B5A}" type="datetime1">
               <a:rPr lang="ru-RU" smtClean="0"/>
-              <a:t>25.04.2024</a:t>
+              <a:t>26.04.2024</a:t>
             </a:fld>
             <a:endParaRPr lang="ru-RU"/>
           </a:p>
@@ -2485,7 +2484,7 @@
           <a:p>
             <a:fld id="{DA361EAA-2D4B-4286-B509-836340345F84}" type="datetime1">
               <a:rPr lang="ru-RU" smtClean="0"/>
-              <a:t>25.04.2024</a:t>
+              <a:t>26.04.2024</a:t>
             </a:fld>
             <a:endParaRPr lang="ru-RU"/>
           </a:p>
@@ -2796,7 +2795,7 @@
           <a:p>
             <a:fld id="{D8A6F7BA-2109-47E1-AD62-382559DA226B}" type="datetime1">
               <a:rPr lang="ru-RU" smtClean="0"/>
-              <a:t>25.04.2024</a:t>
+              <a:t>26.04.2024</a:t>
             </a:fld>
             <a:endParaRPr lang="ru-RU"/>
           </a:p>
@@ -3084,7 +3083,7 @@
           <a:p>
             <a:fld id="{5EFE2794-CDA8-4EA9-BD08-92616DB8DFB6}" type="datetime1">
               <a:rPr lang="ru-RU" smtClean="0"/>
-              <a:t>25.04.2024</a:t>
+              <a:t>26.04.2024</a:t>
             </a:fld>
             <a:endParaRPr lang="ru-RU"/>
           </a:p>
@@ -3325,7 +3324,7 @@
           <a:p>
             <a:fld id="{2375868C-673B-4CA4-A444-ED0A6723E605}" type="datetime1">
               <a:rPr lang="ru-RU" smtClean="0"/>
-              <a:t>25.04.2024</a:t>
+              <a:t>26.04.2024</a:t>
             </a:fld>
             <a:endParaRPr lang="ru-RU"/>
           </a:p>
@@ -4131,7 +4130,7 @@
           <p:cNvPr id="2" name="Заголовок 1">
             <a:extLst>
               <a:ext uri="{FF2B5EF4-FFF2-40B4-BE49-F238E27FC236}">
-                <a16:creationId xmlns:a16="http://schemas.microsoft.com/office/drawing/2014/main" id="{E3D4920F-6D92-FC3C-8259-04A53E338CE7}"/>
+                <a16:creationId xmlns:a16="http://schemas.microsoft.com/office/drawing/2014/main" id="{FB318D28-AC72-2995-4870-FF82DBF91E44}"/>
               </a:ext>
             </a:extLst>
           </p:cNvPr>
@@ -4142,12 +4141,7 @@
             <p:ph type="title"/>
           </p:nvPr>
         </p:nvSpPr>
-        <p:spPr>
-          <a:xfrm>
-            <a:off x="838200" y="136525"/>
-            <a:ext cx="10515600" cy="1325563"/>
-          </a:xfrm>
-        </p:spPr>
+        <p:spPr/>
         <p:txBody>
           <a:bodyPr>
             <a:normAutofit/>
@@ -4156,10 +4150,70 @@
           <a:p>
             <a:r>
               <a:rPr lang="ru-RU" sz="3600" dirty="0">
+                <a:solidFill>
+                  <a:srgbClr val="000000"/>
+                </a:solidFill>
+                <a:effectLst/>
+                <a:latin typeface="Times New Roman" panose="02020603050405020304" pitchFamily="18" charset="0"/>
+                <a:ea typeface="Times New Roman" panose="02020603050405020304" pitchFamily="18" charset="0"/>
+              </a:rPr>
+              <a:t>Функциональные требования.</a:t>
+            </a:r>
+            <a:endParaRPr lang="ru-RU" sz="3600" dirty="0"/>
+          </a:p>
+        </p:txBody>
+      </p:sp>
+      <p:sp>
+        <p:nvSpPr>
+          <p:cNvPr id="3" name="Объект 2">
+            <a:extLst>
+              <a:ext uri="{FF2B5EF4-FFF2-40B4-BE49-F238E27FC236}">
+                <a16:creationId xmlns:a16="http://schemas.microsoft.com/office/drawing/2014/main" id="{79160C68-F452-E420-2C7B-C2A2E8FF5288}"/>
+              </a:ext>
+            </a:extLst>
+          </p:cNvPr>
+          <p:cNvSpPr>
+            <a:spLocks noGrp="1"/>
+          </p:cNvSpPr>
+          <p:nvPr>
+            <p:ph idx="1"/>
+          </p:nvPr>
+        </p:nvSpPr>
+        <p:spPr/>
+        <p:txBody>
+          <a:bodyPr>
+            <a:normAutofit/>
+          </a:bodyPr>
+          <a:lstStyle/>
+          <a:p>
+            <a:r>
+              <a:rPr lang="ru-RU" sz="2400" dirty="0">
                 <a:latin typeface="Times New Roman" panose="02020603050405020304" pitchFamily="18" charset="0"/>
                 <a:cs typeface="Times New Roman" panose="02020603050405020304" pitchFamily="18" charset="0"/>
               </a:rPr>
-              <a:t>Предлагаемое решение.</a:t>
+              <a:t>получать напоминания о приеме БАДов</a:t>
+            </a:r>
+          </a:p>
+          <a:p>
+            <a:r>
+              <a:rPr lang="ru-RU" sz="2400" dirty="0">
+                <a:latin typeface="Times New Roman" panose="02020603050405020304" pitchFamily="18" charset="0"/>
+                <a:cs typeface="Times New Roman" panose="02020603050405020304" pitchFamily="18" charset="0"/>
+              </a:rPr>
+              <a:t>отслеживание реакции организма</a:t>
+            </a:r>
+          </a:p>
+          <a:p>
+            <a:r>
+              <a:rPr lang="ru-RU" sz="2400" dirty="0"/>
+              <a:t>а</a:t>
+            </a:r>
+            <a:r>
+              <a:rPr lang="ru-RU" sz="2400" dirty="0">
+                <a:latin typeface="Times New Roman" panose="02020603050405020304" pitchFamily="18" charset="0"/>
+                <a:cs typeface="Times New Roman" panose="02020603050405020304" pitchFamily="18" charset="0"/>
+              </a:rPr>
+              <a:t>нализ эффективности добавок.</a:t>
             </a:r>
           </a:p>
         </p:txBody>
@@ -4169,7 +4223,7 @@
           <p:cNvPr id="4" name="Номер слайда 3">
             <a:extLst>
               <a:ext uri="{FF2B5EF4-FFF2-40B4-BE49-F238E27FC236}">
-                <a16:creationId xmlns:a16="http://schemas.microsoft.com/office/drawing/2014/main" id="{20FF88C8-4B12-2865-6FF2-5DC43BFE0731}"/>
+                <a16:creationId xmlns:a16="http://schemas.microsoft.com/office/drawing/2014/main" id="{6018F891-FDAA-FAE9-328C-034288C49CBA}"/>
               </a:ext>
             </a:extLst>
           </p:cNvPr>
@@ -4193,39 +4247,10 @@
           </a:p>
         </p:txBody>
       </p:sp>
-      <p:pic>
-        <p:nvPicPr>
-          <p:cNvPr id="9" name="Объект 8">
-            <a:extLst>
-              <a:ext uri="{FF2B5EF4-FFF2-40B4-BE49-F238E27FC236}">
-                <a16:creationId xmlns:a16="http://schemas.microsoft.com/office/drawing/2014/main" id="{3F93B073-5070-AFD4-C616-878AA8EC7F20}"/>
-              </a:ext>
-            </a:extLst>
-          </p:cNvPr>
-          <p:cNvPicPr>
-            <a:picLocks noGrp="1" noChangeAspect="1"/>
-          </p:cNvPicPr>
-          <p:nvPr>
-            <p:ph idx="1"/>
-          </p:nvPr>
-        </p:nvPicPr>
-        <p:blipFill>
-          <a:blip r:embed="rId2"/>
-          <a:stretch>
-            <a:fillRect/>
-          </a:stretch>
-        </p:blipFill>
-        <p:spPr>
-          <a:xfrm>
-            <a:off x="1968691" y="1825625"/>
-            <a:ext cx="8254618" cy="4351338"/>
-          </a:xfrm>
-        </p:spPr>
-      </p:pic>
     </p:spTree>
     <p:extLst>
       <p:ext uri="{BB962C8B-B14F-4D97-AF65-F5344CB8AC3E}">
-        <p14:creationId xmlns:p14="http://schemas.microsoft.com/office/powerpoint/2010/main" val="1623476207"/>
+        <p14:creationId xmlns:p14="http://schemas.microsoft.com/office/powerpoint/2010/main" val="211052293"/>
       </p:ext>
     </p:extLst>
   </p:cSld>
@@ -4257,7 +4282,7 @@
           <p:cNvPr id="2" name="Заголовок 1">
             <a:extLst>
               <a:ext uri="{FF2B5EF4-FFF2-40B4-BE49-F238E27FC236}">
-                <a16:creationId xmlns:a16="http://schemas.microsoft.com/office/drawing/2014/main" id="{FB318D28-AC72-2995-4870-FF82DBF91E44}"/>
+                <a16:creationId xmlns:a16="http://schemas.microsoft.com/office/drawing/2014/main" id="{317DEF86-157F-0546-AA65-70CCFD4F124C}"/>
               </a:ext>
             </a:extLst>
           </p:cNvPr>
@@ -4268,7 +4293,12 @@
             <p:ph type="title"/>
           </p:nvPr>
         </p:nvSpPr>
-        <p:spPr/>
+        <p:spPr>
+          <a:xfrm>
+            <a:off x="838200" y="0"/>
+            <a:ext cx="10515600" cy="1325563"/>
+          </a:xfrm>
+        </p:spPr>
         <p:txBody>
           <a:bodyPr>
             <a:normAutofit/>
@@ -4284,7 +4314,7 @@
                 <a:latin typeface="Times New Roman" panose="02020603050405020304" pitchFamily="18" charset="0"/>
                 <a:ea typeface="Times New Roman" panose="02020603050405020304" pitchFamily="18" charset="0"/>
               </a:rPr>
-              <a:t>Функциональные требования.</a:t>
+              <a:t>Входные и выходные данные программы</a:t>
             </a:r>
             <a:endParaRPr lang="ru-RU" sz="3600" dirty="0"/>
           </a:p>
@@ -4292,61 +4322,10 @@
       </p:sp>
       <p:sp>
         <p:nvSpPr>
-          <p:cNvPr id="3" name="Объект 2">
-            <a:extLst>
-              <a:ext uri="{FF2B5EF4-FFF2-40B4-BE49-F238E27FC236}">
-                <a16:creationId xmlns:a16="http://schemas.microsoft.com/office/drawing/2014/main" id="{79160C68-F452-E420-2C7B-C2A2E8FF5288}"/>
-              </a:ext>
-            </a:extLst>
-          </p:cNvPr>
-          <p:cNvSpPr>
-            <a:spLocks noGrp="1"/>
-          </p:cNvSpPr>
-          <p:nvPr>
-            <p:ph idx="1"/>
-          </p:nvPr>
-        </p:nvSpPr>
-        <p:spPr/>
-        <p:txBody>
-          <a:bodyPr>
-            <a:normAutofit/>
-          </a:bodyPr>
-          <a:lstStyle/>
-          <a:p>
-            <a:r>
-              <a:rPr lang="ru-RU" sz="2400" dirty="0">
-                <a:latin typeface="Times New Roman" panose="02020603050405020304" pitchFamily="18" charset="0"/>
-                <a:cs typeface="Times New Roman" panose="02020603050405020304" pitchFamily="18" charset="0"/>
-              </a:rPr>
-              <a:t>получать напоминания о приеме БАДов</a:t>
-            </a:r>
-          </a:p>
-          <a:p>
-            <a:r>
-              <a:rPr lang="ru-RU" sz="2400" dirty="0">
-                <a:latin typeface="Times New Roman" panose="02020603050405020304" pitchFamily="18" charset="0"/>
-                <a:cs typeface="Times New Roman" panose="02020603050405020304" pitchFamily="18" charset="0"/>
-              </a:rPr>
-              <a:t>отслеживание реакции организма</a:t>
-            </a:r>
-          </a:p>
-          <a:p>
-            <a:r>
-              <a:rPr lang="ru-RU" sz="2400" dirty="0">
-                <a:latin typeface="Times New Roman" panose="02020603050405020304" pitchFamily="18" charset="0"/>
-                <a:cs typeface="Times New Roman" panose="02020603050405020304" pitchFamily="18" charset="0"/>
-              </a:rPr>
-              <a:t>Анализ эффективности добавок.</a:t>
-            </a:r>
-          </a:p>
-        </p:txBody>
-      </p:sp>
-      <p:sp>
-        <p:nvSpPr>
           <p:cNvPr id="4" name="Номер слайда 3">
             <a:extLst>
               <a:ext uri="{FF2B5EF4-FFF2-40B4-BE49-F238E27FC236}">
-                <a16:creationId xmlns:a16="http://schemas.microsoft.com/office/drawing/2014/main" id="{6018F891-FDAA-FAE9-328C-034288C49CBA}"/>
+                <a16:creationId xmlns:a16="http://schemas.microsoft.com/office/drawing/2014/main" id="{ACC698C5-8C89-B4B5-A328-BCFD9649DB25}"/>
               </a:ext>
             </a:extLst>
           </p:cNvPr>
@@ -4370,10 +4349,165 @@
           </a:p>
         </p:txBody>
       </p:sp>
+      <p:sp>
+        <p:nvSpPr>
+          <p:cNvPr id="8" name="Объект 7">
+            <a:extLst>
+              <a:ext uri="{FF2B5EF4-FFF2-40B4-BE49-F238E27FC236}">
+                <a16:creationId xmlns:a16="http://schemas.microsoft.com/office/drawing/2014/main" id="{3DB0E8ED-238E-E329-6CD9-19CE01A75E97}"/>
+              </a:ext>
+            </a:extLst>
+          </p:cNvPr>
+          <p:cNvSpPr>
+            <a:spLocks noGrp="1"/>
+          </p:cNvSpPr>
+          <p:nvPr>
+            <p:ph idx="1"/>
+          </p:nvPr>
+        </p:nvSpPr>
+        <p:spPr/>
+        <p:txBody>
+          <a:bodyPr>
+            <a:normAutofit/>
+          </a:bodyPr>
+          <a:lstStyle/>
+          <a:p>
+            <a:pPr marL="0" indent="0">
+              <a:buNone/>
+            </a:pPr>
+            <a:r>
+              <a:rPr lang="ru-RU" sz="2400" b="1" dirty="0"/>
+              <a:t>Входные данные</a:t>
+            </a:r>
+            <a:r>
+              <a:rPr lang="en-US" sz="2400" b="1" dirty="0"/>
+              <a:t>:</a:t>
+            </a:r>
+          </a:p>
+          <a:p>
+            <a:r>
+              <a:rPr lang="ru-RU" sz="2400" dirty="0"/>
+              <a:t>Информация о БАДах</a:t>
+            </a:r>
+            <a:r>
+              <a:rPr lang="en-US" sz="2400" dirty="0"/>
+              <a:t>:</a:t>
+            </a:r>
+            <a:r>
+              <a:rPr lang="ru-RU" sz="2400" dirty="0"/>
+              <a:t> название</a:t>
+            </a:r>
+            <a:r>
+              <a:rPr lang="en-US" sz="2400" dirty="0"/>
+              <a:t>,</a:t>
+            </a:r>
+            <a:r>
+              <a:rPr lang="ru-RU" sz="2400" dirty="0"/>
+              <a:t> дозировка</a:t>
+            </a:r>
+            <a:endParaRPr lang="en-US" sz="2400" dirty="0"/>
+          </a:p>
+          <a:p>
+            <a:r>
+              <a:rPr lang="ru-RU" altLang="en-US" sz="2400" dirty="0">
+                <a:latin typeface="Times New Roman" panose="02020603050405020304" charset="0"/>
+                <a:cs typeface="Times New Roman" panose="02020603050405020304" charset="0"/>
+              </a:rPr>
+              <a:t>Персональные данные пользователя (имя, </a:t>
+            </a:r>
+            <a:r>
+              <a:rPr lang="en-US" altLang="en-US" sz="2400" dirty="0">
+                <a:latin typeface="Times New Roman" panose="02020603050405020304" charset="0"/>
+                <a:cs typeface="Times New Roman" panose="02020603050405020304" charset="0"/>
+              </a:rPr>
+              <a:t>email, </a:t>
+            </a:r>
+            <a:r>
+              <a:rPr lang="ru-RU" altLang="en-US" sz="2400" dirty="0">
+                <a:latin typeface="Times New Roman" panose="02020603050405020304" charset="0"/>
+                <a:cs typeface="Times New Roman" panose="02020603050405020304" charset="0"/>
+              </a:rPr>
+              <a:t>пароль)</a:t>
+            </a:r>
+            <a:endParaRPr lang="en-US" altLang="en-US" sz="2400" dirty="0">
+              <a:latin typeface="Times New Roman" panose="02020603050405020304" charset="0"/>
+              <a:cs typeface="Times New Roman" panose="02020603050405020304" charset="0"/>
+            </a:endParaRPr>
+          </a:p>
+          <a:p>
+            <a:r>
+              <a:rPr lang="ru-RU" altLang="en-US" sz="2400" dirty="0">
+                <a:latin typeface="Times New Roman" panose="02020603050405020304" charset="0"/>
+                <a:cs typeface="Times New Roman" panose="02020603050405020304" charset="0"/>
+              </a:rPr>
+              <a:t>Персональные заметки пользователя о воздействии БАДов на организм</a:t>
+            </a:r>
+          </a:p>
+          <a:p>
+            <a:pPr marL="0" indent="0">
+              <a:buNone/>
+            </a:pPr>
+            <a:endParaRPr lang="en-US" sz="2400" dirty="0"/>
+          </a:p>
+          <a:p>
+            <a:pPr marL="0" indent="0">
+              <a:buNone/>
+            </a:pPr>
+            <a:r>
+              <a:rPr lang="ru-RU" sz="2400" b="1" dirty="0"/>
+              <a:t>Выходные данные</a:t>
+            </a:r>
+            <a:r>
+              <a:rPr lang="en-US" sz="2400" b="1" dirty="0"/>
+              <a:t>:</a:t>
+            </a:r>
+          </a:p>
+          <a:p>
+            <a:r>
+              <a:rPr lang="ru-RU" sz="2400" dirty="0"/>
+              <a:t>График приёма БАДов и регулярные напоминая о приеме в нужное время необходимой дозировки</a:t>
+            </a:r>
+          </a:p>
+          <a:p>
+            <a:r>
+              <a:rPr lang="ru-RU" sz="2400" dirty="0"/>
+              <a:t>Персональный анализ действия БАДов на организм</a:t>
+            </a:r>
+            <a:endParaRPr lang="en-US" altLang="en-US" sz="2400" dirty="0">
+              <a:latin typeface="Times New Roman" panose="02020603050405020304" charset="0"/>
+              <a:cs typeface="Times New Roman" panose="02020603050405020304" charset="0"/>
+            </a:endParaRPr>
+          </a:p>
+          <a:p>
+            <a:pPr marL="0" indent="0">
+              <a:buNone/>
+            </a:pPr>
+            <a:endParaRPr lang="ru-RU" altLang="en-US" sz="2400" dirty="0">
+              <a:latin typeface="Times New Roman" panose="02020603050405020304" charset="0"/>
+              <a:cs typeface="Times New Roman" panose="02020603050405020304" charset="0"/>
+            </a:endParaRPr>
+          </a:p>
+          <a:p>
+            <a:endParaRPr lang="en-US" altLang="en-US" sz="2400" dirty="0">
+              <a:latin typeface="Times New Roman" panose="02020603050405020304" charset="0"/>
+              <a:cs typeface="Times New Roman" panose="02020603050405020304" charset="0"/>
+            </a:endParaRPr>
+          </a:p>
+          <a:p>
+            <a:endParaRPr lang="ru-RU" sz="2400" dirty="0"/>
+          </a:p>
+          <a:p>
+            <a:endParaRPr lang="ru-RU" sz="2400" dirty="0"/>
+          </a:p>
+          <a:p>
+            <a:endParaRPr lang="ru-RU" sz="2400" dirty="0"/>
+          </a:p>
+        </p:txBody>
+      </p:sp>
     </p:spTree>
     <p:extLst>
       <p:ext uri="{BB962C8B-B14F-4D97-AF65-F5344CB8AC3E}">
-        <p14:creationId xmlns:p14="http://schemas.microsoft.com/office/powerpoint/2010/main" val="211052293"/>
+        <p14:creationId xmlns:p14="http://schemas.microsoft.com/office/powerpoint/2010/main" val="276524218"/>
       </p:ext>
     </p:extLst>
   </p:cSld>
@@ -4405,7 +4539,7 @@
           <p:cNvPr id="2" name="Заголовок 1">
             <a:extLst>
               <a:ext uri="{FF2B5EF4-FFF2-40B4-BE49-F238E27FC236}">
-                <a16:creationId xmlns:a16="http://schemas.microsoft.com/office/drawing/2014/main" id="{317DEF86-157F-0546-AA65-70CCFD4F124C}"/>
+                <a16:creationId xmlns:a16="http://schemas.microsoft.com/office/drawing/2014/main" id="{6B5176A3-91AB-CD13-8621-38B3BD335223}"/>
               </a:ext>
             </a:extLst>
           </p:cNvPr>
@@ -4416,12 +4550,7 @@
             <p:ph type="title"/>
           </p:nvPr>
         </p:nvSpPr>
-        <p:spPr>
-          <a:xfrm>
-            <a:off x="838200" y="0"/>
-            <a:ext cx="10515600" cy="1325563"/>
-          </a:xfrm>
-        </p:spPr>
+        <p:spPr/>
         <p:txBody>
           <a:bodyPr>
             <a:normAutofit/>
@@ -4430,16 +4559,149 @@
           <a:p>
             <a:r>
               <a:rPr lang="ru-RU" sz="3600" dirty="0">
-                <a:solidFill>
-                  <a:srgbClr val="000000"/>
-                </a:solidFill>
-                <a:effectLst/>
-                <a:latin typeface="Times New Roman" panose="02020603050405020304" pitchFamily="18" charset="0"/>
-                <a:ea typeface="Times New Roman" panose="02020603050405020304" pitchFamily="18" charset="0"/>
-              </a:rPr>
-              <a:t>Входные и выходные данные программы</a:t>
-            </a:r>
-            <a:endParaRPr lang="ru-RU" sz="3600" dirty="0"/>
+                <a:latin typeface="Times New Roman" panose="02020603050405020304" pitchFamily="18" charset="0"/>
+                <a:cs typeface="Times New Roman" panose="02020603050405020304" pitchFamily="18" charset="0"/>
+              </a:rPr>
+              <a:t>Инструментальные средства, язык, библиотеки</a:t>
+            </a:r>
+          </a:p>
+        </p:txBody>
+      </p:sp>
+      <p:sp>
+        <p:nvSpPr>
+          <p:cNvPr id="3" name="Объект 2">
+            <a:extLst>
+              <a:ext uri="{FF2B5EF4-FFF2-40B4-BE49-F238E27FC236}">
+                <a16:creationId xmlns:a16="http://schemas.microsoft.com/office/drawing/2014/main" id="{97A1FD52-BB64-A375-3D16-C93599A80E35}"/>
+              </a:ext>
+            </a:extLst>
+          </p:cNvPr>
+          <p:cNvSpPr>
+            <a:spLocks noGrp="1"/>
+          </p:cNvSpPr>
+          <p:nvPr>
+            <p:ph idx="1"/>
+          </p:nvPr>
+        </p:nvSpPr>
+        <p:spPr/>
+        <p:txBody>
+          <a:bodyPr>
+            <a:normAutofit/>
+          </a:bodyPr>
+          <a:lstStyle/>
+          <a:p>
+            <a:r>
+              <a:rPr lang="en-US" sz="2400" dirty="0">
+                <a:latin typeface="Times New Roman" panose="02020603050405020304" pitchFamily="18" charset="0"/>
+                <a:cs typeface="Times New Roman" panose="02020603050405020304" pitchFamily="18" charset="0"/>
+              </a:rPr>
+              <a:t>Typescript</a:t>
+            </a:r>
+          </a:p>
+          <a:p>
+            <a:r>
+              <a:rPr lang="en-US" sz="2400" dirty="0" err="1">
+                <a:latin typeface="Times New Roman" panose="02020603050405020304" pitchFamily="18" charset="0"/>
+                <a:cs typeface="Times New Roman" panose="02020603050405020304" pitchFamily="18" charset="0"/>
+              </a:rPr>
+              <a:t>NestJS</a:t>
+            </a:r>
+            <a:r>
+              <a:rPr lang="en-US" sz="2400" dirty="0">
+                <a:latin typeface="Times New Roman" panose="02020603050405020304" pitchFamily="18" charset="0"/>
+                <a:cs typeface="Times New Roman" panose="02020603050405020304" pitchFamily="18" charset="0"/>
+              </a:rPr>
+              <a:t> - </a:t>
+            </a:r>
+            <a:r>
+              <a:rPr lang="ru-RU" sz="2400" dirty="0">
+                <a:latin typeface="Times New Roman" panose="02020603050405020304" pitchFamily="18" charset="0"/>
+                <a:cs typeface="Times New Roman" panose="02020603050405020304" pitchFamily="18" charset="0"/>
+              </a:rPr>
+              <a:t>фреймворк для разработок</a:t>
+            </a:r>
+            <a:r>
+              <a:rPr lang="en-US" sz="2400" dirty="0">
+                <a:latin typeface="Times New Roman" panose="02020603050405020304" pitchFamily="18" charset="0"/>
+                <a:cs typeface="Times New Roman" panose="02020603050405020304" pitchFamily="18" charset="0"/>
+              </a:rPr>
+              <a:t> </a:t>
+            </a:r>
+            <a:r>
+              <a:rPr lang="ru-RU" sz="2400" dirty="0">
+                <a:latin typeface="Times New Roman" panose="02020603050405020304" pitchFamily="18" charset="0"/>
+                <a:cs typeface="Times New Roman" panose="02020603050405020304" pitchFamily="18" charset="0"/>
+              </a:rPr>
+              <a:t>и серверных приложений на Node.js</a:t>
+            </a:r>
+            <a:endParaRPr lang="en-US" sz="2400" dirty="0">
+              <a:latin typeface="Times New Roman" panose="02020603050405020304" pitchFamily="18" charset="0"/>
+              <a:cs typeface="Times New Roman" panose="02020603050405020304" pitchFamily="18" charset="0"/>
+            </a:endParaRPr>
+          </a:p>
+          <a:p>
+            <a:r>
+              <a:rPr lang="en-US" sz="2400" dirty="0">
+                <a:latin typeface="Times New Roman" panose="02020603050405020304" pitchFamily="18" charset="0"/>
+                <a:cs typeface="Times New Roman" panose="02020603050405020304" pitchFamily="18" charset="0"/>
+              </a:rPr>
+              <a:t>Prisma - ORM </a:t>
+            </a:r>
+            <a:r>
+              <a:rPr lang="ru-RU" sz="2400" dirty="0">
+                <a:latin typeface="Times New Roman" panose="02020603050405020304" pitchFamily="18" charset="0"/>
+                <a:cs typeface="Times New Roman" panose="02020603050405020304" pitchFamily="18" charset="0"/>
+              </a:rPr>
+              <a:t>для </a:t>
+            </a:r>
+            <a:r>
+              <a:rPr lang="en-US" sz="2400" dirty="0">
+                <a:latin typeface="Times New Roman" panose="02020603050405020304" pitchFamily="18" charset="0"/>
+                <a:cs typeface="Times New Roman" panose="02020603050405020304" pitchFamily="18" charset="0"/>
+              </a:rPr>
+              <a:t>Node.js</a:t>
+            </a:r>
+            <a:endParaRPr lang="ru-RU" sz="2400" dirty="0">
+              <a:latin typeface="Times New Roman" panose="02020603050405020304" pitchFamily="18" charset="0"/>
+              <a:cs typeface="Times New Roman" panose="02020603050405020304" pitchFamily="18" charset="0"/>
+            </a:endParaRPr>
+          </a:p>
+          <a:p>
+            <a:r>
+              <a:rPr lang="en-US" sz="2400" dirty="0">
+                <a:latin typeface="Times New Roman" panose="02020603050405020304" pitchFamily="18" charset="0"/>
+                <a:cs typeface="Times New Roman" panose="02020603050405020304" pitchFamily="18" charset="0"/>
+              </a:rPr>
+              <a:t>Docker</a:t>
+            </a:r>
+          </a:p>
+          <a:p>
+            <a:r>
+              <a:rPr lang="en-US" sz="2400" dirty="0">
+                <a:latin typeface="Times New Roman" panose="02020603050405020304" pitchFamily="18" charset="0"/>
+                <a:cs typeface="Times New Roman" panose="02020603050405020304" pitchFamily="18" charset="0"/>
+              </a:rPr>
+              <a:t>PostgreSQL</a:t>
+            </a:r>
+          </a:p>
+          <a:p>
+            <a:r>
+              <a:rPr lang="en-US" sz="2400" dirty="0">
+                <a:latin typeface="Times New Roman" panose="02020603050405020304" pitchFamily="18" charset="0"/>
+                <a:cs typeface="Times New Roman" panose="02020603050405020304" pitchFamily="18" charset="0"/>
+              </a:rPr>
+              <a:t>Firebase Cloud Messaging</a:t>
+            </a:r>
+            <a:endParaRPr lang="ru-RU" sz="2400" dirty="0">
+              <a:latin typeface="Times New Roman" panose="02020603050405020304" pitchFamily="18" charset="0"/>
+              <a:cs typeface="Times New Roman" panose="02020603050405020304" pitchFamily="18" charset="0"/>
+            </a:endParaRPr>
+          </a:p>
+          <a:p>
+            <a:endParaRPr lang="ru-RU" sz="2400" dirty="0">
+              <a:latin typeface="Times New Roman" panose="02020603050405020304" pitchFamily="18" charset="0"/>
+              <a:cs typeface="Times New Roman" panose="02020603050405020304" pitchFamily="18" charset="0"/>
+            </a:endParaRPr>
           </a:p>
         </p:txBody>
       </p:sp>
@@ -4448,7 +4710,7 @@
           <p:cNvPr id="4" name="Номер слайда 3">
             <a:extLst>
               <a:ext uri="{FF2B5EF4-FFF2-40B4-BE49-F238E27FC236}">
-                <a16:creationId xmlns:a16="http://schemas.microsoft.com/office/drawing/2014/main" id="{ACC698C5-8C89-B4B5-A328-BCFD9649DB25}"/>
+                <a16:creationId xmlns:a16="http://schemas.microsoft.com/office/drawing/2014/main" id="{0CAE724F-C6C6-2D35-69B3-85471C76E297}"/>
               </a:ext>
             </a:extLst>
           </p:cNvPr>
@@ -4472,165 +4734,10 @@
           </a:p>
         </p:txBody>
       </p:sp>
-      <p:sp>
-        <p:nvSpPr>
-          <p:cNvPr id="8" name="Объект 7">
-            <a:extLst>
-              <a:ext uri="{FF2B5EF4-FFF2-40B4-BE49-F238E27FC236}">
-                <a16:creationId xmlns:a16="http://schemas.microsoft.com/office/drawing/2014/main" id="{3DB0E8ED-238E-E329-6CD9-19CE01A75E97}"/>
-              </a:ext>
-            </a:extLst>
-          </p:cNvPr>
-          <p:cNvSpPr>
-            <a:spLocks noGrp="1"/>
-          </p:cNvSpPr>
-          <p:nvPr>
-            <p:ph idx="1"/>
-          </p:nvPr>
-        </p:nvSpPr>
-        <p:spPr/>
-        <p:txBody>
-          <a:bodyPr>
-            <a:normAutofit/>
-          </a:bodyPr>
-          <a:lstStyle/>
-          <a:p>
-            <a:pPr marL="0" indent="0">
-              <a:buNone/>
-            </a:pPr>
-            <a:r>
-              <a:rPr lang="ru-RU" sz="2400" b="1" dirty="0"/>
-              <a:t>Входные данные</a:t>
-            </a:r>
-            <a:r>
-              <a:rPr lang="en-US" sz="2400" b="1" dirty="0"/>
-              <a:t>:</a:t>
-            </a:r>
-          </a:p>
-          <a:p>
-            <a:r>
-              <a:rPr lang="ru-RU" sz="2400" dirty="0"/>
-              <a:t>Информация о БАДах</a:t>
-            </a:r>
-            <a:r>
-              <a:rPr lang="en-US" sz="2400" dirty="0"/>
-              <a:t>:</a:t>
-            </a:r>
-            <a:r>
-              <a:rPr lang="ru-RU" sz="2400" dirty="0"/>
-              <a:t> название</a:t>
-            </a:r>
-            <a:r>
-              <a:rPr lang="en-US" sz="2400" dirty="0"/>
-              <a:t>,</a:t>
-            </a:r>
-            <a:r>
-              <a:rPr lang="ru-RU" sz="2400" dirty="0"/>
-              <a:t> дозировка</a:t>
-            </a:r>
-            <a:endParaRPr lang="en-US" sz="2400" dirty="0"/>
-          </a:p>
-          <a:p>
-            <a:r>
-              <a:rPr lang="ru-RU" altLang="en-US" sz="2400" dirty="0">
-                <a:latin typeface="Times New Roman" panose="02020603050405020304" charset="0"/>
-                <a:cs typeface="Times New Roman" panose="02020603050405020304" charset="0"/>
-              </a:rPr>
-              <a:t>Персональные данные пользователя (имя, </a:t>
-            </a:r>
-            <a:r>
-              <a:rPr lang="en-US" altLang="en-US" sz="2400" dirty="0">
-                <a:latin typeface="Times New Roman" panose="02020603050405020304" charset="0"/>
-                <a:cs typeface="Times New Roman" panose="02020603050405020304" charset="0"/>
-              </a:rPr>
-              <a:t>email, </a:t>
-            </a:r>
-            <a:r>
-              <a:rPr lang="ru-RU" altLang="en-US" sz="2400" dirty="0">
-                <a:latin typeface="Times New Roman" panose="02020603050405020304" charset="0"/>
-                <a:cs typeface="Times New Roman" panose="02020603050405020304" charset="0"/>
-              </a:rPr>
-              <a:t>пароль)</a:t>
-            </a:r>
-            <a:endParaRPr lang="en-US" altLang="en-US" sz="2400" dirty="0">
-              <a:latin typeface="Times New Roman" panose="02020603050405020304" charset="0"/>
-              <a:cs typeface="Times New Roman" panose="02020603050405020304" charset="0"/>
-            </a:endParaRPr>
-          </a:p>
-          <a:p>
-            <a:r>
-              <a:rPr lang="ru-RU" altLang="en-US" sz="2400" dirty="0">
-                <a:latin typeface="Times New Roman" panose="02020603050405020304" charset="0"/>
-                <a:cs typeface="Times New Roman" panose="02020603050405020304" charset="0"/>
-              </a:rPr>
-              <a:t>Персональные заметки пользователя о воздействии БАДов на организм</a:t>
-            </a:r>
-          </a:p>
-          <a:p>
-            <a:pPr marL="0" indent="0">
-              <a:buNone/>
-            </a:pPr>
-            <a:endParaRPr lang="en-US" sz="2400" dirty="0"/>
-          </a:p>
-          <a:p>
-            <a:pPr marL="0" indent="0">
-              <a:buNone/>
-            </a:pPr>
-            <a:r>
-              <a:rPr lang="ru-RU" sz="2400" b="1" dirty="0"/>
-              <a:t>Выходные данные</a:t>
-            </a:r>
-            <a:r>
-              <a:rPr lang="en-US" sz="2400" b="1" dirty="0"/>
-              <a:t>:</a:t>
-            </a:r>
-          </a:p>
-          <a:p>
-            <a:r>
-              <a:rPr lang="ru-RU" sz="2400" dirty="0"/>
-              <a:t>График приёма БАДов и регулярные напоминая о приеме в нужное время необходимой дозировки</a:t>
-            </a:r>
-          </a:p>
-          <a:p>
-            <a:r>
-              <a:rPr lang="ru-RU" sz="2400" dirty="0"/>
-              <a:t>Персональный анализ действия БАДов на организм</a:t>
-            </a:r>
-            <a:endParaRPr lang="en-US" altLang="en-US" sz="2400" dirty="0">
-              <a:latin typeface="Times New Roman" panose="02020603050405020304" charset="0"/>
-              <a:cs typeface="Times New Roman" panose="02020603050405020304" charset="0"/>
-            </a:endParaRPr>
-          </a:p>
-          <a:p>
-            <a:pPr marL="0" indent="0">
-              <a:buNone/>
-            </a:pPr>
-            <a:endParaRPr lang="ru-RU" altLang="en-US" sz="2400" dirty="0">
-              <a:latin typeface="Times New Roman" panose="02020603050405020304" charset="0"/>
-              <a:cs typeface="Times New Roman" panose="02020603050405020304" charset="0"/>
-            </a:endParaRPr>
-          </a:p>
-          <a:p>
-            <a:endParaRPr lang="en-US" altLang="en-US" sz="2400" dirty="0">
-              <a:latin typeface="Times New Roman" panose="02020603050405020304" charset="0"/>
-              <a:cs typeface="Times New Roman" panose="02020603050405020304" charset="0"/>
-            </a:endParaRPr>
-          </a:p>
-          <a:p>
-            <a:endParaRPr lang="ru-RU" sz="2400" dirty="0"/>
-          </a:p>
-          <a:p>
-            <a:endParaRPr lang="ru-RU" sz="2400" dirty="0"/>
-          </a:p>
-          <a:p>
-            <a:endParaRPr lang="ru-RU" sz="2400" dirty="0"/>
-          </a:p>
-        </p:txBody>
-      </p:sp>
     </p:spTree>
     <p:extLst>
       <p:ext uri="{BB962C8B-B14F-4D97-AF65-F5344CB8AC3E}">
-        <p14:creationId xmlns:p14="http://schemas.microsoft.com/office/powerpoint/2010/main" val="276524218"/>
+        <p14:creationId xmlns:p14="http://schemas.microsoft.com/office/powerpoint/2010/main" val="1068467355"/>
       </p:ext>
     </p:extLst>
   </p:cSld>
@@ -4662,236 +4769,6 @@
           <p:cNvPr id="2" name="Заголовок 1">
             <a:extLst>
               <a:ext uri="{FF2B5EF4-FFF2-40B4-BE49-F238E27FC236}">
-                <a16:creationId xmlns:a16="http://schemas.microsoft.com/office/drawing/2014/main" id="{6B5176A3-91AB-CD13-8621-38B3BD335223}"/>
-              </a:ext>
-            </a:extLst>
-          </p:cNvPr>
-          <p:cNvSpPr>
-            <a:spLocks noGrp="1"/>
-          </p:cNvSpPr>
-          <p:nvPr>
-            <p:ph type="title"/>
-          </p:nvPr>
-        </p:nvSpPr>
-        <p:spPr/>
-        <p:txBody>
-          <a:bodyPr>
-            <a:normAutofit/>
-          </a:bodyPr>
-          <a:lstStyle/>
-          <a:p>
-            <a:r>
-              <a:rPr lang="ru-RU" sz="3600" dirty="0">
-                <a:latin typeface="Times New Roman" panose="02020603050405020304" pitchFamily="18" charset="0"/>
-                <a:cs typeface="Times New Roman" panose="02020603050405020304" pitchFamily="18" charset="0"/>
-              </a:rPr>
-              <a:t>Инструментальные средства, язык, библиотеки</a:t>
-            </a:r>
-          </a:p>
-        </p:txBody>
-      </p:sp>
-      <p:sp>
-        <p:nvSpPr>
-          <p:cNvPr id="3" name="Объект 2">
-            <a:extLst>
-              <a:ext uri="{FF2B5EF4-FFF2-40B4-BE49-F238E27FC236}">
-                <a16:creationId xmlns:a16="http://schemas.microsoft.com/office/drawing/2014/main" id="{97A1FD52-BB64-A375-3D16-C93599A80E35}"/>
-              </a:ext>
-            </a:extLst>
-          </p:cNvPr>
-          <p:cNvSpPr>
-            <a:spLocks noGrp="1"/>
-          </p:cNvSpPr>
-          <p:nvPr>
-            <p:ph idx="1"/>
-          </p:nvPr>
-        </p:nvSpPr>
-        <p:spPr/>
-        <p:txBody>
-          <a:bodyPr>
-            <a:normAutofit/>
-          </a:bodyPr>
-          <a:lstStyle/>
-          <a:p>
-            <a:r>
-              <a:rPr lang="en-US" sz="2400" dirty="0">
-                <a:latin typeface="Times New Roman" panose="02020603050405020304" pitchFamily="18" charset="0"/>
-                <a:cs typeface="Times New Roman" panose="02020603050405020304" pitchFamily="18" charset="0"/>
-              </a:rPr>
-              <a:t>Typescript</a:t>
-            </a:r>
-          </a:p>
-          <a:p>
-            <a:r>
-              <a:rPr lang="en-US" sz="2400" dirty="0" err="1">
-                <a:latin typeface="Times New Roman" panose="02020603050405020304" pitchFamily="18" charset="0"/>
-                <a:cs typeface="Times New Roman" panose="02020603050405020304" pitchFamily="18" charset="0"/>
-              </a:rPr>
-              <a:t>NestJS</a:t>
-            </a:r>
-            <a:r>
-              <a:rPr lang="en-US" sz="2400" dirty="0">
-                <a:latin typeface="Times New Roman" panose="02020603050405020304" pitchFamily="18" charset="0"/>
-                <a:cs typeface="Times New Roman" panose="02020603050405020304" pitchFamily="18" charset="0"/>
-              </a:rPr>
-              <a:t> - </a:t>
-            </a:r>
-            <a:r>
-              <a:rPr lang="ru-RU" sz="2400" dirty="0">
-                <a:latin typeface="Times New Roman" panose="02020603050405020304" pitchFamily="18" charset="0"/>
-                <a:cs typeface="Times New Roman" panose="02020603050405020304" pitchFamily="18" charset="0"/>
-              </a:rPr>
-              <a:t>фреймворк для разработок</a:t>
-            </a:r>
-            <a:r>
-              <a:rPr lang="en-US" sz="2400" dirty="0">
-                <a:latin typeface="Times New Roman" panose="02020603050405020304" pitchFamily="18" charset="0"/>
-                <a:cs typeface="Times New Roman" panose="02020603050405020304" pitchFamily="18" charset="0"/>
-              </a:rPr>
-              <a:t> </a:t>
-            </a:r>
-            <a:r>
-              <a:rPr lang="ru-RU" sz="2400" dirty="0">
-                <a:latin typeface="Times New Roman" panose="02020603050405020304" pitchFamily="18" charset="0"/>
-                <a:cs typeface="Times New Roman" panose="02020603050405020304" pitchFamily="18" charset="0"/>
-              </a:rPr>
-              <a:t>и серверных приложений на Node.js</a:t>
-            </a:r>
-            <a:endParaRPr lang="en-US" sz="2400" dirty="0">
-              <a:latin typeface="Times New Roman" panose="02020603050405020304" pitchFamily="18" charset="0"/>
-              <a:cs typeface="Times New Roman" panose="02020603050405020304" pitchFamily="18" charset="0"/>
-            </a:endParaRPr>
-          </a:p>
-          <a:p>
-            <a:r>
-              <a:rPr lang="en-US" sz="2400" dirty="0">
-                <a:latin typeface="Times New Roman" panose="02020603050405020304" pitchFamily="18" charset="0"/>
-                <a:cs typeface="Times New Roman" panose="02020603050405020304" pitchFamily="18" charset="0"/>
-              </a:rPr>
-              <a:t>Prisma - ORM </a:t>
-            </a:r>
-            <a:r>
-              <a:rPr lang="ru-RU" sz="2400" dirty="0">
-                <a:latin typeface="Times New Roman" panose="02020603050405020304" pitchFamily="18" charset="0"/>
-                <a:cs typeface="Times New Roman" panose="02020603050405020304" pitchFamily="18" charset="0"/>
-              </a:rPr>
-              <a:t>для </a:t>
-            </a:r>
-            <a:r>
-              <a:rPr lang="en-US" sz="2400" dirty="0">
-                <a:latin typeface="Times New Roman" panose="02020603050405020304" pitchFamily="18" charset="0"/>
-                <a:cs typeface="Times New Roman" panose="02020603050405020304" pitchFamily="18" charset="0"/>
-              </a:rPr>
-              <a:t>Node.js</a:t>
-            </a:r>
-            <a:endParaRPr lang="ru-RU" sz="2400" dirty="0">
-              <a:latin typeface="Times New Roman" panose="02020603050405020304" pitchFamily="18" charset="0"/>
-              <a:cs typeface="Times New Roman" panose="02020603050405020304" pitchFamily="18" charset="0"/>
-            </a:endParaRPr>
-          </a:p>
-          <a:p>
-            <a:r>
-              <a:rPr lang="en-US" sz="2400" dirty="0">
-                <a:latin typeface="Times New Roman" panose="02020603050405020304" pitchFamily="18" charset="0"/>
-                <a:cs typeface="Times New Roman" panose="02020603050405020304" pitchFamily="18" charset="0"/>
-              </a:rPr>
-              <a:t>Docker</a:t>
-            </a:r>
-          </a:p>
-          <a:p>
-            <a:r>
-              <a:rPr lang="en-US" sz="2400" dirty="0">
-                <a:latin typeface="Times New Roman" panose="02020603050405020304" pitchFamily="18" charset="0"/>
-                <a:cs typeface="Times New Roman" panose="02020603050405020304" pitchFamily="18" charset="0"/>
-              </a:rPr>
-              <a:t>PostgreSQL</a:t>
-            </a:r>
-          </a:p>
-          <a:p>
-            <a:r>
-              <a:rPr lang="en-US" sz="2400" dirty="0">
-                <a:latin typeface="Times New Roman" panose="02020603050405020304" pitchFamily="18" charset="0"/>
-                <a:cs typeface="Times New Roman" panose="02020603050405020304" pitchFamily="18" charset="0"/>
-              </a:rPr>
-              <a:t>Firebase Cloud Messaging</a:t>
-            </a:r>
-            <a:endParaRPr lang="ru-RU" sz="2400" dirty="0">
-              <a:latin typeface="Times New Roman" panose="02020603050405020304" pitchFamily="18" charset="0"/>
-              <a:cs typeface="Times New Roman" panose="02020603050405020304" pitchFamily="18" charset="0"/>
-            </a:endParaRPr>
-          </a:p>
-          <a:p>
-            <a:endParaRPr lang="ru-RU" sz="2400" dirty="0">
-              <a:latin typeface="Times New Roman" panose="02020603050405020304" pitchFamily="18" charset="0"/>
-              <a:cs typeface="Times New Roman" panose="02020603050405020304" pitchFamily="18" charset="0"/>
-            </a:endParaRPr>
-          </a:p>
-        </p:txBody>
-      </p:sp>
-      <p:sp>
-        <p:nvSpPr>
-          <p:cNvPr id="4" name="Номер слайда 3">
-            <a:extLst>
-              <a:ext uri="{FF2B5EF4-FFF2-40B4-BE49-F238E27FC236}">
-                <a16:creationId xmlns:a16="http://schemas.microsoft.com/office/drawing/2014/main" id="{0CAE724F-C6C6-2D35-69B3-85471C76E297}"/>
-              </a:ext>
-            </a:extLst>
-          </p:cNvPr>
-          <p:cNvSpPr>
-            <a:spLocks noGrp="1"/>
-          </p:cNvSpPr>
-          <p:nvPr>
-            <p:ph type="sldNum" sz="quarter" idx="12"/>
-          </p:nvPr>
-        </p:nvSpPr>
-        <p:spPr/>
-        <p:txBody>
-          <a:bodyPr/>
-          <a:lstStyle/>
-          <a:p>
-            <a:fld id="{313C65D0-8BFA-4A71-89DD-A442071D6E29}" type="slidenum">
-              <a:rPr lang="ru-RU" smtClean="0"/>
-              <a:t>13</a:t>
-            </a:fld>
-            <a:endParaRPr lang="ru-RU"/>
-          </a:p>
-        </p:txBody>
-      </p:sp>
-    </p:spTree>
-    <p:extLst>
-      <p:ext uri="{BB962C8B-B14F-4D97-AF65-F5344CB8AC3E}">
-        <p14:creationId xmlns:p14="http://schemas.microsoft.com/office/powerpoint/2010/main" val="1068467355"/>
-      </p:ext>
-    </p:extLst>
-  </p:cSld>
-  <p:clrMapOvr>
-    <a:masterClrMapping/>
-  </p:clrMapOvr>
-</p:sld>
-</file>
-
-<file path=ppt/slides/slide14.xml><?xml version="1.0" encoding="utf-8"?>
-<p:sld xmlns:a="http://schemas.openxmlformats.org/drawingml/2006/main" xmlns:r="http://schemas.openxmlformats.org/officeDocument/2006/relationships" xmlns:p="http://schemas.openxmlformats.org/presentationml/2006/main">
-  <p:cSld>
-    <p:spTree>
-      <p:nvGrpSpPr>
-        <p:cNvPr id="1" name=""/>
-        <p:cNvGrpSpPr/>
-        <p:nvPr/>
-      </p:nvGrpSpPr>
-      <p:grpSpPr>
-        <a:xfrm>
-          <a:off x="0" y="0"/>
-          <a:ext cx="0" cy="0"/>
-          <a:chOff x="0" y="0"/>
-          <a:chExt cx="0" cy="0"/>
-        </a:xfrm>
-      </p:grpSpPr>
-      <p:sp>
-        <p:nvSpPr>
-          <p:cNvPr id="2" name="Заголовок 1">
-            <a:extLst>
-              <a:ext uri="{FF2B5EF4-FFF2-40B4-BE49-F238E27FC236}">
                 <a16:creationId xmlns:a16="http://schemas.microsoft.com/office/drawing/2014/main" id="{20117AA3-BE34-D9C6-88E4-A3D799635972}"/>
               </a:ext>
             </a:extLst>
@@ -4921,7 +4798,7 @@
                 <a:latin typeface="Times New Roman" panose="02020603050405020304" pitchFamily="18" charset="0"/>
                 <a:cs typeface="Times New Roman" panose="02020603050405020304" pitchFamily="18" charset="0"/>
               </a:rPr>
-              <a:t>Абстрактная структура программы на уровне классов</a:t>
+              <a:t>Абстрактная структура модуля на уровне классов</a:t>
             </a:r>
           </a:p>
         </p:txBody>
@@ -4949,7 +4826,7 @@
           <a:p>
             <a:fld id="{313C65D0-8BFA-4A71-89DD-A442071D6E29}" type="slidenum">
               <a:rPr lang="ru-RU" smtClean="0"/>
-              <a:t>14</a:t>
+              <a:t>13</a:t>
             </a:fld>
             <a:endParaRPr lang="ru-RU"/>
           </a:p>
@@ -4997,6 +4874,147 @@
 </p:sld>
 </file>
 
+<file path=ppt/slides/slide14.xml><?xml version="1.0" encoding="utf-8"?>
+<p:sld xmlns:a="http://schemas.openxmlformats.org/drawingml/2006/main" xmlns:r="http://schemas.openxmlformats.org/officeDocument/2006/relationships" xmlns:p="http://schemas.openxmlformats.org/presentationml/2006/main">
+  <p:cSld>
+    <p:spTree>
+      <p:nvGrpSpPr>
+        <p:cNvPr id="1" name=""/>
+        <p:cNvGrpSpPr/>
+        <p:nvPr/>
+      </p:nvGrpSpPr>
+      <p:grpSpPr>
+        <a:xfrm>
+          <a:off x="0" y="0"/>
+          <a:ext cx="0" cy="0"/>
+          <a:chOff x="0" y="0"/>
+          <a:chExt cx="0" cy="0"/>
+        </a:xfrm>
+      </p:grpSpPr>
+      <p:sp>
+        <p:nvSpPr>
+          <p:cNvPr id="2" name="Заголовок 1">
+            <a:extLst>
+              <a:ext uri="{FF2B5EF4-FFF2-40B4-BE49-F238E27FC236}">
+                <a16:creationId xmlns:a16="http://schemas.microsoft.com/office/drawing/2014/main" id="{76145946-C103-4ADF-9624-AC8B71FE6E01}"/>
+              </a:ext>
+            </a:extLst>
+          </p:cNvPr>
+          <p:cNvSpPr>
+            <a:spLocks noGrp="1"/>
+          </p:cNvSpPr>
+          <p:nvPr>
+            <p:ph type="title"/>
+          </p:nvPr>
+        </p:nvSpPr>
+        <p:spPr/>
+        <p:txBody>
+          <a:bodyPr/>
+          <a:lstStyle/>
+          <a:p>
+            <a:r>
+              <a:rPr lang="ru-RU" dirty="0"/>
+              <a:t>Требования к Бэкенд части приложения</a:t>
+            </a:r>
+          </a:p>
+        </p:txBody>
+      </p:sp>
+      <p:sp>
+        <p:nvSpPr>
+          <p:cNvPr id="3" name="Объект 2">
+            <a:extLst>
+              <a:ext uri="{FF2B5EF4-FFF2-40B4-BE49-F238E27FC236}">
+                <a16:creationId xmlns:a16="http://schemas.microsoft.com/office/drawing/2014/main" id="{3190E86E-D813-2F84-6CB8-2AA31E8054ED}"/>
+              </a:ext>
+            </a:extLst>
+          </p:cNvPr>
+          <p:cNvSpPr>
+            <a:spLocks noGrp="1"/>
+          </p:cNvSpPr>
+          <p:nvPr>
+            <p:ph idx="1"/>
+          </p:nvPr>
+        </p:nvSpPr>
+        <p:spPr/>
+        <p:txBody>
+          <a:bodyPr/>
+          <a:lstStyle/>
+          <a:p>
+            <a:r>
+              <a:rPr lang="ru-RU" dirty="0"/>
+              <a:t>Реализованные меры безопасности (шифрование, защита от SQL-инъекций и т.д.).</a:t>
+            </a:r>
+          </a:p>
+          <a:p>
+            <a:r>
+              <a:rPr lang="ru-RU" dirty="0"/>
+              <a:t> поддержка отправки уведомлений и напоминаний пользователям о приеме БАДов.</a:t>
+            </a:r>
+          </a:p>
+          <a:p>
+            <a:r>
+              <a:rPr lang="ru-RU" dirty="0"/>
+              <a:t>Должна быть реализована регистрация и аутентификация пользователя </a:t>
+            </a:r>
+            <a:endParaRPr lang="en-US" dirty="0"/>
+          </a:p>
+          <a:p>
+            <a:r>
+              <a:rPr lang="ru-RU" dirty="0"/>
+              <a:t>Легкость в поддержке и расширении</a:t>
+            </a:r>
+          </a:p>
+          <a:p>
+            <a:pPr marL="0" indent="0">
+              <a:buNone/>
+            </a:pPr>
+            <a:endParaRPr lang="ru-RU" dirty="0"/>
+          </a:p>
+        </p:txBody>
+      </p:sp>
+      <p:sp>
+        <p:nvSpPr>
+          <p:cNvPr id="4" name="Номер слайда 3">
+            <a:extLst>
+              <a:ext uri="{FF2B5EF4-FFF2-40B4-BE49-F238E27FC236}">
+                <a16:creationId xmlns:a16="http://schemas.microsoft.com/office/drawing/2014/main" id="{A98AD7D0-A190-A422-AC3E-3FFF1F6A82B5}"/>
+              </a:ext>
+            </a:extLst>
+          </p:cNvPr>
+          <p:cNvSpPr>
+            <a:spLocks noGrp="1"/>
+          </p:cNvSpPr>
+          <p:nvPr>
+            <p:ph type="sldNum" sz="quarter" idx="12"/>
+          </p:nvPr>
+        </p:nvSpPr>
+        <p:spPr/>
+        <p:txBody>
+          <a:bodyPr/>
+          <a:lstStyle/>
+          <a:p>
+            <a:fld id="{313C65D0-8BFA-4A71-89DD-A442071D6E29}" type="slidenum">
+              <a:rPr lang="ru-RU" smtClean="0"/>
+              <a:pPr/>
+              <a:t>14</a:t>
+            </a:fld>
+            <a:endParaRPr lang="ru-RU" dirty="0"/>
+          </a:p>
+        </p:txBody>
+      </p:sp>
+    </p:spTree>
+    <p:extLst>
+      <p:ext uri="{BB962C8B-B14F-4D97-AF65-F5344CB8AC3E}">
+        <p14:creationId xmlns:p14="http://schemas.microsoft.com/office/powerpoint/2010/main" val="3762646437"/>
+      </p:ext>
+    </p:extLst>
+  </p:cSld>
+  <p:clrMapOvr>
+    <a:masterClrMapping/>
+  </p:clrMapOvr>
+</p:sld>
+</file>
+
 <file path=ppt/slides/slide15.xml><?xml version="1.0" encoding="utf-8"?>
 <p:sld xmlns:a="http://schemas.openxmlformats.org/drawingml/2006/main" xmlns:r="http://schemas.openxmlformats.org/officeDocument/2006/relationships" xmlns:p="http://schemas.openxmlformats.org/presentationml/2006/main">
   <p:cSld>
@@ -5019,147 +5037,6 @@
           <p:cNvPr id="2" name="Заголовок 1">
             <a:extLst>
               <a:ext uri="{FF2B5EF4-FFF2-40B4-BE49-F238E27FC236}">
-                <a16:creationId xmlns:a16="http://schemas.microsoft.com/office/drawing/2014/main" id="{76145946-C103-4ADF-9624-AC8B71FE6E01}"/>
-              </a:ext>
-            </a:extLst>
-          </p:cNvPr>
-          <p:cNvSpPr>
-            <a:spLocks noGrp="1"/>
-          </p:cNvSpPr>
-          <p:nvPr>
-            <p:ph type="title"/>
-          </p:nvPr>
-        </p:nvSpPr>
-        <p:spPr/>
-        <p:txBody>
-          <a:bodyPr/>
-          <a:lstStyle/>
-          <a:p>
-            <a:r>
-              <a:rPr lang="ru-RU" dirty="0"/>
-              <a:t>Требования к Бэкенд части приложения</a:t>
-            </a:r>
-          </a:p>
-        </p:txBody>
-      </p:sp>
-      <p:sp>
-        <p:nvSpPr>
-          <p:cNvPr id="3" name="Объект 2">
-            <a:extLst>
-              <a:ext uri="{FF2B5EF4-FFF2-40B4-BE49-F238E27FC236}">
-                <a16:creationId xmlns:a16="http://schemas.microsoft.com/office/drawing/2014/main" id="{3190E86E-D813-2F84-6CB8-2AA31E8054ED}"/>
-              </a:ext>
-            </a:extLst>
-          </p:cNvPr>
-          <p:cNvSpPr>
-            <a:spLocks noGrp="1"/>
-          </p:cNvSpPr>
-          <p:nvPr>
-            <p:ph idx="1"/>
-          </p:nvPr>
-        </p:nvSpPr>
-        <p:spPr/>
-        <p:txBody>
-          <a:bodyPr/>
-          <a:lstStyle/>
-          <a:p>
-            <a:r>
-              <a:rPr lang="ru-RU" dirty="0"/>
-              <a:t>Реализованные меры безопасности (шифрование, защита от SQL-инъекций и т.д.).</a:t>
-            </a:r>
-          </a:p>
-          <a:p>
-            <a:r>
-              <a:rPr lang="ru-RU" dirty="0"/>
-              <a:t> поддержка отправки уведомлений и напоминаний пользователям о приеме БАДов.</a:t>
-            </a:r>
-          </a:p>
-          <a:p>
-            <a:r>
-              <a:rPr lang="ru-RU" dirty="0"/>
-              <a:t>Должна быть реализована регистрация и аутентификация пользователя </a:t>
-            </a:r>
-            <a:endParaRPr lang="en-US" dirty="0"/>
-          </a:p>
-          <a:p>
-            <a:r>
-              <a:rPr lang="ru-RU" dirty="0"/>
-              <a:t>Легкость в поддержке и расширении</a:t>
-            </a:r>
-          </a:p>
-          <a:p>
-            <a:pPr marL="0" indent="0">
-              <a:buNone/>
-            </a:pPr>
-            <a:endParaRPr lang="ru-RU" dirty="0"/>
-          </a:p>
-        </p:txBody>
-      </p:sp>
-      <p:sp>
-        <p:nvSpPr>
-          <p:cNvPr id="4" name="Номер слайда 3">
-            <a:extLst>
-              <a:ext uri="{FF2B5EF4-FFF2-40B4-BE49-F238E27FC236}">
-                <a16:creationId xmlns:a16="http://schemas.microsoft.com/office/drawing/2014/main" id="{A98AD7D0-A190-A422-AC3E-3FFF1F6A82B5}"/>
-              </a:ext>
-            </a:extLst>
-          </p:cNvPr>
-          <p:cNvSpPr>
-            <a:spLocks noGrp="1"/>
-          </p:cNvSpPr>
-          <p:nvPr>
-            <p:ph type="sldNum" sz="quarter" idx="12"/>
-          </p:nvPr>
-        </p:nvSpPr>
-        <p:spPr/>
-        <p:txBody>
-          <a:bodyPr/>
-          <a:lstStyle/>
-          <a:p>
-            <a:fld id="{313C65D0-8BFA-4A71-89DD-A442071D6E29}" type="slidenum">
-              <a:rPr lang="ru-RU" smtClean="0"/>
-              <a:pPr/>
-              <a:t>15</a:t>
-            </a:fld>
-            <a:endParaRPr lang="ru-RU" dirty="0"/>
-          </a:p>
-        </p:txBody>
-      </p:sp>
-    </p:spTree>
-    <p:extLst>
-      <p:ext uri="{BB962C8B-B14F-4D97-AF65-F5344CB8AC3E}">
-        <p14:creationId xmlns:p14="http://schemas.microsoft.com/office/powerpoint/2010/main" val="3762646437"/>
-      </p:ext>
-    </p:extLst>
-  </p:cSld>
-  <p:clrMapOvr>
-    <a:masterClrMapping/>
-  </p:clrMapOvr>
-</p:sld>
-</file>
-
-<file path=ppt/slides/slide16.xml><?xml version="1.0" encoding="utf-8"?>
-<p:sld xmlns:a="http://schemas.openxmlformats.org/drawingml/2006/main" xmlns:r="http://schemas.openxmlformats.org/officeDocument/2006/relationships" xmlns:p="http://schemas.openxmlformats.org/presentationml/2006/main">
-  <p:cSld>
-    <p:spTree>
-      <p:nvGrpSpPr>
-        <p:cNvPr id="1" name=""/>
-        <p:cNvGrpSpPr/>
-        <p:nvPr/>
-      </p:nvGrpSpPr>
-      <p:grpSpPr>
-        <a:xfrm>
-          <a:off x="0" y="0"/>
-          <a:ext cx="0" cy="0"/>
-          <a:chOff x="0" y="0"/>
-          <a:chExt cx="0" cy="0"/>
-        </a:xfrm>
-      </p:grpSpPr>
-      <p:sp>
-        <p:nvSpPr>
-          <p:cNvPr id="2" name="Заголовок 1">
-            <a:extLst>
-              <a:ext uri="{FF2B5EF4-FFF2-40B4-BE49-F238E27FC236}">
                 <a16:creationId xmlns:a16="http://schemas.microsoft.com/office/drawing/2014/main" id="{04668D96-67DE-E4E4-1F29-541342AE5DB5}"/>
               </a:ext>
             </a:extLst>
@@ -5211,7 +5088,7 @@
           <a:p>
             <a:fld id="{313C65D0-8BFA-4A71-89DD-A442071D6E29}" type="slidenum">
               <a:rPr lang="ru-RU" smtClean="0"/>
-              <a:t>16</a:t>
+              <a:t>15</a:t>
             </a:fld>
             <a:endParaRPr lang="ru-RU"/>
           </a:p>
@@ -5259,7 +5136,7 @@
 </p:sld>
 </file>
 
-<file path=ppt/slides/slide17.xml><?xml version="1.0" encoding="utf-8"?>
+<file path=ppt/slides/slide16.xml><?xml version="1.0" encoding="utf-8"?>
 <p:sld xmlns:a="http://schemas.openxmlformats.org/drawingml/2006/main" xmlns:r="http://schemas.openxmlformats.org/officeDocument/2006/relationships" xmlns:p="http://schemas.openxmlformats.org/presentationml/2006/main">
   <p:cSld>
     <p:spTree>
@@ -5429,7 +5306,7 @@
           <a:p>
             <a:fld id="{313C65D0-8BFA-4A71-89DD-A442071D6E29}" type="slidenum">
               <a:rPr lang="ru-RU" smtClean="0"/>
-              <a:t>17</a:t>
+              <a:t>16</a:t>
             </a:fld>
             <a:endParaRPr lang="ru-RU"/>
           </a:p>
@@ -5612,7 +5489,7 @@
           <p:cNvPr id="2" name="Заголовок 1">
             <a:extLst>
               <a:ext uri="{FF2B5EF4-FFF2-40B4-BE49-F238E27FC236}">
-                <a16:creationId xmlns:a16="http://schemas.microsoft.com/office/drawing/2014/main" id="{DF0D58B6-219A-2653-31CE-90C8F2428B99}"/>
+                <a16:creationId xmlns:a16="http://schemas.microsoft.com/office/drawing/2014/main" id="{BAC97078-B751-21AD-D71A-890023674C64}"/>
               </a:ext>
             </a:extLst>
           </p:cNvPr>
@@ -5626,197 +5503,72 @@
         <p:spPr/>
         <p:txBody>
           <a:bodyPr>
-            <a:normAutofit/>
+            <a:noAutofit/>
           </a:bodyPr>
           <a:lstStyle/>
           <a:p>
             <a:r>
               <a:rPr lang="ru-RU" sz="3600" dirty="0">
+                <a:solidFill>
+                  <a:srgbClr val="000000"/>
+                </a:solidFill>
+                <a:effectLst/>
+                <a:latin typeface="Times New Roman" panose="02020603050405020304" pitchFamily="18" charset="0"/>
+                <a:ea typeface="Times New Roman" panose="02020603050405020304" pitchFamily="18" charset="0"/>
+              </a:rPr>
+              <a:t>Описание существующей проблемы в заданной предметной области.</a:t>
+            </a:r>
+            <a:br>
+              <a:rPr lang="ru-RU" sz="3600" dirty="0">
+                <a:effectLst/>
+                <a:latin typeface="Times New Roman" panose="02020603050405020304" pitchFamily="18" charset="0"/>
+                <a:ea typeface="Times New Roman" panose="02020603050405020304" pitchFamily="18" charset="0"/>
+              </a:rPr>
+            </a:br>
+            <a:endParaRPr lang="ru-RU" sz="3600" dirty="0"/>
+          </a:p>
+        </p:txBody>
+      </p:sp>
+      <p:sp>
+        <p:nvSpPr>
+          <p:cNvPr id="3" name="Объект 2">
+            <a:extLst>
+              <a:ext uri="{FF2B5EF4-FFF2-40B4-BE49-F238E27FC236}">
+                <a16:creationId xmlns:a16="http://schemas.microsoft.com/office/drawing/2014/main" id="{97768044-33D0-4CF1-B8A2-EDCD5F78D5D1}"/>
+              </a:ext>
+            </a:extLst>
+          </p:cNvPr>
+          <p:cNvSpPr>
+            <a:spLocks noGrp="1"/>
+          </p:cNvSpPr>
+          <p:nvPr>
+            <p:ph idx="1"/>
+          </p:nvPr>
+        </p:nvSpPr>
+        <p:spPr/>
+        <p:txBody>
+          <a:bodyPr/>
+          <a:lstStyle/>
+          <a:p>
+            <a:r>
+              <a:rPr lang="ru-RU" sz="2400" dirty="0">
                 <a:latin typeface="Times New Roman" panose="02020603050405020304" pitchFamily="18" charset="0"/>
                 <a:cs typeface="Times New Roman" panose="02020603050405020304" pitchFamily="18" charset="0"/>
               </a:rPr>
-              <a:t>Цели и задачи</a:t>
-            </a:r>
-          </a:p>
-        </p:txBody>
-      </p:sp>
-      <p:sp>
-        <p:nvSpPr>
-          <p:cNvPr id="3" name="Объект 2">
-            <a:extLst>
-              <a:ext uri="{FF2B5EF4-FFF2-40B4-BE49-F238E27FC236}">
-                <a16:creationId xmlns:a16="http://schemas.microsoft.com/office/drawing/2014/main" id="{7ADE2BF8-BB10-AD90-7868-9EAC3C23F673}"/>
-              </a:ext>
-            </a:extLst>
-          </p:cNvPr>
-          <p:cNvSpPr>
-            <a:spLocks noGrp="1"/>
-          </p:cNvSpPr>
-          <p:nvPr>
-            <p:ph idx="1"/>
-          </p:nvPr>
-        </p:nvSpPr>
-        <p:spPr/>
-        <p:txBody>
-          <a:bodyPr>
-            <a:normAutofit/>
-          </a:bodyPr>
-          <a:lstStyle/>
-          <a:p>
-            <a:pPr marL="0" indent="0">
-              <a:buNone/>
-            </a:pPr>
-            <a:r>
-              <a:rPr lang="ru-RU" sz="2400" b="1" dirty="0">
+              <a:t>Существующие приложения на рынке мобильных технологий часто фокусируются на отслеживании физической активности или контроле диеты, но редко предоставляют возможности для интегрированного управления и мониторинга всего комплекса задач, связанных с тренировочным процессом и приемом БАДов.</a:t>
+            </a:r>
+          </a:p>
+          <a:p>
+            <a:r>
+              <a:rPr lang="ru-RU" sz="2400" dirty="0">
                 <a:latin typeface="Times New Roman" panose="02020603050405020304" pitchFamily="18" charset="0"/>
                 <a:cs typeface="Times New Roman" panose="02020603050405020304" pitchFamily="18" charset="0"/>
               </a:rPr>
-              <a:t>Цель</a:t>
-            </a:r>
-            <a:r>
-              <a:rPr lang="en-US" sz="2400" dirty="0">
-                <a:latin typeface="Times New Roman" panose="02020603050405020304" pitchFamily="18" charset="0"/>
-                <a:cs typeface="Times New Roman" panose="02020603050405020304" pitchFamily="18" charset="0"/>
-              </a:rPr>
-              <a:t>: </a:t>
-            </a:r>
-            <a:r>
-              <a:rPr lang="ru-RU" sz="2400" dirty="0">
-                <a:latin typeface="Times New Roman" panose="02020603050405020304" pitchFamily="18" charset="0"/>
-                <a:cs typeface="Times New Roman" panose="02020603050405020304" pitchFamily="18" charset="0"/>
-              </a:rPr>
-              <a:t>совершенствование процесса приема биологически активных добавок (БАДов) спортсменами и разработке </a:t>
-            </a:r>
-            <a:r>
-              <a:rPr lang="ru-RU" sz="2400" dirty="0" err="1">
-                <a:latin typeface="Times New Roman" panose="02020603050405020304" pitchFamily="18" charset="0"/>
-                <a:cs typeface="Times New Roman" panose="02020603050405020304" pitchFamily="18" charset="0"/>
-              </a:rPr>
-              <a:t>Backend</a:t>
-            </a:r>
-            <a:r>
-              <a:rPr lang="ru-RU" sz="2400" dirty="0">
-                <a:latin typeface="Times New Roman" panose="02020603050405020304" pitchFamily="18" charset="0"/>
-                <a:cs typeface="Times New Roman" panose="02020603050405020304" pitchFamily="18" charset="0"/>
-              </a:rPr>
-              <a:t>-программного обеспечения для мобильного приложения, контролирующего тренировочный процесс. </a:t>
-            </a:r>
-            <a:endParaRPr lang="en-US" sz="2400" dirty="0">
-              <a:latin typeface="Times New Roman" panose="02020603050405020304" pitchFamily="18" charset="0"/>
-              <a:cs typeface="Times New Roman" panose="02020603050405020304" pitchFamily="18" charset="0"/>
-            </a:endParaRPr>
-          </a:p>
-          <a:p>
-            <a:pPr marL="0" indent="0">
-              <a:buNone/>
-            </a:pPr>
-            <a:r>
-              <a:rPr lang="ru-RU" sz="2400" b="1" dirty="0">
-                <a:latin typeface="Times New Roman" panose="02020603050405020304" pitchFamily="18" charset="0"/>
-                <a:cs typeface="Times New Roman" panose="02020603050405020304" pitchFamily="18" charset="0"/>
-              </a:rPr>
-              <a:t>Задачи</a:t>
-            </a:r>
-          </a:p>
-          <a:p>
-            <a:r>
-              <a:rPr lang="ru-RU" sz="2400" dirty="0">
-                <a:effectLst/>
-                <a:latin typeface="Times New Roman" panose="02020603050405020304" pitchFamily="18" charset="0"/>
-                <a:ea typeface="Times New Roman" panose="02020603050405020304" pitchFamily="18" charset="0"/>
-              </a:rPr>
-              <a:t>анализ текущих режимов приема БАДов среди спортсменов</a:t>
-            </a:r>
-          </a:p>
-          <a:p>
-            <a:r>
-              <a:rPr lang="ru-RU" sz="2400" dirty="0">
-                <a:effectLst/>
-                <a:latin typeface="Times New Roman" panose="02020603050405020304" pitchFamily="18" charset="0"/>
-                <a:ea typeface="Times New Roman" panose="02020603050405020304" pitchFamily="18" charset="0"/>
-              </a:rPr>
-              <a:t>определение ключевых функции режима приема БАДов</a:t>
-            </a:r>
-          </a:p>
-          <a:p>
-            <a:r>
-              <a:rPr lang="ru-RU" sz="2400" dirty="0">
-                <a:effectLst/>
-                <a:latin typeface="Times New Roman" panose="02020603050405020304" pitchFamily="18" charset="0"/>
-                <a:ea typeface="Times New Roman" panose="02020603050405020304" pitchFamily="18" charset="0"/>
-              </a:rPr>
-              <a:t>проектирование и разработка </a:t>
-            </a:r>
-            <a:r>
-              <a:rPr lang="en-US" sz="2400" dirty="0">
-                <a:effectLst/>
-                <a:latin typeface="Times New Roman" panose="02020603050405020304" pitchFamily="18" charset="0"/>
-                <a:ea typeface="Times New Roman" panose="02020603050405020304" pitchFamily="18" charset="0"/>
-              </a:rPr>
-              <a:t>Backend-</a:t>
-            </a:r>
-            <a:r>
-              <a:rPr lang="ru-RU" sz="2400" dirty="0">
-                <a:effectLst/>
-                <a:latin typeface="Times New Roman" panose="02020603050405020304" pitchFamily="18" charset="0"/>
-                <a:ea typeface="Times New Roman" panose="02020603050405020304" pitchFamily="18" charset="0"/>
-              </a:rPr>
-              <a:t>системы</a:t>
-            </a:r>
-          </a:p>
-          <a:p>
-            <a:r>
-              <a:rPr lang="ru-RU" sz="2400" dirty="0">
-                <a:effectLst/>
-                <a:latin typeface="Times New Roman" panose="02020603050405020304" pitchFamily="18" charset="0"/>
-                <a:ea typeface="Times New Roman" panose="02020603050405020304" pitchFamily="18" charset="0"/>
-              </a:rPr>
-              <a:t>разработка модуль для приложения контроля процесса тренировок</a:t>
-            </a:r>
-          </a:p>
-          <a:p>
-            <a:r>
-              <a:rPr lang="ru-RU" sz="2400" dirty="0">
-                <a:effectLst/>
-                <a:latin typeface="Times New Roman" panose="02020603050405020304" pitchFamily="18" charset="0"/>
-                <a:ea typeface="Times New Roman" panose="02020603050405020304" pitchFamily="18" charset="0"/>
-              </a:rPr>
-              <a:t>комплексное тестирование всех компонентов </a:t>
-            </a:r>
-          </a:p>
-          <a:p>
-            <a:endParaRPr lang="ru-RU" sz="2400" dirty="0">
-              <a:effectLst/>
-              <a:latin typeface="Times New Roman" panose="02020603050405020304" pitchFamily="18" charset="0"/>
-              <a:ea typeface="Times New Roman" panose="02020603050405020304" pitchFamily="18" charset="0"/>
-            </a:endParaRPr>
-          </a:p>
-          <a:p>
-            <a:endParaRPr lang="ru-RU" sz="2400" dirty="0">
-              <a:effectLst/>
-              <a:latin typeface="Times New Roman" panose="02020603050405020304" pitchFamily="18" charset="0"/>
-              <a:ea typeface="Times New Roman" panose="02020603050405020304" pitchFamily="18" charset="0"/>
-            </a:endParaRPr>
-          </a:p>
-          <a:p>
-            <a:endParaRPr lang="ru-RU" sz="3200" b="1" dirty="0">
-              <a:effectLst/>
-              <a:latin typeface="Times New Roman" panose="02020603050405020304" pitchFamily="18" charset="0"/>
-              <a:ea typeface="Times New Roman" panose="02020603050405020304" pitchFamily="18" charset="0"/>
-              <a:cs typeface="Times New Roman" panose="02020603050405020304" pitchFamily="18" charset="0"/>
-            </a:endParaRPr>
-          </a:p>
-          <a:p>
-            <a:endParaRPr lang="en-US" sz="2400" dirty="0">
-              <a:latin typeface="Times New Roman" panose="02020603050405020304" pitchFamily="18" charset="0"/>
-              <a:cs typeface="Times New Roman" panose="02020603050405020304" pitchFamily="18" charset="0"/>
-            </a:endParaRPr>
-          </a:p>
-          <a:p>
-            <a:endParaRPr lang="ru-RU" sz="2400" dirty="0">
-              <a:latin typeface="Times New Roman" panose="02020603050405020304" pitchFamily="18" charset="0"/>
-              <a:cs typeface="Times New Roman" panose="02020603050405020304" pitchFamily="18" charset="0"/>
-            </a:endParaRPr>
+              <a:t>Это создает определенные трудности для спортсменов, которым приходится использовать несколько приложений одновременно. </a:t>
+            </a:r>
+          </a:p>
+          <a:p>
+            <a:endParaRPr lang="ru-RU" dirty="0"/>
           </a:p>
         </p:txBody>
       </p:sp>
@@ -5825,7 +5577,7 @@
           <p:cNvPr id="4" name="Номер слайда 3">
             <a:extLst>
               <a:ext uri="{FF2B5EF4-FFF2-40B4-BE49-F238E27FC236}">
-                <a16:creationId xmlns:a16="http://schemas.microsoft.com/office/drawing/2014/main" id="{BC1BB4F0-D6D5-DB71-13B1-A4DDE025DDAD}"/>
+                <a16:creationId xmlns:a16="http://schemas.microsoft.com/office/drawing/2014/main" id="{1A5D54E4-EB8B-D800-A186-02364C595445}"/>
               </a:ext>
             </a:extLst>
           </p:cNvPr>
@@ -5852,7 +5604,7 @@
     </p:spTree>
     <p:extLst>
       <p:ext uri="{BB962C8B-B14F-4D97-AF65-F5344CB8AC3E}">
-        <p14:creationId xmlns:p14="http://schemas.microsoft.com/office/powerpoint/2010/main" val="3738847526"/>
+        <p14:creationId xmlns:p14="http://schemas.microsoft.com/office/powerpoint/2010/main" val="4205634871"/>
       </p:ext>
     </p:extLst>
   </p:cSld>
@@ -5884,7 +5636,7 @@
           <p:cNvPr id="2" name="Заголовок 1">
             <a:extLst>
               <a:ext uri="{FF2B5EF4-FFF2-40B4-BE49-F238E27FC236}">
-                <a16:creationId xmlns:a16="http://schemas.microsoft.com/office/drawing/2014/main" id="{3D0C8E57-1A31-5CC8-D9A2-AFE4EA053DE7}"/>
+                <a16:creationId xmlns:a16="http://schemas.microsoft.com/office/drawing/2014/main" id="{DF0D58B6-219A-2653-31CE-90C8F2428B99}"/>
               </a:ext>
             </a:extLst>
           </p:cNvPr>
@@ -5907,99 +5659,188 @@
                 <a:latin typeface="Times New Roman" panose="02020603050405020304" pitchFamily="18" charset="0"/>
                 <a:cs typeface="Times New Roman" panose="02020603050405020304" pitchFamily="18" charset="0"/>
               </a:rPr>
-              <a:t>Объект</a:t>
-            </a:r>
-            <a:r>
-              <a:rPr lang="en-US" sz="3600" dirty="0">
+              <a:t>Цели и задачи</a:t>
+            </a:r>
+          </a:p>
+        </p:txBody>
+      </p:sp>
+      <p:sp>
+        <p:nvSpPr>
+          <p:cNvPr id="3" name="Объект 2">
+            <a:extLst>
+              <a:ext uri="{FF2B5EF4-FFF2-40B4-BE49-F238E27FC236}">
+                <a16:creationId xmlns:a16="http://schemas.microsoft.com/office/drawing/2014/main" id="{7ADE2BF8-BB10-AD90-7868-9EAC3C23F673}"/>
+              </a:ext>
+            </a:extLst>
+          </p:cNvPr>
+          <p:cNvSpPr>
+            <a:spLocks noGrp="1"/>
+          </p:cNvSpPr>
+          <p:nvPr>
+            <p:ph idx="1"/>
+          </p:nvPr>
+        </p:nvSpPr>
+        <p:spPr/>
+        <p:txBody>
+          <a:bodyPr>
+            <a:normAutofit/>
+          </a:bodyPr>
+          <a:lstStyle/>
+          <a:p>
+            <a:pPr marL="0" indent="0">
+              <a:buNone/>
+            </a:pPr>
+            <a:r>
+              <a:rPr lang="ru-RU" sz="2400" b="1" dirty="0">
                 <a:latin typeface="Times New Roman" panose="02020603050405020304" pitchFamily="18" charset="0"/>
                 <a:cs typeface="Times New Roman" panose="02020603050405020304" pitchFamily="18" charset="0"/>
               </a:rPr>
-              <a:t> </a:t>
-            </a:r>
-            <a:r>
-              <a:rPr lang="ru-RU" sz="3600" dirty="0">
+              <a:t>Цель</a:t>
+            </a:r>
+            <a:r>
+              <a:rPr lang="en-US" sz="2400" dirty="0">
                 <a:latin typeface="Times New Roman" panose="02020603050405020304" pitchFamily="18" charset="0"/>
                 <a:cs typeface="Times New Roman" panose="02020603050405020304" pitchFamily="18" charset="0"/>
               </a:rPr>
-              <a:t>и предмет  исследования</a:t>
-            </a:r>
-          </a:p>
-        </p:txBody>
-      </p:sp>
-      <p:sp>
-        <p:nvSpPr>
-          <p:cNvPr id="3" name="Объект 2">
-            <a:extLst>
-              <a:ext uri="{FF2B5EF4-FFF2-40B4-BE49-F238E27FC236}">
-                <a16:creationId xmlns:a16="http://schemas.microsoft.com/office/drawing/2014/main" id="{35E4C5E5-61A4-12BC-E690-CEE8B4E42A59}"/>
-              </a:ext>
-            </a:extLst>
-          </p:cNvPr>
-          <p:cNvSpPr>
-            <a:spLocks noGrp="1"/>
-          </p:cNvSpPr>
-          <p:nvPr>
-            <p:ph idx="1"/>
-          </p:nvPr>
-        </p:nvSpPr>
-        <p:spPr/>
-        <p:txBody>
-          <a:bodyPr/>
-          <a:lstStyle/>
-          <a:p>
+              <a:t>: </a:t>
+            </a:r>
+            <a:r>
+              <a:rPr lang="ru-RU" sz="2400" dirty="0">
+                <a:latin typeface="Times New Roman" panose="02020603050405020304" pitchFamily="18" charset="0"/>
+                <a:cs typeface="Times New Roman" panose="02020603050405020304" pitchFamily="18" charset="0"/>
+              </a:rPr>
+              <a:t>совершенствование процесса приема биологически активных добавок (БАДов) спортсменами и разработке </a:t>
+            </a:r>
+            <a:r>
+              <a:rPr lang="ru-RU" sz="2400" dirty="0" err="1">
+                <a:latin typeface="Times New Roman" panose="02020603050405020304" pitchFamily="18" charset="0"/>
+                <a:cs typeface="Times New Roman" panose="02020603050405020304" pitchFamily="18" charset="0"/>
+              </a:rPr>
+              <a:t>Backend</a:t>
+            </a:r>
+            <a:r>
+              <a:rPr lang="ru-RU" sz="2400" dirty="0">
+                <a:latin typeface="Times New Roman" panose="02020603050405020304" pitchFamily="18" charset="0"/>
+                <a:cs typeface="Times New Roman" panose="02020603050405020304" pitchFamily="18" charset="0"/>
+              </a:rPr>
+              <a:t>-программного обеспечения для мобильного приложения, контролирующего тренировочный процесс. </a:t>
+            </a:r>
+            <a:endParaRPr lang="en-US" sz="2400" dirty="0">
+              <a:latin typeface="Times New Roman" panose="02020603050405020304" pitchFamily="18" charset="0"/>
+              <a:cs typeface="Times New Roman" panose="02020603050405020304" pitchFamily="18" charset="0"/>
+            </a:endParaRPr>
+          </a:p>
+          <a:p>
+            <a:pPr marL="0" indent="0">
+              <a:buNone/>
+            </a:pPr>
             <a:r>
               <a:rPr lang="ru-RU" sz="2400" b="1" dirty="0">
-                <a:effectLst/>
-                <a:latin typeface="Times New Roman" panose="02020603050405020304" pitchFamily="18" charset="0"/>
-                <a:ea typeface="Times New Roman" panose="02020603050405020304" pitchFamily="18" charset="0"/>
-              </a:rPr>
-              <a:t>Объектом исследования </a:t>
-            </a:r>
+                <a:latin typeface="Times New Roman" panose="02020603050405020304" pitchFamily="18" charset="0"/>
+                <a:cs typeface="Times New Roman" panose="02020603050405020304" pitchFamily="18" charset="0"/>
+              </a:rPr>
+              <a:t>Задачи</a:t>
+            </a:r>
+          </a:p>
+          <a:p>
             <a:r>
               <a:rPr lang="ru-RU" sz="2400" dirty="0">
                 <a:effectLst/>
                 <a:latin typeface="Times New Roman" panose="02020603050405020304" pitchFamily="18" charset="0"/>
                 <a:ea typeface="Times New Roman" panose="02020603050405020304" pitchFamily="18" charset="0"/>
               </a:rPr>
-              <a:t>является процесс управления приёмом биологически активных добавок спортсменами.</a:t>
-            </a:r>
-          </a:p>
-          <a:p>
-            <a:r>
-              <a:rPr lang="ru-RU" sz="2400" b="1" dirty="0">
-                <a:effectLst/>
-                <a:latin typeface="Times New Roman" panose="02020603050405020304" pitchFamily="18" charset="0"/>
-                <a:ea typeface="Times New Roman" panose="02020603050405020304" pitchFamily="18" charset="0"/>
-              </a:rPr>
-              <a:t>Предметом исследования </a:t>
-            </a:r>
+              <a:t>анализ текущих режимов приема БАДов среди спортсменов</a:t>
+            </a:r>
+          </a:p>
+          <a:p>
             <a:r>
               <a:rPr lang="ru-RU" sz="2400" dirty="0">
                 <a:effectLst/>
                 <a:latin typeface="Times New Roman" panose="02020603050405020304" pitchFamily="18" charset="0"/>
                 <a:ea typeface="Times New Roman" panose="02020603050405020304" pitchFamily="18" charset="0"/>
               </a:rPr>
-              <a:t>является </a:t>
-            </a:r>
-            <a:r>
-              <a:rPr lang="ru-RU" sz="2400" dirty="0" err="1">
-                <a:effectLst/>
-                <a:latin typeface="Times New Roman" panose="02020603050405020304" pitchFamily="18" charset="0"/>
-                <a:ea typeface="Times New Roman" panose="02020603050405020304" pitchFamily="18" charset="0"/>
-              </a:rPr>
-              <a:t>Backend</a:t>
-            </a:r>
+              <a:t>определение ключевых функции режима приема БАДов</a:t>
+            </a:r>
+          </a:p>
+          <a:p>
             <a:r>
               <a:rPr lang="ru-RU" sz="2400" dirty="0">
                 <a:effectLst/>
                 <a:latin typeface="Times New Roman" panose="02020603050405020304" pitchFamily="18" charset="0"/>
                 <a:ea typeface="Times New Roman" panose="02020603050405020304" pitchFamily="18" charset="0"/>
               </a:rPr>
-              <a:t>-часть мобильного приложения, отвечающая за обработку данных, взаимодействие с сервером, и обеспечение функциональности по контролю тренировок и приему БАД.</a:t>
-            </a:r>
-          </a:p>
-          <a:p>
-            <a:endParaRPr lang="ru-RU" dirty="0"/>
+              <a:t>проектирование и разработка </a:t>
+            </a:r>
+            <a:r>
+              <a:rPr lang="en-US" sz="2400" dirty="0">
+                <a:effectLst/>
+                <a:latin typeface="Times New Roman" panose="02020603050405020304" pitchFamily="18" charset="0"/>
+                <a:ea typeface="Times New Roman" panose="02020603050405020304" pitchFamily="18" charset="0"/>
+              </a:rPr>
+              <a:t>Backend-</a:t>
+            </a:r>
+            <a:r>
+              <a:rPr lang="ru-RU" sz="2400" dirty="0">
+                <a:effectLst/>
+                <a:latin typeface="Times New Roman" panose="02020603050405020304" pitchFamily="18" charset="0"/>
+                <a:ea typeface="Times New Roman" panose="02020603050405020304" pitchFamily="18" charset="0"/>
+              </a:rPr>
+              <a:t>системы</a:t>
+            </a:r>
+          </a:p>
+          <a:p>
+            <a:r>
+              <a:rPr lang="ru-RU" sz="2400" dirty="0">
+                <a:effectLst/>
+                <a:latin typeface="Times New Roman" panose="02020603050405020304" pitchFamily="18" charset="0"/>
+                <a:ea typeface="Times New Roman" panose="02020603050405020304" pitchFamily="18" charset="0"/>
+              </a:rPr>
+              <a:t>разработка модуля приема БАДов для приложения контроля процесса тренировок</a:t>
+            </a:r>
+          </a:p>
+          <a:p>
+            <a:r>
+              <a:rPr lang="ru-RU" sz="2400" dirty="0">
+                <a:effectLst/>
+                <a:latin typeface="Times New Roman" panose="02020603050405020304" pitchFamily="18" charset="0"/>
+                <a:ea typeface="Times New Roman" panose="02020603050405020304" pitchFamily="18" charset="0"/>
+              </a:rPr>
+              <a:t>комплексное тестирование всех компонентов </a:t>
+            </a:r>
+          </a:p>
+          <a:p>
+            <a:endParaRPr lang="ru-RU" sz="2400" dirty="0">
+              <a:effectLst/>
+              <a:latin typeface="Times New Roman" panose="02020603050405020304" pitchFamily="18" charset="0"/>
+              <a:ea typeface="Times New Roman" panose="02020603050405020304" pitchFamily="18" charset="0"/>
+            </a:endParaRPr>
+          </a:p>
+          <a:p>
+            <a:endParaRPr lang="ru-RU" sz="2400" dirty="0">
+              <a:effectLst/>
+              <a:latin typeface="Times New Roman" panose="02020603050405020304" pitchFamily="18" charset="0"/>
+              <a:ea typeface="Times New Roman" panose="02020603050405020304" pitchFamily="18" charset="0"/>
+            </a:endParaRPr>
+          </a:p>
+          <a:p>
+            <a:endParaRPr lang="ru-RU" sz="3200" b="1" dirty="0">
+              <a:effectLst/>
+              <a:latin typeface="Times New Roman" panose="02020603050405020304" pitchFamily="18" charset="0"/>
+              <a:ea typeface="Times New Roman" panose="02020603050405020304" pitchFamily="18" charset="0"/>
+              <a:cs typeface="Times New Roman" panose="02020603050405020304" pitchFamily="18" charset="0"/>
+            </a:endParaRPr>
+          </a:p>
+          <a:p>
+            <a:endParaRPr lang="en-US" sz="2400" dirty="0">
+              <a:latin typeface="Times New Roman" panose="02020603050405020304" pitchFamily="18" charset="0"/>
+              <a:cs typeface="Times New Roman" panose="02020603050405020304" pitchFamily="18" charset="0"/>
+            </a:endParaRPr>
+          </a:p>
+          <a:p>
+            <a:endParaRPr lang="ru-RU" sz="2400" dirty="0">
+              <a:latin typeface="Times New Roman" panose="02020603050405020304" pitchFamily="18" charset="0"/>
+              <a:cs typeface="Times New Roman" panose="02020603050405020304" pitchFamily="18" charset="0"/>
+            </a:endParaRPr>
           </a:p>
         </p:txBody>
       </p:sp>
@@ -6008,7 +5849,7 @@
           <p:cNvPr id="4" name="Номер слайда 3">
             <a:extLst>
               <a:ext uri="{FF2B5EF4-FFF2-40B4-BE49-F238E27FC236}">
-                <a16:creationId xmlns:a16="http://schemas.microsoft.com/office/drawing/2014/main" id="{0B98806D-7B48-5E8C-42DF-110A1834BFD7}"/>
+                <a16:creationId xmlns:a16="http://schemas.microsoft.com/office/drawing/2014/main" id="{BC1BB4F0-D6D5-DB71-13B1-A4DDE025DDAD}"/>
               </a:ext>
             </a:extLst>
           </p:cNvPr>
@@ -6035,7 +5876,7 @@
     </p:spTree>
     <p:extLst>
       <p:ext uri="{BB962C8B-B14F-4D97-AF65-F5344CB8AC3E}">
-        <p14:creationId xmlns:p14="http://schemas.microsoft.com/office/powerpoint/2010/main" val="2147478798"/>
+        <p14:creationId xmlns:p14="http://schemas.microsoft.com/office/powerpoint/2010/main" val="3738847526"/>
       </p:ext>
     </p:extLst>
   </p:cSld>
@@ -6067,7 +5908,7 @@
           <p:cNvPr id="2" name="Заголовок 1">
             <a:extLst>
               <a:ext uri="{FF2B5EF4-FFF2-40B4-BE49-F238E27FC236}">
-                <a16:creationId xmlns:a16="http://schemas.microsoft.com/office/drawing/2014/main" id="{709F4A89-8A97-CAF8-ACDA-A23FB4123C99}"/>
+                <a16:creationId xmlns:a16="http://schemas.microsoft.com/office/drawing/2014/main" id="{3D0C8E57-1A31-5CC8-D9A2-AFE4EA053DE7}"/>
               </a:ext>
             </a:extLst>
           </p:cNvPr>
@@ -6090,7 +5931,21 @@
                 <a:latin typeface="Times New Roman" panose="02020603050405020304" pitchFamily="18" charset="0"/>
                 <a:cs typeface="Times New Roman" panose="02020603050405020304" pitchFamily="18" charset="0"/>
               </a:rPr>
-              <a:t>Практическая значимость.</a:t>
+              <a:t>Объект</a:t>
+            </a:r>
+            <a:r>
+              <a:rPr lang="en-US" sz="3600" dirty="0">
+                <a:latin typeface="Times New Roman" panose="02020603050405020304" pitchFamily="18" charset="0"/>
+                <a:cs typeface="Times New Roman" panose="02020603050405020304" pitchFamily="18" charset="0"/>
+              </a:rPr>
+              <a:t> </a:t>
+            </a:r>
+            <a:r>
+              <a:rPr lang="ru-RU" sz="3600" dirty="0">
+                <a:latin typeface="Times New Roman" panose="02020603050405020304" pitchFamily="18" charset="0"/>
+                <a:cs typeface="Times New Roman" panose="02020603050405020304" pitchFamily="18" charset="0"/>
+              </a:rPr>
+              <a:t>и предмет  исследования</a:t>
             </a:r>
           </a:p>
         </p:txBody>
@@ -6100,7 +5955,7 @@
           <p:cNvPr id="3" name="Объект 2">
             <a:extLst>
               <a:ext uri="{FF2B5EF4-FFF2-40B4-BE49-F238E27FC236}">
-                <a16:creationId xmlns:a16="http://schemas.microsoft.com/office/drawing/2014/main" id="{B250EFB5-1605-3EE9-B0A7-DF6F989AEEAA}"/>
+                <a16:creationId xmlns:a16="http://schemas.microsoft.com/office/drawing/2014/main" id="{35E4C5E5-61A4-12BC-E690-CEE8B4E42A59}"/>
               </a:ext>
             </a:extLst>
           </p:cNvPr>
@@ -6113,21 +5968,42 @@
         </p:nvSpPr>
         <p:spPr/>
         <p:txBody>
-          <a:bodyPr>
-            <a:normAutofit/>
-          </a:bodyPr>
-          <a:lstStyle/>
-          <a:p>
-            <a:pPr marL="0" indent="0">
-              <a:buNone/>
-            </a:pPr>
+          <a:bodyPr/>
+          <a:lstStyle/>
+          <a:p>
+            <a:r>
+              <a:rPr lang="ru-RU" sz="2400" b="1" dirty="0">
+                <a:effectLst/>
+                <a:latin typeface="Times New Roman" panose="02020603050405020304" pitchFamily="18" charset="0"/>
+                <a:ea typeface="Times New Roman" panose="02020603050405020304" pitchFamily="18" charset="0"/>
+              </a:rPr>
+              <a:t>Объектом исследования </a:t>
+            </a:r>
             <a:r>
               <a:rPr lang="ru-RU" sz="2400" dirty="0">
                 <a:effectLst/>
                 <a:latin typeface="Times New Roman" panose="02020603050405020304" pitchFamily="18" charset="0"/>
                 <a:ea typeface="Times New Roman" panose="02020603050405020304" pitchFamily="18" charset="0"/>
               </a:rPr>
-              <a:t>Разработанный </a:t>
+              <a:t>является процесс управления приёмом биологически активных добавок спортсменами.</a:t>
+            </a:r>
+          </a:p>
+          <a:p>
+            <a:r>
+              <a:rPr lang="ru-RU" sz="2400" b="1" dirty="0">
+                <a:effectLst/>
+                <a:latin typeface="Times New Roman" panose="02020603050405020304" pitchFamily="18" charset="0"/>
+                <a:ea typeface="Times New Roman" panose="02020603050405020304" pitchFamily="18" charset="0"/>
+              </a:rPr>
+              <a:t>Предметом исследования </a:t>
+            </a:r>
+            <a:r>
+              <a:rPr lang="ru-RU" sz="2400" dirty="0">
+                <a:effectLst/>
+                <a:latin typeface="Times New Roman" panose="02020603050405020304" pitchFamily="18" charset="0"/>
+                <a:ea typeface="Times New Roman" panose="02020603050405020304" pitchFamily="18" charset="0"/>
+              </a:rPr>
+              <a:t>является </a:t>
             </a:r>
             <a:r>
               <a:rPr lang="ru-RU" sz="2400" dirty="0" err="1">
@@ -6143,11 +6019,11 @@
                 <a:latin typeface="Times New Roman" panose="02020603050405020304" pitchFamily="18" charset="0"/>
                 <a:ea typeface="Times New Roman" panose="02020603050405020304" pitchFamily="18" charset="0"/>
               </a:rPr>
-              <a:t>-продукт не только предоставит спортсменам инструмент для учета и анализа приема БАД, но и способствует повышению эффективности тренировок, а также обеспечивает ценную аналитику для специалистов в области физической подготовки.</a:t>
-            </a:r>
-          </a:p>
-          <a:p>
-            <a:endParaRPr lang="ru-RU" sz="2400" dirty="0"/>
+              <a:t>-часть мобильного приложения, отвечающая за обработку данных, взаимодействие с сервером, и обеспечение функциональности по контролю тренировок и приему БАД.</a:t>
+            </a:r>
+          </a:p>
+          <a:p>
+            <a:endParaRPr lang="ru-RU" dirty="0"/>
           </a:p>
         </p:txBody>
       </p:sp>
@@ -6156,7 +6032,7 @@
           <p:cNvPr id="4" name="Номер слайда 3">
             <a:extLst>
               <a:ext uri="{FF2B5EF4-FFF2-40B4-BE49-F238E27FC236}">
-                <a16:creationId xmlns:a16="http://schemas.microsoft.com/office/drawing/2014/main" id="{093718B3-2D22-5EBB-D530-CBF73B512264}"/>
+                <a16:creationId xmlns:a16="http://schemas.microsoft.com/office/drawing/2014/main" id="{0B98806D-7B48-5E8C-42DF-110A1834BFD7}"/>
               </a:ext>
             </a:extLst>
           </p:cNvPr>
@@ -6183,7 +6059,7 @@
     </p:spTree>
     <p:extLst>
       <p:ext uri="{BB962C8B-B14F-4D97-AF65-F5344CB8AC3E}">
-        <p14:creationId xmlns:p14="http://schemas.microsoft.com/office/powerpoint/2010/main" val="4177657102"/>
+        <p14:creationId xmlns:p14="http://schemas.microsoft.com/office/powerpoint/2010/main" val="2147478798"/>
       </p:ext>
     </p:extLst>
   </p:cSld>
@@ -6215,7 +6091,7 @@
           <p:cNvPr id="2" name="Заголовок 1">
             <a:extLst>
               <a:ext uri="{FF2B5EF4-FFF2-40B4-BE49-F238E27FC236}">
-                <a16:creationId xmlns:a16="http://schemas.microsoft.com/office/drawing/2014/main" id="{BAC97078-B751-21AD-D71A-890023674C64}"/>
+                <a16:creationId xmlns:a16="http://schemas.microsoft.com/office/drawing/2014/main" id="{709F4A89-8A97-CAF8-ACDA-A23FB4123C99}"/>
               </a:ext>
             </a:extLst>
           </p:cNvPr>
@@ -6229,72 +6105,73 @@
         <p:spPr/>
         <p:txBody>
           <a:bodyPr>
-            <a:noAutofit/>
+            <a:normAutofit/>
           </a:bodyPr>
           <a:lstStyle/>
           <a:p>
             <a:r>
               <a:rPr lang="ru-RU" sz="3600" dirty="0">
-                <a:solidFill>
-                  <a:srgbClr val="000000"/>
-                </a:solidFill>
+                <a:latin typeface="Times New Roman" panose="02020603050405020304" pitchFamily="18" charset="0"/>
+                <a:cs typeface="Times New Roman" panose="02020603050405020304" pitchFamily="18" charset="0"/>
+              </a:rPr>
+              <a:t>Практическая значимость.</a:t>
+            </a:r>
+          </a:p>
+        </p:txBody>
+      </p:sp>
+      <p:sp>
+        <p:nvSpPr>
+          <p:cNvPr id="3" name="Объект 2">
+            <a:extLst>
+              <a:ext uri="{FF2B5EF4-FFF2-40B4-BE49-F238E27FC236}">
+                <a16:creationId xmlns:a16="http://schemas.microsoft.com/office/drawing/2014/main" id="{B250EFB5-1605-3EE9-B0A7-DF6F989AEEAA}"/>
+              </a:ext>
+            </a:extLst>
+          </p:cNvPr>
+          <p:cNvSpPr>
+            <a:spLocks noGrp="1"/>
+          </p:cNvSpPr>
+          <p:nvPr>
+            <p:ph idx="1"/>
+          </p:nvPr>
+        </p:nvSpPr>
+        <p:spPr/>
+        <p:txBody>
+          <a:bodyPr>
+            <a:normAutofit/>
+          </a:bodyPr>
+          <a:lstStyle/>
+          <a:p>
+            <a:pPr marL="0" indent="0">
+              <a:buNone/>
+            </a:pPr>
+            <a:r>
+              <a:rPr lang="ru-RU" sz="2400" dirty="0">
                 <a:effectLst/>
                 <a:latin typeface="Times New Roman" panose="02020603050405020304" pitchFamily="18" charset="0"/>
                 <a:ea typeface="Times New Roman" panose="02020603050405020304" pitchFamily="18" charset="0"/>
               </a:rPr>
-              <a:t>Описание существующей проблемы в заданной предметной области.</a:t>
-            </a:r>
-            <a:br>
-              <a:rPr lang="ru-RU" sz="3600" dirty="0">
+              <a:t>Разработанный </a:t>
+            </a:r>
+            <a:r>
+              <a:rPr lang="ru-RU" sz="2400" dirty="0" err="1">
                 <a:effectLst/>
                 <a:latin typeface="Times New Roman" panose="02020603050405020304" pitchFamily="18" charset="0"/>
                 <a:ea typeface="Times New Roman" panose="02020603050405020304" pitchFamily="18" charset="0"/>
               </a:rPr>
-            </a:br>
-            <a:endParaRPr lang="ru-RU" sz="3600" dirty="0"/>
-          </a:p>
-        </p:txBody>
-      </p:sp>
-      <p:sp>
-        <p:nvSpPr>
-          <p:cNvPr id="3" name="Объект 2">
-            <a:extLst>
-              <a:ext uri="{FF2B5EF4-FFF2-40B4-BE49-F238E27FC236}">
-                <a16:creationId xmlns:a16="http://schemas.microsoft.com/office/drawing/2014/main" id="{97768044-33D0-4CF1-B8A2-EDCD5F78D5D1}"/>
-              </a:ext>
-            </a:extLst>
-          </p:cNvPr>
-          <p:cNvSpPr>
-            <a:spLocks noGrp="1"/>
-          </p:cNvSpPr>
-          <p:nvPr>
-            <p:ph idx="1"/>
-          </p:nvPr>
-        </p:nvSpPr>
-        <p:spPr/>
-        <p:txBody>
-          <a:bodyPr/>
-          <a:lstStyle/>
-          <a:p>
+              <a:t>Backend</a:t>
+            </a:r>
             <a:r>
               <a:rPr lang="ru-RU" sz="2400" dirty="0">
-                <a:latin typeface="Times New Roman" panose="02020603050405020304" pitchFamily="18" charset="0"/>
-                <a:cs typeface="Times New Roman" panose="02020603050405020304" pitchFamily="18" charset="0"/>
-              </a:rPr>
-              <a:t>Существующие приложения на рынке мобильных технологий часто фокусируются на отслеживании физической активности или контроле диеты, но редко предоставляют возможности для интегрированного управления и мониторинга всего комплекса задач, связанных с тренировочным процессом и приемом БАДов.</a:t>
-            </a:r>
-          </a:p>
-          <a:p>
-            <a:r>
-              <a:rPr lang="ru-RU" sz="2400" dirty="0">
-                <a:latin typeface="Times New Roman" panose="02020603050405020304" pitchFamily="18" charset="0"/>
-                <a:cs typeface="Times New Roman" panose="02020603050405020304" pitchFamily="18" charset="0"/>
-              </a:rPr>
-              <a:t>Это создает определенные трудности для спортсменов, которым приходится использовать несколько приложений одновременно. </a:t>
-            </a:r>
-          </a:p>
-          <a:p>
-            <a:endParaRPr lang="ru-RU" dirty="0"/>
+                <a:effectLst/>
+                <a:latin typeface="Times New Roman" panose="02020603050405020304" pitchFamily="18" charset="0"/>
+                <a:ea typeface="Times New Roman" panose="02020603050405020304" pitchFamily="18" charset="0"/>
+              </a:rPr>
+              <a:t>-продукт не только предоставит спортсменам инструмент для учета и анализа приема БАД, но и способствует повышению эффективности тренировок, а также обеспечивает ценную аналитику для специалистов в области физической подготовки.</a:t>
+            </a:r>
+          </a:p>
+          <a:p>
+            <a:endParaRPr lang="ru-RU" sz="2400" dirty="0"/>
           </a:p>
         </p:txBody>
       </p:sp>
@@ -6303,7 +6180,7 @@
           <p:cNvPr id="4" name="Номер слайда 3">
             <a:extLst>
               <a:ext uri="{FF2B5EF4-FFF2-40B4-BE49-F238E27FC236}">
-                <a16:creationId xmlns:a16="http://schemas.microsoft.com/office/drawing/2014/main" id="{1A5D54E4-EB8B-D800-A186-02364C595445}"/>
+                <a16:creationId xmlns:a16="http://schemas.microsoft.com/office/drawing/2014/main" id="{093718B3-2D22-5EBB-D530-CBF73B512264}"/>
               </a:ext>
             </a:extLst>
           </p:cNvPr>
@@ -6330,7 +6207,7 @@
     </p:spTree>
     <p:extLst>
       <p:ext uri="{BB962C8B-B14F-4D97-AF65-F5344CB8AC3E}">
-        <p14:creationId xmlns:p14="http://schemas.microsoft.com/office/powerpoint/2010/main" val="4205634871"/>
+        <p14:creationId xmlns:p14="http://schemas.microsoft.com/office/powerpoint/2010/main" val="4177657102"/>
       </p:ext>
     </p:extLst>
   </p:cSld>
@@ -6362,7 +6239,7 @@
           <p:cNvPr id="2" name="Заголовок 1">
             <a:extLst>
               <a:ext uri="{FF2B5EF4-FFF2-40B4-BE49-F238E27FC236}">
-                <a16:creationId xmlns:a16="http://schemas.microsoft.com/office/drawing/2014/main" id="{26C10861-E23F-A781-0616-50E9393B72C1}"/>
+                <a16:creationId xmlns:a16="http://schemas.microsoft.com/office/drawing/2014/main" id="{8D585BB3-5C51-F287-9241-5DDB7C2322DE}"/>
               </a:ext>
             </a:extLst>
           </p:cNvPr>
@@ -6375,9 +6252,7 @@
         </p:nvSpPr>
         <p:spPr/>
         <p:txBody>
-          <a:bodyPr>
-            <a:normAutofit/>
-          </a:bodyPr>
+          <a:bodyPr/>
           <a:lstStyle/>
           <a:p>
             <a:r>
@@ -6398,225 +6273,6 @@
                 <a:ea typeface="Times New Roman" panose="02020603050405020304" pitchFamily="18" charset="0"/>
               </a:rPr>
             </a:br>
-            <a:endParaRPr lang="ru-RU" sz="3600" dirty="0"/>
-          </a:p>
-        </p:txBody>
-      </p:sp>
-      <p:sp>
-        <p:nvSpPr>
-          <p:cNvPr id="3" name="Объект 2">
-            <a:extLst>
-              <a:ext uri="{FF2B5EF4-FFF2-40B4-BE49-F238E27FC236}">
-                <a16:creationId xmlns:a16="http://schemas.microsoft.com/office/drawing/2014/main" id="{3EB2D71A-3D72-0AD4-7694-A9099E3103CC}"/>
-              </a:ext>
-            </a:extLst>
-          </p:cNvPr>
-          <p:cNvSpPr>
-            <a:spLocks noGrp="1"/>
-          </p:cNvSpPr>
-          <p:nvPr>
-            <p:ph idx="1"/>
-          </p:nvPr>
-        </p:nvSpPr>
-        <p:spPr/>
-        <p:txBody>
-          <a:bodyPr>
-            <a:normAutofit/>
-          </a:bodyPr>
-          <a:lstStyle/>
-          <a:p>
-            <a:pPr marL="457200" indent="-457200">
-              <a:buFont typeface="+mj-lt"/>
-              <a:buAutoNum type="arabicPeriod"/>
-            </a:pPr>
-            <a:r>
-              <a:rPr lang="en-US" sz="2400" dirty="0">
-                <a:latin typeface="Times New Roman" panose="02020603050405020304" pitchFamily="18" charset="0"/>
-                <a:cs typeface="Times New Roman" panose="02020603050405020304" pitchFamily="18" charset="0"/>
-              </a:rPr>
-              <a:t>Google</a:t>
-            </a:r>
-            <a:r>
-              <a:rPr lang="ru-RU" sz="2400" dirty="0">
-                <a:latin typeface="Times New Roman" panose="02020603050405020304" pitchFamily="18" charset="0"/>
-                <a:cs typeface="Times New Roman" panose="02020603050405020304" pitchFamily="18" charset="0"/>
-              </a:rPr>
-              <a:t> Заметки</a:t>
-            </a:r>
-            <a:endParaRPr lang="en-US" sz="2400" dirty="0">
-              <a:latin typeface="Times New Roman" panose="02020603050405020304" pitchFamily="18" charset="0"/>
-              <a:cs typeface="Times New Roman" panose="02020603050405020304" pitchFamily="18" charset="0"/>
-            </a:endParaRPr>
-          </a:p>
-          <a:p>
-            <a:pPr marL="457200" indent="-457200">
-              <a:buFont typeface="+mj-lt"/>
-              <a:buAutoNum type="arabicPeriod"/>
-            </a:pPr>
-            <a:r>
-              <a:rPr lang="ru-RU" sz="2400" dirty="0"/>
-              <a:t>Рукописный д</a:t>
-            </a:r>
-            <a:r>
-              <a:rPr lang="ru-RU" sz="2400" dirty="0">
-                <a:latin typeface="Times New Roman" panose="02020603050405020304" pitchFamily="18" charset="0"/>
-                <a:cs typeface="Times New Roman" panose="02020603050405020304" pitchFamily="18" charset="0"/>
-              </a:rPr>
-              <a:t>невник употребления БАДов </a:t>
-            </a:r>
-          </a:p>
-          <a:p>
-            <a:pPr marL="457200" indent="-457200">
-              <a:buFont typeface="+mj-lt"/>
-              <a:buAutoNum type="arabicPeriod"/>
-            </a:pPr>
-            <a:r>
-              <a:rPr lang="en-US" sz="2400" dirty="0" err="1">
-                <a:latin typeface="Times New Roman" panose="02020603050405020304" pitchFamily="18" charset="0"/>
-                <a:cs typeface="Times New Roman" panose="02020603050405020304" pitchFamily="18" charset="0"/>
-              </a:rPr>
-              <a:t>MyTherapy</a:t>
-            </a:r>
-            <a:endParaRPr lang="en-US" sz="2400" dirty="0"/>
-          </a:p>
-          <a:p>
-            <a:pPr marL="457200" indent="-457200">
-              <a:buFont typeface="+mj-lt"/>
-              <a:buAutoNum type="arabicPeriod"/>
-            </a:pPr>
-            <a:r>
-              <a:rPr lang="en-US" sz="2400" dirty="0" err="1"/>
-              <a:t>Medisafe</a:t>
-            </a:r>
-            <a:endParaRPr lang="en-US" sz="2400" dirty="0"/>
-          </a:p>
-          <a:p>
-            <a:pPr marL="457200" indent="-457200">
-              <a:buFont typeface="+mj-lt"/>
-              <a:buAutoNum type="arabicPeriod"/>
-            </a:pPr>
-            <a:r>
-              <a:rPr lang="ru-RU" sz="2400" dirty="0"/>
-              <a:t>Мои таблетки</a:t>
-            </a:r>
-          </a:p>
-          <a:p>
-            <a:pPr marL="457200" indent="-457200">
-              <a:buFont typeface="+mj-lt"/>
-              <a:buAutoNum type="arabicPeriod"/>
-            </a:pPr>
-            <a:endParaRPr lang="ru-RU" sz="2400" dirty="0"/>
-          </a:p>
-          <a:p>
-            <a:pPr marL="457200" indent="-457200">
-              <a:buFont typeface="+mj-lt"/>
-              <a:buAutoNum type="arabicPeriod"/>
-            </a:pPr>
-            <a:endParaRPr lang="ru-RU" sz="2400" dirty="0">
-              <a:latin typeface="Times New Roman" panose="02020603050405020304" pitchFamily="18" charset="0"/>
-              <a:cs typeface="Times New Roman" panose="02020603050405020304" pitchFamily="18" charset="0"/>
-            </a:endParaRPr>
-          </a:p>
-        </p:txBody>
-      </p:sp>
-      <p:sp>
-        <p:nvSpPr>
-          <p:cNvPr id="4" name="Номер слайда 3">
-            <a:extLst>
-              <a:ext uri="{FF2B5EF4-FFF2-40B4-BE49-F238E27FC236}">
-                <a16:creationId xmlns:a16="http://schemas.microsoft.com/office/drawing/2014/main" id="{E30EA989-A838-54EA-4B32-CE205A477495}"/>
-              </a:ext>
-            </a:extLst>
-          </p:cNvPr>
-          <p:cNvSpPr>
-            <a:spLocks noGrp="1"/>
-          </p:cNvSpPr>
-          <p:nvPr>
-            <p:ph type="sldNum" sz="quarter" idx="12"/>
-          </p:nvPr>
-        </p:nvSpPr>
-        <p:spPr/>
-        <p:txBody>
-          <a:bodyPr/>
-          <a:lstStyle/>
-          <a:p>
-            <a:fld id="{313C65D0-8BFA-4A71-89DD-A442071D6E29}" type="slidenum">
-              <a:rPr lang="ru-RU" smtClean="0"/>
-              <a:t>7</a:t>
-            </a:fld>
-            <a:endParaRPr lang="ru-RU"/>
-          </a:p>
-        </p:txBody>
-      </p:sp>
-    </p:spTree>
-    <p:extLst>
-      <p:ext uri="{BB962C8B-B14F-4D97-AF65-F5344CB8AC3E}">
-        <p14:creationId xmlns:p14="http://schemas.microsoft.com/office/powerpoint/2010/main" val="4231827985"/>
-      </p:ext>
-    </p:extLst>
-  </p:cSld>
-  <p:clrMapOvr>
-    <a:masterClrMapping/>
-  </p:clrMapOvr>
-</p:sld>
-</file>
-
-<file path=ppt/slides/slide8.xml><?xml version="1.0" encoding="utf-8"?>
-<p:sld xmlns:a="http://schemas.openxmlformats.org/drawingml/2006/main" xmlns:r="http://schemas.openxmlformats.org/officeDocument/2006/relationships" xmlns:p="http://schemas.openxmlformats.org/presentationml/2006/main">
-  <p:cSld>
-    <p:spTree>
-      <p:nvGrpSpPr>
-        <p:cNvPr id="1" name=""/>
-        <p:cNvGrpSpPr/>
-        <p:nvPr/>
-      </p:nvGrpSpPr>
-      <p:grpSpPr>
-        <a:xfrm>
-          <a:off x="0" y="0"/>
-          <a:ext cx="0" cy="0"/>
-          <a:chOff x="0" y="0"/>
-          <a:chExt cx="0" cy="0"/>
-        </a:xfrm>
-      </p:grpSpPr>
-      <p:sp>
-        <p:nvSpPr>
-          <p:cNvPr id="2" name="Заголовок 1">
-            <a:extLst>
-              <a:ext uri="{FF2B5EF4-FFF2-40B4-BE49-F238E27FC236}">
-                <a16:creationId xmlns:a16="http://schemas.microsoft.com/office/drawing/2014/main" id="{8D585BB3-5C51-F287-9241-5DDB7C2322DE}"/>
-              </a:ext>
-            </a:extLst>
-          </p:cNvPr>
-          <p:cNvSpPr>
-            <a:spLocks noGrp="1"/>
-          </p:cNvSpPr>
-          <p:nvPr>
-            <p:ph type="title"/>
-          </p:nvPr>
-        </p:nvSpPr>
-        <p:spPr/>
-        <p:txBody>
-          <a:bodyPr/>
-          <a:lstStyle/>
-          <a:p>
-            <a:r>
-              <a:rPr lang="ru-RU" sz="3600" dirty="0">
-                <a:solidFill>
-                  <a:srgbClr val="000000"/>
-                </a:solidFill>
-                <a:effectLst/>
-                <a:latin typeface="Times New Roman" panose="02020603050405020304" pitchFamily="18" charset="0"/>
-                <a:ea typeface="Times New Roman" panose="02020603050405020304" pitchFamily="18" charset="0"/>
-              </a:rPr>
-              <a:t>Обзор аналогов</a:t>
-            </a:r>
-            <a:br>
-              <a:rPr lang="ru-RU" sz="3600" dirty="0">
-                <a:effectLst/>
-                <a:latin typeface="Times New Roman" panose="02020603050405020304" pitchFamily="18" charset="0"/>
-                <a:ea typeface="Times New Roman" panose="02020603050405020304" pitchFamily="18" charset="0"/>
-              </a:rPr>
-            </a:br>
             <a:endParaRPr lang="ru-RU" dirty="0"/>
           </a:p>
         </p:txBody>
@@ -6645,7 +6301,7 @@
             <a:fld id="{313C65D0-8BFA-4A71-89DD-A442071D6E29}" type="slidenum">
               <a:rPr lang="ru-RU" smtClean="0"/>
               <a:pPr/>
-              <a:t>8</a:t>
+              <a:t>7</a:t>
             </a:fld>
             <a:endParaRPr lang="ru-RU" dirty="0"/>
           </a:p>
@@ -7168,6 +6824,127 @@
 </p:sld>
 </file>
 
+<file path=ppt/slides/slide8.xml><?xml version="1.0" encoding="utf-8"?>
+<p:sld xmlns:a="http://schemas.openxmlformats.org/drawingml/2006/main" xmlns:r="http://schemas.openxmlformats.org/officeDocument/2006/relationships" xmlns:p="http://schemas.openxmlformats.org/presentationml/2006/main">
+  <p:cSld>
+    <p:spTree>
+      <p:nvGrpSpPr>
+        <p:cNvPr id="1" name=""/>
+        <p:cNvGrpSpPr/>
+        <p:nvPr/>
+      </p:nvGrpSpPr>
+      <p:grpSpPr>
+        <a:xfrm>
+          <a:off x="0" y="0"/>
+          <a:ext cx="0" cy="0"/>
+          <a:chOff x="0" y="0"/>
+          <a:chExt cx="0" cy="0"/>
+        </a:xfrm>
+      </p:grpSpPr>
+      <p:sp>
+        <p:nvSpPr>
+          <p:cNvPr id="2" name="Заголовок 1">
+            <a:extLst>
+              <a:ext uri="{FF2B5EF4-FFF2-40B4-BE49-F238E27FC236}">
+                <a16:creationId xmlns:a16="http://schemas.microsoft.com/office/drawing/2014/main" id="{AA5BC30E-4F68-C6B7-6C4C-2BCF60BAB32B}"/>
+              </a:ext>
+            </a:extLst>
+          </p:cNvPr>
+          <p:cNvSpPr>
+            <a:spLocks noGrp="1"/>
+          </p:cNvSpPr>
+          <p:nvPr>
+            <p:ph type="title"/>
+          </p:nvPr>
+        </p:nvSpPr>
+        <p:spPr/>
+        <p:txBody>
+          <a:bodyPr>
+            <a:normAutofit/>
+          </a:bodyPr>
+          <a:lstStyle/>
+          <a:p>
+            <a:r>
+              <a:rPr lang="ru-RU" sz="3600" dirty="0">
+                <a:latin typeface="Times New Roman" panose="02020603050405020304" pitchFamily="18" charset="0"/>
+                <a:cs typeface="Times New Roman" panose="02020603050405020304" pitchFamily="18" charset="0"/>
+              </a:rPr>
+              <a:t>Как ранее решалась проблема в заданной предметной области</a:t>
+            </a:r>
+          </a:p>
+        </p:txBody>
+      </p:sp>
+      <p:sp>
+        <p:nvSpPr>
+          <p:cNvPr id="4" name="Номер слайда 3">
+            <a:extLst>
+              <a:ext uri="{FF2B5EF4-FFF2-40B4-BE49-F238E27FC236}">
+                <a16:creationId xmlns:a16="http://schemas.microsoft.com/office/drawing/2014/main" id="{C9A4B6C9-3647-FA32-A574-19B8860A4B41}"/>
+              </a:ext>
+            </a:extLst>
+          </p:cNvPr>
+          <p:cNvSpPr>
+            <a:spLocks noGrp="1"/>
+          </p:cNvSpPr>
+          <p:nvPr>
+            <p:ph type="sldNum" sz="quarter" idx="12"/>
+          </p:nvPr>
+        </p:nvSpPr>
+        <p:spPr/>
+        <p:txBody>
+          <a:bodyPr/>
+          <a:lstStyle/>
+          <a:p>
+            <a:fld id="{313C65D0-8BFA-4A71-89DD-A442071D6E29}" type="slidenum">
+              <a:rPr lang="ru-RU" smtClean="0"/>
+              <a:t>8</a:t>
+            </a:fld>
+            <a:endParaRPr lang="ru-RU"/>
+          </a:p>
+        </p:txBody>
+      </p:sp>
+      <p:pic>
+        <p:nvPicPr>
+          <p:cNvPr id="10" name="Объект 9">
+            <a:extLst>
+              <a:ext uri="{FF2B5EF4-FFF2-40B4-BE49-F238E27FC236}">
+                <a16:creationId xmlns:a16="http://schemas.microsoft.com/office/drawing/2014/main" id="{A7C2DDCC-E956-9E87-8478-516794A5A3F2}"/>
+              </a:ext>
+            </a:extLst>
+          </p:cNvPr>
+          <p:cNvPicPr>
+            <a:picLocks noGrp="1" noChangeAspect="1"/>
+          </p:cNvPicPr>
+          <p:nvPr>
+            <p:ph idx="1"/>
+          </p:nvPr>
+        </p:nvPicPr>
+        <p:blipFill>
+          <a:blip r:embed="rId2"/>
+          <a:stretch>
+            <a:fillRect/>
+          </a:stretch>
+        </p:blipFill>
+        <p:spPr>
+          <a:xfrm>
+            <a:off x="1892089" y="1825625"/>
+            <a:ext cx="8407822" cy="4351338"/>
+          </a:xfrm>
+        </p:spPr>
+      </p:pic>
+    </p:spTree>
+    <p:extLst>
+      <p:ext uri="{BB962C8B-B14F-4D97-AF65-F5344CB8AC3E}">
+        <p14:creationId xmlns:p14="http://schemas.microsoft.com/office/powerpoint/2010/main" val="46434046"/>
+      </p:ext>
+    </p:extLst>
+  </p:cSld>
+  <p:clrMapOvr>
+    <a:masterClrMapping/>
+  </p:clrMapOvr>
+</p:sld>
+</file>
+
 <file path=ppt/slides/slide9.xml><?xml version="1.0" encoding="utf-8"?>
 <p:sld xmlns:a="http://schemas.openxmlformats.org/drawingml/2006/main" xmlns:r="http://schemas.openxmlformats.org/officeDocument/2006/relationships" xmlns:p="http://schemas.openxmlformats.org/presentationml/2006/main">
   <p:cSld>
@@ -7190,7 +6967,7 @@
           <p:cNvPr id="2" name="Заголовок 1">
             <a:extLst>
               <a:ext uri="{FF2B5EF4-FFF2-40B4-BE49-F238E27FC236}">
-                <a16:creationId xmlns:a16="http://schemas.microsoft.com/office/drawing/2014/main" id="{AA5BC30E-4F68-C6B7-6C4C-2BCF60BAB32B}"/>
+                <a16:creationId xmlns:a16="http://schemas.microsoft.com/office/drawing/2014/main" id="{E3D4920F-6D92-FC3C-8259-04A53E338CE7}"/>
               </a:ext>
             </a:extLst>
           </p:cNvPr>
@@ -7201,7 +6978,12 @@
             <p:ph type="title"/>
           </p:nvPr>
         </p:nvSpPr>
-        <p:spPr/>
+        <p:spPr>
+          <a:xfrm>
+            <a:off x="838200" y="136525"/>
+            <a:ext cx="10515600" cy="1325563"/>
+          </a:xfrm>
+        </p:spPr>
         <p:txBody>
           <a:bodyPr>
             <a:normAutofit/>
@@ -7213,17 +6995,46 @@
                 <a:latin typeface="Times New Roman" panose="02020603050405020304" pitchFamily="18" charset="0"/>
                 <a:cs typeface="Times New Roman" panose="02020603050405020304" pitchFamily="18" charset="0"/>
               </a:rPr>
-              <a:t>Как ранее решалась проблема в заданной предметной области</a:t>
-            </a:r>
+              <a:t>Предлагаемое решение.</a:t>
+            </a:r>
+          </a:p>
+        </p:txBody>
+      </p:sp>
+      <p:sp>
+        <p:nvSpPr>
+          <p:cNvPr id="4" name="Номер слайда 3">
+            <a:extLst>
+              <a:ext uri="{FF2B5EF4-FFF2-40B4-BE49-F238E27FC236}">
+                <a16:creationId xmlns:a16="http://schemas.microsoft.com/office/drawing/2014/main" id="{20FF88C8-4B12-2865-6FF2-5DC43BFE0731}"/>
+              </a:ext>
+            </a:extLst>
+          </p:cNvPr>
+          <p:cNvSpPr>
+            <a:spLocks noGrp="1"/>
+          </p:cNvSpPr>
+          <p:nvPr>
+            <p:ph type="sldNum" sz="quarter" idx="12"/>
+          </p:nvPr>
+        </p:nvSpPr>
+        <p:spPr/>
+        <p:txBody>
+          <a:bodyPr/>
+          <a:lstStyle/>
+          <a:p>
+            <a:fld id="{313C65D0-8BFA-4A71-89DD-A442071D6E29}" type="slidenum">
+              <a:rPr lang="ru-RU" smtClean="0"/>
+              <a:t>9</a:t>
+            </a:fld>
+            <a:endParaRPr lang="ru-RU"/>
           </a:p>
         </p:txBody>
       </p:sp>
       <p:pic>
         <p:nvPicPr>
-          <p:cNvPr id="6" name="Объект 5">
-            <a:extLst>
-              <a:ext uri="{FF2B5EF4-FFF2-40B4-BE49-F238E27FC236}">
-                <a16:creationId xmlns:a16="http://schemas.microsoft.com/office/drawing/2014/main" id="{5E080AAA-9742-5626-A43D-34A4CA9941E5}"/>
+          <p:cNvPr id="7" name="Объект 6">
+            <a:extLst>
+              <a:ext uri="{FF2B5EF4-FFF2-40B4-BE49-F238E27FC236}">
+                <a16:creationId xmlns:a16="http://schemas.microsoft.com/office/drawing/2014/main" id="{3A3E8C76-5650-222D-394E-C205A8432B25}"/>
               </a:ext>
             </a:extLst>
           </p:cNvPr>
@@ -7242,44 +7053,15 @@
         </p:blipFill>
         <p:spPr>
           <a:xfrm>
-            <a:off x="2291618" y="1825625"/>
-            <a:ext cx="7608763" cy="4351338"/>
+            <a:off x="1352550" y="1512964"/>
+            <a:ext cx="9123311" cy="4792509"/>
           </a:xfrm>
         </p:spPr>
       </p:pic>
-      <p:sp>
-        <p:nvSpPr>
-          <p:cNvPr id="4" name="Номер слайда 3">
-            <a:extLst>
-              <a:ext uri="{FF2B5EF4-FFF2-40B4-BE49-F238E27FC236}">
-                <a16:creationId xmlns:a16="http://schemas.microsoft.com/office/drawing/2014/main" id="{C9A4B6C9-3647-FA32-A574-19B8860A4B41}"/>
-              </a:ext>
-            </a:extLst>
-          </p:cNvPr>
-          <p:cNvSpPr>
-            <a:spLocks noGrp="1"/>
-          </p:cNvSpPr>
-          <p:nvPr>
-            <p:ph type="sldNum" sz="quarter" idx="12"/>
-          </p:nvPr>
-        </p:nvSpPr>
-        <p:spPr/>
-        <p:txBody>
-          <a:bodyPr/>
-          <a:lstStyle/>
-          <a:p>
-            <a:fld id="{313C65D0-8BFA-4A71-89DD-A442071D6E29}" type="slidenum">
-              <a:rPr lang="ru-RU" smtClean="0"/>
-              <a:t>9</a:t>
-            </a:fld>
-            <a:endParaRPr lang="ru-RU"/>
-          </a:p>
-        </p:txBody>
-      </p:sp>
     </p:spTree>
     <p:extLst>
       <p:ext uri="{BB962C8B-B14F-4D97-AF65-F5344CB8AC3E}">
-        <p14:creationId xmlns:p14="http://schemas.microsoft.com/office/powerpoint/2010/main" val="46434046"/>
+        <p14:creationId xmlns:p14="http://schemas.microsoft.com/office/powerpoint/2010/main" val="1623476207"/>
       </p:ext>
     </p:extLst>
   </p:cSld>

--- a/Documentation/Documentation Backend/Презентация-Чупинин-Антон-Павлович.pptx
+++ b/Documentation/Documentation Backend/Презентация-Чупинин-Антон-Павлович.pptx
@@ -5,11 +5,11 @@
     <p:sldMasterId id="2147483648" r:id="rId1"/>
   </p:sldMasterIdLst>
   <p:notesMasterIdLst>
-    <p:notesMasterId r:id="rId18"/>
+    <p:notesMasterId r:id="rId23"/>
   </p:notesMasterIdLst>
   <p:sldIdLst>
     <p:sldId id="256" r:id="rId2"/>
-    <p:sldId id="257" r:id="rId3"/>
+    <p:sldId id="274" r:id="rId3"/>
     <p:sldId id="262" r:id="rId4"/>
     <p:sldId id="258" r:id="rId5"/>
     <p:sldId id="260" r:id="rId6"/>
@@ -19,11 +19,16 @@
     <p:sldId id="259" r:id="rId10"/>
     <p:sldId id="265" r:id="rId11"/>
     <p:sldId id="266" r:id="rId12"/>
-    <p:sldId id="267" r:id="rId13"/>
+    <p:sldId id="275" r:id="rId13"/>
     <p:sldId id="268" r:id="rId14"/>
     <p:sldId id="273" r:id="rId15"/>
-    <p:sldId id="269" r:id="rId16"/>
-    <p:sldId id="270" r:id="rId17"/>
+    <p:sldId id="281" r:id="rId16"/>
+    <p:sldId id="280" r:id="rId17"/>
+    <p:sldId id="278" r:id="rId18"/>
+    <p:sldId id="269" r:id="rId19"/>
+    <p:sldId id="277" r:id="rId20"/>
+    <p:sldId id="267" r:id="rId21"/>
+    <p:sldId id="270" r:id="rId22"/>
   </p:sldIdLst>
   <p:sldSz cx="12192000" cy="6858000"/>
   <p:notesSz cx="6858000" cy="9144000"/>
@@ -130,6 +135,1748 @@
 </p:presentation>
 </file>
 
+<file path=ppt/charts/chart1.xml><?xml version="1.0" encoding="utf-8"?>
+<c:chartSpace xmlns:c="http://schemas.openxmlformats.org/drawingml/2006/chart" xmlns:a="http://schemas.openxmlformats.org/drawingml/2006/main" xmlns:r="http://schemas.openxmlformats.org/officeDocument/2006/relationships" xmlns:c16r2="http://schemas.microsoft.com/office/drawing/2015/06/chart">
+  <c:date1904 val="0"/>
+  <c:lang val="ru-RU"/>
+  <c:roundedCorners val="0"/>
+  <mc:AlternateContent xmlns:mc="http://schemas.openxmlformats.org/markup-compatibility/2006">
+    <mc:Choice xmlns:c14="http://schemas.microsoft.com/office/drawing/2007/8/2/chart" Requires="c14">
+      <c14:style val="102"/>
+    </mc:Choice>
+    <mc:Fallback>
+      <c:style val="2"/>
+    </mc:Fallback>
+  </mc:AlternateContent>
+  <c:chart>
+    <c:title>
+      <c:tx>
+        <c:rich>
+          <a:bodyPr rot="0" spcFirstLastPara="1" vertOverflow="ellipsis" vert="horz" wrap="square" anchor="ctr" anchorCtr="1"/>
+          <a:lstStyle/>
+          <a:p>
+            <a:pPr>
+              <a:defRPr sz="1862" b="0" i="0" u="none" strike="noStrike" kern="1200" spc="0" baseline="0">
+                <a:solidFill>
+                  <a:schemeClr val="tx1">
+                    <a:lumMod val="65000"/>
+                    <a:lumOff val="35000"/>
+                  </a:schemeClr>
+                </a:solidFill>
+                <a:latin typeface="+mn-lt"/>
+                <a:ea typeface="+mn-ea"/>
+                <a:cs typeface="+mn-cs"/>
+              </a:defRPr>
+            </a:pPr>
+            <a:r>
+              <a:rPr lang="ru-RU" sz="1600" dirty="0"/>
+              <a:t> для контроля тренировочного процесса  удобнее одно приложение с контролем за приемами БАДов и тренировками, а не  два отдельных </a:t>
+            </a:r>
+          </a:p>
+        </c:rich>
+      </c:tx>
+      <c:overlay val="0"/>
+      <c:spPr>
+        <a:noFill/>
+        <a:ln>
+          <a:noFill/>
+        </a:ln>
+        <a:effectLst/>
+      </c:spPr>
+      <c:txPr>
+        <a:bodyPr rot="0" spcFirstLastPara="1" vertOverflow="ellipsis" vert="horz" wrap="square" anchor="ctr" anchorCtr="1"/>
+        <a:lstStyle/>
+        <a:p>
+          <a:pPr>
+            <a:defRPr sz="1862" b="0" i="0" u="none" strike="noStrike" kern="1200" spc="0" baseline="0">
+              <a:solidFill>
+                <a:schemeClr val="tx1">
+                  <a:lumMod val="65000"/>
+                  <a:lumOff val="35000"/>
+                </a:schemeClr>
+              </a:solidFill>
+              <a:latin typeface="+mn-lt"/>
+              <a:ea typeface="+mn-ea"/>
+              <a:cs typeface="+mn-cs"/>
+            </a:defRPr>
+          </a:pPr>
+          <a:endParaRPr lang="ru-RU"/>
+        </a:p>
+      </c:txPr>
+    </c:title>
+    <c:autoTitleDeleted val="0"/>
+    <c:plotArea>
+      <c:layout/>
+      <c:pieChart>
+        <c:varyColors val="1"/>
+        <c:ser>
+          <c:idx val="0"/>
+          <c:order val="0"/>
+          <c:tx>
+            <c:strRef>
+              <c:f>Лист1!$B$1</c:f>
+              <c:strCache>
+                <c:ptCount val="1"/>
+                <c:pt idx="0">
+                  <c:v> для контроля тренировочного процесса  удобнее одно приложение с контролем за приемами БАДов и тренировками, а не  два отдельных </c:v>
+                </c:pt>
+              </c:strCache>
+            </c:strRef>
+          </c:tx>
+          <c:dPt>
+            <c:idx val="0"/>
+            <c:bubble3D val="0"/>
+            <c:spPr>
+              <a:solidFill>
+                <a:schemeClr val="accent6"/>
+              </a:solidFill>
+              <a:ln w="19050">
+                <a:solidFill>
+                  <a:schemeClr val="lt1"/>
+                </a:solidFill>
+              </a:ln>
+              <a:effectLst/>
+            </c:spPr>
+          </c:dPt>
+          <c:dPt>
+            <c:idx val="1"/>
+            <c:bubble3D val="0"/>
+            <c:spPr>
+              <a:solidFill>
+                <a:schemeClr val="accent5"/>
+              </a:solidFill>
+              <a:ln w="19050">
+                <a:solidFill>
+                  <a:schemeClr val="lt1"/>
+                </a:solidFill>
+              </a:ln>
+              <a:effectLst/>
+            </c:spPr>
+          </c:dPt>
+          <c:dPt>
+            <c:idx val="2"/>
+            <c:bubble3D val="0"/>
+            <c:spPr>
+              <a:solidFill>
+                <a:schemeClr val="accent4"/>
+              </a:solidFill>
+              <a:ln w="19050">
+                <a:solidFill>
+                  <a:schemeClr val="lt1"/>
+                </a:solidFill>
+              </a:ln>
+              <a:effectLst/>
+            </c:spPr>
+          </c:dPt>
+          <c:dLbls>
+            <c:spPr>
+              <a:noFill/>
+              <a:ln>
+                <a:noFill/>
+              </a:ln>
+              <a:effectLst/>
+            </c:spPr>
+            <c:txPr>
+              <a:bodyPr rot="0" spcFirstLastPara="1" vertOverflow="ellipsis" vert="horz" wrap="square" lIns="38100" tIns="19050" rIns="38100" bIns="19050" anchor="ctr" anchorCtr="1">
+                <a:spAutoFit/>
+              </a:bodyPr>
+              <a:lstStyle/>
+              <a:p>
+                <a:pPr>
+                  <a:defRPr sz="1197" b="0" i="0" u="none" strike="noStrike" kern="1200" baseline="0">
+                    <a:solidFill>
+                      <a:schemeClr val="tx1">
+                        <a:lumMod val="75000"/>
+                        <a:lumOff val="25000"/>
+                      </a:schemeClr>
+                    </a:solidFill>
+                    <a:latin typeface="+mn-lt"/>
+                    <a:ea typeface="+mn-ea"/>
+                    <a:cs typeface="+mn-cs"/>
+                  </a:defRPr>
+                </a:pPr>
+                <a:endParaRPr lang="ru-RU"/>
+              </a:p>
+            </c:txPr>
+            <c:dLblPos val="ctr"/>
+            <c:showLegendKey val="0"/>
+            <c:showVal val="0"/>
+            <c:showCatName val="0"/>
+            <c:showSerName val="0"/>
+            <c:showPercent val="1"/>
+            <c:showBubbleSize val="0"/>
+            <c:showLeaderLines val="1"/>
+            <c:leaderLines>
+              <c:spPr>
+                <a:ln w="9525" cap="flat" cmpd="sng" algn="ctr">
+                  <a:solidFill>
+                    <a:schemeClr val="tx1">
+                      <a:lumMod val="35000"/>
+                      <a:lumOff val="65000"/>
+                    </a:schemeClr>
+                  </a:solidFill>
+                  <a:round/>
+                </a:ln>
+                <a:effectLst/>
+              </c:spPr>
+            </c:leaderLines>
+            <c:extLst>
+              <c:ext xmlns:c15="http://schemas.microsoft.com/office/drawing/2012/chart" uri="{CE6537A1-D6FC-4f65-9D91-7224C49458BB}"/>
+            </c:extLst>
+          </c:dLbls>
+          <c:cat>
+            <c:strRef>
+              <c:f>Лист1!$A$2:$A$4</c:f>
+              <c:strCache>
+                <c:ptCount val="3"/>
+                <c:pt idx="0">
+                  <c:v>Согласен</c:v>
+                </c:pt>
+                <c:pt idx="1">
+                  <c:v>Не согласен</c:v>
+                </c:pt>
+                <c:pt idx="2">
+                  <c:v>Затрудняюсь ответить</c:v>
+                </c:pt>
+              </c:strCache>
+            </c:strRef>
+          </c:cat>
+          <c:val>
+            <c:numRef>
+              <c:f>Лист1!$B$2:$B$4</c:f>
+              <c:numCache>
+                <c:formatCode>General</c:formatCode>
+                <c:ptCount val="3"/>
+                <c:pt idx="0">
+                  <c:v>22</c:v>
+                </c:pt>
+                <c:pt idx="1">
+                  <c:v>5</c:v>
+                </c:pt>
+                <c:pt idx="2">
+                  <c:v>3</c:v>
+                </c:pt>
+              </c:numCache>
+            </c:numRef>
+          </c:val>
+          <c:extLst>
+            <c:ext xmlns:c16="http://schemas.microsoft.com/office/drawing/2014/chart" uri="{C3380CC4-5D6E-409C-BE32-E72D297353CC}">
+              <c16:uniqueId val="{00000000-C7C3-4165-9832-AA6A9D442642}"/>
+            </c:ext>
+          </c:extLst>
+        </c:ser>
+        <c:dLbls>
+          <c:dLblPos val="ctr"/>
+          <c:showLegendKey val="0"/>
+          <c:showVal val="0"/>
+          <c:showCatName val="0"/>
+          <c:showSerName val="0"/>
+          <c:showPercent val="1"/>
+          <c:showBubbleSize val="0"/>
+          <c:showLeaderLines val="1"/>
+        </c:dLbls>
+        <c:firstSliceAng val="0"/>
+      </c:pieChart>
+      <c:spPr>
+        <a:noFill/>
+        <a:ln>
+          <a:noFill/>
+        </a:ln>
+        <a:effectLst/>
+      </c:spPr>
+    </c:plotArea>
+    <c:legend>
+      <c:legendPos val="b"/>
+      <c:overlay val="0"/>
+      <c:spPr>
+        <a:noFill/>
+        <a:ln>
+          <a:noFill/>
+        </a:ln>
+        <a:effectLst/>
+      </c:spPr>
+      <c:txPr>
+        <a:bodyPr rot="0" spcFirstLastPara="1" vertOverflow="ellipsis" vert="horz" wrap="square" anchor="ctr" anchorCtr="1"/>
+        <a:lstStyle/>
+        <a:p>
+          <a:pPr>
+            <a:defRPr sz="1197" b="0" i="0" u="none" strike="noStrike" kern="1200" baseline="0">
+              <a:solidFill>
+                <a:schemeClr val="tx1">
+                  <a:lumMod val="65000"/>
+                  <a:lumOff val="35000"/>
+                </a:schemeClr>
+              </a:solidFill>
+              <a:latin typeface="+mn-lt"/>
+              <a:ea typeface="+mn-ea"/>
+              <a:cs typeface="+mn-cs"/>
+            </a:defRPr>
+          </a:pPr>
+          <a:endParaRPr lang="ru-RU"/>
+        </a:p>
+      </c:txPr>
+    </c:legend>
+    <c:plotVisOnly val="1"/>
+    <c:dispBlanksAs val="gap"/>
+    <c:extLst>
+      <c:ext xmlns:c16r3="http://schemas.microsoft.com/office/drawing/2017/03/chart" uri="{56B9EC1D-385E-4148-901F-78D8002777C0}">
+        <c16r3:dataDisplayOptions16>
+          <c16r3:dispNaAsBlank val="1"/>
+        </c16r3:dataDisplayOptions16>
+      </c:ext>
+    </c:extLst>
+    <c:showDLblsOverMax val="0"/>
+  </c:chart>
+  <c:spPr>
+    <a:noFill/>
+    <a:ln>
+      <a:noFill/>
+    </a:ln>
+    <a:effectLst/>
+  </c:spPr>
+  <c:txPr>
+    <a:bodyPr/>
+    <a:lstStyle/>
+    <a:p>
+      <a:pPr>
+        <a:defRPr/>
+      </a:pPr>
+      <a:endParaRPr lang="ru-RU"/>
+    </a:p>
+  </c:txPr>
+  <c:externalData r:id="rId3">
+    <c:autoUpdate val="0"/>
+  </c:externalData>
+</c:chartSpace>
+</file>
+
+<file path=ppt/charts/chart2.xml><?xml version="1.0" encoding="utf-8"?>
+<c:chartSpace xmlns:c="http://schemas.openxmlformats.org/drawingml/2006/chart" xmlns:a="http://schemas.openxmlformats.org/drawingml/2006/main" xmlns:r="http://schemas.openxmlformats.org/officeDocument/2006/relationships" xmlns:c16r2="http://schemas.microsoft.com/office/drawing/2015/06/chart">
+  <c:date1904 val="0"/>
+  <c:lang val="ru-RU"/>
+  <c:roundedCorners val="0"/>
+  <mc:AlternateContent xmlns:mc="http://schemas.openxmlformats.org/markup-compatibility/2006">
+    <mc:Choice xmlns:c14="http://schemas.microsoft.com/office/drawing/2007/8/2/chart" Requires="c14">
+      <c14:style val="102"/>
+    </mc:Choice>
+    <mc:Fallback>
+      <c:style val="2"/>
+    </mc:Fallback>
+  </mc:AlternateContent>
+  <c:chart>
+    <c:title>
+      <c:tx>
+        <c:rich>
+          <a:bodyPr rot="0" spcFirstLastPara="1" vertOverflow="ellipsis" vert="horz" wrap="square" anchor="ctr" anchorCtr="1"/>
+          <a:lstStyle/>
+          <a:p>
+            <a:pPr>
+              <a:defRPr sz="1862" b="0" i="0" u="none" strike="noStrike" kern="1200" spc="0" baseline="0">
+                <a:solidFill>
+                  <a:schemeClr val="tx1">
+                    <a:lumMod val="65000"/>
+                    <a:lumOff val="35000"/>
+                  </a:schemeClr>
+                </a:solidFill>
+                <a:latin typeface="+mn-lt"/>
+                <a:ea typeface="+mn-ea"/>
+                <a:cs typeface="+mn-cs"/>
+              </a:defRPr>
+            </a:pPr>
+            <a:r>
+              <a:rPr lang="ru-RU" sz="1600" dirty="0"/>
+              <a:t>Сложность освоения функции работы модуля, отвечающим за управление приемом БАДов</a:t>
+            </a:r>
+          </a:p>
+        </c:rich>
+      </c:tx>
+      <c:overlay val="0"/>
+      <c:spPr>
+        <a:noFill/>
+        <a:ln>
+          <a:noFill/>
+        </a:ln>
+        <a:effectLst/>
+      </c:spPr>
+      <c:txPr>
+        <a:bodyPr rot="0" spcFirstLastPara="1" vertOverflow="ellipsis" vert="horz" wrap="square" anchor="ctr" anchorCtr="1"/>
+        <a:lstStyle/>
+        <a:p>
+          <a:pPr>
+            <a:defRPr sz="1862" b="0" i="0" u="none" strike="noStrike" kern="1200" spc="0" baseline="0">
+              <a:solidFill>
+                <a:schemeClr val="tx1">
+                  <a:lumMod val="65000"/>
+                  <a:lumOff val="35000"/>
+                </a:schemeClr>
+              </a:solidFill>
+              <a:latin typeface="+mn-lt"/>
+              <a:ea typeface="+mn-ea"/>
+              <a:cs typeface="+mn-cs"/>
+            </a:defRPr>
+          </a:pPr>
+          <a:endParaRPr lang="ru-RU"/>
+        </a:p>
+      </c:txPr>
+    </c:title>
+    <c:autoTitleDeleted val="0"/>
+    <c:plotArea>
+      <c:layout/>
+      <c:pieChart>
+        <c:varyColors val="1"/>
+        <c:ser>
+          <c:idx val="0"/>
+          <c:order val="0"/>
+          <c:tx>
+            <c:strRef>
+              <c:f>Лист1!$B$1</c:f>
+              <c:strCache>
+                <c:ptCount val="1"/>
+                <c:pt idx="0">
+                  <c:v>Сложность освоения функции работы модуля, отвечающим за управление приемом БАДов</c:v>
+                </c:pt>
+              </c:strCache>
+            </c:strRef>
+          </c:tx>
+          <c:dPt>
+            <c:idx val="0"/>
+            <c:bubble3D val="0"/>
+            <c:spPr>
+              <a:solidFill>
+                <a:schemeClr val="accent2"/>
+              </a:solidFill>
+              <a:ln w="19050">
+                <a:solidFill>
+                  <a:schemeClr val="lt1"/>
+                </a:solidFill>
+              </a:ln>
+              <a:effectLst/>
+            </c:spPr>
+          </c:dPt>
+          <c:dPt>
+            <c:idx val="1"/>
+            <c:bubble3D val="0"/>
+            <c:spPr>
+              <a:solidFill>
+                <a:schemeClr val="accent4"/>
+              </a:solidFill>
+              <a:ln w="19050">
+                <a:solidFill>
+                  <a:schemeClr val="lt1"/>
+                </a:solidFill>
+              </a:ln>
+              <a:effectLst/>
+            </c:spPr>
+          </c:dPt>
+          <c:dPt>
+            <c:idx val="2"/>
+            <c:bubble3D val="0"/>
+            <c:spPr>
+              <a:solidFill>
+                <a:schemeClr val="accent6"/>
+              </a:solidFill>
+              <a:ln w="19050">
+                <a:solidFill>
+                  <a:schemeClr val="lt1"/>
+                </a:solidFill>
+              </a:ln>
+              <a:effectLst/>
+            </c:spPr>
+          </c:dPt>
+          <c:dLbls>
+            <c:spPr>
+              <a:noFill/>
+              <a:ln>
+                <a:noFill/>
+              </a:ln>
+              <a:effectLst/>
+            </c:spPr>
+            <c:txPr>
+              <a:bodyPr rot="0" spcFirstLastPara="1" vertOverflow="ellipsis" vert="horz" wrap="square" lIns="38100" tIns="19050" rIns="38100" bIns="19050" anchor="ctr" anchorCtr="1">
+                <a:spAutoFit/>
+              </a:bodyPr>
+              <a:lstStyle/>
+              <a:p>
+                <a:pPr>
+                  <a:defRPr sz="1197" b="0" i="0" u="none" strike="noStrike" kern="1200" baseline="0">
+                    <a:solidFill>
+                      <a:schemeClr val="tx1">
+                        <a:lumMod val="75000"/>
+                        <a:lumOff val="25000"/>
+                      </a:schemeClr>
+                    </a:solidFill>
+                    <a:latin typeface="+mn-lt"/>
+                    <a:ea typeface="+mn-ea"/>
+                    <a:cs typeface="+mn-cs"/>
+                  </a:defRPr>
+                </a:pPr>
+                <a:endParaRPr lang="ru-RU"/>
+              </a:p>
+            </c:txPr>
+            <c:dLblPos val="inEnd"/>
+            <c:showLegendKey val="0"/>
+            <c:showVal val="0"/>
+            <c:showCatName val="0"/>
+            <c:showSerName val="0"/>
+            <c:showPercent val="1"/>
+            <c:showBubbleSize val="0"/>
+            <c:showLeaderLines val="1"/>
+            <c:leaderLines>
+              <c:spPr>
+                <a:ln w="9525" cap="flat" cmpd="sng" algn="ctr">
+                  <a:solidFill>
+                    <a:schemeClr val="tx1">
+                      <a:lumMod val="35000"/>
+                      <a:lumOff val="65000"/>
+                    </a:schemeClr>
+                  </a:solidFill>
+                  <a:round/>
+                </a:ln>
+                <a:effectLst/>
+              </c:spPr>
+            </c:leaderLines>
+            <c:extLst>
+              <c:ext xmlns:c15="http://schemas.microsoft.com/office/drawing/2012/chart" uri="{CE6537A1-D6FC-4f65-9D91-7224C49458BB}"/>
+            </c:extLst>
+          </c:dLbls>
+          <c:cat>
+            <c:strRef>
+              <c:f>Лист1!$A$2:$A$4</c:f>
+              <c:strCache>
+                <c:ptCount val="3"/>
+                <c:pt idx="0">
+                  <c:v>Легко</c:v>
+                </c:pt>
+                <c:pt idx="1">
+                  <c:v>Были трудности</c:v>
+                </c:pt>
+                <c:pt idx="2">
+                  <c:v>Сложно</c:v>
+                </c:pt>
+              </c:strCache>
+            </c:strRef>
+          </c:cat>
+          <c:val>
+            <c:numRef>
+              <c:f>Лист1!$B$2:$B$4</c:f>
+              <c:numCache>
+                <c:formatCode>General</c:formatCode>
+                <c:ptCount val="3"/>
+                <c:pt idx="0">
+                  <c:v>18</c:v>
+                </c:pt>
+                <c:pt idx="1">
+                  <c:v>6</c:v>
+                </c:pt>
+                <c:pt idx="2">
+                  <c:v>3</c:v>
+                </c:pt>
+              </c:numCache>
+            </c:numRef>
+          </c:val>
+          <c:extLst>
+            <c:ext xmlns:c16="http://schemas.microsoft.com/office/drawing/2014/chart" uri="{C3380CC4-5D6E-409C-BE32-E72D297353CC}">
+              <c16:uniqueId val="{00000000-9D1D-4F7D-8DA4-3205C86F4CBE}"/>
+            </c:ext>
+          </c:extLst>
+        </c:ser>
+        <c:dLbls>
+          <c:dLblPos val="inEnd"/>
+          <c:showLegendKey val="0"/>
+          <c:showVal val="0"/>
+          <c:showCatName val="0"/>
+          <c:showSerName val="0"/>
+          <c:showPercent val="1"/>
+          <c:showBubbleSize val="0"/>
+          <c:showLeaderLines val="1"/>
+        </c:dLbls>
+        <c:firstSliceAng val="0"/>
+      </c:pieChart>
+      <c:spPr>
+        <a:noFill/>
+        <a:ln>
+          <a:noFill/>
+        </a:ln>
+        <a:effectLst/>
+      </c:spPr>
+    </c:plotArea>
+    <c:legend>
+      <c:legendPos val="b"/>
+      <c:overlay val="0"/>
+      <c:spPr>
+        <a:noFill/>
+        <a:ln>
+          <a:noFill/>
+        </a:ln>
+        <a:effectLst/>
+      </c:spPr>
+      <c:txPr>
+        <a:bodyPr rot="0" spcFirstLastPara="1" vertOverflow="ellipsis" vert="horz" wrap="square" anchor="ctr" anchorCtr="1"/>
+        <a:lstStyle/>
+        <a:p>
+          <a:pPr>
+            <a:defRPr sz="1197" b="0" i="0" u="none" strike="noStrike" kern="1200" baseline="0">
+              <a:solidFill>
+                <a:schemeClr val="tx1">
+                  <a:lumMod val="65000"/>
+                  <a:lumOff val="35000"/>
+                </a:schemeClr>
+              </a:solidFill>
+              <a:latin typeface="+mn-lt"/>
+              <a:ea typeface="+mn-ea"/>
+              <a:cs typeface="+mn-cs"/>
+            </a:defRPr>
+          </a:pPr>
+          <a:endParaRPr lang="ru-RU"/>
+        </a:p>
+      </c:txPr>
+    </c:legend>
+    <c:plotVisOnly val="1"/>
+    <c:dispBlanksAs val="gap"/>
+    <c:extLst>
+      <c:ext xmlns:c16r3="http://schemas.microsoft.com/office/drawing/2017/03/chart" uri="{56B9EC1D-385E-4148-901F-78D8002777C0}">
+        <c16r3:dataDisplayOptions16>
+          <c16r3:dispNaAsBlank val="1"/>
+        </c16r3:dataDisplayOptions16>
+      </c:ext>
+    </c:extLst>
+    <c:showDLblsOverMax val="0"/>
+  </c:chart>
+  <c:spPr>
+    <a:noFill/>
+    <a:ln>
+      <a:noFill/>
+    </a:ln>
+    <a:effectLst/>
+  </c:spPr>
+  <c:txPr>
+    <a:bodyPr/>
+    <a:lstStyle/>
+    <a:p>
+      <a:pPr>
+        <a:defRPr/>
+      </a:pPr>
+      <a:endParaRPr lang="ru-RU"/>
+    </a:p>
+  </c:txPr>
+  <c:externalData r:id="rId3">
+    <c:autoUpdate val="0"/>
+  </c:externalData>
+</c:chartSpace>
+</file>
+
+<file path=ppt/charts/colors1.xml><?xml version="1.0" encoding="utf-8"?>
+<cs:colorStyle xmlns:cs="http://schemas.microsoft.com/office/drawing/2012/chartStyle" xmlns:a="http://schemas.openxmlformats.org/drawingml/2006/main" meth="cycle" id="13">
+  <a:schemeClr val="accent6"/>
+  <a:schemeClr val="accent5"/>
+  <a:schemeClr val="accent4"/>
+  <cs:variation/>
+  <cs:variation>
+    <a:lumMod val="60000"/>
+  </cs:variation>
+  <cs:variation>
+    <a:lumMod val="80000"/>
+    <a:lumOff val="20000"/>
+  </cs:variation>
+  <cs:variation>
+    <a:lumMod val="80000"/>
+  </cs:variation>
+  <cs:variation>
+    <a:lumMod val="60000"/>
+    <a:lumOff val="40000"/>
+  </cs:variation>
+  <cs:variation>
+    <a:lumMod val="50000"/>
+  </cs:variation>
+  <cs:variation>
+    <a:lumMod val="70000"/>
+    <a:lumOff val="30000"/>
+  </cs:variation>
+  <cs:variation>
+    <a:lumMod val="70000"/>
+  </cs:variation>
+  <cs:variation>
+    <a:lumMod val="50000"/>
+    <a:lumOff val="50000"/>
+  </cs:variation>
+</cs:colorStyle>
+</file>
+
+<file path=ppt/charts/colors2.xml><?xml version="1.0" encoding="utf-8"?>
+<cs:colorStyle xmlns:cs="http://schemas.microsoft.com/office/drawing/2012/chartStyle" xmlns:a="http://schemas.openxmlformats.org/drawingml/2006/main" meth="cycle" id="12">
+  <a:schemeClr val="accent2"/>
+  <a:schemeClr val="accent4"/>
+  <a:schemeClr val="accent6"/>
+  <cs:variation/>
+  <cs:variation>
+    <a:lumMod val="60000"/>
+  </cs:variation>
+  <cs:variation>
+    <a:lumMod val="80000"/>
+    <a:lumOff val="20000"/>
+  </cs:variation>
+  <cs:variation>
+    <a:lumMod val="80000"/>
+  </cs:variation>
+  <cs:variation>
+    <a:lumMod val="60000"/>
+    <a:lumOff val="40000"/>
+  </cs:variation>
+  <cs:variation>
+    <a:lumMod val="50000"/>
+  </cs:variation>
+  <cs:variation>
+    <a:lumMod val="70000"/>
+    <a:lumOff val="30000"/>
+  </cs:variation>
+  <cs:variation>
+    <a:lumMod val="70000"/>
+  </cs:variation>
+  <cs:variation>
+    <a:lumMod val="50000"/>
+    <a:lumOff val="50000"/>
+  </cs:variation>
+</cs:colorStyle>
+</file>
+
+<file path=ppt/charts/style1.xml><?xml version="1.0" encoding="utf-8"?>
+<cs:chartStyle xmlns:cs="http://schemas.microsoft.com/office/drawing/2012/chartStyle" xmlns:a="http://schemas.openxmlformats.org/drawingml/2006/main" id="251">
+  <cs:axisTitle>
+    <cs:lnRef idx="0"/>
+    <cs:fillRef idx="0"/>
+    <cs:effectRef idx="0"/>
+    <cs:fontRef idx="minor">
+      <a:schemeClr val="tx1">
+        <a:lumMod val="65000"/>
+        <a:lumOff val="35000"/>
+      </a:schemeClr>
+    </cs:fontRef>
+    <cs:defRPr sz="1330" kern="1200"/>
+  </cs:axisTitle>
+  <cs:categoryAxis>
+    <cs:lnRef idx="0"/>
+    <cs:fillRef idx="0"/>
+    <cs:effectRef idx="0"/>
+    <cs:fontRef idx="minor">
+      <a:schemeClr val="tx1">
+        <a:lumMod val="65000"/>
+        <a:lumOff val="35000"/>
+      </a:schemeClr>
+    </cs:fontRef>
+    <cs:spPr>
+      <a:ln w="9525" cap="flat" cmpd="sng" algn="ctr">
+        <a:solidFill>
+          <a:schemeClr val="tx1">
+            <a:lumMod val="15000"/>
+            <a:lumOff val="85000"/>
+          </a:schemeClr>
+        </a:solidFill>
+        <a:round/>
+      </a:ln>
+    </cs:spPr>
+    <cs:defRPr sz="1197" kern="1200"/>
+  </cs:categoryAxis>
+  <cs:chartArea mods="allowNoFillOverride allowNoLineOverride">
+    <cs:lnRef idx="0"/>
+    <cs:fillRef idx="0"/>
+    <cs:effectRef idx="0"/>
+    <cs:fontRef idx="minor">
+      <a:schemeClr val="tx1"/>
+    </cs:fontRef>
+    <cs:spPr>
+      <a:solidFill>
+        <a:schemeClr val="bg1"/>
+      </a:solidFill>
+      <a:ln w="9525" cap="flat" cmpd="sng" algn="ctr">
+        <a:solidFill>
+          <a:schemeClr val="tx1">
+            <a:lumMod val="15000"/>
+            <a:lumOff val="85000"/>
+          </a:schemeClr>
+        </a:solidFill>
+        <a:round/>
+      </a:ln>
+    </cs:spPr>
+    <cs:defRPr sz="1197" kern="1200"/>
+  </cs:chartArea>
+  <cs:dataLabel>
+    <cs:lnRef idx="0"/>
+    <cs:fillRef idx="0"/>
+    <cs:effectRef idx="0"/>
+    <cs:fontRef idx="minor">
+      <a:schemeClr val="tx1">
+        <a:lumMod val="75000"/>
+        <a:lumOff val="25000"/>
+      </a:schemeClr>
+    </cs:fontRef>
+    <cs:defRPr sz="1197" kern="1200"/>
+  </cs:dataLabel>
+  <cs:dataLabelCallout>
+    <cs:lnRef idx="0"/>
+    <cs:fillRef idx="0"/>
+    <cs:effectRef idx="0"/>
+    <cs:fontRef idx="minor">
+      <a:schemeClr val="dk1">
+        <a:lumMod val="65000"/>
+        <a:lumOff val="35000"/>
+      </a:schemeClr>
+    </cs:fontRef>
+    <cs:spPr>
+      <a:solidFill>
+        <a:schemeClr val="lt1"/>
+      </a:solidFill>
+      <a:ln>
+        <a:solidFill>
+          <a:schemeClr val="dk1">
+            <a:lumMod val="25000"/>
+            <a:lumOff val="75000"/>
+          </a:schemeClr>
+        </a:solidFill>
+      </a:ln>
+    </cs:spPr>
+    <cs:defRPr sz="1197" kern="1200"/>
+    <cs:bodyPr rot="0" spcFirstLastPara="1" vertOverflow="clip" horzOverflow="clip" vert="horz" wrap="square" lIns="36576" tIns="18288" rIns="36576" bIns="18288" anchor="ctr" anchorCtr="1">
+      <a:spAutoFit/>
+    </cs:bodyPr>
+  </cs:dataLabelCallout>
+  <cs:dataPoint>
+    <cs:lnRef idx="0"/>
+    <cs:fillRef idx="1">
+      <cs:styleClr val="auto"/>
+    </cs:fillRef>
+    <cs:effectRef idx="0"/>
+    <cs:fontRef idx="minor">
+      <a:schemeClr val="tx1"/>
+    </cs:fontRef>
+    <cs:spPr>
+      <a:ln w="19050">
+        <a:solidFill>
+          <a:schemeClr val="lt1"/>
+        </a:solidFill>
+      </a:ln>
+    </cs:spPr>
+  </cs:dataPoint>
+  <cs:dataPoint3D>
+    <cs:lnRef idx="0"/>
+    <cs:fillRef idx="1">
+      <cs:styleClr val="auto"/>
+    </cs:fillRef>
+    <cs:effectRef idx="0"/>
+    <cs:fontRef idx="minor">
+      <a:schemeClr val="tx1"/>
+    </cs:fontRef>
+    <cs:spPr>
+      <a:ln w="25400">
+        <a:solidFill>
+          <a:schemeClr val="lt1"/>
+        </a:solidFill>
+      </a:ln>
+    </cs:spPr>
+  </cs:dataPoint3D>
+  <cs:dataPointLine>
+    <cs:lnRef idx="0">
+      <cs:styleClr val="auto"/>
+    </cs:lnRef>
+    <cs:fillRef idx="0"/>
+    <cs:effectRef idx="0"/>
+    <cs:fontRef idx="minor">
+      <a:schemeClr val="tx1"/>
+    </cs:fontRef>
+    <cs:spPr>
+      <a:ln w="28575" cap="rnd">
+        <a:solidFill>
+          <a:schemeClr val="phClr"/>
+        </a:solidFill>
+        <a:round/>
+      </a:ln>
+    </cs:spPr>
+  </cs:dataPointLine>
+  <cs:dataPointMarker>
+    <cs:lnRef idx="0">
+      <cs:styleClr val="auto"/>
+    </cs:lnRef>
+    <cs:fillRef idx="1">
+      <cs:styleClr val="auto"/>
+    </cs:fillRef>
+    <cs:effectRef idx="0"/>
+    <cs:fontRef idx="minor">
+      <a:schemeClr val="tx1"/>
+    </cs:fontRef>
+    <cs:spPr>
+      <a:ln w="9525">
+        <a:solidFill>
+          <a:schemeClr val="phClr"/>
+        </a:solidFill>
+      </a:ln>
+    </cs:spPr>
+  </cs:dataPointMarker>
+  <cs:dataPointMarkerLayout symbol="circle" size="5"/>
+  <cs:dataPointWireframe>
+    <cs:lnRef idx="0">
+      <cs:styleClr val="auto"/>
+    </cs:lnRef>
+    <cs:fillRef idx="0"/>
+    <cs:effectRef idx="0"/>
+    <cs:fontRef idx="minor">
+      <a:schemeClr val="tx1"/>
+    </cs:fontRef>
+    <cs:spPr>
+      <a:ln w="9525" cap="rnd">
+        <a:solidFill>
+          <a:schemeClr val="phClr"/>
+        </a:solidFill>
+        <a:round/>
+      </a:ln>
+    </cs:spPr>
+  </cs:dataPointWireframe>
+  <cs:dataTable>
+    <cs:lnRef idx="0"/>
+    <cs:fillRef idx="0"/>
+    <cs:effectRef idx="0"/>
+    <cs:fontRef idx="minor">
+      <a:schemeClr val="tx1">
+        <a:lumMod val="65000"/>
+        <a:lumOff val="35000"/>
+      </a:schemeClr>
+    </cs:fontRef>
+    <cs:spPr>
+      <a:noFill/>
+      <a:ln w="9525" cap="flat" cmpd="sng" algn="ctr">
+        <a:solidFill>
+          <a:schemeClr val="tx1">
+            <a:lumMod val="15000"/>
+            <a:lumOff val="85000"/>
+          </a:schemeClr>
+        </a:solidFill>
+        <a:round/>
+      </a:ln>
+    </cs:spPr>
+    <cs:defRPr sz="1197" kern="1200"/>
+  </cs:dataTable>
+  <cs:downBar>
+    <cs:lnRef idx="0"/>
+    <cs:fillRef idx="0"/>
+    <cs:effectRef idx="0"/>
+    <cs:fontRef idx="minor">
+      <a:schemeClr val="tx1"/>
+    </cs:fontRef>
+    <cs:spPr>
+      <a:solidFill>
+        <a:schemeClr val="dk1">
+          <a:lumMod val="75000"/>
+          <a:lumOff val="25000"/>
+        </a:schemeClr>
+      </a:solidFill>
+      <a:ln w="9525" cap="flat" cmpd="sng" algn="ctr">
+        <a:solidFill>
+          <a:schemeClr val="tx1">
+            <a:lumMod val="65000"/>
+            <a:lumOff val="35000"/>
+          </a:schemeClr>
+        </a:solidFill>
+        <a:round/>
+      </a:ln>
+    </cs:spPr>
+  </cs:downBar>
+  <cs:dropLine>
+    <cs:lnRef idx="0"/>
+    <cs:fillRef idx="0"/>
+    <cs:effectRef idx="0"/>
+    <cs:fontRef idx="minor">
+      <a:schemeClr val="tx1"/>
+    </cs:fontRef>
+    <cs:spPr>
+      <a:ln w="9525" cap="flat" cmpd="sng" algn="ctr">
+        <a:solidFill>
+          <a:schemeClr val="tx1">
+            <a:lumMod val="35000"/>
+            <a:lumOff val="65000"/>
+          </a:schemeClr>
+        </a:solidFill>
+        <a:round/>
+      </a:ln>
+    </cs:spPr>
+  </cs:dropLine>
+  <cs:errorBar>
+    <cs:lnRef idx="0"/>
+    <cs:fillRef idx="0"/>
+    <cs:effectRef idx="0"/>
+    <cs:fontRef idx="minor">
+      <a:schemeClr val="tx1"/>
+    </cs:fontRef>
+    <cs:spPr>
+      <a:ln w="9525" cap="flat" cmpd="sng" algn="ctr">
+        <a:solidFill>
+          <a:schemeClr val="tx1">
+            <a:lumMod val="65000"/>
+            <a:lumOff val="35000"/>
+          </a:schemeClr>
+        </a:solidFill>
+        <a:round/>
+      </a:ln>
+    </cs:spPr>
+  </cs:errorBar>
+  <cs:floor>
+    <cs:lnRef idx="0"/>
+    <cs:fillRef idx="0"/>
+    <cs:effectRef idx="0"/>
+    <cs:fontRef idx="minor">
+      <a:schemeClr val="tx1"/>
+    </cs:fontRef>
+    <cs:spPr>
+      <a:noFill/>
+      <a:ln>
+        <a:noFill/>
+      </a:ln>
+    </cs:spPr>
+  </cs:floor>
+  <cs:gridlineMajor>
+    <cs:lnRef idx="0"/>
+    <cs:fillRef idx="0"/>
+    <cs:effectRef idx="0"/>
+    <cs:fontRef idx="minor">
+      <a:schemeClr val="tx1"/>
+    </cs:fontRef>
+    <cs:spPr>
+      <a:ln w="9525" cap="flat" cmpd="sng" algn="ctr">
+        <a:solidFill>
+          <a:schemeClr val="tx1">
+            <a:lumMod val="15000"/>
+            <a:lumOff val="85000"/>
+          </a:schemeClr>
+        </a:solidFill>
+        <a:round/>
+      </a:ln>
+    </cs:spPr>
+  </cs:gridlineMajor>
+  <cs:gridlineMinor>
+    <cs:lnRef idx="0"/>
+    <cs:fillRef idx="0"/>
+    <cs:effectRef idx="0"/>
+    <cs:fontRef idx="minor">
+      <a:schemeClr val="tx1"/>
+    </cs:fontRef>
+    <cs:spPr>
+      <a:ln w="9525" cap="flat" cmpd="sng" algn="ctr">
+        <a:solidFill>
+          <a:schemeClr val="tx1">
+            <a:lumMod val="5000"/>
+            <a:lumOff val="95000"/>
+          </a:schemeClr>
+        </a:solidFill>
+        <a:round/>
+      </a:ln>
+    </cs:spPr>
+  </cs:gridlineMinor>
+  <cs:hiLoLine>
+    <cs:lnRef idx="0"/>
+    <cs:fillRef idx="0"/>
+    <cs:effectRef idx="0"/>
+    <cs:fontRef idx="minor">
+      <a:schemeClr val="tx1"/>
+    </cs:fontRef>
+    <cs:spPr>
+      <a:ln w="9525" cap="flat" cmpd="sng" algn="ctr">
+        <a:solidFill>
+          <a:schemeClr val="tx1">
+            <a:lumMod val="50000"/>
+            <a:lumOff val="50000"/>
+          </a:schemeClr>
+        </a:solidFill>
+        <a:round/>
+      </a:ln>
+    </cs:spPr>
+  </cs:hiLoLine>
+  <cs:leaderLine>
+    <cs:lnRef idx="0"/>
+    <cs:fillRef idx="0"/>
+    <cs:effectRef idx="0"/>
+    <cs:fontRef idx="minor">
+      <a:schemeClr val="tx1"/>
+    </cs:fontRef>
+    <cs:spPr>
+      <a:ln w="9525" cap="flat" cmpd="sng" algn="ctr">
+        <a:solidFill>
+          <a:schemeClr val="tx1">
+            <a:lumMod val="35000"/>
+            <a:lumOff val="65000"/>
+          </a:schemeClr>
+        </a:solidFill>
+        <a:round/>
+      </a:ln>
+    </cs:spPr>
+  </cs:leaderLine>
+  <cs:legend>
+    <cs:lnRef idx="0"/>
+    <cs:fillRef idx="0"/>
+    <cs:effectRef idx="0"/>
+    <cs:fontRef idx="minor">
+      <a:schemeClr val="tx1">
+        <a:lumMod val="65000"/>
+        <a:lumOff val="35000"/>
+      </a:schemeClr>
+    </cs:fontRef>
+    <cs:defRPr sz="1197" kern="1200"/>
+  </cs:legend>
+  <cs:plotArea mods="allowNoFillOverride allowNoLineOverride">
+    <cs:lnRef idx="0"/>
+    <cs:fillRef idx="0"/>
+    <cs:effectRef idx="0"/>
+    <cs:fontRef idx="minor">
+      <a:schemeClr val="tx1"/>
+    </cs:fontRef>
+  </cs:plotArea>
+  <cs:plotArea3D mods="allowNoFillOverride allowNoLineOverride">
+    <cs:lnRef idx="0"/>
+    <cs:fillRef idx="0"/>
+    <cs:effectRef idx="0"/>
+    <cs:fontRef idx="minor">
+      <a:schemeClr val="tx1"/>
+    </cs:fontRef>
+  </cs:plotArea3D>
+  <cs:seriesAxis>
+    <cs:lnRef idx="0"/>
+    <cs:fillRef idx="0"/>
+    <cs:effectRef idx="0"/>
+    <cs:fontRef idx="minor">
+      <a:schemeClr val="tx1">
+        <a:lumMod val="65000"/>
+        <a:lumOff val="35000"/>
+      </a:schemeClr>
+    </cs:fontRef>
+    <cs:defRPr sz="1197" kern="1200"/>
+  </cs:seriesAxis>
+  <cs:seriesLine>
+    <cs:lnRef idx="0"/>
+    <cs:fillRef idx="0"/>
+    <cs:effectRef idx="0"/>
+    <cs:fontRef idx="minor">
+      <a:schemeClr val="tx1"/>
+    </cs:fontRef>
+    <cs:spPr>
+      <a:ln w="9525" cap="flat" cmpd="sng" algn="ctr">
+        <a:solidFill>
+          <a:schemeClr val="tx1">
+            <a:lumMod val="35000"/>
+            <a:lumOff val="65000"/>
+          </a:schemeClr>
+        </a:solidFill>
+        <a:round/>
+      </a:ln>
+    </cs:spPr>
+  </cs:seriesLine>
+  <cs:title>
+    <cs:lnRef idx="0"/>
+    <cs:fillRef idx="0"/>
+    <cs:effectRef idx="0"/>
+    <cs:fontRef idx="minor">
+      <a:schemeClr val="tx1">
+        <a:lumMod val="65000"/>
+        <a:lumOff val="35000"/>
+      </a:schemeClr>
+    </cs:fontRef>
+    <cs:defRPr sz="1862" b="0" kern="1200" spc="0" baseline="0"/>
+  </cs:title>
+  <cs:trendline>
+    <cs:lnRef idx="0">
+      <cs:styleClr val="auto"/>
+    </cs:lnRef>
+    <cs:fillRef idx="0"/>
+    <cs:effectRef idx="0"/>
+    <cs:fontRef idx="minor">
+      <a:schemeClr val="tx1"/>
+    </cs:fontRef>
+    <cs:spPr>
+      <a:ln w="19050" cap="rnd">
+        <a:solidFill>
+          <a:schemeClr val="phClr"/>
+        </a:solidFill>
+        <a:prstDash val="sysDot"/>
+      </a:ln>
+    </cs:spPr>
+  </cs:trendline>
+  <cs:trendlineLabel>
+    <cs:lnRef idx="0"/>
+    <cs:fillRef idx="0"/>
+    <cs:effectRef idx="0"/>
+    <cs:fontRef idx="minor">
+      <a:schemeClr val="tx1">
+        <a:lumMod val="65000"/>
+        <a:lumOff val="35000"/>
+      </a:schemeClr>
+    </cs:fontRef>
+    <cs:defRPr sz="1197" kern="1200"/>
+  </cs:trendlineLabel>
+  <cs:upBar>
+    <cs:lnRef idx="0"/>
+    <cs:fillRef idx="0"/>
+    <cs:effectRef idx="0"/>
+    <cs:fontRef idx="minor">
+      <a:schemeClr val="tx1"/>
+    </cs:fontRef>
+    <cs:spPr>
+      <a:solidFill>
+        <a:schemeClr val="lt1"/>
+      </a:solidFill>
+      <a:ln w="9525" cap="flat" cmpd="sng" algn="ctr">
+        <a:solidFill>
+          <a:schemeClr val="tx1">
+            <a:lumMod val="65000"/>
+            <a:lumOff val="35000"/>
+          </a:schemeClr>
+        </a:solidFill>
+        <a:round/>
+      </a:ln>
+    </cs:spPr>
+  </cs:upBar>
+  <cs:valueAxis>
+    <cs:lnRef idx="0"/>
+    <cs:fillRef idx="0"/>
+    <cs:effectRef idx="0"/>
+    <cs:fontRef idx="minor">
+      <a:schemeClr val="tx1">
+        <a:lumMod val="65000"/>
+        <a:lumOff val="35000"/>
+      </a:schemeClr>
+    </cs:fontRef>
+    <cs:defRPr sz="1197" kern="1200"/>
+  </cs:valueAxis>
+  <cs:wall>
+    <cs:lnRef idx="0"/>
+    <cs:fillRef idx="0"/>
+    <cs:effectRef idx="0"/>
+    <cs:fontRef idx="minor">
+      <a:schemeClr val="tx1"/>
+    </cs:fontRef>
+    <cs:spPr>
+      <a:noFill/>
+      <a:ln>
+        <a:noFill/>
+      </a:ln>
+    </cs:spPr>
+  </cs:wall>
+</cs:chartStyle>
+</file>
+
+<file path=ppt/charts/style2.xml><?xml version="1.0" encoding="utf-8"?>
+<cs:chartStyle xmlns:cs="http://schemas.microsoft.com/office/drawing/2012/chartStyle" xmlns:a="http://schemas.openxmlformats.org/drawingml/2006/main" id="251">
+  <cs:axisTitle>
+    <cs:lnRef idx="0"/>
+    <cs:fillRef idx="0"/>
+    <cs:effectRef idx="0"/>
+    <cs:fontRef idx="minor">
+      <a:schemeClr val="tx1">
+        <a:lumMod val="65000"/>
+        <a:lumOff val="35000"/>
+      </a:schemeClr>
+    </cs:fontRef>
+    <cs:defRPr sz="1330" kern="1200"/>
+  </cs:axisTitle>
+  <cs:categoryAxis>
+    <cs:lnRef idx="0"/>
+    <cs:fillRef idx="0"/>
+    <cs:effectRef idx="0"/>
+    <cs:fontRef idx="minor">
+      <a:schemeClr val="tx1">
+        <a:lumMod val="65000"/>
+        <a:lumOff val="35000"/>
+      </a:schemeClr>
+    </cs:fontRef>
+    <cs:spPr>
+      <a:ln w="9525" cap="flat" cmpd="sng" algn="ctr">
+        <a:solidFill>
+          <a:schemeClr val="tx1">
+            <a:lumMod val="15000"/>
+            <a:lumOff val="85000"/>
+          </a:schemeClr>
+        </a:solidFill>
+        <a:round/>
+      </a:ln>
+    </cs:spPr>
+    <cs:defRPr sz="1197" kern="1200"/>
+  </cs:categoryAxis>
+  <cs:chartArea mods="allowNoFillOverride allowNoLineOverride">
+    <cs:lnRef idx="0"/>
+    <cs:fillRef idx="0"/>
+    <cs:effectRef idx="0"/>
+    <cs:fontRef idx="minor">
+      <a:schemeClr val="tx1"/>
+    </cs:fontRef>
+    <cs:spPr>
+      <a:solidFill>
+        <a:schemeClr val="bg1"/>
+      </a:solidFill>
+      <a:ln w="9525" cap="flat" cmpd="sng" algn="ctr">
+        <a:solidFill>
+          <a:schemeClr val="tx1">
+            <a:lumMod val="15000"/>
+            <a:lumOff val="85000"/>
+          </a:schemeClr>
+        </a:solidFill>
+        <a:round/>
+      </a:ln>
+    </cs:spPr>
+    <cs:defRPr sz="1197" kern="1200"/>
+  </cs:chartArea>
+  <cs:dataLabel>
+    <cs:lnRef idx="0"/>
+    <cs:fillRef idx="0"/>
+    <cs:effectRef idx="0"/>
+    <cs:fontRef idx="minor">
+      <a:schemeClr val="tx1">
+        <a:lumMod val="75000"/>
+        <a:lumOff val="25000"/>
+      </a:schemeClr>
+    </cs:fontRef>
+    <cs:defRPr sz="1197" kern="1200"/>
+  </cs:dataLabel>
+  <cs:dataLabelCallout>
+    <cs:lnRef idx="0"/>
+    <cs:fillRef idx="0"/>
+    <cs:effectRef idx="0"/>
+    <cs:fontRef idx="minor">
+      <a:schemeClr val="dk1">
+        <a:lumMod val="65000"/>
+        <a:lumOff val="35000"/>
+      </a:schemeClr>
+    </cs:fontRef>
+    <cs:spPr>
+      <a:solidFill>
+        <a:schemeClr val="lt1"/>
+      </a:solidFill>
+      <a:ln>
+        <a:solidFill>
+          <a:schemeClr val="dk1">
+            <a:lumMod val="25000"/>
+            <a:lumOff val="75000"/>
+          </a:schemeClr>
+        </a:solidFill>
+      </a:ln>
+    </cs:spPr>
+    <cs:defRPr sz="1197" kern="1200"/>
+    <cs:bodyPr rot="0" spcFirstLastPara="1" vertOverflow="clip" horzOverflow="clip" vert="horz" wrap="square" lIns="36576" tIns="18288" rIns="36576" bIns="18288" anchor="ctr" anchorCtr="1">
+      <a:spAutoFit/>
+    </cs:bodyPr>
+  </cs:dataLabelCallout>
+  <cs:dataPoint>
+    <cs:lnRef idx="0"/>
+    <cs:fillRef idx="1">
+      <cs:styleClr val="auto"/>
+    </cs:fillRef>
+    <cs:effectRef idx="0"/>
+    <cs:fontRef idx="minor">
+      <a:schemeClr val="tx1"/>
+    </cs:fontRef>
+    <cs:spPr>
+      <a:ln w="19050">
+        <a:solidFill>
+          <a:schemeClr val="lt1"/>
+        </a:solidFill>
+      </a:ln>
+    </cs:spPr>
+  </cs:dataPoint>
+  <cs:dataPoint3D>
+    <cs:lnRef idx="0"/>
+    <cs:fillRef idx="1">
+      <cs:styleClr val="auto"/>
+    </cs:fillRef>
+    <cs:effectRef idx="0"/>
+    <cs:fontRef idx="minor">
+      <a:schemeClr val="tx1"/>
+    </cs:fontRef>
+    <cs:spPr>
+      <a:ln w="25400">
+        <a:solidFill>
+          <a:schemeClr val="lt1"/>
+        </a:solidFill>
+      </a:ln>
+    </cs:spPr>
+  </cs:dataPoint3D>
+  <cs:dataPointLine>
+    <cs:lnRef idx="0">
+      <cs:styleClr val="auto"/>
+    </cs:lnRef>
+    <cs:fillRef idx="0"/>
+    <cs:effectRef idx="0"/>
+    <cs:fontRef idx="minor">
+      <a:schemeClr val="tx1"/>
+    </cs:fontRef>
+    <cs:spPr>
+      <a:ln w="28575" cap="rnd">
+        <a:solidFill>
+          <a:schemeClr val="phClr"/>
+        </a:solidFill>
+        <a:round/>
+      </a:ln>
+    </cs:spPr>
+  </cs:dataPointLine>
+  <cs:dataPointMarker>
+    <cs:lnRef idx="0">
+      <cs:styleClr val="auto"/>
+    </cs:lnRef>
+    <cs:fillRef idx="1">
+      <cs:styleClr val="auto"/>
+    </cs:fillRef>
+    <cs:effectRef idx="0"/>
+    <cs:fontRef idx="minor">
+      <a:schemeClr val="tx1"/>
+    </cs:fontRef>
+    <cs:spPr>
+      <a:ln w="9525">
+        <a:solidFill>
+          <a:schemeClr val="phClr"/>
+        </a:solidFill>
+      </a:ln>
+    </cs:spPr>
+  </cs:dataPointMarker>
+  <cs:dataPointMarkerLayout symbol="circle" size="5"/>
+  <cs:dataPointWireframe>
+    <cs:lnRef idx="0">
+      <cs:styleClr val="auto"/>
+    </cs:lnRef>
+    <cs:fillRef idx="0"/>
+    <cs:effectRef idx="0"/>
+    <cs:fontRef idx="minor">
+      <a:schemeClr val="tx1"/>
+    </cs:fontRef>
+    <cs:spPr>
+      <a:ln w="9525" cap="rnd">
+        <a:solidFill>
+          <a:schemeClr val="phClr"/>
+        </a:solidFill>
+        <a:round/>
+      </a:ln>
+    </cs:spPr>
+  </cs:dataPointWireframe>
+  <cs:dataTable>
+    <cs:lnRef idx="0"/>
+    <cs:fillRef idx="0"/>
+    <cs:effectRef idx="0"/>
+    <cs:fontRef idx="minor">
+      <a:schemeClr val="tx1">
+        <a:lumMod val="65000"/>
+        <a:lumOff val="35000"/>
+      </a:schemeClr>
+    </cs:fontRef>
+    <cs:spPr>
+      <a:noFill/>
+      <a:ln w="9525" cap="flat" cmpd="sng" algn="ctr">
+        <a:solidFill>
+          <a:schemeClr val="tx1">
+            <a:lumMod val="15000"/>
+            <a:lumOff val="85000"/>
+          </a:schemeClr>
+        </a:solidFill>
+        <a:round/>
+      </a:ln>
+    </cs:spPr>
+    <cs:defRPr sz="1197" kern="1200"/>
+  </cs:dataTable>
+  <cs:downBar>
+    <cs:lnRef idx="0"/>
+    <cs:fillRef idx="0"/>
+    <cs:effectRef idx="0"/>
+    <cs:fontRef idx="minor">
+      <a:schemeClr val="tx1"/>
+    </cs:fontRef>
+    <cs:spPr>
+      <a:solidFill>
+        <a:schemeClr val="dk1">
+          <a:lumMod val="75000"/>
+          <a:lumOff val="25000"/>
+        </a:schemeClr>
+      </a:solidFill>
+      <a:ln w="9525" cap="flat" cmpd="sng" algn="ctr">
+        <a:solidFill>
+          <a:schemeClr val="tx1">
+            <a:lumMod val="65000"/>
+            <a:lumOff val="35000"/>
+          </a:schemeClr>
+        </a:solidFill>
+        <a:round/>
+      </a:ln>
+    </cs:spPr>
+  </cs:downBar>
+  <cs:dropLine>
+    <cs:lnRef idx="0"/>
+    <cs:fillRef idx="0"/>
+    <cs:effectRef idx="0"/>
+    <cs:fontRef idx="minor">
+      <a:schemeClr val="tx1"/>
+    </cs:fontRef>
+    <cs:spPr>
+      <a:ln w="9525" cap="flat" cmpd="sng" algn="ctr">
+        <a:solidFill>
+          <a:schemeClr val="tx1">
+            <a:lumMod val="35000"/>
+            <a:lumOff val="65000"/>
+          </a:schemeClr>
+        </a:solidFill>
+        <a:round/>
+      </a:ln>
+    </cs:spPr>
+  </cs:dropLine>
+  <cs:errorBar>
+    <cs:lnRef idx="0"/>
+    <cs:fillRef idx="0"/>
+    <cs:effectRef idx="0"/>
+    <cs:fontRef idx="minor">
+      <a:schemeClr val="tx1"/>
+    </cs:fontRef>
+    <cs:spPr>
+      <a:ln w="9525" cap="flat" cmpd="sng" algn="ctr">
+        <a:solidFill>
+          <a:schemeClr val="tx1">
+            <a:lumMod val="65000"/>
+            <a:lumOff val="35000"/>
+          </a:schemeClr>
+        </a:solidFill>
+        <a:round/>
+      </a:ln>
+    </cs:spPr>
+  </cs:errorBar>
+  <cs:floor>
+    <cs:lnRef idx="0"/>
+    <cs:fillRef idx="0"/>
+    <cs:effectRef idx="0"/>
+    <cs:fontRef idx="minor">
+      <a:schemeClr val="tx1"/>
+    </cs:fontRef>
+    <cs:spPr>
+      <a:noFill/>
+      <a:ln>
+        <a:noFill/>
+      </a:ln>
+    </cs:spPr>
+  </cs:floor>
+  <cs:gridlineMajor>
+    <cs:lnRef idx="0"/>
+    <cs:fillRef idx="0"/>
+    <cs:effectRef idx="0"/>
+    <cs:fontRef idx="minor">
+      <a:schemeClr val="tx1"/>
+    </cs:fontRef>
+    <cs:spPr>
+      <a:ln w="9525" cap="flat" cmpd="sng" algn="ctr">
+        <a:solidFill>
+          <a:schemeClr val="tx1">
+            <a:lumMod val="15000"/>
+            <a:lumOff val="85000"/>
+          </a:schemeClr>
+        </a:solidFill>
+        <a:round/>
+      </a:ln>
+    </cs:spPr>
+  </cs:gridlineMajor>
+  <cs:gridlineMinor>
+    <cs:lnRef idx="0"/>
+    <cs:fillRef idx="0"/>
+    <cs:effectRef idx="0"/>
+    <cs:fontRef idx="minor">
+      <a:schemeClr val="tx1"/>
+    </cs:fontRef>
+    <cs:spPr>
+      <a:ln w="9525" cap="flat" cmpd="sng" algn="ctr">
+        <a:solidFill>
+          <a:schemeClr val="tx1">
+            <a:lumMod val="5000"/>
+            <a:lumOff val="95000"/>
+          </a:schemeClr>
+        </a:solidFill>
+        <a:round/>
+      </a:ln>
+    </cs:spPr>
+  </cs:gridlineMinor>
+  <cs:hiLoLine>
+    <cs:lnRef idx="0"/>
+    <cs:fillRef idx="0"/>
+    <cs:effectRef idx="0"/>
+    <cs:fontRef idx="minor">
+      <a:schemeClr val="tx1"/>
+    </cs:fontRef>
+    <cs:spPr>
+      <a:ln w="9525" cap="flat" cmpd="sng" algn="ctr">
+        <a:solidFill>
+          <a:schemeClr val="tx1">
+            <a:lumMod val="50000"/>
+            <a:lumOff val="50000"/>
+          </a:schemeClr>
+        </a:solidFill>
+        <a:round/>
+      </a:ln>
+    </cs:spPr>
+  </cs:hiLoLine>
+  <cs:leaderLine>
+    <cs:lnRef idx="0"/>
+    <cs:fillRef idx="0"/>
+    <cs:effectRef idx="0"/>
+    <cs:fontRef idx="minor">
+      <a:schemeClr val="tx1"/>
+    </cs:fontRef>
+    <cs:spPr>
+      <a:ln w="9525" cap="flat" cmpd="sng" algn="ctr">
+        <a:solidFill>
+          <a:schemeClr val="tx1">
+            <a:lumMod val="35000"/>
+            <a:lumOff val="65000"/>
+          </a:schemeClr>
+        </a:solidFill>
+        <a:round/>
+      </a:ln>
+    </cs:spPr>
+  </cs:leaderLine>
+  <cs:legend>
+    <cs:lnRef idx="0"/>
+    <cs:fillRef idx="0"/>
+    <cs:effectRef idx="0"/>
+    <cs:fontRef idx="minor">
+      <a:schemeClr val="tx1">
+        <a:lumMod val="65000"/>
+        <a:lumOff val="35000"/>
+      </a:schemeClr>
+    </cs:fontRef>
+    <cs:defRPr sz="1197" kern="1200"/>
+  </cs:legend>
+  <cs:plotArea mods="allowNoFillOverride allowNoLineOverride">
+    <cs:lnRef idx="0"/>
+    <cs:fillRef idx="0"/>
+    <cs:effectRef idx="0"/>
+    <cs:fontRef idx="minor">
+      <a:schemeClr val="tx1"/>
+    </cs:fontRef>
+  </cs:plotArea>
+  <cs:plotArea3D mods="allowNoFillOverride allowNoLineOverride">
+    <cs:lnRef idx="0"/>
+    <cs:fillRef idx="0"/>
+    <cs:effectRef idx="0"/>
+    <cs:fontRef idx="minor">
+      <a:schemeClr val="tx1"/>
+    </cs:fontRef>
+  </cs:plotArea3D>
+  <cs:seriesAxis>
+    <cs:lnRef idx="0"/>
+    <cs:fillRef idx="0"/>
+    <cs:effectRef idx="0"/>
+    <cs:fontRef idx="minor">
+      <a:schemeClr val="tx1">
+        <a:lumMod val="65000"/>
+        <a:lumOff val="35000"/>
+      </a:schemeClr>
+    </cs:fontRef>
+    <cs:defRPr sz="1197" kern="1200"/>
+  </cs:seriesAxis>
+  <cs:seriesLine>
+    <cs:lnRef idx="0"/>
+    <cs:fillRef idx="0"/>
+    <cs:effectRef idx="0"/>
+    <cs:fontRef idx="minor">
+      <a:schemeClr val="tx1"/>
+    </cs:fontRef>
+    <cs:spPr>
+      <a:ln w="9525" cap="flat" cmpd="sng" algn="ctr">
+        <a:solidFill>
+          <a:schemeClr val="tx1">
+            <a:lumMod val="35000"/>
+            <a:lumOff val="65000"/>
+          </a:schemeClr>
+        </a:solidFill>
+        <a:round/>
+      </a:ln>
+    </cs:spPr>
+  </cs:seriesLine>
+  <cs:title>
+    <cs:lnRef idx="0"/>
+    <cs:fillRef idx="0"/>
+    <cs:effectRef idx="0"/>
+    <cs:fontRef idx="minor">
+      <a:schemeClr val="tx1">
+        <a:lumMod val="65000"/>
+        <a:lumOff val="35000"/>
+      </a:schemeClr>
+    </cs:fontRef>
+    <cs:defRPr sz="1862" b="0" kern="1200" spc="0" baseline="0"/>
+  </cs:title>
+  <cs:trendline>
+    <cs:lnRef idx="0">
+      <cs:styleClr val="auto"/>
+    </cs:lnRef>
+    <cs:fillRef idx="0"/>
+    <cs:effectRef idx="0"/>
+    <cs:fontRef idx="minor">
+      <a:schemeClr val="tx1"/>
+    </cs:fontRef>
+    <cs:spPr>
+      <a:ln w="19050" cap="rnd">
+        <a:solidFill>
+          <a:schemeClr val="phClr"/>
+        </a:solidFill>
+        <a:prstDash val="sysDot"/>
+      </a:ln>
+    </cs:spPr>
+  </cs:trendline>
+  <cs:trendlineLabel>
+    <cs:lnRef idx="0"/>
+    <cs:fillRef idx="0"/>
+    <cs:effectRef idx="0"/>
+    <cs:fontRef idx="minor">
+      <a:schemeClr val="tx1">
+        <a:lumMod val="65000"/>
+        <a:lumOff val="35000"/>
+      </a:schemeClr>
+    </cs:fontRef>
+    <cs:defRPr sz="1197" kern="1200"/>
+  </cs:trendlineLabel>
+  <cs:upBar>
+    <cs:lnRef idx="0"/>
+    <cs:fillRef idx="0"/>
+    <cs:effectRef idx="0"/>
+    <cs:fontRef idx="minor">
+      <a:schemeClr val="tx1"/>
+    </cs:fontRef>
+    <cs:spPr>
+      <a:solidFill>
+        <a:schemeClr val="lt1"/>
+      </a:solidFill>
+      <a:ln w="9525" cap="flat" cmpd="sng" algn="ctr">
+        <a:solidFill>
+          <a:schemeClr val="tx1">
+            <a:lumMod val="65000"/>
+            <a:lumOff val="35000"/>
+          </a:schemeClr>
+        </a:solidFill>
+        <a:round/>
+      </a:ln>
+    </cs:spPr>
+  </cs:upBar>
+  <cs:valueAxis>
+    <cs:lnRef idx="0"/>
+    <cs:fillRef idx="0"/>
+    <cs:effectRef idx="0"/>
+    <cs:fontRef idx="minor">
+      <a:schemeClr val="tx1">
+        <a:lumMod val="65000"/>
+        <a:lumOff val="35000"/>
+      </a:schemeClr>
+    </cs:fontRef>
+    <cs:defRPr sz="1197" kern="1200"/>
+  </cs:valueAxis>
+  <cs:wall>
+    <cs:lnRef idx="0"/>
+    <cs:fillRef idx="0"/>
+    <cs:effectRef idx="0"/>
+    <cs:fontRef idx="minor">
+      <a:schemeClr val="tx1"/>
+    </cs:fontRef>
+    <cs:spPr>
+      <a:noFill/>
+      <a:ln>
+        <a:noFill/>
+      </a:ln>
+    </cs:spPr>
+  </cs:wall>
+</cs:chartStyle>
+</file>
+
 <file path=ppt/notesMasters/notesMaster1.xml><?xml version="1.0" encoding="utf-8"?>
 <p:notesMaster xmlns:a="http://schemas.openxmlformats.org/drawingml/2006/main" xmlns:r="http://schemas.openxmlformats.org/officeDocument/2006/relationships" xmlns:p="http://schemas.openxmlformats.org/presentationml/2006/main">
   <p:cSld>
@@ -212,7 +1959,7 @@
           <a:p>
             <a:fld id="{ADF28BAD-F9DA-4D7E-AF79-E21FA8ADBBF1}" type="datetimeFigureOut">
               <a:rPr lang="ru-RU" smtClean="0"/>
-              <a:t>26.04.2024</a:t>
+              <a:t>22.05.2024</a:t>
             </a:fld>
             <a:endParaRPr lang="ru-RU"/>
           </a:p>
@@ -626,7 +2373,7 @@
           <a:p>
             <a:fld id="{D7AB4555-AE77-4BC7-B6BC-9ED5B9EBCB12}" type="datetime1">
               <a:rPr lang="ru-RU" smtClean="0"/>
-              <a:t>26.04.2024</a:t>
+              <a:t>22.05.2024</a:t>
             </a:fld>
             <a:endParaRPr lang="ru-RU"/>
           </a:p>
@@ -824,7 +2571,7 @@
           <a:p>
             <a:fld id="{FA19214F-97FA-4C39-A414-EFA5A00A88FE}" type="datetime1">
               <a:rPr lang="ru-RU" smtClean="0"/>
-              <a:t>26.04.2024</a:t>
+              <a:t>22.05.2024</a:t>
             </a:fld>
             <a:endParaRPr lang="ru-RU"/>
           </a:p>
@@ -1032,7 +2779,7 @@
           <a:p>
             <a:fld id="{4BEE74BB-11C8-4F2D-9C19-380E7A1290C1}" type="datetime1">
               <a:rPr lang="ru-RU" smtClean="0"/>
-              <a:t>26.04.2024</a:t>
+              <a:t>22.05.2024</a:t>
             </a:fld>
             <a:endParaRPr lang="ru-RU"/>
           </a:p>
@@ -1270,7 +3017,7 @@
           <a:p>
             <a:fld id="{2BAC947A-180F-4D82-AC63-C49D80A4E5B0}" type="datetime1">
               <a:rPr lang="ru-RU" smtClean="0"/>
-              <a:t>26.04.2024</a:t>
+              <a:t>22.05.2024</a:t>
             </a:fld>
             <a:endParaRPr lang="ru-RU"/>
           </a:p>
@@ -1553,7 +3300,7 @@
           <a:p>
             <a:fld id="{8E324735-8C40-42F7-9769-1E279094EB74}" type="datetime1">
               <a:rPr lang="ru-RU" smtClean="0"/>
-              <a:t>26.04.2024</a:t>
+              <a:t>22.05.2024</a:t>
             </a:fld>
             <a:endParaRPr lang="ru-RU"/>
           </a:p>
@@ -1818,7 +3565,7 @@
           <a:p>
             <a:fld id="{018C1EA3-C171-436B-8D2B-9688A76B4971}" type="datetime1">
               <a:rPr lang="ru-RU" smtClean="0"/>
-              <a:t>26.04.2024</a:t>
+              <a:t>22.05.2024</a:t>
             </a:fld>
             <a:endParaRPr lang="ru-RU"/>
           </a:p>
@@ -2230,7 +3977,7 @@
           <a:p>
             <a:fld id="{D17EEB80-CE53-489C-8238-322DF4AD3B46}" type="datetime1">
               <a:rPr lang="ru-RU" smtClean="0"/>
-              <a:t>26.04.2024</a:t>
+              <a:t>22.05.2024</a:t>
             </a:fld>
             <a:endParaRPr lang="ru-RU"/>
           </a:p>
@@ -2371,7 +4118,7 @@
           <a:p>
             <a:fld id="{EEE35B50-1F0F-4310-BBC8-4944CDD50B5A}" type="datetime1">
               <a:rPr lang="ru-RU" smtClean="0"/>
-              <a:t>26.04.2024</a:t>
+              <a:t>22.05.2024</a:t>
             </a:fld>
             <a:endParaRPr lang="ru-RU"/>
           </a:p>
@@ -2484,7 +4231,7 @@
           <a:p>
             <a:fld id="{DA361EAA-2D4B-4286-B509-836340345F84}" type="datetime1">
               <a:rPr lang="ru-RU" smtClean="0"/>
-              <a:t>26.04.2024</a:t>
+              <a:t>22.05.2024</a:t>
             </a:fld>
             <a:endParaRPr lang="ru-RU"/>
           </a:p>
@@ -2795,7 +4542,7 @@
           <a:p>
             <a:fld id="{D8A6F7BA-2109-47E1-AD62-382559DA226B}" type="datetime1">
               <a:rPr lang="ru-RU" smtClean="0"/>
-              <a:t>26.04.2024</a:t>
+              <a:t>22.05.2024</a:t>
             </a:fld>
             <a:endParaRPr lang="ru-RU"/>
           </a:p>
@@ -3083,7 +4830,7 @@
           <a:p>
             <a:fld id="{5EFE2794-CDA8-4EA9-BD08-92616DB8DFB6}" type="datetime1">
               <a:rPr lang="ru-RU" smtClean="0"/>
-              <a:t>26.04.2024</a:t>
+              <a:t>22.05.2024</a:t>
             </a:fld>
             <a:endParaRPr lang="ru-RU"/>
           </a:p>
@@ -3324,7 +5071,7 @@
           <a:p>
             <a:fld id="{2375868C-673B-4CA4-A444-ED0A6723E605}" type="datetime1">
               <a:rPr lang="ru-RU" smtClean="0"/>
-              <a:t>26.04.2024</a:t>
+              <a:t>22.05.2024</a:t>
             </a:fld>
             <a:endParaRPr lang="ru-RU"/>
           </a:p>
@@ -4539,7 +6286,7 @@
           <p:cNvPr id="2" name="Заголовок 1">
             <a:extLst>
               <a:ext uri="{FF2B5EF4-FFF2-40B4-BE49-F238E27FC236}">
-                <a16:creationId xmlns:a16="http://schemas.microsoft.com/office/drawing/2014/main" id="{6B5176A3-91AB-CD13-8621-38B3BD335223}"/>
+                <a16:creationId xmlns:a16="http://schemas.microsoft.com/office/drawing/2014/main" id="{DEA6825E-84D6-EF09-6392-C9EAE9867BC3}"/>
               </a:ext>
             </a:extLst>
           </p:cNvPr>
@@ -4552,165 +6299,57 @@
         </p:nvSpPr>
         <p:spPr/>
         <p:txBody>
-          <a:bodyPr>
-            <a:normAutofit/>
-          </a:bodyPr>
+          <a:bodyPr/>
           <a:lstStyle/>
           <a:p>
             <a:r>
-              <a:rPr lang="ru-RU" sz="3600" dirty="0">
-                <a:latin typeface="Times New Roman" panose="02020603050405020304" pitchFamily="18" charset="0"/>
-                <a:cs typeface="Times New Roman" panose="02020603050405020304" pitchFamily="18" charset="0"/>
-              </a:rPr>
-              <a:t>Инструментальные средства, язык, библиотеки</a:t>
-            </a:r>
-          </a:p>
-        </p:txBody>
-      </p:sp>
-      <p:sp>
-        <p:nvSpPr>
-          <p:cNvPr id="3" name="Объект 2">
-            <a:extLst>
-              <a:ext uri="{FF2B5EF4-FFF2-40B4-BE49-F238E27FC236}">
-                <a16:creationId xmlns:a16="http://schemas.microsoft.com/office/drawing/2014/main" id="{97A1FD52-BB64-A375-3D16-C93599A80E35}"/>
-              </a:ext>
-            </a:extLst>
-          </p:cNvPr>
-          <p:cNvSpPr>
-            <a:spLocks noGrp="1"/>
-          </p:cNvSpPr>
-          <p:nvPr>
-            <p:ph idx="1"/>
-          </p:nvPr>
-        </p:nvSpPr>
-        <p:spPr/>
-        <p:txBody>
-          <a:bodyPr>
-            <a:normAutofit/>
-          </a:bodyPr>
-          <a:lstStyle/>
-          <a:p>
-            <a:r>
-              <a:rPr lang="en-US" sz="2400" dirty="0">
-                <a:latin typeface="Times New Roman" panose="02020603050405020304" pitchFamily="18" charset="0"/>
-                <a:cs typeface="Times New Roman" panose="02020603050405020304" pitchFamily="18" charset="0"/>
-              </a:rPr>
-              <a:t>Typescript</a:t>
-            </a:r>
-          </a:p>
-          <a:p>
-            <a:r>
-              <a:rPr lang="en-US" sz="2400" dirty="0" err="1">
-                <a:latin typeface="Times New Roman" panose="02020603050405020304" pitchFamily="18" charset="0"/>
-                <a:cs typeface="Times New Roman" panose="02020603050405020304" pitchFamily="18" charset="0"/>
-              </a:rPr>
-              <a:t>NestJS</a:t>
-            </a:r>
-            <a:r>
-              <a:rPr lang="en-US" sz="2400" dirty="0">
-                <a:latin typeface="Times New Roman" panose="02020603050405020304" pitchFamily="18" charset="0"/>
-                <a:cs typeface="Times New Roman" panose="02020603050405020304" pitchFamily="18" charset="0"/>
-              </a:rPr>
-              <a:t> - </a:t>
-            </a:r>
-            <a:r>
-              <a:rPr lang="ru-RU" sz="2400" dirty="0">
-                <a:latin typeface="Times New Roman" panose="02020603050405020304" pitchFamily="18" charset="0"/>
-                <a:cs typeface="Times New Roman" panose="02020603050405020304" pitchFamily="18" charset="0"/>
-              </a:rPr>
-              <a:t>фреймворк для разработок</a:t>
-            </a:r>
-            <a:r>
-              <a:rPr lang="en-US" sz="2400" dirty="0">
-                <a:latin typeface="Times New Roman" panose="02020603050405020304" pitchFamily="18" charset="0"/>
-                <a:cs typeface="Times New Roman" panose="02020603050405020304" pitchFamily="18" charset="0"/>
-              </a:rPr>
-              <a:t> </a:t>
-            </a:r>
-            <a:r>
-              <a:rPr lang="ru-RU" sz="2400" dirty="0">
-                <a:latin typeface="Times New Roman" panose="02020603050405020304" pitchFamily="18" charset="0"/>
-                <a:cs typeface="Times New Roman" panose="02020603050405020304" pitchFamily="18" charset="0"/>
-              </a:rPr>
-              <a:t>и серверных приложений на Node.js</a:t>
-            </a:r>
-            <a:endParaRPr lang="en-US" sz="2400" dirty="0">
-              <a:latin typeface="Times New Roman" panose="02020603050405020304" pitchFamily="18" charset="0"/>
-              <a:cs typeface="Times New Roman" panose="02020603050405020304" pitchFamily="18" charset="0"/>
-            </a:endParaRPr>
-          </a:p>
-          <a:p>
-            <a:r>
-              <a:rPr lang="en-US" sz="2400" dirty="0">
-                <a:latin typeface="Times New Roman" panose="02020603050405020304" pitchFamily="18" charset="0"/>
-                <a:cs typeface="Times New Roman" panose="02020603050405020304" pitchFamily="18" charset="0"/>
-              </a:rPr>
-              <a:t>Prisma - ORM </a:t>
-            </a:r>
-            <a:r>
-              <a:rPr lang="ru-RU" sz="2400" dirty="0">
-                <a:latin typeface="Times New Roman" panose="02020603050405020304" pitchFamily="18" charset="0"/>
-                <a:cs typeface="Times New Roman" panose="02020603050405020304" pitchFamily="18" charset="0"/>
-              </a:rPr>
-              <a:t>для </a:t>
-            </a:r>
-            <a:r>
-              <a:rPr lang="en-US" sz="2400" dirty="0">
-                <a:latin typeface="Times New Roman" panose="02020603050405020304" pitchFamily="18" charset="0"/>
-                <a:cs typeface="Times New Roman" panose="02020603050405020304" pitchFamily="18" charset="0"/>
-              </a:rPr>
-              <a:t>Node.js</a:t>
-            </a:r>
-            <a:endParaRPr lang="ru-RU" sz="2400" dirty="0">
-              <a:latin typeface="Times New Roman" panose="02020603050405020304" pitchFamily="18" charset="0"/>
-              <a:cs typeface="Times New Roman" panose="02020603050405020304" pitchFamily="18" charset="0"/>
-            </a:endParaRPr>
-          </a:p>
-          <a:p>
-            <a:r>
-              <a:rPr lang="en-US" sz="2400" dirty="0">
-                <a:latin typeface="Times New Roman" panose="02020603050405020304" pitchFamily="18" charset="0"/>
-                <a:cs typeface="Times New Roman" panose="02020603050405020304" pitchFamily="18" charset="0"/>
-              </a:rPr>
-              <a:t>Docker</a:t>
-            </a:r>
-          </a:p>
-          <a:p>
-            <a:r>
-              <a:rPr lang="en-US" sz="2400" dirty="0">
-                <a:latin typeface="Times New Roman" panose="02020603050405020304" pitchFamily="18" charset="0"/>
-                <a:cs typeface="Times New Roman" panose="02020603050405020304" pitchFamily="18" charset="0"/>
-              </a:rPr>
-              <a:t>PostgreSQL</a:t>
-            </a:r>
-          </a:p>
-          <a:p>
-            <a:r>
-              <a:rPr lang="en-US" sz="2400" dirty="0">
-                <a:latin typeface="Times New Roman" panose="02020603050405020304" pitchFamily="18" charset="0"/>
-                <a:cs typeface="Times New Roman" panose="02020603050405020304" pitchFamily="18" charset="0"/>
-              </a:rPr>
-              <a:t>Firebase Cloud Messaging</a:t>
-            </a:r>
-            <a:endParaRPr lang="ru-RU" sz="2400" dirty="0">
-              <a:latin typeface="Times New Roman" panose="02020603050405020304" pitchFamily="18" charset="0"/>
-              <a:cs typeface="Times New Roman" panose="02020603050405020304" pitchFamily="18" charset="0"/>
-            </a:endParaRPr>
-          </a:p>
-          <a:p>
-            <a:endParaRPr lang="ru-RU" sz="2400" dirty="0">
-              <a:latin typeface="Times New Roman" panose="02020603050405020304" pitchFamily="18" charset="0"/>
-              <a:cs typeface="Times New Roman" panose="02020603050405020304" pitchFamily="18" charset="0"/>
-            </a:endParaRPr>
-          </a:p>
-        </p:txBody>
-      </p:sp>
-      <p:sp>
-        <p:nvSpPr>
-          <p:cNvPr id="4" name="Номер слайда 3">
-            <a:extLst>
-              <a:ext uri="{FF2B5EF4-FFF2-40B4-BE49-F238E27FC236}">
-                <a16:creationId xmlns:a16="http://schemas.microsoft.com/office/drawing/2014/main" id="{0CAE724F-C6C6-2D35-69B3-85471C76E297}"/>
+              <a:rPr lang="ru-RU" dirty="0"/>
+              <a:t>Макет основных экранов модуля </a:t>
+            </a:r>
+          </a:p>
+        </p:txBody>
+      </p:sp>
+      <p:pic>
+        <p:nvPicPr>
+          <p:cNvPr id="27" name="Объект 26" descr="Изображение выглядит как текст, снимок экрана, Мобильный телефон, гаджет&#10;&#10;Автоматически созданное описание">
+            <a:extLst>
+              <a:ext uri="{FF2B5EF4-FFF2-40B4-BE49-F238E27FC236}">
+                <a16:creationId xmlns:a16="http://schemas.microsoft.com/office/drawing/2014/main" id="{89778411-06FE-C0ED-A5ED-26665440D956}"/>
+              </a:ext>
+            </a:extLst>
+          </p:cNvPr>
+          <p:cNvPicPr>
+            <a:picLocks noGrp="1" noChangeAspect="1"/>
+          </p:cNvPicPr>
+          <p:nvPr>
+            <p:ph sz="half" idx="2"/>
+          </p:nvPr>
+        </p:nvPicPr>
+        <p:blipFill>
+          <a:blip r:embed="rId2">
+            <a:extLst>
+              <a:ext uri="{28A0092B-C50C-407E-A947-70E740481C1C}">
+                <a14:useLocalDpi xmlns:a14="http://schemas.microsoft.com/office/drawing/2010/main" val="0"/>
+              </a:ext>
+            </a:extLst>
+          </a:blip>
+          <a:stretch>
+            <a:fillRect/>
+          </a:stretch>
+        </p:blipFill>
+        <p:spPr>
+          <a:xfrm>
+            <a:off x="6841624" y="1825625"/>
+            <a:ext cx="3140576" cy="4351338"/>
+          </a:xfrm>
+        </p:spPr>
+      </p:pic>
+      <p:sp>
+        <p:nvSpPr>
+          <p:cNvPr id="5" name="Номер слайда 4">
+            <a:extLst>
+              <a:ext uri="{FF2B5EF4-FFF2-40B4-BE49-F238E27FC236}">
+                <a16:creationId xmlns:a16="http://schemas.microsoft.com/office/drawing/2014/main" id="{70BDC1D7-876C-AFF6-92FF-58B7C3676990}"/>
               </a:ext>
             </a:extLst>
           </p:cNvPr>
@@ -4734,10 +6373,45 @@
           </a:p>
         </p:txBody>
       </p:sp>
+      <p:pic>
+        <p:nvPicPr>
+          <p:cNvPr id="25" name="Объект 24" descr="Изображение выглядит как текст, снимок экрана, Мобильный телефон, Мобильное устройство&#10;&#10;Автоматически созданное описание">
+            <a:extLst>
+              <a:ext uri="{FF2B5EF4-FFF2-40B4-BE49-F238E27FC236}">
+                <a16:creationId xmlns:a16="http://schemas.microsoft.com/office/drawing/2014/main" id="{19614347-D064-AC54-9800-07F26862EF36}"/>
+              </a:ext>
+            </a:extLst>
+          </p:cNvPr>
+          <p:cNvPicPr>
+            <a:picLocks noGrp="1" noChangeAspect="1"/>
+          </p:cNvPicPr>
+          <p:nvPr>
+            <p:ph sz="half" idx="1"/>
+          </p:nvPr>
+        </p:nvPicPr>
+        <p:blipFill>
+          <a:blip r:embed="rId3">
+            <a:extLst>
+              <a:ext uri="{28A0092B-C50C-407E-A947-70E740481C1C}">
+                <a14:useLocalDpi xmlns:a14="http://schemas.microsoft.com/office/drawing/2010/main" val="0"/>
+              </a:ext>
+            </a:extLst>
+          </a:blip>
+          <a:stretch>
+            <a:fillRect/>
+          </a:stretch>
+        </p:blipFill>
+        <p:spPr>
+          <a:xfrm>
+            <a:off x="1858712" y="1825625"/>
+            <a:ext cx="3140576" cy="4351338"/>
+          </a:xfrm>
+        </p:spPr>
+      </p:pic>
     </p:spTree>
     <p:extLst>
       <p:ext uri="{BB962C8B-B14F-4D97-AF65-F5344CB8AC3E}">
-        <p14:creationId xmlns:p14="http://schemas.microsoft.com/office/powerpoint/2010/main" val="1068467355"/>
+        <p14:creationId xmlns:p14="http://schemas.microsoft.com/office/powerpoint/2010/main" val="1323927757"/>
       </p:ext>
     </p:extLst>
   </p:cSld>
@@ -4965,6 +6639,12 @@
             </a:r>
           </a:p>
           <a:p>
+            <a:r>
+              <a:rPr lang="ru-RU" dirty="0"/>
+              <a:t>Должна осуществляться валидация данных</a:t>
+            </a:r>
+          </a:p>
+          <a:p>
             <a:pPr marL="0" indent="0">
               <a:buNone/>
             </a:pPr>
@@ -5037,7 +6717,7 @@
           <p:cNvPr id="2" name="Заголовок 1">
             <a:extLst>
               <a:ext uri="{FF2B5EF4-FFF2-40B4-BE49-F238E27FC236}">
-                <a16:creationId xmlns:a16="http://schemas.microsoft.com/office/drawing/2014/main" id="{04668D96-67DE-E4E4-1F29-541342AE5DB5}"/>
+                <a16:creationId xmlns:a16="http://schemas.microsoft.com/office/drawing/2014/main" id="{F0444DF1-5D3A-783E-3576-BD01A44C2F90}"/>
               </a:ext>
             </a:extLst>
           </p:cNvPr>
@@ -5046,39 +6726,6 @@
           </p:cNvSpPr>
           <p:nvPr>
             <p:ph type="title"/>
-          </p:nvPr>
-        </p:nvSpPr>
-        <p:spPr/>
-        <p:txBody>
-          <a:bodyPr>
-            <a:normAutofit/>
-          </a:bodyPr>
-          <a:lstStyle/>
-          <a:p>
-            <a:r>
-              <a:rPr lang="ru-RU" sz="3600" dirty="0">
-                <a:latin typeface="Times New Roman" panose="02020603050405020304" pitchFamily="18" charset="0"/>
-                <a:cs typeface="Times New Roman" panose="02020603050405020304" pitchFamily="18" charset="0"/>
-              </a:rPr>
-              <a:t>Абстрактная структура и формат данных </a:t>
-            </a:r>
-          </a:p>
-        </p:txBody>
-      </p:sp>
-      <p:sp>
-        <p:nvSpPr>
-          <p:cNvPr id="4" name="Номер слайда 3">
-            <a:extLst>
-              <a:ext uri="{FF2B5EF4-FFF2-40B4-BE49-F238E27FC236}">
-                <a16:creationId xmlns:a16="http://schemas.microsoft.com/office/drawing/2014/main" id="{6C79C452-7D63-7B4F-243F-ECD2B1C2EACC}"/>
-              </a:ext>
-            </a:extLst>
-          </p:cNvPr>
-          <p:cNvSpPr>
-            <a:spLocks noGrp="1"/>
-          </p:cNvSpPr>
-          <p:nvPr>
-            <p:ph type="sldNum" sz="quarter" idx="12"/>
           </p:nvPr>
         </p:nvSpPr>
         <p:spPr/>
@@ -5086,47 +6733,137 @@
           <a:bodyPr/>
           <a:lstStyle/>
           <a:p>
+            <a:r>
+              <a:rPr lang="ru-RU" dirty="0"/>
+              <a:t>Валидация данных</a:t>
+            </a:r>
+          </a:p>
+        </p:txBody>
+      </p:sp>
+      <p:sp>
+        <p:nvSpPr>
+          <p:cNvPr id="3" name="Объект 2">
+            <a:extLst>
+              <a:ext uri="{FF2B5EF4-FFF2-40B4-BE49-F238E27FC236}">
+                <a16:creationId xmlns:a16="http://schemas.microsoft.com/office/drawing/2014/main" id="{38448372-849F-CE85-986A-76E4F2584A62}"/>
+              </a:ext>
+            </a:extLst>
+          </p:cNvPr>
+          <p:cNvSpPr>
+            <a:spLocks noGrp="1"/>
+          </p:cNvSpPr>
+          <p:nvPr>
+            <p:ph idx="1"/>
+          </p:nvPr>
+        </p:nvSpPr>
+        <p:spPr/>
+        <p:txBody>
+          <a:bodyPr/>
+          <a:lstStyle/>
+          <a:p>
+            <a:pPr marL="0" indent="0">
+              <a:buNone/>
+            </a:pPr>
+            <a:r>
+              <a:rPr lang="ru-RU" dirty="0"/>
+              <a:t>Примеры необходимых проверок</a:t>
+            </a:r>
+          </a:p>
+          <a:p>
+            <a:r>
+              <a:rPr lang="ru-RU" dirty="0"/>
+              <a:t>типы данных передаваемых объектов на сервер</a:t>
+            </a:r>
+          </a:p>
+          <a:p>
+            <a:r>
+              <a:rPr lang="ru-RU" dirty="0"/>
+              <a:t>формат логина</a:t>
+            </a:r>
+            <a:r>
+              <a:rPr lang="en-US" dirty="0"/>
+              <a:t>,</a:t>
+            </a:r>
+            <a:r>
+              <a:rPr lang="ru-RU" dirty="0"/>
+              <a:t> пароля</a:t>
+            </a:r>
+            <a:r>
+              <a:rPr lang="en-US" dirty="0"/>
+              <a:t>,</a:t>
+            </a:r>
+            <a:r>
+              <a:rPr lang="ru-RU" dirty="0"/>
+              <a:t> электронной почты</a:t>
+            </a:r>
+          </a:p>
+          <a:p>
+            <a:r>
+              <a:rPr lang="ru-RU" dirty="0"/>
+              <a:t>диапазон времени в напоминаниях</a:t>
+            </a:r>
+          </a:p>
+          <a:p>
+            <a:r>
+              <a:rPr lang="ru-RU" dirty="0"/>
+              <a:t>информацию об упражнении (время</a:t>
+            </a:r>
+            <a:r>
+              <a:rPr lang="en-US" dirty="0"/>
+              <a:t>,</a:t>
+            </a:r>
+            <a:r>
+              <a:rPr lang="ru-RU" dirty="0"/>
+              <a:t> количество повторений</a:t>
+            </a:r>
+            <a:r>
+              <a:rPr lang="en-US" dirty="0"/>
+              <a:t>)</a:t>
+            </a:r>
+            <a:endParaRPr lang="ru-RU" dirty="0"/>
+          </a:p>
+          <a:p>
+            <a:endParaRPr lang="ru-RU" dirty="0"/>
+          </a:p>
+          <a:p>
+            <a:endParaRPr lang="ru-RU" dirty="0"/>
+          </a:p>
+        </p:txBody>
+      </p:sp>
+      <p:sp>
+        <p:nvSpPr>
+          <p:cNvPr id="4" name="Номер слайда 3">
+            <a:extLst>
+              <a:ext uri="{FF2B5EF4-FFF2-40B4-BE49-F238E27FC236}">
+                <a16:creationId xmlns:a16="http://schemas.microsoft.com/office/drawing/2014/main" id="{A59F2793-22C7-EF03-B7BB-06059832E77C}"/>
+              </a:ext>
+            </a:extLst>
+          </p:cNvPr>
+          <p:cNvSpPr>
+            <a:spLocks noGrp="1"/>
+          </p:cNvSpPr>
+          <p:nvPr>
+            <p:ph type="sldNum" sz="quarter" idx="12"/>
+          </p:nvPr>
+        </p:nvSpPr>
+        <p:spPr/>
+        <p:txBody>
+          <a:bodyPr/>
+          <a:lstStyle/>
+          <a:p>
             <a:fld id="{313C65D0-8BFA-4A71-89DD-A442071D6E29}" type="slidenum">
               <a:rPr lang="ru-RU" smtClean="0"/>
+              <a:pPr/>
               <a:t>15</a:t>
             </a:fld>
-            <a:endParaRPr lang="ru-RU"/>
-          </a:p>
-        </p:txBody>
-      </p:sp>
-      <p:pic>
-        <p:nvPicPr>
-          <p:cNvPr id="8" name="Объект 7">
-            <a:extLst>
-              <a:ext uri="{FF2B5EF4-FFF2-40B4-BE49-F238E27FC236}">
-                <a16:creationId xmlns:a16="http://schemas.microsoft.com/office/drawing/2014/main" id="{6B39D524-20ED-E112-8009-DA8E3415DFA7}"/>
-              </a:ext>
-            </a:extLst>
-          </p:cNvPr>
-          <p:cNvPicPr>
-            <a:picLocks noGrp="1" noChangeAspect="1"/>
-          </p:cNvPicPr>
-          <p:nvPr>
-            <p:ph idx="1"/>
-          </p:nvPr>
-        </p:nvPicPr>
-        <p:blipFill>
-          <a:blip r:embed="rId2"/>
-          <a:stretch>
-            <a:fillRect/>
-          </a:stretch>
-        </p:blipFill>
-        <p:spPr>
-          <a:xfrm>
-            <a:off x="1753716" y="1259589"/>
-            <a:ext cx="7721024" cy="5527861"/>
-          </a:xfrm>
-        </p:spPr>
-      </p:pic>
+            <a:endParaRPr lang="ru-RU" dirty="0"/>
+          </a:p>
+        </p:txBody>
+      </p:sp>
     </p:spTree>
     <p:extLst>
       <p:ext uri="{BB962C8B-B14F-4D97-AF65-F5344CB8AC3E}">
-        <p14:creationId xmlns:p14="http://schemas.microsoft.com/office/powerpoint/2010/main" val="489017665"/>
+        <p14:creationId xmlns:p14="http://schemas.microsoft.com/office/powerpoint/2010/main" val="2310898862"/>
       </p:ext>
     </p:extLst>
   </p:cSld>
@@ -5158,7 +6895,7 @@
           <p:cNvPr id="2" name="Заголовок 1">
             <a:extLst>
               <a:ext uri="{FF2B5EF4-FFF2-40B4-BE49-F238E27FC236}">
-                <a16:creationId xmlns:a16="http://schemas.microsoft.com/office/drawing/2014/main" id="{802976D0-9CCE-116F-8C65-22C83FD95BC4}"/>
+                <a16:creationId xmlns:a16="http://schemas.microsoft.com/office/drawing/2014/main" id="{56E96624-88D6-A67E-6946-0A8C03DD98B6}"/>
               </a:ext>
             </a:extLst>
           </p:cNvPr>
@@ -5171,22 +6908,21 @@
         </p:nvSpPr>
         <p:spPr/>
         <p:txBody>
-          <a:bodyPr>
-            <a:normAutofit/>
-          </a:bodyPr>
+          <a:bodyPr/>
           <a:lstStyle/>
           <a:p>
             <a:r>
-              <a:rPr lang="ru-RU" altLang="en-US" sz="3600" dirty="0">
-                <a:latin typeface="Times New Roman" panose="02020603050405020304" pitchFamily="18" charset="0"/>
-                <a:cs typeface="Times New Roman" panose="02020603050405020304" pitchFamily="18" charset="0"/>
-              </a:rPr>
-              <a:t>Степень выполнения работ</a:t>
-            </a:r>
-            <a:endParaRPr lang="ru-RU" sz="3600" dirty="0">
-              <a:latin typeface="Times New Roman" panose="02020603050405020304" pitchFamily="18" charset="0"/>
-              <a:cs typeface="Times New Roman" panose="02020603050405020304" pitchFamily="18" charset="0"/>
-            </a:endParaRPr>
+              <a:rPr lang="ru-RU" dirty="0"/>
+              <a:t>Аутентификация</a:t>
+            </a:r>
+            <a:r>
+              <a:rPr lang="en-US" dirty="0"/>
+              <a:t> – JWT</a:t>
+            </a:r>
+            <a:r>
+              <a:rPr lang="ru-RU" dirty="0"/>
+              <a:t> токен</a:t>
+            </a:r>
           </a:p>
         </p:txBody>
       </p:sp>
@@ -5195,100 +6931,47 @@
           <p:cNvPr id="3" name="Объект 2">
             <a:extLst>
               <a:ext uri="{FF2B5EF4-FFF2-40B4-BE49-F238E27FC236}">
-                <a16:creationId xmlns:a16="http://schemas.microsoft.com/office/drawing/2014/main" id="{7ACE1C7E-128E-AD7D-B31B-F3A184300D67}"/>
-              </a:ext>
-            </a:extLst>
-          </p:cNvPr>
-          <p:cNvSpPr>
-            <a:spLocks noGrp="1"/>
-          </p:cNvSpPr>
-          <p:nvPr>
-            <p:ph idx="1"/>
+                <a16:creationId xmlns:a16="http://schemas.microsoft.com/office/drawing/2014/main" id="{E0D2D1BB-30A1-8783-3325-F1CBD20BD3E6}"/>
+              </a:ext>
+            </a:extLst>
+          </p:cNvPr>
+          <p:cNvSpPr>
+            <a:spLocks noGrp="1"/>
+          </p:cNvSpPr>
+          <p:nvPr>
+            <p:ph sz="half" idx="1"/>
           </p:nvPr>
         </p:nvSpPr>
         <p:spPr/>
         <p:txBody>
-          <a:bodyPr>
-            <a:normAutofit/>
-          </a:bodyPr>
+          <a:bodyPr/>
           <a:lstStyle/>
           <a:p>
             <a:r>
-              <a:rPr lang="ru-RU" sz="2400" dirty="0">
-                <a:latin typeface="Times New Roman" panose="02020603050405020304" pitchFamily="18" charset="0"/>
-                <a:cs typeface="Times New Roman" panose="02020603050405020304" pitchFamily="18" charset="0"/>
-              </a:rPr>
-              <a:t>ТЗ – </a:t>
-            </a:r>
-            <a:r>
-              <a:rPr lang="ru-RU" sz="2400" dirty="0"/>
-              <a:t>Готово</a:t>
-            </a:r>
-            <a:endParaRPr lang="ru-RU" sz="2400" dirty="0">
-              <a:latin typeface="Times New Roman" panose="02020603050405020304" pitchFamily="18" charset="0"/>
-              <a:cs typeface="Times New Roman" panose="02020603050405020304" pitchFamily="18" charset="0"/>
-            </a:endParaRPr>
-          </a:p>
-          <a:p>
-            <a:r>
-              <a:rPr lang="ru-RU" sz="2400" dirty="0">
-                <a:latin typeface="Times New Roman" panose="02020603050405020304" pitchFamily="18" charset="0"/>
-                <a:cs typeface="Times New Roman" panose="02020603050405020304" pitchFamily="18" charset="0"/>
-              </a:rPr>
-              <a:t>ПЗ - 5</a:t>
-            </a:r>
-            <a:r>
-              <a:rPr lang="en-US" sz="2400" dirty="0">
-                <a:latin typeface="Times New Roman" panose="02020603050405020304" pitchFamily="18" charset="0"/>
-                <a:cs typeface="Times New Roman" panose="02020603050405020304" pitchFamily="18" charset="0"/>
-              </a:rPr>
-              <a:t>0</a:t>
-            </a:r>
-            <a:r>
-              <a:rPr lang="ru-RU" sz="2400" dirty="0">
-                <a:latin typeface="Times New Roman" panose="02020603050405020304" pitchFamily="18" charset="0"/>
-                <a:cs typeface="Times New Roman" panose="02020603050405020304" pitchFamily="18" charset="0"/>
-              </a:rPr>
-              <a:t>%</a:t>
-            </a:r>
-          </a:p>
-          <a:p>
-            <a:r>
-              <a:rPr lang="ru-RU" sz="2400" dirty="0">
-                <a:latin typeface="Times New Roman" panose="02020603050405020304" pitchFamily="18" charset="0"/>
-                <a:cs typeface="Times New Roman" panose="02020603050405020304" pitchFamily="18" charset="0"/>
-              </a:rPr>
-              <a:t>Программа - </a:t>
-            </a:r>
-            <a:r>
-              <a:rPr lang="en-US" sz="2400" dirty="0">
-                <a:latin typeface="Times New Roman" panose="02020603050405020304" pitchFamily="18" charset="0"/>
-                <a:cs typeface="Times New Roman" panose="02020603050405020304" pitchFamily="18" charset="0"/>
-              </a:rPr>
-              <a:t>55</a:t>
-            </a:r>
-            <a:r>
-              <a:rPr lang="ru-RU" sz="2400" dirty="0">
-                <a:latin typeface="Times New Roman" panose="02020603050405020304" pitchFamily="18" charset="0"/>
-                <a:cs typeface="Times New Roman" panose="02020603050405020304" pitchFamily="18" charset="0"/>
-              </a:rPr>
-              <a:t>%</a:t>
-            </a:r>
-          </a:p>
-          <a:p>
-            <a:endParaRPr lang="ru-RU" sz="2400" dirty="0">
-              <a:latin typeface="Times New Roman" panose="02020603050405020304" pitchFamily="18" charset="0"/>
-              <a:cs typeface="Times New Roman" panose="02020603050405020304" pitchFamily="18" charset="0"/>
-            </a:endParaRPr>
-          </a:p>
-        </p:txBody>
-      </p:sp>
-      <p:sp>
-        <p:nvSpPr>
-          <p:cNvPr id="4" name="Номер слайда 3">
-            <a:extLst>
-              <a:ext uri="{FF2B5EF4-FFF2-40B4-BE49-F238E27FC236}">
-                <a16:creationId xmlns:a16="http://schemas.microsoft.com/office/drawing/2014/main" id="{378CABAB-BC44-AB92-6F51-FC1608467A9D}"/>
+              <a:rPr lang="ru-RU" dirty="0"/>
+              <a:t>Безопасность</a:t>
+            </a:r>
+          </a:p>
+          <a:p>
+            <a:r>
+              <a:rPr lang="ru-RU" dirty="0"/>
+              <a:t>Легкость передачи</a:t>
+            </a:r>
+          </a:p>
+          <a:p>
+            <a:r>
+              <a:rPr lang="ru-RU" dirty="0"/>
+              <a:t>Самодостаточность</a:t>
+            </a:r>
+          </a:p>
+        </p:txBody>
+      </p:sp>
+      <p:sp>
+        <p:nvSpPr>
+          <p:cNvPr id="5" name="Номер слайда 4">
+            <a:extLst>
+              <a:ext uri="{FF2B5EF4-FFF2-40B4-BE49-F238E27FC236}">
+                <a16:creationId xmlns:a16="http://schemas.microsoft.com/office/drawing/2014/main" id="{F1B639DC-4FD9-F8F2-5071-A2A10B4AFCC5}"/>
               </a:ext>
             </a:extLst>
           </p:cNvPr>
@@ -5312,10 +6995,547 @@
           </a:p>
         </p:txBody>
       </p:sp>
+      <p:pic>
+        <p:nvPicPr>
+          <p:cNvPr id="2052" name="Picture 4">
+            <a:extLst>
+              <a:ext uri="{FF2B5EF4-FFF2-40B4-BE49-F238E27FC236}">
+                <a16:creationId xmlns:a16="http://schemas.microsoft.com/office/drawing/2014/main" id="{0D684818-7D12-73AE-B7C2-B299C244D544}"/>
+              </a:ext>
+            </a:extLst>
+          </p:cNvPr>
+          <p:cNvPicPr>
+            <a:picLocks noGrp="1" noChangeAspect="1" noChangeArrowheads="1"/>
+          </p:cNvPicPr>
+          <p:nvPr>
+            <p:ph sz="half" idx="2"/>
+          </p:nvPr>
+        </p:nvPicPr>
+        <p:blipFill>
+          <a:blip r:embed="rId2">
+            <a:extLst>
+              <a:ext uri="{28A0092B-C50C-407E-A947-70E740481C1C}">
+                <a14:useLocalDpi xmlns:a14="http://schemas.microsoft.com/office/drawing/2010/main" val="0"/>
+              </a:ext>
+            </a:extLst>
+          </a:blip>
+          <a:srcRect/>
+          <a:stretch>
+            <a:fillRect/>
+          </a:stretch>
+        </p:blipFill>
+        <p:spPr bwMode="auto">
+          <a:xfrm>
+            <a:off x="6172200" y="2234531"/>
+            <a:ext cx="5181600" cy="3533525"/>
+          </a:xfrm>
+          <a:prstGeom prst="rect">
+            <a:avLst/>
+          </a:prstGeom>
+          <a:noFill/>
+          <a:extLst>
+            <a:ext uri="{909E8E84-426E-40DD-AFC4-6F175D3DCCD1}">
+              <a14:hiddenFill xmlns:a14="http://schemas.microsoft.com/office/drawing/2010/main">
+                <a:solidFill>
+                  <a:srgbClr val="FFFFFF"/>
+                </a:solidFill>
+              </a14:hiddenFill>
+            </a:ext>
+          </a:extLst>
+        </p:spPr>
+      </p:pic>
     </p:spTree>
     <p:extLst>
       <p:ext uri="{BB962C8B-B14F-4D97-AF65-F5344CB8AC3E}">
-        <p14:creationId xmlns:p14="http://schemas.microsoft.com/office/powerpoint/2010/main" val="3125023675"/>
+        <p14:creationId xmlns:p14="http://schemas.microsoft.com/office/powerpoint/2010/main" val="4231123121"/>
+      </p:ext>
+    </p:extLst>
+  </p:cSld>
+  <p:clrMapOvr>
+    <a:masterClrMapping/>
+  </p:clrMapOvr>
+</p:sld>
+</file>
+
+<file path=ppt/slides/slide17.xml><?xml version="1.0" encoding="utf-8"?>
+<p:sld xmlns:a="http://schemas.openxmlformats.org/drawingml/2006/main" xmlns:r="http://schemas.openxmlformats.org/officeDocument/2006/relationships" xmlns:p="http://schemas.openxmlformats.org/presentationml/2006/main">
+  <p:cSld>
+    <p:spTree>
+      <p:nvGrpSpPr>
+        <p:cNvPr id="1" name=""/>
+        <p:cNvGrpSpPr/>
+        <p:nvPr/>
+      </p:nvGrpSpPr>
+      <p:grpSpPr>
+        <a:xfrm>
+          <a:off x="0" y="0"/>
+          <a:ext cx="0" cy="0"/>
+          <a:chOff x="0" y="0"/>
+          <a:chExt cx="0" cy="0"/>
+        </a:xfrm>
+      </p:grpSpPr>
+      <p:sp>
+        <p:nvSpPr>
+          <p:cNvPr id="2" name="Заголовок 1">
+            <a:extLst>
+              <a:ext uri="{FF2B5EF4-FFF2-40B4-BE49-F238E27FC236}">
+                <a16:creationId xmlns:a16="http://schemas.microsoft.com/office/drawing/2014/main" id="{15F22944-5B6C-441B-6E0E-42AB2F290E5D}"/>
+              </a:ext>
+            </a:extLst>
+          </p:cNvPr>
+          <p:cNvSpPr>
+            <a:spLocks noGrp="1"/>
+          </p:cNvSpPr>
+          <p:nvPr>
+            <p:ph type="title"/>
+          </p:nvPr>
+        </p:nvSpPr>
+        <p:spPr/>
+        <p:txBody>
+          <a:bodyPr/>
+          <a:lstStyle/>
+          <a:p>
+            <a:r>
+              <a:rPr lang="ru-RU" dirty="0"/>
+              <a:t>Реализация уведомлений</a:t>
+            </a:r>
+          </a:p>
+        </p:txBody>
+      </p:sp>
+      <p:sp>
+        <p:nvSpPr>
+          <p:cNvPr id="3" name="Объект 2">
+            <a:extLst>
+              <a:ext uri="{FF2B5EF4-FFF2-40B4-BE49-F238E27FC236}">
+                <a16:creationId xmlns:a16="http://schemas.microsoft.com/office/drawing/2014/main" id="{57F49241-92D7-E2F6-E205-3E534CBA9FEC}"/>
+              </a:ext>
+            </a:extLst>
+          </p:cNvPr>
+          <p:cNvSpPr>
+            <a:spLocks noGrp="1"/>
+          </p:cNvSpPr>
+          <p:nvPr>
+            <p:ph sz="half" idx="1"/>
+          </p:nvPr>
+        </p:nvSpPr>
+        <p:spPr/>
+        <p:txBody>
+          <a:bodyPr/>
+          <a:lstStyle/>
+          <a:p>
+            <a:pPr marL="0" indent="0">
+              <a:buNone/>
+            </a:pPr>
+            <a:r>
+              <a:rPr lang="en-US" dirty="0"/>
+              <a:t>Firebase Cloud Messaging (FCM</a:t>
+            </a:r>
+            <a:r>
+              <a:rPr lang="ru-RU" dirty="0"/>
+              <a:t>) – это </a:t>
+            </a:r>
+          </a:p>
+          <a:p>
+            <a:pPr marL="514350" indent="-514350">
+              <a:buAutoNum type="arabicPeriod"/>
+            </a:pPr>
+            <a:r>
+              <a:rPr lang="ru-RU" dirty="0"/>
+              <a:t>Простота интеграции</a:t>
+            </a:r>
+          </a:p>
+          <a:p>
+            <a:pPr marL="514350" indent="-514350">
+              <a:buAutoNum type="arabicPeriod"/>
+            </a:pPr>
+            <a:r>
+              <a:rPr lang="ru-RU" dirty="0"/>
+              <a:t>Надежность</a:t>
+            </a:r>
+          </a:p>
+          <a:p>
+            <a:pPr marL="514350" indent="-514350">
+              <a:buAutoNum type="arabicPeriod"/>
+            </a:pPr>
+            <a:r>
+              <a:rPr lang="ru-RU" dirty="0"/>
+              <a:t>Кросс-</a:t>
+            </a:r>
+            <a:r>
+              <a:rPr lang="ru-RU" dirty="0" err="1"/>
+              <a:t>платформенность</a:t>
+            </a:r>
+            <a:endParaRPr lang="ru-RU" dirty="0"/>
+          </a:p>
+          <a:p>
+            <a:pPr marL="514350" indent="-514350">
+              <a:buAutoNum type="arabicPeriod"/>
+            </a:pPr>
+            <a:r>
+              <a:rPr lang="ru-RU" dirty="0" err="1"/>
+              <a:t>Скалируемость</a:t>
+            </a:r>
+            <a:endParaRPr lang="ru-RU" dirty="0"/>
+          </a:p>
+        </p:txBody>
+      </p:sp>
+      <p:sp>
+        <p:nvSpPr>
+          <p:cNvPr id="5" name="Номер слайда 4">
+            <a:extLst>
+              <a:ext uri="{FF2B5EF4-FFF2-40B4-BE49-F238E27FC236}">
+                <a16:creationId xmlns:a16="http://schemas.microsoft.com/office/drawing/2014/main" id="{31BAF395-4B87-E90A-6F56-C593F039AD55}"/>
+              </a:ext>
+            </a:extLst>
+          </p:cNvPr>
+          <p:cNvSpPr>
+            <a:spLocks noGrp="1"/>
+          </p:cNvSpPr>
+          <p:nvPr>
+            <p:ph type="sldNum" sz="quarter" idx="12"/>
+          </p:nvPr>
+        </p:nvSpPr>
+        <p:spPr/>
+        <p:txBody>
+          <a:bodyPr/>
+          <a:lstStyle/>
+          <a:p>
+            <a:fld id="{313C65D0-8BFA-4A71-89DD-A442071D6E29}" type="slidenum">
+              <a:rPr lang="ru-RU" smtClean="0"/>
+              <a:t>17</a:t>
+            </a:fld>
+            <a:endParaRPr lang="ru-RU"/>
+          </a:p>
+        </p:txBody>
+      </p:sp>
+      <p:pic>
+        <p:nvPicPr>
+          <p:cNvPr id="1030" name="Picture 6" descr="FCM uses store and forward for downstream messaging">
+            <a:extLst>
+              <a:ext uri="{FF2B5EF4-FFF2-40B4-BE49-F238E27FC236}">
+                <a16:creationId xmlns:a16="http://schemas.microsoft.com/office/drawing/2014/main" id="{23604B40-C2E8-0B07-AAEE-5FC88B07F41F}"/>
+              </a:ext>
+            </a:extLst>
+          </p:cNvPr>
+          <p:cNvPicPr>
+            <a:picLocks noGrp="1" noChangeAspect="1" noChangeArrowheads="1"/>
+          </p:cNvPicPr>
+          <p:nvPr>
+            <p:ph sz="half" idx="2"/>
+          </p:nvPr>
+        </p:nvPicPr>
+        <p:blipFill>
+          <a:blip r:embed="rId2">
+            <a:extLst>
+              <a:ext uri="{28A0092B-C50C-407E-A947-70E740481C1C}">
+                <a14:useLocalDpi xmlns:a14="http://schemas.microsoft.com/office/drawing/2010/main" val="0"/>
+              </a:ext>
+            </a:extLst>
+          </a:blip>
+          <a:srcRect/>
+          <a:stretch>
+            <a:fillRect/>
+          </a:stretch>
+        </p:blipFill>
+        <p:spPr bwMode="auto">
+          <a:xfrm>
+            <a:off x="6377735" y="2152651"/>
+            <a:ext cx="5643751" cy="3333750"/>
+          </a:xfrm>
+          <a:prstGeom prst="rect">
+            <a:avLst/>
+          </a:prstGeom>
+          <a:noFill/>
+          <a:extLst>
+            <a:ext uri="{909E8E84-426E-40DD-AFC4-6F175D3DCCD1}">
+              <a14:hiddenFill xmlns:a14="http://schemas.microsoft.com/office/drawing/2010/main">
+                <a:solidFill>
+                  <a:srgbClr val="FFFFFF"/>
+                </a:solidFill>
+              </a14:hiddenFill>
+            </a:ext>
+          </a:extLst>
+        </p:spPr>
+      </p:pic>
+    </p:spTree>
+    <p:extLst>
+      <p:ext uri="{BB962C8B-B14F-4D97-AF65-F5344CB8AC3E}">
+        <p14:creationId xmlns:p14="http://schemas.microsoft.com/office/powerpoint/2010/main" val="2464046646"/>
+      </p:ext>
+    </p:extLst>
+  </p:cSld>
+  <p:clrMapOvr>
+    <a:masterClrMapping/>
+  </p:clrMapOvr>
+</p:sld>
+</file>
+
+<file path=ppt/slides/slide18.xml><?xml version="1.0" encoding="utf-8"?>
+<p:sld xmlns:a="http://schemas.openxmlformats.org/drawingml/2006/main" xmlns:r="http://schemas.openxmlformats.org/officeDocument/2006/relationships" xmlns:p="http://schemas.openxmlformats.org/presentationml/2006/main">
+  <p:cSld>
+    <p:spTree>
+      <p:nvGrpSpPr>
+        <p:cNvPr id="1" name=""/>
+        <p:cNvGrpSpPr/>
+        <p:nvPr/>
+      </p:nvGrpSpPr>
+      <p:grpSpPr>
+        <a:xfrm>
+          <a:off x="0" y="0"/>
+          <a:ext cx="0" cy="0"/>
+          <a:chOff x="0" y="0"/>
+          <a:chExt cx="0" cy="0"/>
+        </a:xfrm>
+      </p:grpSpPr>
+      <p:sp>
+        <p:nvSpPr>
+          <p:cNvPr id="2" name="Заголовок 1">
+            <a:extLst>
+              <a:ext uri="{FF2B5EF4-FFF2-40B4-BE49-F238E27FC236}">
+                <a16:creationId xmlns:a16="http://schemas.microsoft.com/office/drawing/2014/main" id="{04668D96-67DE-E4E4-1F29-541342AE5DB5}"/>
+              </a:ext>
+            </a:extLst>
+          </p:cNvPr>
+          <p:cNvSpPr>
+            <a:spLocks noGrp="1"/>
+          </p:cNvSpPr>
+          <p:nvPr>
+            <p:ph type="title"/>
+          </p:nvPr>
+        </p:nvSpPr>
+        <p:spPr>
+          <a:xfrm>
+            <a:off x="838200" y="0"/>
+            <a:ext cx="10515600" cy="1325563"/>
+          </a:xfrm>
+        </p:spPr>
+        <p:txBody>
+          <a:bodyPr>
+            <a:normAutofit/>
+          </a:bodyPr>
+          <a:lstStyle/>
+          <a:p>
+            <a:r>
+              <a:rPr lang="ru-RU" sz="3600" dirty="0">
+                <a:latin typeface="Times New Roman" panose="02020603050405020304" pitchFamily="18" charset="0"/>
+                <a:cs typeface="Times New Roman" panose="02020603050405020304" pitchFamily="18" charset="0"/>
+              </a:rPr>
+              <a:t>Абстрактная структура и формат данных </a:t>
+            </a:r>
+          </a:p>
+        </p:txBody>
+      </p:sp>
+      <p:sp>
+        <p:nvSpPr>
+          <p:cNvPr id="4" name="Номер слайда 3">
+            <a:extLst>
+              <a:ext uri="{FF2B5EF4-FFF2-40B4-BE49-F238E27FC236}">
+                <a16:creationId xmlns:a16="http://schemas.microsoft.com/office/drawing/2014/main" id="{6C79C452-7D63-7B4F-243F-ECD2B1C2EACC}"/>
+              </a:ext>
+            </a:extLst>
+          </p:cNvPr>
+          <p:cNvSpPr>
+            <a:spLocks noGrp="1"/>
+          </p:cNvSpPr>
+          <p:nvPr>
+            <p:ph type="sldNum" sz="quarter" idx="12"/>
+          </p:nvPr>
+        </p:nvSpPr>
+        <p:spPr/>
+        <p:txBody>
+          <a:bodyPr/>
+          <a:lstStyle/>
+          <a:p>
+            <a:fld id="{313C65D0-8BFA-4A71-89DD-A442071D6E29}" type="slidenum">
+              <a:rPr lang="ru-RU" smtClean="0"/>
+              <a:t>18</a:t>
+            </a:fld>
+            <a:endParaRPr lang="ru-RU"/>
+          </a:p>
+        </p:txBody>
+      </p:sp>
+      <p:pic>
+        <p:nvPicPr>
+          <p:cNvPr id="16" name="Объект 15">
+            <a:extLst>
+              <a:ext uri="{FF2B5EF4-FFF2-40B4-BE49-F238E27FC236}">
+                <a16:creationId xmlns:a16="http://schemas.microsoft.com/office/drawing/2014/main" id="{0B90E03B-4A61-2942-75BA-4FE3BEFF158B}"/>
+              </a:ext>
+            </a:extLst>
+          </p:cNvPr>
+          <p:cNvPicPr>
+            <a:picLocks noGrp="1" noChangeAspect="1"/>
+          </p:cNvPicPr>
+          <p:nvPr>
+            <p:ph idx="1"/>
+          </p:nvPr>
+        </p:nvPicPr>
+        <p:blipFill>
+          <a:blip r:embed="rId2"/>
+          <a:stretch>
+            <a:fillRect/>
+          </a:stretch>
+        </p:blipFill>
+        <p:spPr>
+          <a:xfrm>
+            <a:off x="1657350" y="988096"/>
+            <a:ext cx="7851965" cy="5368254"/>
+          </a:xfrm>
+        </p:spPr>
+      </p:pic>
+    </p:spTree>
+    <p:extLst>
+      <p:ext uri="{BB962C8B-B14F-4D97-AF65-F5344CB8AC3E}">
+        <p14:creationId xmlns:p14="http://schemas.microsoft.com/office/powerpoint/2010/main" val="489017665"/>
+      </p:ext>
+    </p:extLst>
+  </p:cSld>
+  <p:clrMapOvr>
+    <a:masterClrMapping/>
+  </p:clrMapOvr>
+</p:sld>
+</file>
+
+<file path=ppt/slides/slide19.xml><?xml version="1.0" encoding="utf-8"?>
+<p:sld xmlns:a="http://schemas.openxmlformats.org/drawingml/2006/main" xmlns:r="http://schemas.openxmlformats.org/officeDocument/2006/relationships" xmlns:p="http://schemas.openxmlformats.org/presentationml/2006/main">
+  <p:cSld>
+    <p:spTree>
+      <p:nvGrpSpPr>
+        <p:cNvPr id="1" name=""/>
+        <p:cNvGrpSpPr/>
+        <p:nvPr/>
+      </p:nvGrpSpPr>
+      <p:grpSpPr>
+        <a:xfrm>
+          <a:off x="0" y="0"/>
+          <a:ext cx="0" cy="0"/>
+          <a:chOff x="0" y="0"/>
+          <a:chExt cx="0" cy="0"/>
+        </a:xfrm>
+      </p:grpSpPr>
+      <p:sp>
+        <p:nvSpPr>
+          <p:cNvPr id="2" name="Заголовок 1">
+            <a:extLst>
+              <a:ext uri="{FF2B5EF4-FFF2-40B4-BE49-F238E27FC236}">
+                <a16:creationId xmlns:a16="http://schemas.microsoft.com/office/drawing/2014/main" id="{7BE493B3-B2DC-2328-4586-6327171C38B6}"/>
+              </a:ext>
+            </a:extLst>
+          </p:cNvPr>
+          <p:cNvSpPr>
+            <a:spLocks noGrp="1"/>
+          </p:cNvSpPr>
+          <p:nvPr>
+            <p:ph type="title"/>
+          </p:nvPr>
+        </p:nvSpPr>
+        <p:spPr/>
+        <p:txBody>
+          <a:bodyPr/>
+          <a:lstStyle/>
+          <a:p>
+            <a:r>
+              <a:rPr lang="ru-RU" dirty="0"/>
+              <a:t>Результаты опросов независимых пользователей</a:t>
+            </a:r>
+          </a:p>
+        </p:txBody>
+      </p:sp>
+      <p:graphicFrame>
+        <p:nvGraphicFramePr>
+          <p:cNvPr id="8" name="Объект 7">
+            <a:extLst>
+              <a:ext uri="{FF2B5EF4-FFF2-40B4-BE49-F238E27FC236}">
+                <a16:creationId xmlns:a16="http://schemas.microsoft.com/office/drawing/2014/main" id="{0B289C46-90BB-0510-740D-BADFCA97E5D0}"/>
+              </a:ext>
+            </a:extLst>
+          </p:cNvPr>
+          <p:cNvGraphicFramePr>
+            <a:graphicFrameLocks noGrp="1"/>
+          </p:cNvGraphicFramePr>
+          <p:nvPr>
+            <p:ph sz="half" idx="1"/>
+            <p:extLst>
+              <p:ext uri="{D42A27DB-BD31-4B8C-83A1-F6EECF244321}">
+                <p14:modId xmlns:p14="http://schemas.microsoft.com/office/powerpoint/2010/main" val="1697386686"/>
+              </p:ext>
+            </p:extLst>
+          </p:nvPr>
+        </p:nvGraphicFramePr>
+        <p:xfrm>
+          <a:off x="838200" y="1825625"/>
+          <a:ext cx="5181600" cy="4351338"/>
+        </p:xfrm>
+        <a:graphic>
+          <a:graphicData uri="http://schemas.openxmlformats.org/drawingml/2006/chart">
+            <c:chart xmlns:c="http://schemas.openxmlformats.org/drawingml/2006/chart" xmlns:r="http://schemas.openxmlformats.org/officeDocument/2006/relationships" r:id="rId2"/>
+          </a:graphicData>
+        </a:graphic>
+      </p:graphicFrame>
+      <p:graphicFrame>
+        <p:nvGraphicFramePr>
+          <p:cNvPr id="11" name="Объект 10">
+            <a:extLst>
+              <a:ext uri="{FF2B5EF4-FFF2-40B4-BE49-F238E27FC236}">
+                <a16:creationId xmlns:a16="http://schemas.microsoft.com/office/drawing/2014/main" id="{76B5943B-FA16-27A8-0BFB-0EEBB1DBA28A}"/>
+              </a:ext>
+            </a:extLst>
+          </p:cNvPr>
+          <p:cNvGraphicFramePr>
+            <a:graphicFrameLocks noGrp="1"/>
+          </p:cNvGraphicFramePr>
+          <p:nvPr>
+            <p:ph sz="half" idx="2"/>
+            <p:extLst>
+              <p:ext uri="{D42A27DB-BD31-4B8C-83A1-F6EECF244321}">
+                <p14:modId xmlns:p14="http://schemas.microsoft.com/office/powerpoint/2010/main" val="4157751652"/>
+              </p:ext>
+            </p:extLst>
+          </p:nvPr>
+        </p:nvGraphicFramePr>
+        <p:xfrm>
+          <a:off x="6172200" y="1825625"/>
+          <a:ext cx="5181600" cy="4351338"/>
+        </p:xfrm>
+        <a:graphic>
+          <a:graphicData uri="http://schemas.openxmlformats.org/drawingml/2006/chart">
+            <c:chart xmlns:c="http://schemas.openxmlformats.org/drawingml/2006/chart" xmlns:r="http://schemas.openxmlformats.org/officeDocument/2006/relationships" r:id="rId3"/>
+          </a:graphicData>
+        </a:graphic>
+      </p:graphicFrame>
+      <p:sp>
+        <p:nvSpPr>
+          <p:cNvPr id="5" name="Номер слайда 4">
+            <a:extLst>
+              <a:ext uri="{FF2B5EF4-FFF2-40B4-BE49-F238E27FC236}">
+                <a16:creationId xmlns:a16="http://schemas.microsoft.com/office/drawing/2014/main" id="{450A8384-F0A2-ECD7-A868-185E4AB65AAD}"/>
+              </a:ext>
+            </a:extLst>
+          </p:cNvPr>
+          <p:cNvSpPr>
+            <a:spLocks noGrp="1"/>
+          </p:cNvSpPr>
+          <p:nvPr>
+            <p:ph type="sldNum" sz="quarter" idx="12"/>
+          </p:nvPr>
+        </p:nvSpPr>
+        <p:spPr/>
+        <p:txBody>
+          <a:bodyPr/>
+          <a:lstStyle/>
+          <a:p>
+            <a:fld id="{313C65D0-8BFA-4A71-89DD-A442071D6E29}" type="slidenum">
+              <a:rPr lang="ru-RU" smtClean="0"/>
+              <a:t>19</a:t>
+            </a:fld>
+            <a:endParaRPr lang="ru-RU"/>
+          </a:p>
+        </p:txBody>
+      </p:sp>
+    </p:spTree>
+    <p:extLst>
+      <p:ext uri="{BB962C8B-B14F-4D97-AF65-F5344CB8AC3E}">
+        <p14:creationId xmlns:p14="http://schemas.microsoft.com/office/powerpoint/2010/main" val="1416055395"/>
       </p:ext>
     </p:extLst>
   </p:cSld>
@@ -5347,7 +7567,7 @@
           <p:cNvPr id="2" name="Заголовок 1">
             <a:extLst>
               <a:ext uri="{FF2B5EF4-FFF2-40B4-BE49-F238E27FC236}">
-                <a16:creationId xmlns:a16="http://schemas.microsoft.com/office/drawing/2014/main" id="{2E520C2D-ADAD-DC6B-76A4-C31180BBECA2}"/>
+                <a16:creationId xmlns:a16="http://schemas.microsoft.com/office/drawing/2014/main" id="{B86F1D2F-2B63-8FA8-9584-AD2EA8C477B3}"/>
               </a:ext>
             </a:extLst>
           </p:cNvPr>
@@ -5356,6 +7576,38 @@
           </p:cNvSpPr>
           <p:nvPr>
             <p:ph type="title"/>
+          </p:nvPr>
+        </p:nvSpPr>
+        <p:spPr/>
+        <p:txBody>
+          <a:bodyPr/>
+          <a:lstStyle/>
+          <a:p>
+            <a:r>
+              <a:rPr lang="ru-RU" sz="4400" dirty="0">
+                <a:latin typeface="Times New Roman" panose="02020603050405020304" pitchFamily="18" charset="0"/>
+                <a:cs typeface="Times New Roman" panose="02020603050405020304" pitchFamily="18" charset="0"/>
+              </a:rPr>
+              <a:t>Актуальность работы</a:t>
+            </a:r>
+            <a:endParaRPr lang="ru-RU" dirty="0"/>
+          </a:p>
+        </p:txBody>
+      </p:sp>
+      <p:sp>
+        <p:nvSpPr>
+          <p:cNvPr id="3" name="Объект 2">
+            <a:extLst>
+              <a:ext uri="{FF2B5EF4-FFF2-40B4-BE49-F238E27FC236}">
+                <a16:creationId xmlns:a16="http://schemas.microsoft.com/office/drawing/2014/main" id="{320117EA-E46C-AAE6-911E-D62AA6CF3EF4}"/>
+              </a:ext>
+            </a:extLst>
+          </p:cNvPr>
+          <p:cNvSpPr>
+            <a:spLocks noGrp="1"/>
+          </p:cNvSpPr>
+          <p:nvPr>
+            <p:ph sz="half" idx="1"/>
           </p:nvPr>
         </p:nvSpPr>
         <p:spPr/>
@@ -5366,11 +7618,159 @@
           <a:lstStyle/>
           <a:p>
             <a:r>
+              <a:rPr lang="ru-RU" sz="2200" dirty="0">
+                <a:latin typeface="Times New Roman" panose="02020603050405020304" pitchFamily="18" charset="0"/>
+                <a:cs typeface="Times New Roman" panose="02020603050405020304" pitchFamily="18" charset="0"/>
+              </a:rPr>
+              <a:t>с 2016-го по 2022-й почти на 40% увеличилось количество жителей страны, систематически занимающихся физической культурой и спортом</a:t>
+            </a:r>
+          </a:p>
+          <a:p>
+            <a:r>
+              <a:rPr lang="ru-RU" sz="2200" dirty="0">
+                <a:latin typeface="Times New Roman" panose="02020603050405020304" pitchFamily="18" charset="0"/>
+                <a:cs typeface="Times New Roman" panose="02020603050405020304" pitchFamily="18" charset="0"/>
+              </a:rPr>
+              <a:t> Количество занимающихся спортом граждан в России в 2023 году выросло на 5,9 млн человек</a:t>
+            </a:r>
+          </a:p>
+          <a:p>
+            <a:r>
+              <a:rPr lang="ru-RU" sz="2200" dirty="0">
+                <a:latin typeface="Times New Roman" panose="02020603050405020304" pitchFamily="18" charset="0"/>
+                <a:cs typeface="Times New Roman" panose="02020603050405020304" pitchFamily="18" charset="0"/>
+              </a:rPr>
+              <a:t> доля граждан, систематически занимающихся физической культурой и спортом, составляет более 53%</a:t>
+            </a:r>
+          </a:p>
+          <a:p>
+            <a:pPr marL="0" indent="0">
+              <a:buNone/>
+            </a:pPr>
+            <a:endParaRPr lang="ru-RU" sz="2800" dirty="0"/>
+          </a:p>
+          <a:p>
+            <a:endParaRPr lang="ru-RU" dirty="0"/>
+          </a:p>
+        </p:txBody>
+      </p:sp>
+      <p:pic>
+        <p:nvPicPr>
+          <p:cNvPr id="7" name="Объект 6">
+            <a:extLst>
+              <a:ext uri="{FF2B5EF4-FFF2-40B4-BE49-F238E27FC236}">
+                <a16:creationId xmlns:a16="http://schemas.microsoft.com/office/drawing/2014/main" id="{D6C9B03D-B4AE-079C-9922-D468B30AD6AC}"/>
+              </a:ext>
+            </a:extLst>
+          </p:cNvPr>
+          <p:cNvPicPr>
+            <a:picLocks noGrp="1" noChangeAspect="1"/>
+          </p:cNvPicPr>
+          <p:nvPr>
+            <p:ph sz="half" idx="2"/>
+          </p:nvPr>
+        </p:nvPicPr>
+        <p:blipFill>
+          <a:blip r:embed="rId2"/>
+          <a:stretch>
+            <a:fillRect/>
+          </a:stretch>
+        </p:blipFill>
+        <p:spPr>
+          <a:xfrm>
+            <a:off x="6172200" y="1690688"/>
+            <a:ext cx="5181600" cy="4087759"/>
+          </a:xfrm>
+        </p:spPr>
+      </p:pic>
+      <p:sp>
+        <p:nvSpPr>
+          <p:cNvPr id="5" name="Номер слайда 4">
+            <a:extLst>
+              <a:ext uri="{FF2B5EF4-FFF2-40B4-BE49-F238E27FC236}">
+                <a16:creationId xmlns:a16="http://schemas.microsoft.com/office/drawing/2014/main" id="{6DEA085B-7255-AF3D-08D4-94EB7871F7BF}"/>
+              </a:ext>
+            </a:extLst>
+          </p:cNvPr>
+          <p:cNvSpPr>
+            <a:spLocks noGrp="1"/>
+          </p:cNvSpPr>
+          <p:nvPr>
+            <p:ph type="sldNum" sz="quarter" idx="12"/>
+          </p:nvPr>
+        </p:nvSpPr>
+        <p:spPr/>
+        <p:txBody>
+          <a:bodyPr/>
+          <a:lstStyle/>
+          <a:p>
+            <a:fld id="{313C65D0-8BFA-4A71-89DD-A442071D6E29}" type="slidenum">
+              <a:rPr lang="ru-RU" smtClean="0"/>
+              <a:t>2</a:t>
+            </a:fld>
+            <a:endParaRPr lang="ru-RU"/>
+          </a:p>
+        </p:txBody>
+      </p:sp>
+    </p:spTree>
+    <p:extLst>
+      <p:ext uri="{BB962C8B-B14F-4D97-AF65-F5344CB8AC3E}">
+        <p14:creationId xmlns:p14="http://schemas.microsoft.com/office/powerpoint/2010/main" val="183293403"/>
+      </p:ext>
+    </p:extLst>
+  </p:cSld>
+  <p:clrMapOvr>
+    <a:masterClrMapping/>
+  </p:clrMapOvr>
+</p:sld>
+</file>
+
+<file path=ppt/slides/slide20.xml><?xml version="1.0" encoding="utf-8"?>
+<p:sld xmlns:a="http://schemas.openxmlformats.org/drawingml/2006/main" xmlns:r="http://schemas.openxmlformats.org/officeDocument/2006/relationships" xmlns:p="http://schemas.openxmlformats.org/presentationml/2006/main">
+  <p:cSld>
+    <p:spTree>
+      <p:nvGrpSpPr>
+        <p:cNvPr id="1" name=""/>
+        <p:cNvGrpSpPr/>
+        <p:nvPr/>
+      </p:nvGrpSpPr>
+      <p:grpSpPr>
+        <a:xfrm>
+          <a:off x="0" y="0"/>
+          <a:ext cx="0" cy="0"/>
+          <a:chOff x="0" y="0"/>
+          <a:chExt cx="0" cy="0"/>
+        </a:xfrm>
+      </p:grpSpPr>
+      <p:sp>
+        <p:nvSpPr>
+          <p:cNvPr id="2" name="Заголовок 1">
+            <a:extLst>
+              <a:ext uri="{FF2B5EF4-FFF2-40B4-BE49-F238E27FC236}">
+                <a16:creationId xmlns:a16="http://schemas.microsoft.com/office/drawing/2014/main" id="{6B5176A3-91AB-CD13-8621-38B3BD335223}"/>
+              </a:ext>
+            </a:extLst>
+          </p:cNvPr>
+          <p:cNvSpPr>
+            <a:spLocks noGrp="1"/>
+          </p:cNvSpPr>
+          <p:nvPr>
+            <p:ph type="title"/>
+          </p:nvPr>
+        </p:nvSpPr>
+        <p:spPr/>
+        <p:txBody>
+          <a:bodyPr>
+            <a:normAutofit/>
+          </a:bodyPr>
+          <a:lstStyle/>
+          <a:p>
+            <a:r>
               <a:rPr lang="ru-RU" sz="3600" dirty="0">
                 <a:latin typeface="Times New Roman" panose="02020603050405020304" pitchFamily="18" charset="0"/>
                 <a:cs typeface="Times New Roman" panose="02020603050405020304" pitchFamily="18" charset="0"/>
               </a:rPr>
-              <a:t>Актуальность работы</a:t>
+              <a:t>Инструментальные средства, язык, библиотеки</a:t>
             </a:r>
           </a:p>
         </p:txBody>
@@ -5380,7 +7780,7 @@
           <p:cNvPr id="3" name="Объект 2">
             <a:extLst>
               <a:ext uri="{FF2B5EF4-FFF2-40B4-BE49-F238E27FC236}">
-                <a16:creationId xmlns:a16="http://schemas.microsoft.com/office/drawing/2014/main" id="{F0F00CCA-AD01-8CE7-FC29-CB772E5C2737}"/>
+                <a16:creationId xmlns:a16="http://schemas.microsoft.com/office/drawing/2014/main" id="{97A1FD52-BB64-A375-3D16-C93599A80E35}"/>
               </a:ext>
             </a:extLst>
           </p:cNvPr>
@@ -5398,30 +7798,118 @@
           </a:bodyPr>
           <a:lstStyle/>
           <a:p>
-            <a:pPr marL="0" indent="0">
-              <a:buNone/>
-            </a:pPr>
+            <a:r>
+              <a:rPr lang="en-US" sz="2400" dirty="0">
+                <a:latin typeface="Times New Roman" panose="02020603050405020304" pitchFamily="18" charset="0"/>
+                <a:cs typeface="Times New Roman" panose="02020603050405020304" pitchFamily="18" charset="0"/>
+              </a:rPr>
+              <a:t>Typescript</a:t>
+            </a:r>
+          </a:p>
+          <a:p>
+            <a:r>
+              <a:rPr lang="en-US" sz="2400" dirty="0" err="1">
+                <a:latin typeface="Times New Roman" panose="02020603050405020304" pitchFamily="18" charset="0"/>
+                <a:cs typeface="Times New Roman" panose="02020603050405020304" pitchFamily="18" charset="0"/>
+              </a:rPr>
+              <a:t>NestJS</a:t>
+            </a:r>
+            <a:r>
+              <a:rPr lang="en-US" sz="2400" dirty="0">
+                <a:latin typeface="Times New Roman" panose="02020603050405020304" pitchFamily="18" charset="0"/>
+                <a:cs typeface="Times New Roman" panose="02020603050405020304" pitchFamily="18" charset="0"/>
+              </a:rPr>
+              <a:t> - </a:t>
+            </a:r>
             <a:r>
               <a:rPr lang="ru-RU" sz="2400" dirty="0">
                 <a:latin typeface="Times New Roman" panose="02020603050405020304" pitchFamily="18" charset="0"/>
                 <a:cs typeface="Times New Roman" panose="02020603050405020304" pitchFamily="18" charset="0"/>
               </a:rPr>
-              <a:t>Создание мобильного приложения</a:t>
+              <a:t>фреймворк для разработок</a:t>
             </a:r>
             <a:r>
               <a:rPr lang="en-US" sz="2400" dirty="0">
                 <a:latin typeface="Times New Roman" panose="02020603050405020304" pitchFamily="18" charset="0"/>
                 <a:cs typeface="Times New Roman" panose="02020603050405020304" pitchFamily="18" charset="0"/>
               </a:rPr>
-              <a:t>,</a:t>
+              <a:t> </a:t>
             </a:r>
             <a:r>
               <a:rPr lang="ru-RU" sz="2400" dirty="0">
                 <a:latin typeface="Times New Roman" panose="02020603050405020304" pitchFamily="18" charset="0"/>
                 <a:cs typeface="Times New Roman" panose="02020603050405020304" pitchFamily="18" charset="0"/>
               </a:rPr>
-              <a:t> которое бы объединило в себе функциональность по контролю тренировок и приему биологически активных добавок в единой экосистеме. Такой подход позволит не только сделать процесс более удобным и эффективным, но и значительно повысить качество спортивной подготовки.</a:t>
-            </a:r>
+              <a:t>и серверных приложений на Node.js</a:t>
+            </a:r>
+            <a:endParaRPr lang="en-US" sz="2400" dirty="0">
+              <a:latin typeface="Times New Roman" panose="02020603050405020304" pitchFamily="18" charset="0"/>
+              <a:cs typeface="Times New Roman" panose="02020603050405020304" pitchFamily="18" charset="0"/>
+            </a:endParaRPr>
+          </a:p>
+          <a:p>
+            <a:r>
+              <a:rPr lang="en-US" sz="2400" dirty="0">
+                <a:latin typeface="Times New Roman" panose="02020603050405020304" pitchFamily="18" charset="0"/>
+                <a:cs typeface="Times New Roman" panose="02020603050405020304" pitchFamily="18" charset="0"/>
+              </a:rPr>
+              <a:t>Prisma - ORM </a:t>
+            </a:r>
+            <a:r>
+              <a:rPr lang="ru-RU" sz="2400" dirty="0">
+                <a:latin typeface="Times New Roman" panose="02020603050405020304" pitchFamily="18" charset="0"/>
+                <a:cs typeface="Times New Roman" panose="02020603050405020304" pitchFamily="18" charset="0"/>
+              </a:rPr>
+              <a:t>для </a:t>
+            </a:r>
+            <a:r>
+              <a:rPr lang="en-US" sz="2400" dirty="0">
+                <a:latin typeface="Times New Roman" panose="02020603050405020304" pitchFamily="18" charset="0"/>
+                <a:cs typeface="Times New Roman" panose="02020603050405020304" pitchFamily="18" charset="0"/>
+              </a:rPr>
+              <a:t>Node.js</a:t>
+            </a:r>
+            <a:endParaRPr lang="ru-RU" sz="2400" dirty="0">
+              <a:latin typeface="Times New Roman" panose="02020603050405020304" pitchFamily="18" charset="0"/>
+              <a:cs typeface="Times New Roman" panose="02020603050405020304" pitchFamily="18" charset="0"/>
+            </a:endParaRPr>
+          </a:p>
+          <a:p>
+            <a:r>
+              <a:rPr lang="en-US" sz="2400" dirty="0">
+                <a:latin typeface="Times New Roman" panose="02020603050405020304" pitchFamily="18" charset="0"/>
+                <a:cs typeface="Times New Roman" panose="02020603050405020304" pitchFamily="18" charset="0"/>
+              </a:rPr>
+              <a:t>Docker</a:t>
+            </a:r>
+          </a:p>
+          <a:p>
+            <a:r>
+              <a:rPr lang="en-US" sz="2400" dirty="0">
+                <a:latin typeface="Times New Roman" panose="02020603050405020304" pitchFamily="18" charset="0"/>
+                <a:cs typeface="Times New Roman" panose="02020603050405020304" pitchFamily="18" charset="0"/>
+              </a:rPr>
+              <a:t>PostgreSQL</a:t>
+            </a:r>
+          </a:p>
+          <a:p>
+            <a:r>
+              <a:rPr lang="en-US" sz="2400" dirty="0">
+                <a:latin typeface="Times New Roman" panose="02020603050405020304" pitchFamily="18" charset="0"/>
+                <a:cs typeface="Times New Roman" panose="02020603050405020304" pitchFamily="18" charset="0"/>
+              </a:rPr>
+              <a:t>Firebase Cloud Messaging</a:t>
+            </a:r>
+            <a:endParaRPr lang="ru-RU" sz="2400" dirty="0">
+              <a:latin typeface="Times New Roman" panose="02020603050405020304" pitchFamily="18" charset="0"/>
+              <a:cs typeface="Times New Roman" panose="02020603050405020304" pitchFamily="18" charset="0"/>
+            </a:endParaRPr>
+          </a:p>
+          <a:p>
+            <a:endParaRPr lang="ru-RU" sz="2400" dirty="0">
+              <a:latin typeface="Times New Roman" panose="02020603050405020304" pitchFamily="18" charset="0"/>
+              <a:cs typeface="Times New Roman" panose="02020603050405020304" pitchFamily="18" charset="0"/>
+            </a:endParaRPr>
           </a:p>
         </p:txBody>
       </p:sp>
@@ -5430,7 +7918,7 @@
           <p:cNvPr id="4" name="Номер слайда 3">
             <a:extLst>
               <a:ext uri="{FF2B5EF4-FFF2-40B4-BE49-F238E27FC236}">
-                <a16:creationId xmlns:a16="http://schemas.microsoft.com/office/drawing/2014/main" id="{1336A8F1-FAD8-4F37-A0F2-9520185EA87A}"/>
+                <a16:creationId xmlns:a16="http://schemas.microsoft.com/office/drawing/2014/main" id="{0CAE724F-C6C6-2D35-69B3-85471C76E297}"/>
               </a:ext>
             </a:extLst>
           </p:cNvPr>
@@ -5448,16 +7936,202 @@
           <a:p>
             <a:fld id="{313C65D0-8BFA-4A71-89DD-A442071D6E29}" type="slidenum">
               <a:rPr lang="ru-RU" smtClean="0"/>
-              <a:t>2</a:t>
+              <a:t>20</a:t>
             </a:fld>
-            <a:endParaRPr lang="ru-RU" dirty="0"/>
+            <a:endParaRPr lang="ru-RU"/>
           </a:p>
         </p:txBody>
       </p:sp>
     </p:spTree>
     <p:extLst>
       <p:ext uri="{BB962C8B-B14F-4D97-AF65-F5344CB8AC3E}">
-        <p14:creationId xmlns:p14="http://schemas.microsoft.com/office/powerpoint/2010/main" val="3541558156"/>
+        <p14:creationId xmlns:p14="http://schemas.microsoft.com/office/powerpoint/2010/main" val="1068467355"/>
+      </p:ext>
+    </p:extLst>
+  </p:cSld>
+  <p:clrMapOvr>
+    <a:masterClrMapping/>
+  </p:clrMapOvr>
+</p:sld>
+</file>
+
+<file path=ppt/slides/slide21.xml><?xml version="1.0" encoding="utf-8"?>
+<p:sld xmlns:a="http://schemas.openxmlformats.org/drawingml/2006/main" xmlns:r="http://schemas.openxmlformats.org/officeDocument/2006/relationships" xmlns:p="http://schemas.openxmlformats.org/presentationml/2006/main">
+  <p:cSld>
+    <p:spTree>
+      <p:nvGrpSpPr>
+        <p:cNvPr id="1" name=""/>
+        <p:cNvGrpSpPr/>
+        <p:nvPr/>
+      </p:nvGrpSpPr>
+      <p:grpSpPr>
+        <a:xfrm>
+          <a:off x="0" y="0"/>
+          <a:ext cx="0" cy="0"/>
+          <a:chOff x="0" y="0"/>
+          <a:chExt cx="0" cy="0"/>
+        </a:xfrm>
+      </p:grpSpPr>
+      <p:sp>
+        <p:nvSpPr>
+          <p:cNvPr id="2" name="Заголовок 1">
+            <a:extLst>
+              <a:ext uri="{FF2B5EF4-FFF2-40B4-BE49-F238E27FC236}">
+                <a16:creationId xmlns:a16="http://schemas.microsoft.com/office/drawing/2014/main" id="{802976D0-9CCE-116F-8C65-22C83FD95BC4}"/>
+              </a:ext>
+            </a:extLst>
+          </p:cNvPr>
+          <p:cNvSpPr>
+            <a:spLocks noGrp="1"/>
+          </p:cNvSpPr>
+          <p:nvPr>
+            <p:ph type="title"/>
+          </p:nvPr>
+        </p:nvSpPr>
+        <p:spPr/>
+        <p:txBody>
+          <a:bodyPr>
+            <a:normAutofit/>
+          </a:bodyPr>
+          <a:lstStyle/>
+          <a:p>
+            <a:r>
+              <a:rPr lang="ru-RU" altLang="en-US" sz="3600" dirty="0">
+                <a:latin typeface="Times New Roman" panose="02020603050405020304" pitchFamily="18" charset="0"/>
+                <a:cs typeface="Times New Roman" panose="02020603050405020304" pitchFamily="18" charset="0"/>
+              </a:rPr>
+              <a:t>Степень выполнения работ</a:t>
+            </a:r>
+            <a:endParaRPr lang="ru-RU" sz="3600" dirty="0">
+              <a:latin typeface="Times New Roman" panose="02020603050405020304" pitchFamily="18" charset="0"/>
+              <a:cs typeface="Times New Roman" panose="02020603050405020304" pitchFamily="18" charset="0"/>
+            </a:endParaRPr>
+          </a:p>
+        </p:txBody>
+      </p:sp>
+      <p:sp>
+        <p:nvSpPr>
+          <p:cNvPr id="3" name="Объект 2">
+            <a:extLst>
+              <a:ext uri="{FF2B5EF4-FFF2-40B4-BE49-F238E27FC236}">
+                <a16:creationId xmlns:a16="http://schemas.microsoft.com/office/drawing/2014/main" id="{7ACE1C7E-128E-AD7D-B31B-F3A184300D67}"/>
+              </a:ext>
+            </a:extLst>
+          </p:cNvPr>
+          <p:cNvSpPr>
+            <a:spLocks noGrp="1"/>
+          </p:cNvSpPr>
+          <p:nvPr>
+            <p:ph idx="1"/>
+          </p:nvPr>
+        </p:nvSpPr>
+        <p:spPr/>
+        <p:txBody>
+          <a:bodyPr>
+            <a:normAutofit/>
+          </a:bodyPr>
+          <a:lstStyle/>
+          <a:p>
+            <a:r>
+              <a:rPr lang="ru-RU" sz="2400" dirty="0">
+                <a:latin typeface="Times New Roman" panose="02020603050405020304" pitchFamily="18" charset="0"/>
+                <a:cs typeface="Times New Roman" panose="02020603050405020304" pitchFamily="18" charset="0"/>
+              </a:rPr>
+              <a:t>ТЗ – </a:t>
+            </a:r>
+            <a:r>
+              <a:rPr lang="ru-RU" sz="2400" dirty="0"/>
+              <a:t>Готово</a:t>
+            </a:r>
+            <a:endParaRPr lang="ru-RU" sz="2400" dirty="0">
+              <a:latin typeface="Times New Roman" panose="02020603050405020304" pitchFamily="18" charset="0"/>
+              <a:cs typeface="Times New Roman" panose="02020603050405020304" pitchFamily="18" charset="0"/>
+            </a:endParaRPr>
+          </a:p>
+          <a:p>
+            <a:r>
+              <a:rPr lang="ru-RU" sz="2400" dirty="0">
+                <a:latin typeface="Times New Roman" panose="02020603050405020304" pitchFamily="18" charset="0"/>
+                <a:cs typeface="Times New Roman" panose="02020603050405020304" pitchFamily="18" charset="0"/>
+              </a:rPr>
+              <a:t>ПЗ - </a:t>
+            </a:r>
+            <a:r>
+              <a:rPr lang="en-US" sz="2400" dirty="0"/>
+              <a:t>85</a:t>
+            </a:r>
+            <a:r>
+              <a:rPr lang="ru-RU" sz="2400" dirty="0">
+                <a:latin typeface="Times New Roman" panose="02020603050405020304" pitchFamily="18" charset="0"/>
+                <a:cs typeface="Times New Roman" panose="02020603050405020304" pitchFamily="18" charset="0"/>
+              </a:rPr>
+              <a:t>%</a:t>
+            </a:r>
+          </a:p>
+          <a:p>
+            <a:r>
+              <a:rPr lang="ru-RU" sz="2400" dirty="0">
+                <a:latin typeface="Times New Roman" panose="02020603050405020304" pitchFamily="18" charset="0"/>
+                <a:cs typeface="Times New Roman" panose="02020603050405020304" pitchFamily="18" charset="0"/>
+              </a:rPr>
+              <a:t>Программа - </a:t>
+            </a:r>
+            <a:r>
+              <a:rPr lang="en-US" sz="2400" dirty="0">
+                <a:latin typeface="Times New Roman" panose="02020603050405020304" pitchFamily="18" charset="0"/>
+                <a:cs typeface="Times New Roman" panose="02020603050405020304" pitchFamily="18" charset="0"/>
+              </a:rPr>
+              <a:t>85</a:t>
+            </a:r>
+            <a:r>
+              <a:rPr lang="ru-RU" sz="2400" dirty="0">
+                <a:latin typeface="Times New Roman" panose="02020603050405020304" pitchFamily="18" charset="0"/>
+                <a:cs typeface="Times New Roman" panose="02020603050405020304" pitchFamily="18" charset="0"/>
+              </a:rPr>
+              <a:t>%</a:t>
+            </a:r>
+          </a:p>
+          <a:p>
+            <a:endParaRPr lang="ru-RU" sz="2400" dirty="0">
+              <a:latin typeface="Times New Roman" panose="02020603050405020304" pitchFamily="18" charset="0"/>
+              <a:cs typeface="Times New Roman" panose="02020603050405020304" pitchFamily="18" charset="0"/>
+            </a:endParaRPr>
+          </a:p>
+        </p:txBody>
+      </p:sp>
+      <p:sp>
+        <p:nvSpPr>
+          <p:cNvPr id="4" name="Номер слайда 3">
+            <a:extLst>
+              <a:ext uri="{FF2B5EF4-FFF2-40B4-BE49-F238E27FC236}">
+                <a16:creationId xmlns:a16="http://schemas.microsoft.com/office/drawing/2014/main" id="{378CABAB-BC44-AB92-6F51-FC1608467A9D}"/>
+              </a:ext>
+            </a:extLst>
+          </p:cNvPr>
+          <p:cNvSpPr>
+            <a:spLocks noGrp="1"/>
+          </p:cNvSpPr>
+          <p:nvPr>
+            <p:ph type="sldNum" sz="quarter" idx="12"/>
+          </p:nvPr>
+        </p:nvSpPr>
+        <p:spPr/>
+        <p:txBody>
+          <a:bodyPr/>
+          <a:lstStyle/>
+          <a:p>
+            <a:fld id="{313C65D0-8BFA-4A71-89DD-A442071D6E29}" type="slidenum">
+              <a:rPr lang="ru-RU" smtClean="0"/>
+              <a:t>21</a:t>
+            </a:fld>
+            <a:endParaRPr lang="ru-RU"/>
+          </a:p>
+        </p:txBody>
+      </p:sp>
+    </p:spTree>
+    <p:extLst>
+      <p:ext uri="{BB962C8B-B14F-4D97-AF65-F5344CB8AC3E}">
+        <p14:creationId xmlns:p14="http://schemas.microsoft.com/office/powerpoint/2010/main" val="3125023675"/>
       </p:ext>
     </p:extLst>
   </p:cSld>
@@ -5687,7 +8361,7 @@
           </a:bodyPr>
           <a:lstStyle/>
           <a:p>
-            <a:pPr marL="0" indent="0">
+            <a:pPr marL="0" indent="0" algn="just">
               <a:buNone/>
             </a:pPr>
             <a:r>
@@ -5709,7 +8383,7 @@
                 <a:latin typeface="Times New Roman" panose="02020603050405020304" pitchFamily="18" charset="0"/>
                 <a:cs typeface="Times New Roman" panose="02020603050405020304" pitchFamily="18" charset="0"/>
               </a:rPr>
-              <a:t>совершенствование процесса приема биологически активных добавок (БАДов) спортсменами и разработке </a:t>
+              <a:t>совершенствование процесса приема биологически активных добавок спортсменами и разработке </a:t>
             </a:r>
             <a:r>
               <a:rPr lang="ru-RU" sz="2400" dirty="0" err="1">
@@ -5985,7 +8659,23 @@
                 <a:latin typeface="Times New Roman" panose="02020603050405020304" pitchFamily="18" charset="0"/>
                 <a:ea typeface="Times New Roman" panose="02020603050405020304" pitchFamily="18" charset="0"/>
               </a:rPr>
-              <a:t>является процесс управления приёмом биологически активных добавок спортсменами.</a:t>
+              <a:t>является </a:t>
+            </a:r>
+            <a:r>
+              <a:rPr lang="ru-RU" sz="2400" i="1" dirty="0">
+                <a:effectLst/>
+                <a:latin typeface="Times New Roman" panose="02020603050405020304" pitchFamily="18" charset="0"/>
+                <a:ea typeface="Times New Roman" panose="02020603050405020304" pitchFamily="18" charset="0"/>
+              </a:rPr>
+              <a:t>процесс управления </a:t>
+            </a:r>
+            <a:r>
+              <a:rPr lang="ru-RU" sz="2400" dirty="0">
+                <a:effectLst/>
+                <a:latin typeface="Times New Roman" panose="02020603050405020304" pitchFamily="18" charset="0"/>
+                <a:ea typeface="Times New Roman" panose="02020603050405020304" pitchFamily="18" charset="0"/>
+              </a:rPr>
+              <a:t>приёмом биологически активных добавок спортсменами.</a:t>
             </a:r>
           </a:p>
           <a:p>
@@ -6006,7 +8696,7 @@
               <a:t>является </a:t>
             </a:r>
             <a:r>
-              <a:rPr lang="ru-RU" sz="2400" dirty="0" err="1">
+              <a:rPr lang="ru-RU" sz="2400" i="1" dirty="0" err="1">
                 <a:effectLst/>
                 <a:latin typeface="Times New Roman" panose="02020603050405020304" pitchFamily="18" charset="0"/>
                 <a:ea typeface="Times New Roman" panose="02020603050405020304" pitchFamily="18" charset="0"/>
@@ -6014,13 +8704,68 @@
               <a:t>Backend</a:t>
             </a:r>
             <a:r>
+              <a:rPr lang="ru-RU" sz="2400" i="1" dirty="0">
+                <a:effectLst/>
+                <a:latin typeface="Times New Roman" panose="02020603050405020304" pitchFamily="18" charset="0"/>
+                <a:ea typeface="Times New Roman" panose="02020603050405020304" pitchFamily="18" charset="0"/>
+              </a:rPr>
+              <a:t>-часть мобильного </a:t>
+            </a:r>
+            <a:r>
               <a:rPr lang="ru-RU" sz="2400" dirty="0">
                 <a:effectLst/>
                 <a:latin typeface="Times New Roman" panose="02020603050405020304" pitchFamily="18" charset="0"/>
                 <a:ea typeface="Times New Roman" panose="02020603050405020304" pitchFamily="18" charset="0"/>
               </a:rPr>
-              <a:t>-часть мобильного приложения, отвечающая за обработку данных, взаимодействие с сервером, и обеспечение функциональности по контролю тренировок и приему БАД.</a:t>
-            </a:r>
+              <a:t>приложения, отвечающая за обработку данных, взаимодействие с сервером, и обеспечение функциональности по контролю тренировок и приему БАД</a:t>
+            </a:r>
+            <a:r>
+              <a:rPr lang="en-US" sz="2400" dirty="0">
+                <a:ea typeface="Times New Roman" panose="02020603050405020304" pitchFamily="18" charset="0"/>
+              </a:rPr>
+              <a:t>,</a:t>
+            </a:r>
+            <a:r>
+              <a:rPr lang="ru-RU" sz="2400" dirty="0">
+                <a:ea typeface="Times New Roman" panose="02020603050405020304" pitchFamily="18" charset="0"/>
+              </a:rPr>
+              <a:t> а также </a:t>
+            </a:r>
+            <a:r>
+              <a:rPr lang="ru-RU" sz="2400" i="1" dirty="0">
+                <a:ea typeface="Times New Roman" panose="02020603050405020304" pitchFamily="18" charset="0"/>
+              </a:rPr>
+              <a:t>модуль</a:t>
+            </a:r>
+            <a:r>
+              <a:rPr lang="ru-RU" sz="2400" dirty="0">
+                <a:ea typeface="Times New Roman" panose="02020603050405020304" pitchFamily="18" charset="0"/>
+              </a:rPr>
+              <a:t> мобильного приложения</a:t>
+            </a:r>
+            <a:r>
+              <a:rPr lang="en-US" sz="2400" dirty="0">
+                <a:ea typeface="Times New Roman" panose="02020603050405020304" pitchFamily="18" charset="0"/>
+              </a:rPr>
+              <a:t>,</a:t>
+            </a:r>
+            <a:r>
+              <a:rPr lang="ru-RU" sz="2400" dirty="0">
+                <a:ea typeface="Times New Roman" panose="02020603050405020304" pitchFamily="18" charset="0"/>
+              </a:rPr>
+              <a:t> отвечающий за </a:t>
+            </a:r>
+            <a:r>
+              <a:rPr lang="ru-RU" sz="2400" i="1" dirty="0">
+                <a:ea typeface="Times New Roman" panose="02020603050405020304" pitchFamily="18" charset="0"/>
+              </a:rPr>
+              <a:t>управление приема БАДов</a:t>
+            </a:r>
+            <a:endParaRPr lang="ru-RU" sz="2400" i="1" dirty="0">
+              <a:effectLst/>
+              <a:latin typeface="Times New Roman" panose="02020603050405020304" pitchFamily="18" charset="0"/>
+              <a:ea typeface="Times New Roman" panose="02020603050405020304" pitchFamily="18" charset="0"/>
+            </a:endParaRPr>
           </a:p>
           <a:p>
             <a:endParaRPr lang="ru-RU" dirty="0"/>
@@ -6142,32 +8887,41 @@
           </a:bodyPr>
           <a:lstStyle/>
           <a:p>
-            <a:pPr marL="0" indent="0">
-              <a:buNone/>
-            </a:pPr>
-            <a:r>
-              <a:rPr lang="ru-RU" sz="2400" dirty="0">
-                <a:effectLst/>
-                <a:latin typeface="Times New Roman" panose="02020603050405020304" pitchFamily="18" charset="0"/>
-                <a:ea typeface="Times New Roman" panose="02020603050405020304" pitchFamily="18" charset="0"/>
-              </a:rPr>
-              <a:t>Разработанный </a:t>
-            </a:r>
-            <a:r>
-              <a:rPr lang="ru-RU" sz="2400" dirty="0" err="1">
-                <a:effectLst/>
-                <a:latin typeface="Times New Roman" panose="02020603050405020304" pitchFamily="18" charset="0"/>
-                <a:ea typeface="Times New Roman" panose="02020603050405020304" pitchFamily="18" charset="0"/>
-              </a:rPr>
-              <a:t>Backend</a:t>
-            </a:r>
-            <a:r>
-              <a:rPr lang="ru-RU" sz="2400" dirty="0">
-                <a:effectLst/>
-                <a:latin typeface="Times New Roman" panose="02020603050405020304" pitchFamily="18" charset="0"/>
-                <a:ea typeface="Times New Roman" panose="02020603050405020304" pitchFamily="18" charset="0"/>
-              </a:rPr>
-              <a:t>-продукт не только предоставит спортсменам инструмент для учета и анализа приема БАД, но и способствует повышению эффективности тренировок, а также обеспечивает ценную аналитику для специалистов в области физической подготовки.</a:t>
+            <a:r>
+              <a:rPr lang="ru-RU" sz="2400" b="1" dirty="0"/>
+              <a:t>Повышение</a:t>
+            </a:r>
+            <a:r>
+              <a:rPr lang="ru-RU" sz="2400" dirty="0"/>
+              <a:t> эффективности тренировок</a:t>
+            </a:r>
+          </a:p>
+          <a:p>
+            <a:r>
+              <a:rPr lang="ru-RU" sz="2400" dirty="0"/>
+              <a:t>Предоставление удобного инструмента для </a:t>
+            </a:r>
+            <a:r>
+              <a:rPr lang="ru-RU" sz="2400" b="1" dirty="0"/>
+              <a:t>полного</a:t>
+            </a:r>
+            <a:r>
+              <a:rPr lang="ru-RU" sz="2400" dirty="0"/>
+              <a:t> контроля спортивной деятельности</a:t>
+            </a:r>
+          </a:p>
+          <a:p>
+            <a:r>
+              <a:rPr lang="ru-RU" sz="2400" dirty="0"/>
+              <a:t>Предоставление пользователю </a:t>
+            </a:r>
+            <a:r>
+              <a:rPr lang="ru-RU" sz="2400" b="1" dirty="0"/>
+              <a:t>ценной</a:t>
+            </a:r>
+            <a:r>
+              <a:rPr lang="ru-RU" sz="2400" dirty="0"/>
+              <a:t> аналитики о его спортивной деятельности</a:t>
             </a:r>
           </a:p>
           <a:p>
@@ -6323,14 +9077,14 @@
             <p:ph idx="1"/>
             <p:extLst>
               <p:ext uri="{D42A27DB-BD31-4B8C-83A1-F6EECF244321}">
-                <p14:modId xmlns:p14="http://schemas.microsoft.com/office/powerpoint/2010/main" val="415494084"/>
+                <p14:modId xmlns:p14="http://schemas.microsoft.com/office/powerpoint/2010/main" val="3284807131"/>
               </p:ext>
             </p:extLst>
           </p:nvPr>
         </p:nvGraphicFramePr>
         <p:xfrm>
-          <a:off x="838200" y="1825625"/>
-          <a:ext cx="10515600" cy="3870960"/>
+          <a:off x="838200" y="1389386"/>
+          <a:ext cx="10515600" cy="4785360"/>
         </p:xfrm>
         <a:graphic>
           <a:graphicData uri="http://schemas.openxmlformats.org/drawingml/2006/table">
@@ -6653,7 +9407,7 @@
                           <a:latin typeface="Times New Roman" panose="02020603050405020304" pitchFamily="18" charset="0"/>
                           <a:cs typeface="Times New Roman" panose="02020603050405020304" pitchFamily="18" charset="0"/>
                         </a:rPr>
-                        <a:t>+</a:t>
+                        <a:t>-</a:t>
                       </a:r>
                     </a:p>
                   </a:txBody>
@@ -6733,6 +9487,77 @@
                 <a:extLst>
                   <a:ext uri="{0D108BD9-81ED-4DB2-BD59-A6C34878D82A}">
                     <a16:rowId xmlns:a16="http://schemas.microsoft.com/office/drawing/2014/main" val="3903834056"/>
+                  </a:ext>
+                </a:extLst>
+              </a:tr>
+              <a:tr h="0">
+                <a:tc>
+                  <a:txBody>
+                    <a:bodyPr/>
+                    <a:lstStyle/>
+                    <a:p>
+                      <a:r>
+                        <a:rPr lang="ru-RU" sz="1800" b="0" dirty="0">
+                          <a:latin typeface="Times New Roman" panose="02020603050405020304" pitchFamily="18" charset="0"/>
+                          <a:cs typeface="Times New Roman" panose="02020603050405020304" pitchFamily="18" charset="0"/>
+                        </a:rPr>
+                        <a:t>Повторное использование собственных лекарств</a:t>
+                      </a:r>
+                    </a:p>
+                  </a:txBody>
+                  <a:tcPr/>
+                </a:tc>
+                <a:tc>
+                  <a:txBody>
+                    <a:bodyPr/>
+                    <a:lstStyle/>
+                    <a:p>
+                      <a:r>
+                        <a:rPr lang="ru-RU" sz="1800" b="0" dirty="0">
+                          <a:latin typeface="Times New Roman" panose="02020603050405020304" pitchFamily="18" charset="0"/>
+                          <a:cs typeface="Times New Roman" panose="02020603050405020304" pitchFamily="18" charset="0"/>
+                        </a:rPr>
+                        <a:t>-</a:t>
+                      </a:r>
+                    </a:p>
+                  </a:txBody>
+                  <a:tcPr/>
+                </a:tc>
+                <a:tc>
+                  <a:txBody>
+                    <a:bodyPr/>
+                    <a:lstStyle/>
+                    <a:p>
+                      <a:r>
+                        <a:rPr lang="ru-RU" sz="1800" b="0" dirty="0">
+                          <a:latin typeface="Times New Roman" panose="02020603050405020304" pitchFamily="18" charset="0"/>
+                          <a:cs typeface="Times New Roman" panose="02020603050405020304" pitchFamily="18" charset="0"/>
+                        </a:rPr>
+                        <a:t>+</a:t>
+                      </a:r>
+                    </a:p>
+                  </a:txBody>
+                  <a:tcPr/>
+                </a:tc>
+                <a:tc>
+                  <a:txBody>
+                    <a:bodyPr/>
+                    <a:lstStyle/>
+                    <a:p>
+                      <a:r>
+                        <a:rPr lang="ru-RU" sz="1800" b="0" dirty="0">
+                          <a:latin typeface="Times New Roman" panose="02020603050405020304" pitchFamily="18" charset="0"/>
+                          <a:cs typeface="Times New Roman" panose="02020603050405020304" pitchFamily="18" charset="0"/>
+                        </a:rPr>
+                        <a:t>-</a:t>
+                      </a:r>
+                    </a:p>
+                  </a:txBody>
+                  <a:tcPr/>
+                </a:tc>
+                <a:extLst>
+                  <a:ext uri="{0D108BD9-81ED-4DB2-BD59-A6C34878D82A}">
+                    <a16:rowId xmlns:a16="http://schemas.microsoft.com/office/drawing/2014/main" val="2871313686"/>
                   </a:ext>
                 </a:extLst>
               </a:tr>

--- a/Documentation/Documentation Backend/Презентация-Чупинин-Антон-Павлович.pptx
+++ b/Documentation/Documentation Backend/Презентация-Чупинин-Антон-Павлович.pptx
@@ -237,6 +237,11 @@
               </a:ln>
               <a:effectLst/>
             </c:spPr>
+            <c:extLst>
+              <c:ext xmlns:c16="http://schemas.microsoft.com/office/drawing/2014/chart" uri="{C3380CC4-5D6E-409C-BE32-E72D297353CC}">
+                <c16:uniqueId val="{00000001-424F-4D72-88B9-836EF5263449}"/>
+              </c:ext>
+            </c:extLst>
           </c:dPt>
           <c:dPt>
             <c:idx val="1"/>
@@ -252,6 +257,11 @@
               </a:ln>
               <a:effectLst/>
             </c:spPr>
+            <c:extLst>
+              <c:ext xmlns:c16="http://schemas.microsoft.com/office/drawing/2014/chart" uri="{C3380CC4-5D6E-409C-BE32-E72D297353CC}">
+                <c16:uniqueId val="{00000003-424F-4D72-88B9-836EF5263449}"/>
+              </c:ext>
+            </c:extLst>
           </c:dPt>
           <c:dPt>
             <c:idx val="2"/>
@@ -267,6 +277,11 @@
               </a:ln>
               <a:effectLst/>
             </c:spPr>
+            <c:extLst>
+              <c:ext xmlns:c16="http://schemas.microsoft.com/office/drawing/2014/chart" uri="{C3380CC4-5D6E-409C-BE32-E72D297353CC}">
+                <c16:uniqueId val="{00000005-424F-4D72-88B9-836EF5263449}"/>
+              </c:ext>
+            </c:extLst>
           </c:dPt>
           <c:dLbls>
             <c:spPr>
@@ -552,6 +567,11 @@
               </a:ln>
               <a:effectLst/>
             </c:spPr>
+            <c:extLst>
+              <c:ext xmlns:c16="http://schemas.microsoft.com/office/drawing/2014/chart" uri="{C3380CC4-5D6E-409C-BE32-E72D297353CC}">
+                <c16:uniqueId val="{00000001-87AF-45D4-816F-C5CF8CAEC2E0}"/>
+              </c:ext>
+            </c:extLst>
           </c:dPt>
           <c:dPt>
             <c:idx val="1"/>
@@ -567,6 +587,11 @@
               </a:ln>
               <a:effectLst/>
             </c:spPr>
+            <c:extLst>
+              <c:ext xmlns:c16="http://schemas.microsoft.com/office/drawing/2014/chart" uri="{C3380CC4-5D6E-409C-BE32-E72D297353CC}">
+                <c16:uniqueId val="{00000003-87AF-45D4-816F-C5CF8CAEC2E0}"/>
+              </c:ext>
+            </c:extLst>
           </c:dPt>
           <c:dPt>
             <c:idx val="2"/>
@@ -582,6 +607,11 @@
               </a:ln>
               <a:effectLst/>
             </c:spPr>
+            <c:extLst>
+              <c:ext xmlns:c16="http://schemas.microsoft.com/office/drawing/2014/chart" uri="{C3380CC4-5D6E-409C-BE32-E72D297353CC}">
+                <c16:uniqueId val="{00000005-87AF-45D4-816F-C5CF8CAEC2E0}"/>
+              </c:ext>
+            </c:extLst>
           </c:dPt>
           <c:dLbls>
             <c:spPr>
@@ -1959,7 +1989,7 @@
           <a:p>
             <a:fld id="{ADF28BAD-F9DA-4D7E-AF79-E21FA8ADBBF1}" type="datetimeFigureOut">
               <a:rPr lang="ru-RU" smtClean="0"/>
-              <a:t>22.05.2024</a:t>
+              <a:t>26.05.2024</a:t>
             </a:fld>
             <a:endParaRPr lang="ru-RU"/>
           </a:p>
@@ -2373,7 +2403,7 @@
           <a:p>
             <a:fld id="{D7AB4555-AE77-4BC7-B6BC-9ED5B9EBCB12}" type="datetime1">
               <a:rPr lang="ru-RU" smtClean="0"/>
-              <a:t>22.05.2024</a:t>
+              <a:t>26.05.2024</a:t>
             </a:fld>
             <a:endParaRPr lang="ru-RU"/>
           </a:p>
@@ -2571,7 +2601,7 @@
           <a:p>
             <a:fld id="{FA19214F-97FA-4C39-A414-EFA5A00A88FE}" type="datetime1">
               <a:rPr lang="ru-RU" smtClean="0"/>
-              <a:t>22.05.2024</a:t>
+              <a:t>26.05.2024</a:t>
             </a:fld>
             <a:endParaRPr lang="ru-RU"/>
           </a:p>
@@ -2779,7 +2809,7 @@
           <a:p>
             <a:fld id="{4BEE74BB-11C8-4F2D-9C19-380E7A1290C1}" type="datetime1">
               <a:rPr lang="ru-RU" smtClean="0"/>
-              <a:t>22.05.2024</a:t>
+              <a:t>26.05.2024</a:t>
             </a:fld>
             <a:endParaRPr lang="ru-RU"/>
           </a:p>
@@ -3017,7 +3047,7 @@
           <a:p>
             <a:fld id="{2BAC947A-180F-4D82-AC63-C49D80A4E5B0}" type="datetime1">
               <a:rPr lang="ru-RU" smtClean="0"/>
-              <a:t>22.05.2024</a:t>
+              <a:t>26.05.2024</a:t>
             </a:fld>
             <a:endParaRPr lang="ru-RU"/>
           </a:p>
@@ -3300,7 +3330,7 @@
           <a:p>
             <a:fld id="{8E324735-8C40-42F7-9769-1E279094EB74}" type="datetime1">
               <a:rPr lang="ru-RU" smtClean="0"/>
-              <a:t>22.05.2024</a:t>
+              <a:t>26.05.2024</a:t>
             </a:fld>
             <a:endParaRPr lang="ru-RU"/>
           </a:p>
@@ -3565,7 +3595,7 @@
           <a:p>
             <a:fld id="{018C1EA3-C171-436B-8D2B-9688A76B4971}" type="datetime1">
               <a:rPr lang="ru-RU" smtClean="0"/>
-              <a:t>22.05.2024</a:t>
+              <a:t>26.05.2024</a:t>
             </a:fld>
             <a:endParaRPr lang="ru-RU"/>
           </a:p>
@@ -3977,7 +4007,7 @@
           <a:p>
             <a:fld id="{D17EEB80-CE53-489C-8238-322DF4AD3B46}" type="datetime1">
               <a:rPr lang="ru-RU" smtClean="0"/>
-              <a:t>22.05.2024</a:t>
+              <a:t>26.05.2024</a:t>
             </a:fld>
             <a:endParaRPr lang="ru-RU"/>
           </a:p>
@@ -4118,7 +4148,7 @@
           <a:p>
             <a:fld id="{EEE35B50-1F0F-4310-BBC8-4944CDD50B5A}" type="datetime1">
               <a:rPr lang="ru-RU" smtClean="0"/>
-              <a:t>22.05.2024</a:t>
+              <a:t>26.05.2024</a:t>
             </a:fld>
             <a:endParaRPr lang="ru-RU"/>
           </a:p>
@@ -4231,7 +4261,7 @@
           <a:p>
             <a:fld id="{DA361EAA-2D4B-4286-B509-836340345F84}" type="datetime1">
               <a:rPr lang="ru-RU" smtClean="0"/>
-              <a:t>22.05.2024</a:t>
+              <a:t>26.05.2024</a:t>
             </a:fld>
             <a:endParaRPr lang="ru-RU"/>
           </a:p>
@@ -4542,7 +4572,7 @@
           <a:p>
             <a:fld id="{D8A6F7BA-2109-47E1-AD62-382559DA226B}" type="datetime1">
               <a:rPr lang="ru-RU" smtClean="0"/>
-              <a:t>22.05.2024</a:t>
+              <a:t>26.05.2024</a:t>
             </a:fld>
             <a:endParaRPr lang="ru-RU"/>
           </a:p>
@@ -4830,7 +4860,7 @@
           <a:p>
             <a:fld id="{5EFE2794-CDA8-4EA9-BD08-92616DB8DFB6}" type="datetime1">
               <a:rPr lang="ru-RU" smtClean="0"/>
-              <a:t>22.05.2024</a:t>
+              <a:t>26.05.2024</a:t>
             </a:fld>
             <a:endParaRPr lang="ru-RU"/>
           </a:p>
@@ -5071,7 +5101,7 @@
           <a:p>
             <a:fld id="{2375868C-673B-4CA4-A444-ED0A6723E605}" type="datetime1">
               <a:rPr lang="ru-RU" smtClean="0"/>
-              <a:t>22.05.2024</a:t>
+              <a:t>26.05.2024</a:t>
             </a:fld>
             <a:endParaRPr lang="ru-RU"/>
           </a:p>
@@ -7356,10 +7386,10 @@
       </p:sp>
       <p:pic>
         <p:nvPicPr>
-          <p:cNvPr id="16" name="Объект 15">
-            <a:extLst>
-              <a:ext uri="{FF2B5EF4-FFF2-40B4-BE49-F238E27FC236}">
-                <a16:creationId xmlns:a16="http://schemas.microsoft.com/office/drawing/2014/main" id="{0B90E03B-4A61-2942-75BA-4FE3BEFF158B}"/>
+          <p:cNvPr id="13" name="Объект 12" descr="Изображение выглядит как текст, снимок экрана, диаграмма, Параллельный&#10;&#10;Автоматически созданное описание">
+            <a:extLst>
+              <a:ext uri="{FF2B5EF4-FFF2-40B4-BE49-F238E27FC236}">
+                <a16:creationId xmlns:a16="http://schemas.microsoft.com/office/drawing/2014/main" id="{47BA2A88-29B7-1EC2-755F-0BF342E18D9C}"/>
               </a:ext>
             </a:extLst>
           </p:cNvPr>
@@ -7371,15 +7401,21 @@
           </p:nvPr>
         </p:nvPicPr>
         <p:blipFill>
-          <a:blip r:embed="rId2"/>
+          <a:blip r:embed="rId2">
+            <a:extLst>
+              <a:ext uri="{28A0092B-C50C-407E-A947-70E740481C1C}">
+                <a14:useLocalDpi xmlns:a14="http://schemas.microsoft.com/office/drawing/2010/main" val="0"/>
+              </a:ext>
+            </a:extLst>
+          </a:blip>
           <a:stretch>
             <a:fillRect/>
           </a:stretch>
         </p:blipFill>
         <p:spPr>
           <a:xfrm>
-            <a:off x="1657350" y="988096"/>
-            <a:ext cx="7851965" cy="5368254"/>
+            <a:off x="1838326" y="1028001"/>
+            <a:ext cx="7445978" cy="5829999"/>
           </a:xfrm>
         </p:spPr>
       </p:pic>
